--- a/PowerShell Fundamentals.pptx
+++ b/PowerShell Fundamentals.pptx
@@ -2987,6 +2987,38 @@
           <a:chExt cx="0" cy="0"/>
         </a:xfrm>
       </p:grpSpPr>
+      <p:pic>
+        <p:nvPicPr>
+          <p:cNvPr id="11" name="Picture 10">
+            <a:extLst>
+              <a:ext uri="{FF2B5EF4-FFF2-40B4-BE49-F238E27FC236}">
+                <a16:creationId xmlns:a16="http://schemas.microsoft.com/office/drawing/2014/main" id="{14CCEC47-10E4-DE08-96EE-B1C9A5C018DC}"/>
+              </a:ext>
+            </a:extLst>
+          </p:cNvPr>
+          <p:cNvPicPr>
+            <a:picLocks noChangeAspect="1"/>
+          </p:cNvPicPr>
+          <p:nvPr userDrawn="1"/>
+        </p:nvPicPr>
+        <p:blipFill>
+          <a:blip r:embed="rId2">
+            <a:alphaModFix amt="70000"/>
+          </a:blip>
+          <a:stretch>
+            <a:fillRect/>
+          </a:stretch>
+        </p:blipFill>
+        <p:spPr>
+          <a:xfrm>
+            <a:off x="5543123" y="457200"/>
+            <a:ext cx="5809089" cy="3442479"/>
+          </a:xfrm>
+          <a:prstGeom prst="rect">
+            <a:avLst/>
+          </a:prstGeom>
+        </p:spPr>
+      </p:pic>
       <p:sp>
         <p:nvSpPr>
           <p:cNvPr id="2" name="Title 1">
@@ -3851,6 +3883,49 @@
           <a:xfrm>
             <a:off x="779349" y="6289307"/>
             <a:ext cx="1430451" cy="432168"/>
+          </a:xfrm>
+          <a:prstGeom prst="rect">
+            <a:avLst/>
+          </a:prstGeom>
+        </p:spPr>
+      </p:pic>
+      <p:pic>
+        <p:nvPicPr>
+          <p:cNvPr id="7" name="Picture 6">
+            <a:extLst>
+              <a:ext uri="{FF2B5EF4-FFF2-40B4-BE49-F238E27FC236}">
+                <a16:creationId xmlns:a16="http://schemas.microsoft.com/office/drawing/2014/main" id="{3BDBC0EB-444C-0474-59D8-7449BC1D993E}"/>
+              </a:ext>
+            </a:extLst>
+          </p:cNvPr>
+          <p:cNvPicPr>
+            <a:picLocks noChangeAspect="1"/>
+          </p:cNvPicPr>
+          <p:nvPr userDrawn="1"/>
+        </p:nvPicPr>
+        <p:blipFill>
+          <a:blip r:embed="rId15">
+            <a:alphaModFix amt="20000"/>
+            <a:extLst>
+              <a:ext uri="{BEBA8EAE-BF5A-486C-A8C5-ECC9F3942E4B}">
+                <a14:imgProps xmlns:a14="http://schemas.microsoft.com/office/drawing/2010/main">
+                  <a14:imgLayer r:embed="rId16">
+                    <a14:imgEffect>
+                      <a14:sharpenSoften amount="-100000"/>
+                    </a14:imgEffect>
+                  </a14:imgLayer>
+                </a14:imgProps>
+              </a:ext>
+            </a:extLst>
+          </a:blip>
+          <a:stretch>
+            <a:fillRect/>
+          </a:stretch>
+        </p:blipFill>
+        <p:spPr>
+          <a:xfrm>
+            <a:off x="10184835" y="5404546"/>
+            <a:ext cx="1544834" cy="1544834"/>
           </a:xfrm>
           <a:prstGeom prst="rect">
             <a:avLst/>

--- a/PowerShell Fundamentals.pptx
+++ b/PowerShell Fundamentals.pptx
@@ -7825,28 +7825,19 @@
           <a:p>
             <a:pPr lvl="1"/>
             <a:r>
-              <a:rPr lang="en-US" b="0" i="0" u="none" strike="noStrike" baseline="0" dirty="0">
-                <a:latin typeface="Arial" panose="020B0604020202020204" pitchFamily="34" charset="0"/>
-              </a:rPr>
-              <a:t>Preferences</a:t>
+              <a:rPr lang="en-US" dirty="0">
+                <a:latin typeface="Arial" panose="020B0604020202020204" pitchFamily="34" charset="0"/>
+              </a:rPr>
+              <a:t>$true / $false</a:t>
             </a:r>
           </a:p>
           <a:p>
             <a:pPr lvl="1"/>
             <a:r>
-              <a:rPr lang="en-US" b="0" i="0" u="none" strike="noStrike" baseline="0" dirty="0">
-                <a:latin typeface="Arial" panose="020B0604020202020204" pitchFamily="34" charset="0"/>
-              </a:rPr>
-              <a:t>Error</a:t>
-            </a:r>
-          </a:p>
-          <a:p>
-            <a:pPr lvl="1"/>
-            <a:r>
-              <a:rPr lang="en-US" b="0" i="0" u="none" strike="noStrike" baseline="0" dirty="0" err="1">
-                <a:latin typeface="Arial" panose="020B0604020202020204" pitchFamily="34" charset="0"/>
-              </a:rPr>
-              <a:t>ErrorView</a:t>
+              <a:rPr lang="en-US" dirty="0">
+                <a:latin typeface="Arial" panose="020B0604020202020204" pitchFamily="34" charset="0"/>
+              </a:rPr>
+              <a:t>$null</a:t>
             </a:r>
             <a:endParaRPr lang="en-US" b="0" i="0" u="none" strike="noStrike" baseline="0" dirty="0">
               <a:latin typeface="Arial" panose="020B0604020202020204" pitchFamily="34" charset="0"/>
@@ -7855,10 +7846,28 @@
           <a:p>
             <a:pPr lvl="1"/>
             <a:r>
+              <a:rPr lang="en-US" b="0" i="0" u="none" strike="noStrike" baseline="0" dirty="0">
+                <a:latin typeface="Arial" panose="020B0604020202020204" pitchFamily="34" charset="0"/>
+              </a:rPr>
+              <a:t>Preferences</a:t>
+            </a:r>
+          </a:p>
+          <a:p>
+            <a:pPr lvl="1"/>
+            <a:r>
+              <a:rPr lang="en-US" b="0" i="0" u="none" strike="noStrike" baseline="0" dirty="0">
+                <a:latin typeface="Arial" panose="020B0604020202020204" pitchFamily="34" charset="0"/>
+              </a:rPr>
+              <a:t>Error</a:t>
+            </a:r>
+          </a:p>
+          <a:p>
+            <a:pPr lvl="1"/>
+            <a:r>
               <a:rPr lang="en-US" b="0" i="0" u="none" strike="noStrike" baseline="0" dirty="0" err="1">
                 <a:latin typeface="Arial" panose="020B0604020202020204" pitchFamily="34" charset="0"/>
               </a:rPr>
-              <a:t>PSVersionTable</a:t>
+              <a:t>ErrorView</a:t>
             </a:r>
             <a:endParaRPr lang="en-US" b="0" i="0" u="none" strike="noStrike" baseline="0" dirty="0">
               <a:latin typeface="Arial" panose="020B0604020202020204" pitchFamily="34" charset="0"/>
@@ -7870,7 +7879,30 @@
               <a:rPr lang="en-US" b="0" i="0" u="none" strike="noStrike" baseline="0" dirty="0" err="1">
                 <a:latin typeface="Arial" panose="020B0604020202020204" pitchFamily="34" charset="0"/>
               </a:rPr>
+              <a:t>PSVersionTable</a:t>
+            </a:r>
+            <a:endParaRPr lang="en-US" b="0" i="0" u="none" strike="noStrike" baseline="0" dirty="0">
+              <a:latin typeface="Arial" panose="020B0604020202020204" pitchFamily="34" charset="0"/>
+            </a:endParaRPr>
+          </a:p>
+          <a:p>
+            <a:pPr lvl="1"/>
+            <a:r>
+              <a:rPr lang="en-US" b="0" i="0" u="none" strike="noStrike" baseline="0" dirty="0" err="1">
+                <a:latin typeface="Arial" panose="020B0604020202020204" pitchFamily="34" charset="0"/>
+              </a:rPr>
               <a:t>Env:PSModulePath</a:t>
+            </a:r>
+            <a:endParaRPr lang="en-US" b="0" i="0" u="none" strike="noStrike" baseline="0" dirty="0">
+              <a:latin typeface="Arial" panose="020B0604020202020204" pitchFamily="34" charset="0"/>
+            </a:endParaRPr>
+          </a:p>
+          <a:p>
+            <a:r>
+              <a:rPr lang="en-US" dirty="0">
+                <a:latin typeface="Arial" panose="020B0604020202020204" pitchFamily="34" charset="0"/>
+              </a:rPr>
+              <a:t>Get-Variable</a:t>
             </a:r>
             <a:endParaRPr lang="en-US" b="0" i="0" u="none" strike="noStrike" baseline="0" dirty="0">
               <a:latin typeface="Arial" panose="020B0604020202020204" pitchFamily="34" charset="0"/>

--- a/PowerShell Fundamentals.pptx
+++ b/PowerShell Fundamentals.pptx
@@ -404,7 +404,7 @@
           <a:p>
             <a:fld id="{11BE664F-9A4E-421C-8905-E251DED2D814}" type="datetimeFigureOut">
               <a:rPr lang="en-SE" smtClean="0"/>
-              <a:t>2024-08-02</a:t>
+              <a:t>2025-01-17</a:t>
             </a:fld>
             <a:endParaRPr lang="en-SE"/>
           </a:p>
@@ -8697,7 +8697,7 @@
                 <a:latin typeface="Arial" panose="020B0604020202020204" pitchFamily="34" charset="0"/>
                 <a:hlinkClick r:id="rId3"/>
               </a:rPr>
-              <a:t>@bjompen@mastodon.nu</a:t>
+              <a:t>https://bsky.app/profile/bjompen.com</a:t>
             </a:r>
             <a:endParaRPr lang="en-GB" b="0" i="0" u="none" strike="noStrike" baseline="0" dirty="0">
               <a:latin typeface="Arial" panose="020B0604020202020204" pitchFamily="34" charset="0"/>

--- a/PowerShell Fundamentals.pptx
+++ b/PowerShell Fundamentals.pptx
@@ -404,7 +404,7 @@
           <a:p>
             <a:fld id="{11BE664F-9A4E-421C-8905-E251DED2D814}" type="datetimeFigureOut">
               <a:rPr lang="en-SE" smtClean="0"/>
-              <a:t>2025-01-17</a:t>
+              <a:t>2025-01-22</a:t>
             </a:fld>
             <a:endParaRPr lang="en-SE"/>
           </a:p>
@@ -8708,6 +8708,41 @@
               <a:rPr lang="en-GB" dirty="0">
                 <a:latin typeface="Arial" panose="020B0604020202020204" pitchFamily="34" charset="0"/>
               </a:rPr>
+              <a:t>Elias Tångring</a:t>
+            </a:r>
+          </a:p>
+          <a:p>
+            <a:pPr lvl="1"/>
+            <a:r>
+              <a:rPr lang="en-GB" b="0" i="0" u="none" strike="noStrike" baseline="0" dirty="0" err="1">
+                <a:latin typeface="Arial" panose="020B0604020202020204" pitchFamily="34" charset="0"/>
+                <a:hlinkClick r:id="rId4"/>
+              </a:rPr>
+              <a:t>Elias.tangring@</a:t>
+            </a:r>
+            <a:r>
+              <a:rPr lang="en-GB" b="0" i="0" u="none" strike="noStrike" baseline="0" err="1">
+                <a:latin typeface="Arial" panose="020B0604020202020204" pitchFamily="34" charset="0"/>
+                <a:hlinkClick r:id="rId4"/>
+              </a:rPr>
+              <a:t>advania</a:t>
+            </a:r>
+            <a:r>
+              <a:rPr lang="en-GB" b="0" i="0" u="none" strike="noStrike" baseline="0">
+                <a:latin typeface="Arial" panose="020B0604020202020204" pitchFamily="34" charset="0"/>
+                <a:hlinkClick r:id="rId4"/>
+              </a:rPr>
+              <a:t>.se</a:t>
+            </a:r>
+            <a:endParaRPr lang="en-GB" b="0" i="0" u="none" strike="noStrike" baseline="0" dirty="0">
+              <a:latin typeface="Arial" panose="020B0604020202020204" pitchFamily="34" charset="0"/>
+            </a:endParaRPr>
+          </a:p>
+          <a:p>
+            <a:r>
+              <a:rPr lang="en-GB" dirty="0">
+                <a:latin typeface="Arial" panose="020B0604020202020204" pitchFamily="34" charset="0"/>
+              </a:rPr>
               <a:t>You?</a:t>
             </a:r>
           </a:p>
@@ -14355,26 +14390,17 @@
               <a:rPr lang="en-US" b="0" i="0" u="none" strike="noStrike" baseline="0" dirty="0">
                 <a:latin typeface="Arial" panose="020B0604020202020204" pitchFamily="34" charset="0"/>
               </a:rPr>
-              <a:t>1..10 | Foreach-Object</a:t>
-            </a:r>
-          </a:p>
-          <a:p>
-            <a:pPr lvl="1"/>
-            <a:r>
-              <a:rPr lang="en-US" b="0" i="0" u="none" strike="noStrike" baseline="0" dirty="0">
-                <a:latin typeface="Arial" panose="020B0604020202020204" pitchFamily="34" charset="0"/>
-              </a:rPr>
-              <a:t>if</a:t>
-            </a:r>
-          </a:p>
-          <a:p>
-            <a:pPr lvl="1"/>
-            <a:r>
-              <a:rPr lang="en-US" b="0" i="0" u="none" strike="noStrike" baseline="0" dirty="0">
-                <a:latin typeface="Arial" panose="020B0604020202020204" pitchFamily="34" charset="0"/>
-              </a:rPr>
-              <a:t>switch</a:t>
-            </a:r>
+              <a:t>1..10 </a:t>
+            </a:r>
+            <a:r>
+              <a:rPr lang="en-US" b="0" i="0" u="none" strike="noStrike" baseline="0">
+                <a:latin typeface="Arial" panose="020B0604020202020204" pitchFamily="34" charset="0"/>
+              </a:rPr>
+              <a:t>| Foreach-Object</a:t>
+            </a:r>
+            <a:endParaRPr lang="en-US" b="0" i="0" u="none" strike="noStrike" baseline="0" dirty="0">
+              <a:latin typeface="Arial" panose="020B0604020202020204" pitchFamily="34" charset="0"/>
+            </a:endParaRPr>
           </a:p>
           <a:p>
             <a:pPr marR="0" lvl="0" rtl="0"/>

--- a/PowerShell Fundamentals.pptx
+++ b/PowerShell Fundamentals.pptx
@@ -5,7 +5,7 @@
     <p:sldMasterId id="2147483648" r:id="rId1"/>
   </p:sldMasterIdLst>
   <p:notesMasterIdLst>
-    <p:notesMasterId r:id="rId76"/>
+    <p:notesMasterId r:id="rId77"/>
   </p:notesMasterIdLst>
   <p:sldIdLst>
     <p:sldId id="256" r:id="rId2"/>
@@ -37,51 +37,52 @@
     <p:sldId id="341" r:id="rId28"/>
     <p:sldId id="342" r:id="rId29"/>
     <p:sldId id="371" r:id="rId30"/>
-    <p:sldId id="372" r:id="rId31"/>
-    <p:sldId id="373" r:id="rId32"/>
-    <p:sldId id="343" r:id="rId33"/>
-    <p:sldId id="344" r:id="rId34"/>
-    <p:sldId id="345" r:id="rId35"/>
-    <p:sldId id="374" r:id="rId36"/>
-    <p:sldId id="375" r:id="rId37"/>
-    <p:sldId id="346" r:id="rId38"/>
-    <p:sldId id="347" r:id="rId39"/>
-    <p:sldId id="348" r:id="rId40"/>
-    <p:sldId id="376" r:id="rId41"/>
-    <p:sldId id="377" r:id="rId42"/>
-    <p:sldId id="379" r:id="rId43"/>
-    <p:sldId id="380" r:id="rId44"/>
-    <p:sldId id="381" r:id="rId45"/>
-    <p:sldId id="382" r:id="rId46"/>
-    <p:sldId id="383" r:id="rId47"/>
-    <p:sldId id="378" r:id="rId48"/>
-    <p:sldId id="350" r:id="rId49"/>
-    <p:sldId id="351" r:id="rId50"/>
-    <p:sldId id="390" r:id="rId51"/>
-    <p:sldId id="391" r:id="rId52"/>
-    <p:sldId id="392" r:id="rId53"/>
-    <p:sldId id="352" r:id="rId54"/>
-    <p:sldId id="384" r:id="rId55"/>
-    <p:sldId id="385" r:id="rId56"/>
-    <p:sldId id="393" r:id="rId57"/>
-    <p:sldId id="395" r:id="rId58"/>
-    <p:sldId id="396" r:id="rId59"/>
-    <p:sldId id="397" r:id="rId60"/>
-    <p:sldId id="394" r:id="rId61"/>
-    <p:sldId id="386" r:id="rId62"/>
-    <p:sldId id="387" r:id="rId63"/>
-    <p:sldId id="388" r:id="rId64"/>
-    <p:sldId id="398" r:id="rId65"/>
-    <p:sldId id="399" r:id="rId66"/>
-    <p:sldId id="353" r:id="rId67"/>
-    <p:sldId id="354" r:id="rId68"/>
-    <p:sldId id="356" r:id="rId69"/>
-    <p:sldId id="357" r:id="rId70"/>
-    <p:sldId id="400" r:id="rId71"/>
-    <p:sldId id="362" r:id="rId72"/>
-    <p:sldId id="363" r:id="rId73"/>
-    <p:sldId id="364" r:id="rId74"/>
-    <p:sldId id="333" r:id="rId75"/>
+    <p:sldId id="405" r:id="rId31"/>
+    <p:sldId id="372" r:id="rId32"/>
+    <p:sldId id="373" r:id="rId33"/>
+    <p:sldId id="343" r:id="rId34"/>
+    <p:sldId id="344" r:id="rId35"/>
+    <p:sldId id="345" r:id="rId36"/>
+    <p:sldId id="374" r:id="rId37"/>
+    <p:sldId id="375" r:id="rId38"/>
+    <p:sldId id="346" r:id="rId39"/>
+    <p:sldId id="347" r:id="rId40"/>
+    <p:sldId id="348" r:id="rId41"/>
+    <p:sldId id="376" r:id="rId42"/>
+    <p:sldId id="377" r:id="rId43"/>
+    <p:sldId id="379" r:id="rId44"/>
+    <p:sldId id="380" r:id="rId45"/>
+    <p:sldId id="381" r:id="rId46"/>
+    <p:sldId id="382" r:id="rId47"/>
+    <p:sldId id="383" r:id="rId48"/>
+    <p:sldId id="378" r:id="rId49"/>
+    <p:sldId id="350" r:id="rId50"/>
+    <p:sldId id="351" r:id="rId51"/>
+    <p:sldId id="390" r:id="rId52"/>
+    <p:sldId id="391" r:id="rId53"/>
+    <p:sldId id="392" r:id="rId54"/>
+    <p:sldId id="352" r:id="rId55"/>
+    <p:sldId id="384" r:id="rId56"/>
+    <p:sldId id="385" r:id="rId57"/>
+    <p:sldId id="393" r:id="rId58"/>
+    <p:sldId id="395" r:id="rId59"/>
+    <p:sldId id="396" r:id="rId60"/>
+    <p:sldId id="397" r:id="rId61"/>
+    <p:sldId id="394" r:id="rId62"/>
+    <p:sldId id="386" r:id="rId63"/>
+    <p:sldId id="387" r:id="rId64"/>
+    <p:sldId id="388" r:id="rId65"/>
+    <p:sldId id="398" r:id="rId66"/>
+    <p:sldId id="399" r:id="rId67"/>
+    <p:sldId id="353" r:id="rId68"/>
+    <p:sldId id="354" r:id="rId69"/>
+    <p:sldId id="356" r:id="rId70"/>
+    <p:sldId id="357" r:id="rId71"/>
+    <p:sldId id="400" r:id="rId72"/>
+    <p:sldId id="362" r:id="rId73"/>
+    <p:sldId id="363" r:id="rId74"/>
+    <p:sldId id="364" r:id="rId75"/>
+    <p:sldId id="333" r:id="rId76"/>
   </p:sldIdLst>
   <p:sldSz cx="12192000" cy="6858000"/>
   <p:notesSz cx="6858000" cy="9144000"/>
@@ -234,6 +235,7 @@
             <p14:sldId id="341"/>
             <p14:sldId id="342"/>
             <p14:sldId id="371"/>
+            <p14:sldId id="405"/>
             <p14:sldId id="372"/>
             <p14:sldId id="373"/>
             <p14:sldId id="343"/>
@@ -678,6 +680,114 @@
     </a:lvl9pPr>
   </p:notesStyle>
 </p:notesMaster>
+</file>
+
+<file path=ppt/notesSlides/notesSlide1.xml><?xml version="1.0" encoding="utf-8"?>
+<p:notes xmlns:a="http://schemas.openxmlformats.org/drawingml/2006/main" xmlns:r="http://schemas.openxmlformats.org/officeDocument/2006/relationships" xmlns:p="http://schemas.openxmlformats.org/presentationml/2006/main">
+  <p:cSld>
+    <p:spTree>
+      <p:nvGrpSpPr>
+        <p:cNvPr id="1" name=""/>
+        <p:cNvGrpSpPr/>
+        <p:nvPr/>
+      </p:nvGrpSpPr>
+      <p:grpSpPr>
+        <a:xfrm>
+          <a:off x="0" y="0"/>
+          <a:ext cx="0" cy="0"/>
+          <a:chOff x="0" y="0"/>
+          <a:chExt cx="0" cy="0"/>
+        </a:xfrm>
+      </p:grpSpPr>
+      <p:sp>
+        <p:nvSpPr>
+          <p:cNvPr id="2" name="Slide Image Placeholder 1"/>
+          <p:cNvSpPr>
+            <a:spLocks noGrp="1" noRot="1" noChangeAspect="1"/>
+          </p:cNvSpPr>
+          <p:nvPr>
+            <p:ph type="sldImg"/>
+          </p:nvPr>
+        </p:nvSpPr>
+        <p:spPr/>
+      </p:sp>
+      <p:sp>
+        <p:nvSpPr>
+          <p:cNvPr id="3" name="Notes Placeholder 2"/>
+          <p:cNvSpPr>
+            <a:spLocks noGrp="1"/>
+          </p:cNvSpPr>
+          <p:nvPr>
+            <p:ph type="body" idx="1"/>
+          </p:nvPr>
+        </p:nvSpPr>
+        <p:spPr/>
+        <p:txBody>
+          <a:bodyPr/>
+          <a:lstStyle/>
+          <a:p>
+            <a:r>
+              <a:rPr lang="en-US" dirty="0" err="1"/>
+              <a:t>iex</a:t>
+            </a:r>
+            <a:r>
+              <a:rPr lang="en-US" dirty="0"/>
+              <a:t> (New-Object </a:t>
+            </a:r>
+            <a:r>
+              <a:rPr lang="en-US" dirty="0" err="1"/>
+              <a:t>Net.WebClient</a:t>
+            </a:r>
+            <a:r>
+              <a:rPr lang="en-US" dirty="0"/>
+              <a:t>).</a:t>
+            </a:r>
+            <a:r>
+              <a:rPr lang="en-US" dirty="0" err="1"/>
+              <a:t>DownloadString</a:t>
+            </a:r>
+            <a:r>
+              <a:rPr lang="en-US" dirty="0"/>
+              <a:t>("http://bit.ly/e0Mw9w")</a:t>
+            </a:r>
+            <a:endParaRPr lang="en-SE" dirty="0"/>
+          </a:p>
+        </p:txBody>
+      </p:sp>
+      <p:sp>
+        <p:nvSpPr>
+          <p:cNvPr id="4" name="Slide Number Placeholder 3"/>
+          <p:cNvSpPr>
+            <a:spLocks noGrp="1"/>
+          </p:cNvSpPr>
+          <p:nvPr>
+            <p:ph type="sldNum" sz="quarter" idx="5"/>
+          </p:nvPr>
+        </p:nvSpPr>
+        <p:spPr/>
+        <p:txBody>
+          <a:bodyPr/>
+          <a:lstStyle/>
+          <a:p>
+            <a:fld id="{19592BCA-B8D7-4059-A661-C132E0F5E2FC}" type="slidenum">
+              <a:rPr lang="en-SE" smtClean="0"/>
+              <a:t>71</a:t>
+            </a:fld>
+            <a:endParaRPr lang="en-SE"/>
+          </a:p>
+        </p:txBody>
+      </p:sp>
+    </p:spTree>
+    <p:extLst>
+      <p:ext uri="{BB962C8B-B14F-4D97-AF65-F5344CB8AC3E}">
+        <p14:creationId xmlns:p14="http://schemas.microsoft.com/office/powerpoint/2010/main" val="2193961142"/>
+      </p:ext>
+    </p:extLst>
+  </p:cSld>
+  <p:clrMapOvr>
+    <a:masterClrMapping/>
+  </p:clrMapOvr>
+</p:notes>
 </file>
 
 <file path=ppt/slideLayouts/slideLayout1.xml><?xml version="1.0" encoding="utf-8"?>
@@ -8637,36 +8747,6 @@
             </a:r>
           </a:p>
           <a:p>
-            <a:pPr lvl="1"/>
-            <a:r>
-              <a:rPr lang="en-US" b="0" i="0" u="none" strike="noStrike" baseline="0" dirty="0">
-                <a:latin typeface="Arial" panose="020B0604020202020204" pitchFamily="34" charset="0"/>
-              </a:rPr>
-              <a:t>Lists</a:t>
-            </a:r>
-          </a:p>
-          <a:p>
-            <a:pPr lvl="2"/>
-            <a:r>
-              <a:rPr lang="en-US" b="0" i="0" u="none" strike="noStrike" baseline="0" dirty="0">
-                <a:latin typeface="Arial" panose="020B0604020202020204" pitchFamily="34" charset="0"/>
-              </a:rPr>
-              <a:t>Array</a:t>
-            </a:r>
-          </a:p>
-          <a:p>
-            <a:pPr lvl="2"/>
-            <a:r>
-              <a:rPr lang="en-US" b="0" i="0" u="none" strike="noStrike" baseline="0" dirty="0" err="1">
-                <a:latin typeface="Arial" panose="020B0604020202020204" pitchFamily="34" charset="0"/>
-              </a:rPr>
-              <a:t>Hashtables</a:t>
-            </a:r>
-            <a:endParaRPr lang="en-US" b="0" i="0" u="none" strike="noStrike" baseline="0" dirty="0">
-              <a:latin typeface="Arial" panose="020B0604020202020204" pitchFamily="34" charset="0"/>
-            </a:endParaRPr>
-          </a:p>
-          <a:p>
             <a:pPr marR="0" lvl="0" rtl="0"/>
             <a:r>
               <a:rPr lang="en-US" b="0" i="0" u="none" strike="noStrike" baseline="0" dirty="0">
@@ -8879,7 +8959,14 @@
                 <a:latin typeface="Arial" panose="020B0604020202020204" pitchFamily="34" charset="0"/>
                 <a:hlinkClick r:id="rId3"/>
               </a:rPr>
-              <a:t>https://bsky.app/profile/bjompen.com</a:t>
+              <a:t>https://bsky.app/profile/bjompen</a:t>
+            </a:r>
+            <a:r>
+              <a:rPr lang="en-GB" b="0" i="0" u="none" strike="noStrike" baseline="0">
+                <a:latin typeface="Arial" panose="020B0604020202020204" pitchFamily="34" charset="0"/>
+                <a:hlinkClick r:id="rId3"/>
+              </a:rPr>
+              <a:t>.com</a:t>
             </a:r>
             <a:endParaRPr lang="en-GB" b="0" i="0" u="none" strike="noStrike" baseline="0" dirty="0">
               <a:latin typeface="Arial" panose="020B0604020202020204" pitchFamily="34" charset="0"/>
@@ -8887,16 +8974,10 @@
           </a:p>
           <a:p>
             <a:r>
-              <a:rPr lang="en-GB">
-                <a:latin typeface="Arial" panose="020B0604020202020204" pitchFamily="34" charset="0"/>
-              </a:rPr>
-              <a:t>You</a:t>
-            </a:r>
-            <a:r>
               <a:rPr lang="en-GB" dirty="0">
                 <a:latin typeface="Arial" panose="020B0604020202020204" pitchFamily="34" charset="0"/>
               </a:rPr>
-              <a:t>?</a:t>
+              <a:t>You?</a:t>
             </a:r>
           </a:p>
           <a:p>
@@ -9007,7 +9088,13 @@
   <p:cSld>
     <p:spTree>
       <p:nvGrpSpPr>
-        <p:cNvPr id="1" name=""/>
+        <p:cNvPr id="1" name="">
+          <a:extLst>
+            <a:ext uri="{FF2B5EF4-FFF2-40B4-BE49-F238E27FC236}">
+              <a16:creationId xmlns:a16="http://schemas.microsoft.com/office/drawing/2014/main" id="{85794671-57EF-2493-AE87-D505D51C1BA7}"/>
+            </a:ext>
+          </a:extLst>
+        </p:cNvPr>
         <p:cNvGrpSpPr/>
         <p:nvPr/>
       </p:nvGrpSpPr>
@@ -9024,7 +9111,7 @@
           <p:cNvPr id="2" name="Title 1">
             <a:extLst>
               <a:ext uri="{FF2B5EF4-FFF2-40B4-BE49-F238E27FC236}">
-                <a16:creationId xmlns:a16="http://schemas.microsoft.com/office/drawing/2014/main" id="{020D5667-3F2E-0371-B2AF-410D252A6CEA}"/>
+                <a16:creationId xmlns:a16="http://schemas.microsoft.com/office/drawing/2014/main" id="{78A3DE28-D060-AFE0-1A2B-C126EA4C05EF}"/>
               </a:ext>
             </a:extLst>
           </p:cNvPr>
@@ -9063,7 +9150,7 @@
           <p:cNvPr id="3" name="Text Placeholder 2">
             <a:extLst>
               <a:ext uri="{FF2B5EF4-FFF2-40B4-BE49-F238E27FC236}">
-                <a16:creationId xmlns:a16="http://schemas.microsoft.com/office/drawing/2014/main" id="{14842F41-DE27-3397-05EB-81DCA4DF63A8}"/>
+                <a16:creationId xmlns:a16="http://schemas.microsoft.com/office/drawing/2014/main" id="{F1B3C462-490A-D742-759C-1A461D5E20C5}"/>
               </a:ext>
             </a:extLst>
           </p:cNvPr>
@@ -9081,104 +9168,152 @@
           </a:bodyPr>
           <a:lstStyle/>
           <a:p>
-            <a:pPr marR="0" lvl="0" rtl="0"/>
             <a:r>
               <a:rPr lang="en-US" b="0" i="0" u="none" strike="noStrike" baseline="0" dirty="0">
                 <a:latin typeface="Arial" panose="020B0604020202020204" pitchFamily="34" charset="0"/>
               </a:rPr>
-              <a:t>Environment Variables</a:t>
-            </a:r>
-          </a:p>
-          <a:p>
-            <a:pPr marR="0" lvl="0" rtl="0"/>
-            <a:r>
-              <a:rPr lang="en-US" b="0" i="0" u="none" strike="noStrike" baseline="0" dirty="0">
-                <a:latin typeface="Arial" panose="020B0604020202020204" pitchFamily="34" charset="0"/>
-              </a:rPr>
-              <a:t>Built-In Variables</a:t>
+              <a:t>Lists</a:t>
             </a:r>
           </a:p>
           <a:p>
             <a:pPr lvl="1"/>
             <a:r>
-              <a:rPr lang="en-US" dirty="0">
-                <a:latin typeface="Arial" panose="020B0604020202020204" pitchFamily="34" charset="0"/>
-              </a:rPr>
-              <a:t>$true / $false</a:t>
-            </a:r>
-          </a:p>
-          <a:p>
-            <a:pPr lvl="1"/>
-            <a:r>
-              <a:rPr lang="en-US" dirty="0">
-                <a:latin typeface="Arial" panose="020B0604020202020204" pitchFamily="34" charset="0"/>
-              </a:rPr>
-              <a:t>$null</a:t>
+              <a:rPr lang="en-US" b="0" i="0" u="none" strike="noStrike" baseline="0" dirty="0" err="1">
+                <a:latin typeface="Arial" panose="020B0604020202020204" pitchFamily="34" charset="0"/>
+              </a:rPr>
+              <a:t>Hashtables</a:t>
             </a:r>
             <a:endParaRPr lang="en-US" b="0" i="0" u="none" strike="noStrike" baseline="0" dirty="0">
               <a:latin typeface="Arial" panose="020B0604020202020204" pitchFamily="34" charset="0"/>
             </a:endParaRPr>
           </a:p>
           <a:p>
+            <a:pPr lvl="2"/>
+            <a:r>
+              <a:rPr lang="en-US" b="0" i="0" u="none" strike="noStrike" baseline="0" dirty="0">
+                <a:latin typeface="Arial" panose="020B0604020202020204" pitchFamily="34" charset="0"/>
+              </a:rPr>
+              <a:t>@{}</a:t>
+            </a:r>
+          </a:p>
+          <a:p>
+            <a:pPr lvl="2"/>
+            <a:r>
+              <a:rPr lang="en-US" b="0" i="0" u="none" strike="noStrike" baseline="0" dirty="0">
+                <a:latin typeface="Arial" panose="020B0604020202020204" pitchFamily="34" charset="0"/>
+              </a:rPr>
+              <a:t>$</a:t>
+            </a:r>
+            <a:r>
+              <a:rPr lang="en-US" b="0" i="0" u="none" strike="noStrike" baseline="0" dirty="0" err="1">
+                <a:latin typeface="Arial" panose="020B0604020202020204" pitchFamily="34" charset="0"/>
+              </a:rPr>
+              <a:t>myHash</a:t>
+            </a:r>
+            <a:r>
+              <a:rPr lang="en-US" b="0" i="0" u="none" strike="noStrike" baseline="0" dirty="0">
+                <a:latin typeface="Arial" panose="020B0604020202020204" pitchFamily="34" charset="0"/>
+              </a:rPr>
+              <a:t>[‘</a:t>
+            </a:r>
+            <a:r>
+              <a:rPr lang="en-US" b="0" i="0" u="none" strike="noStrike" baseline="0" dirty="0" err="1">
+                <a:latin typeface="Arial" panose="020B0604020202020204" pitchFamily="34" charset="0"/>
+              </a:rPr>
+              <a:t>keyname</a:t>
+            </a:r>
+            <a:r>
+              <a:rPr lang="en-US" b="0" i="0" u="none" strike="noStrike" baseline="0" dirty="0">
+                <a:latin typeface="Arial" panose="020B0604020202020204" pitchFamily="34" charset="0"/>
+              </a:rPr>
+              <a:t>’]</a:t>
+            </a:r>
+          </a:p>
+          <a:p>
             <a:pPr lvl="1"/>
             <a:r>
               <a:rPr lang="en-US" b="0" i="0" u="none" strike="noStrike" baseline="0" dirty="0">
                 <a:latin typeface="Arial" panose="020B0604020202020204" pitchFamily="34" charset="0"/>
               </a:rPr>
-              <a:t>Preferences</a:t>
+              <a:t>Array</a:t>
+            </a:r>
+          </a:p>
+          <a:p>
+            <a:pPr lvl="2"/>
+            <a:r>
+              <a:rPr lang="en-US" b="0" i="0" u="none" strike="noStrike" baseline="0" dirty="0">
+                <a:latin typeface="Arial" panose="020B0604020202020204" pitchFamily="34" charset="0"/>
+              </a:rPr>
+              <a:t>@()</a:t>
+            </a:r>
+          </a:p>
+          <a:p>
+            <a:pPr lvl="2"/>
+            <a:r>
+              <a:rPr lang="en-US" dirty="0">
+                <a:latin typeface="Arial" panose="020B0604020202020204" pitchFamily="34" charset="0"/>
+              </a:rPr>
+              <a:t>$</a:t>
+            </a:r>
+            <a:r>
+              <a:rPr lang="en-US" dirty="0" err="1">
+                <a:latin typeface="Arial" panose="020B0604020202020204" pitchFamily="34" charset="0"/>
+              </a:rPr>
+              <a:t>myArray</a:t>
+            </a:r>
+            <a:r>
+              <a:rPr lang="en-US" dirty="0">
+                <a:latin typeface="Arial" panose="020B0604020202020204" pitchFamily="34" charset="0"/>
+              </a:rPr>
+              <a:t>[&lt;index&gt;]</a:t>
+            </a:r>
+          </a:p>
+          <a:p>
+            <a:pPr lvl="2"/>
+            <a:r>
+              <a:rPr lang="en-US" b="0" i="0" u="none" strike="noStrike" baseline="0" dirty="0">
+                <a:latin typeface="Arial" panose="020B0604020202020204" pitchFamily="34" charset="0"/>
+              </a:rPr>
+              <a:t>Not strong typed…</a:t>
             </a:r>
           </a:p>
           <a:p>
             <a:pPr lvl="1"/>
             <a:r>
-              <a:rPr lang="en-US" b="0" i="0" u="none" strike="noStrike" baseline="0" dirty="0">
-                <a:latin typeface="Arial" panose="020B0604020202020204" pitchFamily="34" charset="0"/>
-              </a:rPr>
-              <a:t>Error</a:t>
+              <a:rPr lang="en-US" dirty="0" err="1">
+                <a:latin typeface="Arial" panose="020B0604020202020204" pitchFamily="34" charset="0"/>
+              </a:rPr>
+              <a:t>ArrayList</a:t>
+            </a:r>
+            <a:r>
+              <a:rPr lang="en-US" dirty="0">
+                <a:latin typeface="Arial" panose="020B0604020202020204" pitchFamily="34" charset="0"/>
+              </a:rPr>
+              <a:t> </a:t>
+            </a:r>
+            <a:r>
+              <a:rPr lang="en-GB" dirty="0">
+                <a:latin typeface="Arial" panose="020B0604020202020204" pitchFamily="34" charset="0"/>
+              </a:rPr>
+              <a:t>😱</a:t>
             </a:r>
           </a:p>
           <a:p>
             <a:pPr lvl="1"/>
             <a:r>
-              <a:rPr lang="en-US" b="0" i="0" u="none" strike="noStrike" baseline="0" dirty="0" err="1">
-                <a:latin typeface="Arial" panose="020B0604020202020204" pitchFamily="34" charset="0"/>
-              </a:rPr>
-              <a:t>ErrorView</a:t>
-            </a:r>
-            <a:endParaRPr lang="en-US" b="0" i="0" u="none" strike="noStrike" baseline="0" dirty="0">
-              <a:latin typeface="Arial" panose="020B0604020202020204" pitchFamily="34" charset="0"/>
-            </a:endParaRPr>
-          </a:p>
-          <a:p>
-            <a:pPr lvl="1"/>
-            <a:r>
-              <a:rPr lang="en-US" b="0" i="0" u="none" strike="noStrike" baseline="0" dirty="0" err="1">
-                <a:latin typeface="Arial" panose="020B0604020202020204" pitchFamily="34" charset="0"/>
-              </a:rPr>
-              <a:t>PSVersionTable</a:t>
-            </a:r>
-            <a:endParaRPr lang="en-US" b="0" i="0" u="none" strike="noStrike" baseline="0" dirty="0">
-              <a:latin typeface="Arial" panose="020B0604020202020204" pitchFamily="34" charset="0"/>
-            </a:endParaRPr>
-          </a:p>
-          <a:p>
-            <a:pPr lvl="1"/>
-            <a:r>
-              <a:rPr lang="en-US" b="0" i="0" u="none" strike="noStrike" baseline="0" dirty="0" err="1">
-                <a:latin typeface="Arial" panose="020B0604020202020204" pitchFamily="34" charset="0"/>
-              </a:rPr>
-              <a:t>Env:PSModulePath</a:t>
-            </a:r>
-            <a:endParaRPr lang="en-US" b="0" i="0" u="none" strike="noStrike" baseline="0" dirty="0">
-              <a:latin typeface="Arial" panose="020B0604020202020204" pitchFamily="34" charset="0"/>
-            </a:endParaRPr>
-          </a:p>
-          <a:p>
-            <a:r>
-              <a:rPr lang="en-US" dirty="0">
-                <a:latin typeface="Arial" panose="020B0604020202020204" pitchFamily="34" charset="0"/>
-              </a:rPr>
-              <a:t>Get-Variable</a:t>
+              <a:rPr lang="en-GB" b="0" i="0" u="none" strike="noStrike" baseline="0" dirty="0">
+                <a:latin typeface="Arial" panose="020B0604020202020204" pitchFamily="34" charset="0"/>
+              </a:rPr>
+              <a:t>Generic list 😁</a:t>
+            </a:r>
+          </a:p>
+          <a:p>
+            <a:pPr lvl="2"/>
+            <a:r>
+              <a:rPr lang="en-GB" dirty="0">
+                <a:latin typeface="Arial" panose="020B0604020202020204" pitchFamily="34" charset="0"/>
+              </a:rPr>
+              <a:t>Can be strong typed…</a:t>
             </a:r>
             <a:endParaRPr lang="en-US" b="0" i="0" u="none" strike="noStrike" baseline="0" dirty="0">
               <a:latin typeface="Arial" panose="020B0604020202020204" pitchFamily="34" charset="0"/>
@@ -9197,7 +9332,7 @@
           <p:cNvPr id="4" name="Footer Placeholder 3">
             <a:extLst>
               <a:ext uri="{FF2B5EF4-FFF2-40B4-BE49-F238E27FC236}">
-                <a16:creationId xmlns:a16="http://schemas.microsoft.com/office/drawing/2014/main" id="{DFC4B1A9-C5E5-6767-5A67-3AFFF61F8AE3}"/>
+                <a16:creationId xmlns:a16="http://schemas.microsoft.com/office/drawing/2014/main" id="{70DEDF94-9C6E-38B3-6633-4E70515F016D}"/>
               </a:ext>
             </a:extLst>
           </p:cNvPr>
@@ -9226,7 +9361,7 @@
           <p:cNvPr id="5" name="Slide Number Placeholder 4">
             <a:extLst>
               <a:ext uri="{FF2B5EF4-FFF2-40B4-BE49-F238E27FC236}">
-                <a16:creationId xmlns:a16="http://schemas.microsoft.com/office/drawing/2014/main" id="{BAD258B7-9534-6ABE-261E-70D2894B8FD8}"/>
+                <a16:creationId xmlns:a16="http://schemas.microsoft.com/office/drawing/2014/main" id="{0FDC51B5-463A-C920-09C1-360086E6535E}"/>
               </a:ext>
             </a:extLst>
           </p:cNvPr>
@@ -9253,7 +9388,7 @@
     </p:spTree>
     <p:extLst>
       <p:ext uri="{BB962C8B-B14F-4D97-AF65-F5344CB8AC3E}">
-        <p14:creationId xmlns:p14="http://schemas.microsoft.com/office/powerpoint/2010/main" val="1272445026"/>
+        <p14:creationId xmlns:p14="http://schemas.microsoft.com/office/powerpoint/2010/main" val="1472153573"/>
       </p:ext>
     </p:extLst>
   </p:cSld>
@@ -9347,22 +9482,34 @@
               <a:rPr lang="en-US" b="0" i="0" u="none" strike="noStrike" baseline="0" dirty="0">
                 <a:latin typeface="Arial" panose="020B0604020202020204" pitchFamily="34" charset="0"/>
               </a:rPr>
-              <a:t>Output Variables</a:t>
+              <a:t>Environment Variables</a:t>
+            </a:r>
+          </a:p>
+          <a:p>
+            <a:pPr marR="0" lvl="0" rtl="0"/>
+            <a:r>
+              <a:rPr lang="en-US" b="0" i="0" u="none" strike="noStrike" baseline="0" dirty="0">
+                <a:latin typeface="Arial" panose="020B0604020202020204" pitchFamily="34" charset="0"/>
+              </a:rPr>
+              <a:t>Built-In Variables</a:t>
             </a:r>
           </a:p>
           <a:p>
             <a:pPr lvl="1"/>
             <a:r>
-              <a:rPr lang="en-US" b="0" i="0" u="none" strike="noStrike" baseline="0" dirty="0">
-                <a:latin typeface="Arial" panose="020B0604020202020204" pitchFamily="34" charset="0"/>
-              </a:rPr>
-              <a:t>-</a:t>
-            </a:r>
-            <a:r>
-              <a:rPr lang="en-US" b="0" i="0" u="none" strike="noStrike" baseline="0" dirty="0" err="1">
-                <a:latin typeface="Arial" panose="020B0604020202020204" pitchFamily="34" charset="0"/>
-              </a:rPr>
-              <a:t>ErrorVariable</a:t>
+              <a:rPr lang="en-US" dirty="0">
+                <a:latin typeface="Arial" panose="020B0604020202020204" pitchFamily="34" charset="0"/>
+              </a:rPr>
+              <a:t>$true / $false</a:t>
+            </a:r>
+          </a:p>
+          <a:p>
+            <a:pPr lvl="1"/>
+            <a:r>
+              <a:rPr lang="en-US" dirty="0">
+                <a:latin typeface="Arial" panose="020B0604020202020204" pitchFamily="34" charset="0"/>
+              </a:rPr>
+              <a:t>$null</a:t>
             </a:r>
             <a:endParaRPr lang="en-US" b="0" i="0" u="none" strike="noStrike" baseline="0" dirty="0">
               <a:latin typeface="Arial" panose="020B0604020202020204" pitchFamily="34" charset="0"/>
@@ -9371,20 +9518,11 @@
           <a:p>
             <a:pPr lvl="1"/>
             <a:r>
-              <a:rPr lang="en-US" dirty="0">
-                <a:latin typeface="Arial" panose="020B0604020202020204" pitchFamily="34" charset="0"/>
-              </a:rPr>
-              <a:t>-</a:t>
-            </a:r>
-            <a:r>
-              <a:rPr lang="en-US" dirty="0" err="1">
-                <a:latin typeface="Arial" panose="020B0604020202020204" pitchFamily="34" charset="0"/>
-              </a:rPr>
-              <a:t>WarningVariable</a:t>
-            </a:r>
-            <a:endParaRPr lang="en-US" dirty="0">
-              <a:latin typeface="Arial" panose="020B0604020202020204" pitchFamily="34" charset="0"/>
-            </a:endParaRPr>
+              <a:rPr lang="en-US" b="0" i="0" u="none" strike="noStrike" baseline="0" dirty="0">
+                <a:latin typeface="Arial" panose="020B0604020202020204" pitchFamily="34" charset="0"/>
+              </a:rPr>
+              <a:t>Preferences</a:t>
+            </a:r>
           </a:p>
           <a:p>
             <a:pPr lvl="1"/>
@@ -9392,13 +9530,16 @@
               <a:rPr lang="en-US" b="0" i="0" u="none" strike="noStrike" baseline="0" dirty="0">
                 <a:latin typeface="Arial" panose="020B0604020202020204" pitchFamily="34" charset="0"/>
               </a:rPr>
-              <a:t>-</a:t>
-            </a:r>
+              <a:t>Error</a:t>
+            </a:r>
+          </a:p>
+          <a:p>
+            <a:pPr lvl="1"/>
             <a:r>
               <a:rPr lang="en-US" b="0" i="0" u="none" strike="noStrike" baseline="0" dirty="0" err="1">
                 <a:latin typeface="Arial" panose="020B0604020202020204" pitchFamily="34" charset="0"/>
               </a:rPr>
-              <a:t>InformationVariable</a:t>
+              <a:t>ErrorView</a:t>
             </a:r>
             <a:endParaRPr lang="en-US" b="0" i="0" u="none" strike="noStrike" baseline="0" dirty="0">
               <a:latin typeface="Arial" panose="020B0604020202020204" pitchFamily="34" charset="0"/>
@@ -9407,41 +9548,37 @@
           <a:p>
             <a:pPr lvl="1"/>
             <a:r>
-              <a:rPr lang="en-US" dirty="0">
-                <a:latin typeface="Arial" panose="020B0604020202020204" pitchFamily="34" charset="0"/>
-              </a:rPr>
-              <a:t>-</a:t>
-            </a:r>
-            <a:r>
-              <a:rPr lang="en-US" dirty="0" err="1">
-                <a:latin typeface="Arial" panose="020B0604020202020204" pitchFamily="34" charset="0"/>
-              </a:rPr>
-              <a:t>OutVariable</a:t>
+              <a:rPr lang="en-US" b="0" i="0" u="none" strike="noStrike" baseline="0" dirty="0" err="1">
+                <a:latin typeface="Arial" panose="020B0604020202020204" pitchFamily="34" charset="0"/>
+              </a:rPr>
+              <a:t>PSVersionTable</a:t>
             </a:r>
             <a:endParaRPr lang="en-US" b="0" i="0" u="none" strike="noStrike" baseline="0" dirty="0">
               <a:latin typeface="Arial" panose="020B0604020202020204" pitchFamily="34" charset="0"/>
             </a:endParaRPr>
           </a:p>
           <a:p>
-            <a:pPr marR="0" lvl="0" rtl="0"/>
-            <a:r>
-              <a:rPr lang="en-US" b="0" i="0" u="none" strike="noStrike" baseline="0" dirty="0">
-                <a:latin typeface="Arial" panose="020B0604020202020204" pitchFamily="34" charset="0"/>
-              </a:rPr>
-              <a:t>Get-</a:t>
-            </a:r>
+            <a:pPr lvl="1"/>
             <a:r>
               <a:rPr lang="en-US" b="0" i="0" u="none" strike="noStrike" baseline="0" dirty="0" err="1">
                 <a:latin typeface="Arial" panose="020B0604020202020204" pitchFamily="34" charset="0"/>
               </a:rPr>
-              <a:t>ChildItem</a:t>
-            </a:r>
-            <a:r>
-              <a:rPr lang="en-US" b="0" i="0" u="none" strike="noStrike" baseline="0" dirty="0">
-                <a:latin typeface="Arial" panose="020B0604020202020204" pitchFamily="34" charset="0"/>
-              </a:rPr>
-              <a:t> Variable:</a:t>
-            </a:r>
+              <a:t>Env:PSModulePath</a:t>
+            </a:r>
+            <a:endParaRPr lang="en-US" b="0" i="0" u="none" strike="noStrike" baseline="0" dirty="0">
+              <a:latin typeface="Arial" panose="020B0604020202020204" pitchFamily="34" charset="0"/>
+            </a:endParaRPr>
+          </a:p>
+          <a:p>
+            <a:r>
+              <a:rPr lang="en-US" dirty="0">
+                <a:latin typeface="Arial" panose="020B0604020202020204" pitchFamily="34" charset="0"/>
+              </a:rPr>
+              <a:t>Get-Variable</a:t>
+            </a:r>
+            <a:endParaRPr lang="en-US" b="0" i="0" u="none" strike="noStrike" baseline="0" dirty="0">
+              <a:latin typeface="Arial" panose="020B0604020202020204" pitchFamily="34" charset="0"/>
+            </a:endParaRPr>
           </a:p>
           <a:p>
             <a:pPr lvl="1"/>
@@ -9512,7 +9649,7 @@
     </p:spTree>
     <p:extLst>
       <p:ext uri="{BB962C8B-B14F-4D97-AF65-F5344CB8AC3E}">
-        <p14:creationId xmlns:p14="http://schemas.microsoft.com/office/powerpoint/2010/main" val="1938054257"/>
+        <p14:creationId xmlns:p14="http://schemas.microsoft.com/office/powerpoint/2010/main" val="1272445026"/>
       </p:ext>
     </p:extLst>
   </p:cSld>
@@ -9544,7 +9681,7 @@
           <p:cNvPr id="2" name="Title 1">
             <a:extLst>
               <a:ext uri="{FF2B5EF4-FFF2-40B4-BE49-F238E27FC236}">
-                <a16:creationId xmlns:a16="http://schemas.microsoft.com/office/drawing/2014/main" id="{69BCD6E1-D5BF-EF3E-F0CC-EDE7BAE35861}"/>
+                <a16:creationId xmlns:a16="http://schemas.microsoft.com/office/drawing/2014/main" id="{020D5667-3F2E-0371-B2AF-410D252A6CEA}"/>
               </a:ext>
             </a:extLst>
           </p:cNvPr>
@@ -9553,110 +9690,169 @@
           </p:cNvSpPr>
           <p:nvPr>
             <p:ph type="title"/>
-          </p:nvPr>
-        </p:nvSpPr>
-        <p:spPr/>
-        <p:txBody>
-          <a:bodyPr/>
-          <a:lstStyle/>
-          <a:p>
-            <a:r>
-              <a:rPr lang="en-GB" b="1" i="0" u="none" strike="noStrike" baseline="0" dirty="0">
-                <a:latin typeface="Arial" panose="020B0604020202020204" pitchFamily="34" charset="0"/>
-              </a:rPr>
-              <a:t>Variables</a:t>
-            </a:r>
-            <a:endParaRPr lang="en-SE" dirty="0"/>
-          </a:p>
-        </p:txBody>
-      </p:sp>
-      <p:sp>
-        <p:nvSpPr>
-          <p:cNvPr id="4" name="Text Placeholder 3">
-            <a:extLst>
-              <a:ext uri="{FF2B5EF4-FFF2-40B4-BE49-F238E27FC236}">
-                <a16:creationId xmlns:a16="http://schemas.microsoft.com/office/drawing/2014/main" id="{D7ABE405-4C8C-4761-DB98-41C6649D1B66}"/>
-              </a:ext>
-            </a:extLst>
-          </p:cNvPr>
-          <p:cNvSpPr>
-            <a:spLocks noGrp="1"/>
-          </p:cNvSpPr>
-          <p:nvPr>
-            <p:ph type="body" sz="half" idx="2"/>
           </p:nvPr>
         </p:nvSpPr>
         <p:spPr>
           <a:xfrm>
-            <a:off x="839788" y="2057400"/>
-            <a:ext cx="10877001" cy="3811588"/>
+            <a:off x="838200" y="365125"/>
+            <a:ext cx="10515600" cy="1325563"/>
           </a:xfrm>
         </p:spPr>
+        <p:txBody>
+          <a:bodyPr/>
+          <a:lstStyle/>
+          <a:p>
+            <a:pPr marR="0" rtl="0"/>
+            <a:r>
+              <a:rPr lang="en-GB" b="1" i="0" u="none" strike="noStrike" baseline="0" dirty="0">
+                <a:latin typeface="Arial" panose="020B0604020202020204" pitchFamily="34" charset="0"/>
+              </a:rPr>
+              <a:t>Variables</a:t>
+            </a:r>
+            <a:endParaRPr lang="en-GB" b="0" i="0" u="none" strike="noStrike" baseline="0" dirty="0">
+              <a:latin typeface="Arial" panose="020B0604020202020204" pitchFamily="34" charset="0"/>
+            </a:endParaRPr>
+          </a:p>
+        </p:txBody>
+      </p:sp>
+      <p:sp>
+        <p:nvSpPr>
+          <p:cNvPr id="3" name="Text Placeholder 2">
+            <a:extLst>
+              <a:ext uri="{FF2B5EF4-FFF2-40B4-BE49-F238E27FC236}">
+                <a16:creationId xmlns:a16="http://schemas.microsoft.com/office/drawing/2014/main" id="{14842F41-DE27-3397-05EB-81DCA4DF63A8}"/>
+              </a:ext>
+            </a:extLst>
+          </p:cNvPr>
+          <p:cNvSpPr>
+            <a:spLocks noGrp="1"/>
+          </p:cNvSpPr>
+          <p:nvPr>
+            <p:ph type="body" idx="1"/>
+          </p:nvPr>
+        </p:nvSpPr>
+        <p:spPr/>
         <p:txBody>
           <a:bodyPr>
             <a:normAutofit/>
           </a:bodyPr>
           <a:lstStyle/>
           <a:p>
-            <a:pPr marL="285750" indent="-285750">
-              <a:buFont typeface="Arial" panose="020B0604020202020204" pitchFamily="34" charset="0"/>
-              <a:buChar char="•"/>
-            </a:pPr>
-            <a:r>
-              <a:rPr lang="en-GB" sz="4400" b="0" i="0" u="none" strike="noStrike" baseline="0" dirty="0">
-                <a:latin typeface="Arial" panose="020B0604020202020204" pitchFamily="34" charset="0"/>
-              </a:rPr>
-              <a:t>Lab 4</a:t>
-            </a:r>
-          </a:p>
-          <a:p>
-            <a:pPr marL="285750" indent="-285750">
-              <a:buFont typeface="Arial" panose="020B0604020202020204" pitchFamily="34" charset="0"/>
-              <a:buChar char="•"/>
-            </a:pPr>
-            <a:endParaRPr lang="en-GB" sz="4400" b="0" i="0" u="none" strike="noStrike" baseline="0" dirty="0">
+            <a:pPr marR="0" lvl="0" rtl="0"/>
+            <a:r>
+              <a:rPr lang="en-US" b="0" i="0" u="none" strike="noStrike" baseline="0" dirty="0">
+                <a:latin typeface="Arial" panose="020B0604020202020204" pitchFamily="34" charset="0"/>
+              </a:rPr>
+              <a:t>Output Variables</a:t>
+            </a:r>
+          </a:p>
+          <a:p>
+            <a:pPr lvl="1"/>
+            <a:r>
+              <a:rPr lang="en-US" b="0" i="0" u="none" strike="noStrike" baseline="0" dirty="0">
+                <a:latin typeface="Arial" panose="020B0604020202020204" pitchFamily="34" charset="0"/>
+              </a:rPr>
+              <a:t>-</a:t>
+            </a:r>
+            <a:r>
+              <a:rPr lang="en-US" b="0" i="0" u="none" strike="noStrike" baseline="0" dirty="0" err="1">
+                <a:latin typeface="Arial" panose="020B0604020202020204" pitchFamily="34" charset="0"/>
+              </a:rPr>
+              <a:t>ErrorVariable</a:t>
+            </a:r>
+            <a:endParaRPr lang="en-US" b="0" i="0" u="none" strike="noStrike" baseline="0" dirty="0">
               <a:latin typeface="Arial" panose="020B0604020202020204" pitchFamily="34" charset="0"/>
             </a:endParaRPr>
           </a:p>
           <a:p>
-            <a:pPr marL="285750" indent="-285750">
-              <a:buFont typeface="Arial" panose="020B0604020202020204" pitchFamily="34" charset="0"/>
-              <a:buChar char="•"/>
-            </a:pPr>
-            <a:r>
-              <a:rPr lang="en-US" sz="1800" dirty="0">
-                <a:hlinkClick r:id="rId2"/>
-              </a:rPr>
-              <a:t>https://github.com/AdvaniaSE/PowerShellFundamentals</a:t>
-            </a:r>
-            <a:endParaRPr lang="en-US" sz="1800" dirty="0"/>
-          </a:p>
-          <a:p>
-            <a:pPr marL="742950" lvl="1" indent="-285750">
-              <a:buFont typeface="Arial" panose="020B0604020202020204" pitchFamily="34" charset="0"/>
-              <a:buChar char="•"/>
-            </a:pPr>
-            <a:r>
-              <a:rPr lang="en-US" dirty="0"/>
-              <a:t>04. Variables</a:t>
-            </a:r>
-            <a:endParaRPr lang="en-SE" dirty="0"/>
-          </a:p>
-          <a:p>
-            <a:pPr marL="285750" indent="-285750">
-              <a:buFont typeface="Arial" panose="020B0604020202020204" pitchFamily="34" charset="0"/>
-              <a:buChar char="•"/>
-            </a:pPr>
-            <a:endParaRPr lang="en-US" sz="1800" dirty="0"/>
-          </a:p>
-        </p:txBody>
-      </p:sp>
-      <p:sp>
-        <p:nvSpPr>
-          <p:cNvPr id="3" name="Footer Placeholder 2">
-            <a:extLst>
-              <a:ext uri="{FF2B5EF4-FFF2-40B4-BE49-F238E27FC236}">
-                <a16:creationId xmlns:a16="http://schemas.microsoft.com/office/drawing/2014/main" id="{1FAF7DB9-64B0-07FB-79A4-DC2D599FF636}"/>
+            <a:pPr lvl="1"/>
+            <a:r>
+              <a:rPr lang="en-US" dirty="0">
+                <a:latin typeface="Arial" panose="020B0604020202020204" pitchFamily="34" charset="0"/>
+              </a:rPr>
+              <a:t>-</a:t>
+            </a:r>
+            <a:r>
+              <a:rPr lang="en-US" dirty="0" err="1">
+                <a:latin typeface="Arial" panose="020B0604020202020204" pitchFamily="34" charset="0"/>
+              </a:rPr>
+              <a:t>WarningVariable</a:t>
+            </a:r>
+            <a:endParaRPr lang="en-US" dirty="0">
+              <a:latin typeface="Arial" panose="020B0604020202020204" pitchFamily="34" charset="0"/>
+            </a:endParaRPr>
+          </a:p>
+          <a:p>
+            <a:pPr lvl="1"/>
+            <a:r>
+              <a:rPr lang="en-US" b="0" i="0" u="none" strike="noStrike" baseline="0" dirty="0">
+                <a:latin typeface="Arial" panose="020B0604020202020204" pitchFamily="34" charset="0"/>
+              </a:rPr>
+              <a:t>-</a:t>
+            </a:r>
+            <a:r>
+              <a:rPr lang="en-US" b="0" i="0" u="none" strike="noStrike" baseline="0" dirty="0" err="1">
+                <a:latin typeface="Arial" panose="020B0604020202020204" pitchFamily="34" charset="0"/>
+              </a:rPr>
+              <a:t>InformationVariable</a:t>
+            </a:r>
+            <a:endParaRPr lang="en-US" b="0" i="0" u="none" strike="noStrike" baseline="0" dirty="0">
+              <a:latin typeface="Arial" panose="020B0604020202020204" pitchFamily="34" charset="0"/>
+            </a:endParaRPr>
+          </a:p>
+          <a:p>
+            <a:pPr lvl="1"/>
+            <a:r>
+              <a:rPr lang="en-US" dirty="0">
+                <a:latin typeface="Arial" panose="020B0604020202020204" pitchFamily="34" charset="0"/>
+              </a:rPr>
+              <a:t>-</a:t>
+            </a:r>
+            <a:r>
+              <a:rPr lang="en-US" dirty="0" err="1">
+                <a:latin typeface="Arial" panose="020B0604020202020204" pitchFamily="34" charset="0"/>
+              </a:rPr>
+              <a:t>OutVariable</a:t>
+            </a:r>
+            <a:endParaRPr lang="en-US" b="0" i="0" u="none" strike="noStrike" baseline="0" dirty="0">
+              <a:latin typeface="Arial" panose="020B0604020202020204" pitchFamily="34" charset="0"/>
+            </a:endParaRPr>
+          </a:p>
+          <a:p>
+            <a:pPr marR="0" lvl="0" rtl="0"/>
+            <a:r>
+              <a:rPr lang="en-US" b="0" i="0" u="none" strike="noStrike" baseline="0" dirty="0">
+                <a:latin typeface="Arial" panose="020B0604020202020204" pitchFamily="34" charset="0"/>
+              </a:rPr>
+              <a:t>Get-</a:t>
+            </a:r>
+            <a:r>
+              <a:rPr lang="en-US" b="0" i="0" u="none" strike="noStrike" baseline="0" dirty="0" err="1">
+                <a:latin typeface="Arial" panose="020B0604020202020204" pitchFamily="34" charset="0"/>
+              </a:rPr>
+              <a:t>ChildItem</a:t>
+            </a:r>
+            <a:r>
+              <a:rPr lang="en-US" b="0" i="0" u="none" strike="noStrike" baseline="0" dirty="0">
+                <a:latin typeface="Arial" panose="020B0604020202020204" pitchFamily="34" charset="0"/>
+              </a:rPr>
+              <a:t> Variable:</a:t>
+            </a:r>
+          </a:p>
+          <a:p>
+            <a:pPr lvl="1"/>
+            <a:endParaRPr lang="en-GB" b="0" i="0" u="none" strike="noStrike" baseline="0" dirty="0">
+              <a:latin typeface="Arial" panose="020B0604020202020204" pitchFamily="34" charset="0"/>
+            </a:endParaRPr>
+          </a:p>
+        </p:txBody>
+      </p:sp>
+      <p:sp>
+        <p:nvSpPr>
+          <p:cNvPr id="4" name="Footer Placeholder 3">
+            <a:extLst>
+              <a:ext uri="{FF2B5EF4-FFF2-40B4-BE49-F238E27FC236}">
+                <a16:creationId xmlns:a16="http://schemas.microsoft.com/office/drawing/2014/main" id="{DFC4B1A9-C5E5-6767-5A67-3AFFF61F8AE3}"/>
               </a:ext>
             </a:extLst>
           </p:cNvPr>
@@ -9685,7 +9881,7 @@
           <p:cNvPr id="5" name="Slide Number Placeholder 4">
             <a:extLst>
               <a:ext uri="{FF2B5EF4-FFF2-40B4-BE49-F238E27FC236}">
-                <a16:creationId xmlns:a16="http://schemas.microsoft.com/office/drawing/2014/main" id="{2C2623BC-FCDC-B4EF-82B9-EC9076C892AE}"/>
+                <a16:creationId xmlns:a16="http://schemas.microsoft.com/office/drawing/2014/main" id="{BAD258B7-9534-6ABE-261E-70D2894B8FD8}"/>
               </a:ext>
             </a:extLst>
           </p:cNvPr>
@@ -9701,7 +9897,7 @@
           <a:bodyPr/>
           <a:lstStyle/>
           <a:p>
-            <a:fld id="{BFEA1545-8540-491B-83AB-51C306516EA6}" type="slidenum">
+            <a:fld id="{9993A830-6DA6-4394-A358-10250CDB3A67}" type="slidenum">
               <a:rPr lang="en-SE" smtClean="0"/>
               <a:t>32</a:t>
             </a:fld>
@@ -9712,7 +9908,7 @@
     </p:spTree>
     <p:extLst>
       <p:ext uri="{BB962C8B-B14F-4D97-AF65-F5344CB8AC3E}">
-        <p14:creationId xmlns:p14="http://schemas.microsoft.com/office/powerpoint/2010/main" val="4084284107"/>
+        <p14:creationId xmlns:p14="http://schemas.microsoft.com/office/powerpoint/2010/main" val="1938054257"/>
       </p:ext>
     </p:extLst>
   </p:cSld>
@@ -9744,7 +9940,7 @@
           <p:cNvPr id="2" name="Title 1">
             <a:extLst>
               <a:ext uri="{FF2B5EF4-FFF2-40B4-BE49-F238E27FC236}">
-                <a16:creationId xmlns:a16="http://schemas.microsoft.com/office/drawing/2014/main" id="{55D23047-3833-EFE0-8A01-090ACFE1D9FC}"/>
+                <a16:creationId xmlns:a16="http://schemas.microsoft.com/office/drawing/2014/main" id="{69BCD6E1-D5BF-EF3E-F0CC-EDE7BAE35861}"/>
               </a:ext>
             </a:extLst>
           </p:cNvPr>
@@ -9764,7 +9960,7 @@
               <a:rPr lang="en-GB" b="1" i="0" u="none" strike="noStrike" baseline="0" dirty="0">
                 <a:latin typeface="Arial" panose="020B0604020202020204" pitchFamily="34" charset="0"/>
               </a:rPr>
-              <a:t>Input &amp; Output</a:t>
+              <a:t>Variables</a:t>
             </a:r>
             <a:endParaRPr lang="en-SE" dirty="0"/>
           </a:p>
@@ -9772,35 +9968,91 @@
       </p:sp>
       <p:sp>
         <p:nvSpPr>
-          <p:cNvPr id="3" name="Text Placeholder 2">
-            <a:extLst>
-              <a:ext uri="{FF2B5EF4-FFF2-40B4-BE49-F238E27FC236}">
-                <a16:creationId xmlns:a16="http://schemas.microsoft.com/office/drawing/2014/main" id="{1F80B5F8-E4FB-9CDB-0C7C-EEDCB4B8AF1D}"/>
-              </a:ext>
-            </a:extLst>
-          </p:cNvPr>
-          <p:cNvSpPr>
-            <a:spLocks noGrp="1"/>
-          </p:cNvSpPr>
-          <p:nvPr>
-            <p:ph type="body" idx="1"/>
-          </p:nvPr>
-        </p:nvSpPr>
-        <p:spPr/>
-        <p:txBody>
-          <a:bodyPr/>
-          <a:lstStyle/>
-          <a:p>
-            <a:endParaRPr lang="en-SE"/>
-          </a:p>
-        </p:txBody>
-      </p:sp>
-      <p:sp>
-        <p:nvSpPr>
-          <p:cNvPr id="4" name="Footer Placeholder 3">
-            <a:extLst>
-              <a:ext uri="{FF2B5EF4-FFF2-40B4-BE49-F238E27FC236}">
-                <a16:creationId xmlns:a16="http://schemas.microsoft.com/office/drawing/2014/main" id="{AFF17C74-066C-F6D3-8B07-3A4273A5590B}"/>
+          <p:cNvPr id="4" name="Text Placeholder 3">
+            <a:extLst>
+              <a:ext uri="{FF2B5EF4-FFF2-40B4-BE49-F238E27FC236}">
+                <a16:creationId xmlns:a16="http://schemas.microsoft.com/office/drawing/2014/main" id="{D7ABE405-4C8C-4761-DB98-41C6649D1B66}"/>
+              </a:ext>
+            </a:extLst>
+          </p:cNvPr>
+          <p:cNvSpPr>
+            <a:spLocks noGrp="1"/>
+          </p:cNvSpPr>
+          <p:nvPr>
+            <p:ph type="body" sz="half" idx="2"/>
+          </p:nvPr>
+        </p:nvSpPr>
+        <p:spPr>
+          <a:xfrm>
+            <a:off x="839788" y="2057400"/>
+            <a:ext cx="10877001" cy="3811588"/>
+          </a:xfrm>
+        </p:spPr>
+        <p:txBody>
+          <a:bodyPr>
+            <a:normAutofit/>
+          </a:bodyPr>
+          <a:lstStyle/>
+          <a:p>
+            <a:pPr marL="285750" indent="-285750">
+              <a:buFont typeface="Arial" panose="020B0604020202020204" pitchFamily="34" charset="0"/>
+              <a:buChar char="•"/>
+            </a:pPr>
+            <a:r>
+              <a:rPr lang="en-GB" sz="4400" b="0" i="0" u="none" strike="noStrike" baseline="0" dirty="0">
+                <a:latin typeface="Arial" panose="020B0604020202020204" pitchFamily="34" charset="0"/>
+              </a:rPr>
+              <a:t>Lab 4</a:t>
+            </a:r>
+          </a:p>
+          <a:p>
+            <a:pPr marL="285750" indent="-285750">
+              <a:buFont typeface="Arial" panose="020B0604020202020204" pitchFamily="34" charset="0"/>
+              <a:buChar char="•"/>
+            </a:pPr>
+            <a:endParaRPr lang="en-GB" sz="4400" b="0" i="0" u="none" strike="noStrike" baseline="0" dirty="0">
+              <a:latin typeface="Arial" panose="020B0604020202020204" pitchFamily="34" charset="0"/>
+            </a:endParaRPr>
+          </a:p>
+          <a:p>
+            <a:pPr marL="285750" indent="-285750">
+              <a:buFont typeface="Arial" panose="020B0604020202020204" pitchFamily="34" charset="0"/>
+              <a:buChar char="•"/>
+            </a:pPr>
+            <a:r>
+              <a:rPr lang="en-US" sz="1800" dirty="0">
+                <a:hlinkClick r:id="rId2"/>
+              </a:rPr>
+              <a:t>https://github.com/AdvaniaSE/PowerShellFundamentals</a:t>
+            </a:r>
+            <a:endParaRPr lang="en-US" sz="1800" dirty="0"/>
+          </a:p>
+          <a:p>
+            <a:pPr marL="742950" lvl="1" indent="-285750">
+              <a:buFont typeface="Arial" panose="020B0604020202020204" pitchFamily="34" charset="0"/>
+              <a:buChar char="•"/>
+            </a:pPr>
+            <a:r>
+              <a:rPr lang="en-US" dirty="0"/>
+              <a:t>04. Variables</a:t>
+            </a:r>
+            <a:endParaRPr lang="en-SE" dirty="0"/>
+          </a:p>
+          <a:p>
+            <a:pPr marL="285750" indent="-285750">
+              <a:buFont typeface="Arial" panose="020B0604020202020204" pitchFamily="34" charset="0"/>
+              <a:buChar char="•"/>
+            </a:pPr>
+            <a:endParaRPr lang="en-US" sz="1800" dirty="0"/>
+          </a:p>
+        </p:txBody>
+      </p:sp>
+      <p:sp>
+        <p:nvSpPr>
+          <p:cNvPr id="3" name="Footer Placeholder 2">
+            <a:extLst>
+              <a:ext uri="{FF2B5EF4-FFF2-40B4-BE49-F238E27FC236}">
+                <a16:creationId xmlns:a16="http://schemas.microsoft.com/office/drawing/2014/main" id="{1FAF7DB9-64B0-07FB-79A4-DC2D599FF636}"/>
               </a:ext>
             </a:extLst>
           </p:cNvPr>
@@ -9829,7 +10081,7 @@
           <p:cNvPr id="5" name="Slide Number Placeholder 4">
             <a:extLst>
               <a:ext uri="{FF2B5EF4-FFF2-40B4-BE49-F238E27FC236}">
-                <a16:creationId xmlns:a16="http://schemas.microsoft.com/office/drawing/2014/main" id="{20FE1399-C7F6-1C33-DF5B-DE42A78C5F7F}"/>
+                <a16:creationId xmlns:a16="http://schemas.microsoft.com/office/drawing/2014/main" id="{2C2623BC-FCDC-B4EF-82B9-EC9076C892AE}"/>
               </a:ext>
             </a:extLst>
           </p:cNvPr>
@@ -9856,7 +10108,7 @@
     </p:spTree>
     <p:extLst>
       <p:ext uri="{BB962C8B-B14F-4D97-AF65-F5344CB8AC3E}">
-        <p14:creationId xmlns:p14="http://schemas.microsoft.com/office/powerpoint/2010/main" val="704009272"/>
+        <p14:creationId xmlns:p14="http://schemas.microsoft.com/office/powerpoint/2010/main" val="4084284107"/>
       </p:ext>
     </p:extLst>
   </p:cSld>
@@ -9888,7 +10140,7 @@
           <p:cNvPr id="2" name="Title 1">
             <a:extLst>
               <a:ext uri="{FF2B5EF4-FFF2-40B4-BE49-F238E27FC236}">
-                <a16:creationId xmlns:a16="http://schemas.microsoft.com/office/drawing/2014/main" id="{020D5667-3F2E-0371-B2AF-410D252A6CEA}"/>
+                <a16:creationId xmlns:a16="http://schemas.microsoft.com/office/drawing/2014/main" id="{55D23047-3833-EFE0-8A01-090ACFE1D9FC}"/>
               </a:ext>
             </a:extLst>
           </p:cNvPr>
@@ -9899,26 +10151,18 @@
             <p:ph type="title"/>
           </p:nvPr>
         </p:nvSpPr>
-        <p:spPr>
-          <a:xfrm>
-            <a:off x="838200" y="365125"/>
-            <a:ext cx="10515600" cy="1325563"/>
-          </a:xfrm>
-        </p:spPr>
-        <p:txBody>
-          <a:bodyPr/>
-          <a:lstStyle/>
-          <a:p>
-            <a:pPr marR="0" rtl="0"/>
+        <p:spPr/>
+        <p:txBody>
+          <a:bodyPr/>
+          <a:lstStyle/>
+          <a:p>
             <a:r>
               <a:rPr lang="en-GB" b="1" i="0" u="none" strike="noStrike" baseline="0" dirty="0">
                 <a:latin typeface="Arial" panose="020B0604020202020204" pitchFamily="34" charset="0"/>
               </a:rPr>
               <a:t>Input &amp; Output</a:t>
             </a:r>
-            <a:endParaRPr lang="en-GB" b="0" i="0" u="none" strike="noStrike" baseline="0" dirty="0">
-              <a:latin typeface="Arial" panose="020B0604020202020204" pitchFamily="34" charset="0"/>
-            </a:endParaRPr>
+            <a:endParaRPr lang="en-SE" dirty="0"/>
           </a:p>
         </p:txBody>
       </p:sp>
@@ -9927,7 +10171,7 @@
           <p:cNvPr id="3" name="Text Placeholder 2">
             <a:extLst>
               <a:ext uri="{FF2B5EF4-FFF2-40B4-BE49-F238E27FC236}">
-                <a16:creationId xmlns:a16="http://schemas.microsoft.com/office/drawing/2014/main" id="{14842F41-DE27-3397-05EB-81DCA4DF63A8}"/>
+                <a16:creationId xmlns:a16="http://schemas.microsoft.com/office/drawing/2014/main" id="{1F80B5F8-E4FB-9CDB-0C7C-EEDCB4B8AF1D}"/>
               </a:ext>
             </a:extLst>
           </p:cNvPr>
@@ -9940,69 +10184,10 @@
         </p:nvSpPr>
         <p:spPr/>
         <p:txBody>
-          <a:bodyPr>
-            <a:normAutofit/>
-          </a:bodyPr>
-          <a:lstStyle/>
-          <a:p>
-            <a:pPr marR="0" lvl="0" rtl="0"/>
-            <a:r>
-              <a:rPr lang="en-US" b="0" i="0" u="none" strike="noStrike" baseline="0" dirty="0">
-                <a:latin typeface="Arial" panose="020B0604020202020204" pitchFamily="34" charset="0"/>
-              </a:rPr>
-              <a:t>Input</a:t>
-            </a:r>
-          </a:p>
-          <a:p>
-            <a:pPr lvl="1"/>
-            <a:r>
-              <a:rPr lang="en-US" b="0" i="0" u="none" strike="noStrike" baseline="0" dirty="0">
-                <a:latin typeface="Arial" panose="020B0604020202020204" pitchFamily="34" charset="0"/>
-              </a:rPr>
-              <a:t>Read-Host</a:t>
-            </a:r>
-          </a:p>
-          <a:p>
-            <a:pPr lvl="2"/>
-            <a:r>
-              <a:rPr lang="en-US" b="0" i="0" u="none" strike="noStrike" baseline="0" dirty="0">
-                <a:latin typeface="Arial" panose="020B0604020202020204" pitchFamily="34" charset="0"/>
-              </a:rPr>
-              <a:t>Can handle secure input!</a:t>
-            </a:r>
-          </a:p>
-          <a:p>
-            <a:pPr lvl="1"/>
-            <a:r>
-              <a:rPr lang="en-US" b="0" i="0" u="none" strike="noStrike" baseline="0" dirty="0">
-                <a:latin typeface="Arial" panose="020B0604020202020204" pitchFamily="34" charset="0"/>
-              </a:rPr>
-              <a:t>Parameters</a:t>
-            </a:r>
-          </a:p>
-          <a:p>
-            <a:pPr lvl="2"/>
-            <a:r>
-              <a:rPr lang="en-US" dirty="0">
-                <a:latin typeface="Arial" panose="020B0604020202020204" pitchFamily="34" charset="0"/>
-              </a:rPr>
-              <a:t>Get-Help -Parameter</a:t>
-            </a:r>
-            <a:endParaRPr lang="en-US" b="0" i="0" u="none" strike="noStrike" baseline="0" dirty="0">
-              <a:latin typeface="Arial" panose="020B0604020202020204" pitchFamily="34" charset="0"/>
-            </a:endParaRPr>
-          </a:p>
-          <a:p>
-            <a:pPr marR="0" lvl="0" rtl="0"/>
-            <a:endParaRPr lang="en-US" b="0" i="0" u="none" strike="noStrike" baseline="0" dirty="0">
-              <a:latin typeface="Arial" panose="020B0604020202020204" pitchFamily="34" charset="0"/>
-            </a:endParaRPr>
-          </a:p>
-          <a:p>
-            <a:pPr marR="0" lvl="0" rtl="0"/>
-            <a:endParaRPr lang="en-GB" b="0" i="0" u="none" strike="noStrike" baseline="0" dirty="0">
-              <a:latin typeface="Arial" panose="020B0604020202020204" pitchFamily="34" charset="0"/>
-            </a:endParaRPr>
+          <a:bodyPr/>
+          <a:lstStyle/>
+          <a:p>
+            <a:endParaRPr lang="en-SE"/>
           </a:p>
         </p:txBody>
       </p:sp>
@@ -10011,7 +10196,7 @@
           <p:cNvPr id="4" name="Footer Placeholder 3">
             <a:extLst>
               <a:ext uri="{FF2B5EF4-FFF2-40B4-BE49-F238E27FC236}">
-                <a16:creationId xmlns:a16="http://schemas.microsoft.com/office/drawing/2014/main" id="{DFC4B1A9-C5E5-6767-5A67-3AFFF61F8AE3}"/>
+                <a16:creationId xmlns:a16="http://schemas.microsoft.com/office/drawing/2014/main" id="{AFF17C74-066C-F6D3-8B07-3A4273A5590B}"/>
               </a:ext>
             </a:extLst>
           </p:cNvPr>
@@ -10040,7 +10225,7 @@
           <p:cNvPr id="5" name="Slide Number Placeholder 4">
             <a:extLst>
               <a:ext uri="{FF2B5EF4-FFF2-40B4-BE49-F238E27FC236}">
-                <a16:creationId xmlns:a16="http://schemas.microsoft.com/office/drawing/2014/main" id="{BAD258B7-9534-6ABE-261E-70D2894B8FD8}"/>
+                <a16:creationId xmlns:a16="http://schemas.microsoft.com/office/drawing/2014/main" id="{20FE1399-C7F6-1C33-DF5B-DE42A78C5F7F}"/>
               </a:ext>
             </a:extLst>
           </p:cNvPr>
@@ -10056,7 +10241,7 @@
           <a:bodyPr/>
           <a:lstStyle/>
           <a:p>
-            <a:fld id="{9993A830-6DA6-4394-A358-10250CDB3A67}" type="slidenum">
+            <a:fld id="{BFEA1545-8540-491B-83AB-51C306516EA6}" type="slidenum">
               <a:rPr lang="en-SE" smtClean="0"/>
               <a:t>34</a:t>
             </a:fld>
@@ -10067,7 +10252,7 @@
     </p:spTree>
     <p:extLst>
       <p:ext uri="{BB962C8B-B14F-4D97-AF65-F5344CB8AC3E}">
-        <p14:creationId xmlns:p14="http://schemas.microsoft.com/office/powerpoint/2010/main" val="1838082709"/>
+        <p14:creationId xmlns:p14="http://schemas.microsoft.com/office/powerpoint/2010/main" val="704009272"/>
       </p:ext>
     </p:extLst>
   </p:cSld>
@@ -10161,7 +10346,7 @@
               <a:rPr lang="en-US" b="0" i="0" u="none" strike="noStrike" baseline="0" dirty="0">
                 <a:latin typeface="Arial" panose="020B0604020202020204" pitchFamily="34" charset="0"/>
               </a:rPr>
-              <a:t>Output</a:t>
+              <a:t>Input</a:t>
             </a:r>
           </a:p>
           <a:p>
@@ -10170,7 +10355,16 @@
               <a:rPr lang="en-US" b="0" i="0" u="none" strike="noStrike" baseline="0" dirty="0">
                 <a:latin typeface="Arial" panose="020B0604020202020204" pitchFamily="34" charset="0"/>
               </a:rPr>
-              <a:t>Write-Host &amp; Write-Output</a:t>
+              <a:t>Read-Host</a:t>
+            </a:r>
+          </a:p>
+          <a:p>
+            <a:pPr lvl="2"/>
+            <a:r>
+              <a:rPr lang="en-US" b="0" i="0" u="none" strike="noStrike" baseline="0" dirty="0">
+                <a:latin typeface="Arial" panose="020B0604020202020204" pitchFamily="34" charset="0"/>
+              </a:rPr>
+              <a:t>Can handle secure input!</a:t>
             </a:r>
           </a:p>
           <a:p>
@@ -10179,71 +10373,26 @@
               <a:rPr lang="en-US" b="0" i="0" u="none" strike="noStrike" baseline="0" dirty="0">
                 <a:latin typeface="Arial" panose="020B0604020202020204" pitchFamily="34" charset="0"/>
               </a:rPr>
-              <a:t>Streams</a:t>
+              <a:t>Parameters</a:t>
             </a:r>
           </a:p>
           <a:p>
             <a:pPr lvl="2"/>
             <a:r>
-              <a:rPr lang="en-US" b="0" i="0" u="none" strike="noStrike" baseline="0" dirty="0">
-                <a:latin typeface="Arial" panose="020B0604020202020204" pitchFamily="34" charset="0"/>
-              </a:rPr>
-              <a:t>Output</a:t>
-            </a:r>
-          </a:p>
-          <a:p>
-            <a:pPr lvl="2"/>
-            <a:r>
-              <a:rPr lang="en-US" b="0" i="0" u="none" strike="noStrike" baseline="0" dirty="0">
-                <a:latin typeface="Arial" panose="020B0604020202020204" pitchFamily="34" charset="0"/>
-              </a:rPr>
-              <a:t>Verbose</a:t>
-            </a:r>
-          </a:p>
-          <a:p>
-            <a:pPr lvl="2"/>
-            <a:r>
-              <a:rPr lang="en-US" b="0" i="0" u="none" strike="noStrike" baseline="0" dirty="0">
-                <a:latin typeface="Arial" panose="020B0604020202020204" pitchFamily="34" charset="0"/>
-              </a:rPr>
-              <a:t>Debug</a:t>
-            </a:r>
-          </a:p>
-          <a:p>
-            <a:pPr lvl="2"/>
-            <a:r>
-              <a:rPr lang="en-US" b="0" i="0" u="none" strike="noStrike" baseline="0" dirty="0">
-                <a:latin typeface="Arial" panose="020B0604020202020204" pitchFamily="34" charset="0"/>
-              </a:rPr>
-              <a:t>Warning</a:t>
-            </a:r>
-          </a:p>
-          <a:p>
-            <a:pPr lvl="2"/>
-            <a:r>
-              <a:rPr lang="en-US" b="0" i="0" u="none" strike="noStrike" baseline="0" dirty="0">
-                <a:latin typeface="Arial" panose="020B0604020202020204" pitchFamily="34" charset="0"/>
-              </a:rPr>
-              <a:t>Error</a:t>
-            </a:r>
-          </a:p>
-          <a:p>
-            <a:pPr lvl="3"/>
-            <a:r>
-              <a:rPr lang="en-US" b="0" i="0" u="none" strike="noStrike" baseline="0" dirty="0">
-                <a:latin typeface="Arial" panose="020B0604020202020204" pitchFamily="34" charset="0"/>
-              </a:rPr>
-              <a:t>Get-Error</a:t>
-            </a:r>
-          </a:p>
-          <a:p>
-            <a:pPr lvl="2"/>
-            <a:r>
-              <a:rPr lang="en-US" b="0" i="0" u="none" strike="noStrike" baseline="0" dirty="0">
-                <a:latin typeface="Arial" panose="020B0604020202020204" pitchFamily="34" charset="0"/>
-              </a:rPr>
-              <a:t>Information</a:t>
-            </a:r>
+              <a:rPr lang="en-US" dirty="0">
+                <a:latin typeface="Arial" panose="020B0604020202020204" pitchFamily="34" charset="0"/>
+              </a:rPr>
+              <a:t>Get-Help -Parameter</a:t>
+            </a:r>
+            <a:endParaRPr lang="en-US" b="0" i="0" u="none" strike="noStrike" baseline="0" dirty="0">
+              <a:latin typeface="Arial" panose="020B0604020202020204" pitchFamily="34" charset="0"/>
+            </a:endParaRPr>
+          </a:p>
+          <a:p>
+            <a:pPr marR="0" lvl="0" rtl="0"/>
+            <a:endParaRPr lang="en-US" b="0" i="0" u="none" strike="noStrike" baseline="0" dirty="0">
+              <a:latin typeface="Arial" panose="020B0604020202020204" pitchFamily="34" charset="0"/>
+            </a:endParaRPr>
           </a:p>
           <a:p>
             <a:pPr marR="0" lvl="0" rtl="0"/>
@@ -10306,6 +10455,253 @@
             <a:fld id="{9993A830-6DA6-4394-A358-10250CDB3A67}" type="slidenum">
               <a:rPr lang="en-SE" smtClean="0"/>
               <a:t>35</a:t>
+            </a:fld>
+            <a:endParaRPr lang="en-SE"/>
+          </a:p>
+        </p:txBody>
+      </p:sp>
+    </p:spTree>
+    <p:extLst>
+      <p:ext uri="{BB962C8B-B14F-4D97-AF65-F5344CB8AC3E}">
+        <p14:creationId xmlns:p14="http://schemas.microsoft.com/office/powerpoint/2010/main" val="1838082709"/>
+      </p:ext>
+    </p:extLst>
+  </p:cSld>
+  <p:clrMapOvr>
+    <a:masterClrMapping/>
+  </p:clrMapOvr>
+</p:sld>
+</file>
+
+<file path=ppt/slides/slide36.xml><?xml version="1.0" encoding="utf-8"?>
+<p:sld xmlns:a="http://schemas.openxmlformats.org/drawingml/2006/main" xmlns:r="http://schemas.openxmlformats.org/officeDocument/2006/relationships" xmlns:p="http://schemas.openxmlformats.org/presentationml/2006/main">
+  <p:cSld>
+    <p:spTree>
+      <p:nvGrpSpPr>
+        <p:cNvPr id="1" name=""/>
+        <p:cNvGrpSpPr/>
+        <p:nvPr/>
+      </p:nvGrpSpPr>
+      <p:grpSpPr>
+        <a:xfrm>
+          <a:off x="0" y="0"/>
+          <a:ext cx="0" cy="0"/>
+          <a:chOff x="0" y="0"/>
+          <a:chExt cx="0" cy="0"/>
+        </a:xfrm>
+      </p:grpSpPr>
+      <p:sp>
+        <p:nvSpPr>
+          <p:cNvPr id="2" name="Title 1">
+            <a:extLst>
+              <a:ext uri="{FF2B5EF4-FFF2-40B4-BE49-F238E27FC236}">
+                <a16:creationId xmlns:a16="http://schemas.microsoft.com/office/drawing/2014/main" id="{020D5667-3F2E-0371-B2AF-410D252A6CEA}"/>
+              </a:ext>
+            </a:extLst>
+          </p:cNvPr>
+          <p:cNvSpPr>
+            <a:spLocks noGrp="1"/>
+          </p:cNvSpPr>
+          <p:nvPr>
+            <p:ph type="title"/>
+          </p:nvPr>
+        </p:nvSpPr>
+        <p:spPr>
+          <a:xfrm>
+            <a:off x="838200" y="365125"/>
+            <a:ext cx="10515600" cy="1325563"/>
+          </a:xfrm>
+        </p:spPr>
+        <p:txBody>
+          <a:bodyPr/>
+          <a:lstStyle/>
+          <a:p>
+            <a:pPr marR="0" rtl="0"/>
+            <a:r>
+              <a:rPr lang="en-GB" b="1" i="0" u="none" strike="noStrike" baseline="0" dirty="0">
+                <a:latin typeface="Arial" panose="020B0604020202020204" pitchFamily="34" charset="0"/>
+              </a:rPr>
+              <a:t>Input &amp; Output</a:t>
+            </a:r>
+            <a:endParaRPr lang="en-GB" b="0" i="0" u="none" strike="noStrike" baseline="0" dirty="0">
+              <a:latin typeface="Arial" panose="020B0604020202020204" pitchFamily="34" charset="0"/>
+            </a:endParaRPr>
+          </a:p>
+        </p:txBody>
+      </p:sp>
+      <p:sp>
+        <p:nvSpPr>
+          <p:cNvPr id="3" name="Text Placeholder 2">
+            <a:extLst>
+              <a:ext uri="{FF2B5EF4-FFF2-40B4-BE49-F238E27FC236}">
+                <a16:creationId xmlns:a16="http://schemas.microsoft.com/office/drawing/2014/main" id="{14842F41-DE27-3397-05EB-81DCA4DF63A8}"/>
+              </a:ext>
+            </a:extLst>
+          </p:cNvPr>
+          <p:cNvSpPr>
+            <a:spLocks noGrp="1"/>
+          </p:cNvSpPr>
+          <p:nvPr>
+            <p:ph type="body" idx="1"/>
+          </p:nvPr>
+        </p:nvSpPr>
+        <p:spPr/>
+        <p:txBody>
+          <a:bodyPr>
+            <a:normAutofit/>
+          </a:bodyPr>
+          <a:lstStyle/>
+          <a:p>
+            <a:pPr marR="0" lvl="0" rtl="0"/>
+            <a:r>
+              <a:rPr lang="en-US" b="0" i="0" u="none" strike="noStrike" baseline="0" dirty="0">
+                <a:latin typeface="Arial" panose="020B0604020202020204" pitchFamily="34" charset="0"/>
+              </a:rPr>
+              <a:t>Output</a:t>
+            </a:r>
+          </a:p>
+          <a:p>
+            <a:pPr lvl="1"/>
+            <a:r>
+              <a:rPr lang="en-US" b="0" i="0" u="none" strike="noStrike" baseline="0" dirty="0">
+                <a:latin typeface="Arial" panose="020B0604020202020204" pitchFamily="34" charset="0"/>
+              </a:rPr>
+              <a:t>Write-Host &amp; Write-Output</a:t>
+            </a:r>
+          </a:p>
+          <a:p>
+            <a:pPr lvl="1"/>
+            <a:r>
+              <a:rPr lang="en-US" b="0" i="0" u="none" strike="noStrike" baseline="0" dirty="0">
+                <a:latin typeface="Arial" panose="020B0604020202020204" pitchFamily="34" charset="0"/>
+              </a:rPr>
+              <a:t>Streams</a:t>
+            </a:r>
+          </a:p>
+          <a:p>
+            <a:pPr lvl="2"/>
+            <a:r>
+              <a:rPr lang="en-US" b="0" i="0" u="none" strike="noStrike" baseline="0" dirty="0">
+                <a:latin typeface="Arial" panose="020B0604020202020204" pitchFamily="34" charset="0"/>
+              </a:rPr>
+              <a:t>Output</a:t>
+            </a:r>
+          </a:p>
+          <a:p>
+            <a:pPr lvl="2"/>
+            <a:r>
+              <a:rPr lang="en-US" b="0" i="0" u="none" strike="noStrike" baseline="0" dirty="0">
+                <a:latin typeface="Arial" panose="020B0604020202020204" pitchFamily="34" charset="0"/>
+              </a:rPr>
+              <a:t>Verbose</a:t>
+            </a:r>
+          </a:p>
+          <a:p>
+            <a:pPr lvl="2"/>
+            <a:r>
+              <a:rPr lang="en-US" b="0" i="0" u="none" strike="noStrike" baseline="0" dirty="0">
+                <a:latin typeface="Arial" panose="020B0604020202020204" pitchFamily="34" charset="0"/>
+              </a:rPr>
+              <a:t>Debug</a:t>
+            </a:r>
+          </a:p>
+          <a:p>
+            <a:pPr lvl="2"/>
+            <a:r>
+              <a:rPr lang="en-US" b="0" i="0" u="none" strike="noStrike" baseline="0" dirty="0">
+                <a:latin typeface="Arial" panose="020B0604020202020204" pitchFamily="34" charset="0"/>
+              </a:rPr>
+              <a:t>Warning</a:t>
+            </a:r>
+          </a:p>
+          <a:p>
+            <a:pPr lvl="2"/>
+            <a:r>
+              <a:rPr lang="en-US" b="0" i="0" u="none" strike="noStrike" baseline="0" dirty="0">
+                <a:latin typeface="Arial" panose="020B0604020202020204" pitchFamily="34" charset="0"/>
+              </a:rPr>
+              <a:t>Error</a:t>
+            </a:r>
+          </a:p>
+          <a:p>
+            <a:pPr lvl="3"/>
+            <a:r>
+              <a:rPr lang="en-US" b="0" i="0" u="none" strike="noStrike" baseline="0" dirty="0">
+                <a:latin typeface="Arial" panose="020B0604020202020204" pitchFamily="34" charset="0"/>
+              </a:rPr>
+              <a:t>Get-Error</a:t>
+            </a:r>
+          </a:p>
+          <a:p>
+            <a:pPr lvl="2"/>
+            <a:r>
+              <a:rPr lang="en-US" b="0" i="0" u="none" strike="noStrike" baseline="0" dirty="0">
+                <a:latin typeface="Arial" panose="020B0604020202020204" pitchFamily="34" charset="0"/>
+              </a:rPr>
+              <a:t>Information</a:t>
+            </a:r>
+          </a:p>
+          <a:p>
+            <a:pPr marR="0" lvl="0" rtl="0"/>
+            <a:endParaRPr lang="en-GB" b="0" i="0" u="none" strike="noStrike" baseline="0" dirty="0">
+              <a:latin typeface="Arial" panose="020B0604020202020204" pitchFamily="34" charset="0"/>
+            </a:endParaRPr>
+          </a:p>
+        </p:txBody>
+      </p:sp>
+      <p:sp>
+        <p:nvSpPr>
+          <p:cNvPr id="4" name="Footer Placeholder 3">
+            <a:extLst>
+              <a:ext uri="{FF2B5EF4-FFF2-40B4-BE49-F238E27FC236}">
+                <a16:creationId xmlns:a16="http://schemas.microsoft.com/office/drawing/2014/main" id="{DFC4B1A9-C5E5-6767-5A67-3AFFF61F8AE3}"/>
+              </a:ext>
+            </a:extLst>
+          </p:cNvPr>
+          <p:cNvSpPr>
+            <a:spLocks noGrp="1"/>
+          </p:cNvSpPr>
+          <p:nvPr>
+            <p:ph type="ftr" sz="quarter" idx="11"/>
+          </p:nvPr>
+        </p:nvSpPr>
+        <p:spPr/>
+        <p:txBody>
+          <a:bodyPr/>
+          <a:lstStyle/>
+          <a:p>
+            <a:r>
+              <a:rPr lang="sv-SE"/>
+              <a:t>Björn Sundling  bjorn.sundling@advania.com</a:t>
+            </a:r>
+            <a:endParaRPr lang="en-SE"/>
+          </a:p>
+        </p:txBody>
+      </p:sp>
+      <p:sp>
+        <p:nvSpPr>
+          <p:cNvPr id="5" name="Slide Number Placeholder 4">
+            <a:extLst>
+              <a:ext uri="{FF2B5EF4-FFF2-40B4-BE49-F238E27FC236}">
+                <a16:creationId xmlns:a16="http://schemas.microsoft.com/office/drawing/2014/main" id="{BAD258B7-9534-6ABE-261E-70D2894B8FD8}"/>
+              </a:ext>
+            </a:extLst>
+          </p:cNvPr>
+          <p:cNvSpPr>
+            <a:spLocks noGrp="1"/>
+          </p:cNvSpPr>
+          <p:nvPr>
+            <p:ph type="sldNum" sz="quarter" idx="12"/>
+          </p:nvPr>
+        </p:nvSpPr>
+        <p:spPr/>
+        <p:txBody>
+          <a:bodyPr/>
+          <a:lstStyle/>
+          <a:p>
+            <a:fld id="{9993A830-6DA6-4394-A358-10250CDB3A67}" type="slidenum">
+              <a:rPr lang="en-SE" smtClean="0"/>
+              <a:t>36</a:t>
             </a:fld>
             <a:endParaRPr lang="en-SE"/>
           </a:p>
@@ -10557,190 +10953,6 @@
 </p:sld>
 </file>
 
-<file path=ppt/slides/slide36.xml><?xml version="1.0" encoding="utf-8"?>
-<p:sld xmlns:a="http://schemas.openxmlformats.org/drawingml/2006/main" xmlns:r="http://schemas.openxmlformats.org/officeDocument/2006/relationships" xmlns:p="http://schemas.openxmlformats.org/presentationml/2006/main">
-  <p:cSld>
-    <p:spTree>
-      <p:nvGrpSpPr>
-        <p:cNvPr id="1" name=""/>
-        <p:cNvGrpSpPr/>
-        <p:nvPr/>
-      </p:nvGrpSpPr>
-      <p:grpSpPr>
-        <a:xfrm>
-          <a:off x="0" y="0"/>
-          <a:ext cx="0" cy="0"/>
-          <a:chOff x="0" y="0"/>
-          <a:chExt cx="0" cy="0"/>
-        </a:xfrm>
-      </p:grpSpPr>
-      <p:sp>
-        <p:nvSpPr>
-          <p:cNvPr id="2" name="Title 1">
-            <a:extLst>
-              <a:ext uri="{FF2B5EF4-FFF2-40B4-BE49-F238E27FC236}">
-                <a16:creationId xmlns:a16="http://schemas.microsoft.com/office/drawing/2014/main" id="{020D5667-3F2E-0371-B2AF-410D252A6CEA}"/>
-              </a:ext>
-            </a:extLst>
-          </p:cNvPr>
-          <p:cNvSpPr>
-            <a:spLocks noGrp="1"/>
-          </p:cNvSpPr>
-          <p:nvPr>
-            <p:ph type="title"/>
-          </p:nvPr>
-        </p:nvSpPr>
-        <p:spPr>
-          <a:xfrm>
-            <a:off x="838200" y="365125"/>
-            <a:ext cx="10515600" cy="1325563"/>
-          </a:xfrm>
-        </p:spPr>
-        <p:txBody>
-          <a:bodyPr/>
-          <a:lstStyle/>
-          <a:p>
-            <a:pPr marR="0" rtl="0"/>
-            <a:r>
-              <a:rPr lang="en-GB" b="1" i="0" u="none" strike="noStrike" baseline="0" dirty="0">
-                <a:latin typeface="Arial" panose="020B0604020202020204" pitchFamily="34" charset="0"/>
-              </a:rPr>
-              <a:t>Input &amp; Output</a:t>
-            </a:r>
-            <a:endParaRPr lang="en-GB" b="0" i="0" u="none" strike="noStrike" baseline="0" dirty="0">
-              <a:latin typeface="Arial" panose="020B0604020202020204" pitchFamily="34" charset="0"/>
-            </a:endParaRPr>
-          </a:p>
-        </p:txBody>
-      </p:sp>
-      <p:sp>
-        <p:nvSpPr>
-          <p:cNvPr id="3" name="Text Placeholder 2">
-            <a:extLst>
-              <a:ext uri="{FF2B5EF4-FFF2-40B4-BE49-F238E27FC236}">
-                <a16:creationId xmlns:a16="http://schemas.microsoft.com/office/drawing/2014/main" id="{14842F41-DE27-3397-05EB-81DCA4DF63A8}"/>
-              </a:ext>
-            </a:extLst>
-          </p:cNvPr>
-          <p:cNvSpPr>
-            <a:spLocks noGrp="1"/>
-          </p:cNvSpPr>
-          <p:nvPr>
-            <p:ph type="body" idx="1"/>
-          </p:nvPr>
-        </p:nvSpPr>
-        <p:spPr/>
-        <p:txBody>
-          <a:bodyPr>
-            <a:normAutofit/>
-          </a:bodyPr>
-          <a:lstStyle/>
-          <a:p>
-            <a:pPr marR="0" lvl="0" rtl="0"/>
-            <a:r>
-              <a:rPr lang="en-US" dirty="0">
-                <a:latin typeface="Arial" panose="020B0604020202020204" pitchFamily="34" charset="0"/>
-              </a:rPr>
-              <a:t>Output</a:t>
-            </a:r>
-            <a:endParaRPr lang="en-US" b="0" i="0" u="none" strike="noStrike" baseline="0" dirty="0">
-              <a:latin typeface="Arial" panose="020B0604020202020204" pitchFamily="34" charset="0"/>
-            </a:endParaRPr>
-          </a:p>
-          <a:p>
-            <a:pPr lvl="1"/>
-            <a:r>
-              <a:rPr lang="en-US" b="0" i="0" u="none" strike="noStrike" baseline="0" dirty="0">
-                <a:latin typeface="Arial" panose="020B0604020202020204" pitchFamily="34" charset="0"/>
-              </a:rPr>
-              <a:t>Out-* commands</a:t>
-            </a:r>
-          </a:p>
-          <a:p>
-            <a:pPr marR="0" lvl="0" rtl="0"/>
-            <a:endParaRPr lang="en-US" b="0" i="0" u="none" strike="noStrike" baseline="0" dirty="0">
-              <a:latin typeface="Arial" panose="020B0604020202020204" pitchFamily="34" charset="0"/>
-            </a:endParaRPr>
-          </a:p>
-          <a:p>
-            <a:pPr marR="0" lvl="0" rtl="0"/>
-            <a:endParaRPr lang="en-GB" b="0" i="0" u="none" strike="noStrike" baseline="0" dirty="0">
-              <a:latin typeface="Arial" panose="020B0604020202020204" pitchFamily="34" charset="0"/>
-            </a:endParaRPr>
-          </a:p>
-        </p:txBody>
-      </p:sp>
-      <p:sp>
-        <p:nvSpPr>
-          <p:cNvPr id="4" name="Footer Placeholder 3">
-            <a:extLst>
-              <a:ext uri="{FF2B5EF4-FFF2-40B4-BE49-F238E27FC236}">
-                <a16:creationId xmlns:a16="http://schemas.microsoft.com/office/drawing/2014/main" id="{DFC4B1A9-C5E5-6767-5A67-3AFFF61F8AE3}"/>
-              </a:ext>
-            </a:extLst>
-          </p:cNvPr>
-          <p:cNvSpPr>
-            <a:spLocks noGrp="1"/>
-          </p:cNvSpPr>
-          <p:nvPr>
-            <p:ph type="ftr" sz="quarter" idx="11"/>
-          </p:nvPr>
-        </p:nvSpPr>
-        <p:spPr/>
-        <p:txBody>
-          <a:bodyPr/>
-          <a:lstStyle/>
-          <a:p>
-            <a:r>
-              <a:rPr lang="sv-SE"/>
-              <a:t>Björn Sundling  bjorn.sundling@advania.com</a:t>
-            </a:r>
-            <a:endParaRPr lang="en-SE"/>
-          </a:p>
-        </p:txBody>
-      </p:sp>
-      <p:sp>
-        <p:nvSpPr>
-          <p:cNvPr id="5" name="Slide Number Placeholder 4">
-            <a:extLst>
-              <a:ext uri="{FF2B5EF4-FFF2-40B4-BE49-F238E27FC236}">
-                <a16:creationId xmlns:a16="http://schemas.microsoft.com/office/drawing/2014/main" id="{BAD258B7-9534-6ABE-261E-70D2894B8FD8}"/>
-              </a:ext>
-            </a:extLst>
-          </p:cNvPr>
-          <p:cNvSpPr>
-            <a:spLocks noGrp="1"/>
-          </p:cNvSpPr>
-          <p:nvPr>
-            <p:ph type="sldNum" sz="quarter" idx="12"/>
-          </p:nvPr>
-        </p:nvSpPr>
-        <p:spPr/>
-        <p:txBody>
-          <a:bodyPr/>
-          <a:lstStyle/>
-          <a:p>
-            <a:fld id="{9993A830-6DA6-4394-A358-10250CDB3A67}" type="slidenum">
-              <a:rPr lang="en-SE" smtClean="0"/>
-              <a:t>36</a:t>
-            </a:fld>
-            <a:endParaRPr lang="en-SE"/>
-          </a:p>
-        </p:txBody>
-      </p:sp>
-    </p:spTree>
-    <p:extLst>
-      <p:ext uri="{BB962C8B-B14F-4D97-AF65-F5344CB8AC3E}">
-        <p14:creationId xmlns:p14="http://schemas.microsoft.com/office/powerpoint/2010/main" val="1651539578"/>
-      </p:ext>
-    </p:extLst>
-  </p:cSld>
-  <p:clrMapOvr>
-    <a:masterClrMapping/>
-  </p:clrMapOvr>
-</p:sld>
-</file>
-
 <file path=ppt/slides/slide37.xml><?xml version="1.0" encoding="utf-8"?>
 <p:sld xmlns:a="http://schemas.openxmlformats.org/drawingml/2006/main" xmlns:r="http://schemas.openxmlformats.org/officeDocument/2006/relationships" xmlns:p="http://schemas.openxmlformats.org/presentationml/2006/main">
   <p:cSld>
@@ -10763,7 +10975,7 @@
           <p:cNvPr id="2" name="Title 1">
             <a:extLst>
               <a:ext uri="{FF2B5EF4-FFF2-40B4-BE49-F238E27FC236}">
-                <a16:creationId xmlns:a16="http://schemas.microsoft.com/office/drawing/2014/main" id="{69BCD6E1-D5BF-EF3E-F0CC-EDE7BAE35861}"/>
+                <a16:creationId xmlns:a16="http://schemas.microsoft.com/office/drawing/2014/main" id="{020D5667-3F2E-0371-B2AF-410D252A6CEA}"/>
               </a:ext>
             </a:extLst>
           </p:cNvPr>
@@ -10772,110 +10984,106 @@
           </p:cNvSpPr>
           <p:nvPr>
             <p:ph type="title"/>
-          </p:nvPr>
-        </p:nvSpPr>
-        <p:spPr/>
-        <p:txBody>
-          <a:bodyPr/>
-          <a:lstStyle/>
-          <a:p>
-            <a:r>
-              <a:rPr lang="en-GB" b="1" i="0" u="none" strike="noStrike" baseline="0" dirty="0">
-                <a:latin typeface="Arial" panose="020B0604020202020204" pitchFamily="34" charset="0"/>
-              </a:rPr>
-              <a:t>Input &amp; Output</a:t>
-            </a:r>
-            <a:endParaRPr lang="en-SE" dirty="0"/>
-          </a:p>
-        </p:txBody>
-      </p:sp>
-      <p:sp>
-        <p:nvSpPr>
-          <p:cNvPr id="4" name="Text Placeholder 3">
-            <a:extLst>
-              <a:ext uri="{FF2B5EF4-FFF2-40B4-BE49-F238E27FC236}">
-                <a16:creationId xmlns:a16="http://schemas.microsoft.com/office/drawing/2014/main" id="{D7ABE405-4C8C-4761-DB98-41C6649D1B66}"/>
-              </a:ext>
-            </a:extLst>
-          </p:cNvPr>
-          <p:cNvSpPr>
-            <a:spLocks noGrp="1"/>
-          </p:cNvSpPr>
-          <p:nvPr>
-            <p:ph type="body" sz="half" idx="2"/>
           </p:nvPr>
         </p:nvSpPr>
         <p:spPr>
           <a:xfrm>
-            <a:off x="839788" y="2057400"/>
-            <a:ext cx="10877001" cy="3811588"/>
+            <a:off x="838200" y="365125"/>
+            <a:ext cx="10515600" cy="1325563"/>
           </a:xfrm>
         </p:spPr>
+        <p:txBody>
+          <a:bodyPr/>
+          <a:lstStyle/>
+          <a:p>
+            <a:pPr marR="0" rtl="0"/>
+            <a:r>
+              <a:rPr lang="en-GB" b="1" i="0" u="none" strike="noStrike" baseline="0" dirty="0">
+                <a:latin typeface="Arial" panose="020B0604020202020204" pitchFamily="34" charset="0"/>
+              </a:rPr>
+              <a:t>Input &amp; Output</a:t>
+            </a:r>
+            <a:endParaRPr lang="en-GB" b="0" i="0" u="none" strike="noStrike" baseline="0" dirty="0">
+              <a:latin typeface="Arial" panose="020B0604020202020204" pitchFamily="34" charset="0"/>
+            </a:endParaRPr>
+          </a:p>
+        </p:txBody>
+      </p:sp>
+      <p:sp>
+        <p:nvSpPr>
+          <p:cNvPr id="3" name="Text Placeholder 2">
+            <a:extLst>
+              <a:ext uri="{FF2B5EF4-FFF2-40B4-BE49-F238E27FC236}">
+                <a16:creationId xmlns:a16="http://schemas.microsoft.com/office/drawing/2014/main" id="{14842F41-DE27-3397-05EB-81DCA4DF63A8}"/>
+              </a:ext>
+            </a:extLst>
+          </p:cNvPr>
+          <p:cNvSpPr>
+            <a:spLocks noGrp="1"/>
+          </p:cNvSpPr>
+          <p:nvPr>
+            <p:ph type="body" idx="1"/>
+          </p:nvPr>
+        </p:nvSpPr>
+        <p:spPr/>
         <p:txBody>
           <a:bodyPr>
             <a:normAutofit/>
           </a:bodyPr>
           <a:lstStyle/>
           <a:p>
-            <a:pPr marL="285750" indent="-285750">
-              <a:buFont typeface="Arial" panose="020B0604020202020204" pitchFamily="34" charset="0"/>
-              <a:buChar char="•"/>
-            </a:pPr>
-            <a:r>
-              <a:rPr lang="en-GB" sz="4400" b="0" i="0" u="none" strike="noStrike" baseline="0" dirty="0">
-                <a:latin typeface="Arial" panose="020B0604020202020204" pitchFamily="34" charset="0"/>
-              </a:rPr>
-              <a:t>Lab 5</a:t>
-            </a:r>
-          </a:p>
-          <a:p>
-            <a:pPr marL="285750" indent="-285750">
-              <a:buFont typeface="Arial" panose="020B0604020202020204" pitchFamily="34" charset="0"/>
-              <a:buChar char="•"/>
-            </a:pPr>
-            <a:endParaRPr lang="en-GB" sz="4400" b="0" i="0" u="none" strike="noStrike" baseline="0" dirty="0">
+            <a:pPr marR="0" lvl="0" rtl="0"/>
+            <a:r>
+              <a:rPr lang="en-US" dirty="0">
+                <a:latin typeface="Arial" panose="020B0604020202020204" pitchFamily="34" charset="0"/>
+              </a:rPr>
+              <a:t>Output</a:t>
+            </a:r>
+            <a:endParaRPr lang="en-US" b="0" i="0" u="none" strike="noStrike" baseline="0" dirty="0">
               <a:latin typeface="Arial" panose="020B0604020202020204" pitchFamily="34" charset="0"/>
             </a:endParaRPr>
           </a:p>
           <a:p>
-            <a:pPr marL="285750" indent="-285750">
-              <a:buFont typeface="Arial" panose="020B0604020202020204" pitchFamily="34" charset="0"/>
-              <a:buChar char="•"/>
-            </a:pPr>
-            <a:r>
-              <a:rPr lang="en-US" sz="1800" dirty="0">
-                <a:hlinkClick r:id="rId2"/>
-              </a:rPr>
-              <a:t>https://github.com/AdvaniaSE/PowerShellFundamentals</a:t>
-            </a:r>
-            <a:endParaRPr lang="en-US" sz="1800" dirty="0"/>
-          </a:p>
-          <a:p>
-            <a:pPr marL="742950" lvl="1" indent="-285750">
-              <a:buFont typeface="Arial" panose="020B0604020202020204" pitchFamily="34" charset="0"/>
-              <a:buChar char="•"/>
-            </a:pPr>
-            <a:r>
-              <a:rPr lang="en-US" dirty="0"/>
-              <a:t>05. Input &amp; Output </a:t>
-            </a:r>
-            <a:endParaRPr lang="en-SE" dirty="0"/>
-          </a:p>
-          <a:p>
-            <a:pPr marL="285750" indent="-285750">
-              <a:buFont typeface="Arial" panose="020B0604020202020204" pitchFamily="34" charset="0"/>
-              <a:buChar char="•"/>
-            </a:pPr>
-            <a:endParaRPr lang="en-US" sz="1800" dirty="0"/>
-          </a:p>
-        </p:txBody>
-      </p:sp>
-      <p:sp>
-        <p:nvSpPr>
-          <p:cNvPr id="3" name="Footer Placeholder 2">
-            <a:extLst>
-              <a:ext uri="{FF2B5EF4-FFF2-40B4-BE49-F238E27FC236}">
-                <a16:creationId xmlns:a16="http://schemas.microsoft.com/office/drawing/2014/main" id="{1FAF7DB9-64B0-07FB-79A4-DC2D599FF636}"/>
+            <a:pPr lvl="1"/>
+            <a:r>
+              <a:rPr lang="en-US" b="0" i="0" u="none" strike="noStrike" baseline="0" dirty="0">
+                <a:latin typeface="Arial" panose="020B0604020202020204" pitchFamily="34" charset="0"/>
+              </a:rPr>
+              <a:t>Out-* commands</a:t>
+            </a:r>
+          </a:p>
+          <a:p>
+            <a:pPr lvl="1"/>
+            <a:r>
+              <a:rPr lang="en-US" dirty="0">
+                <a:latin typeface="Arial" panose="020B0604020202020204" pitchFamily="34" charset="0"/>
+              </a:rPr>
+              <a:t>Effectively redirects the console...</a:t>
+            </a:r>
+            <a:endParaRPr lang="en-US" b="0" i="0" u="none" strike="noStrike" baseline="0" dirty="0">
+              <a:latin typeface="Arial" panose="020B0604020202020204" pitchFamily="34" charset="0"/>
+            </a:endParaRPr>
+          </a:p>
+          <a:p>
+            <a:pPr marR="0" lvl="0" rtl="0"/>
+            <a:endParaRPr lang="en-US" b="0" i="0" u="none" strike="noStrike" baseline="0" dirty="0">
+              <a:latin typeface="Arial" panose="020B0604020202020204" pitchFamily="34" charset="0"/>
+            </a:endParaRPr>
+          </a:p>
+          <a:p>
+            <a:pPr marR="0" lvl="0" rtl="0"/>
+            <a:endParaRPr lang="en-GB" b="0" i="0" u="none" strike="noStrike" baseline="0" dirty="0">
+              <a:latin typeface="Arial" panose="020B0604020202020204" pitchFamily="34" charset="0"/>
+            </a:endParaRPr>
+          </a:p>
+        </p:txBody>
+      </p:sp>
+      <p:sp>
+        <p:nvSpPr>
+          <p:cNvPr id="4" name="Footer Placeholder 3">
+            <a:extLst>
+              <a:ext uri="{FF2B5EF4-FFF2-40B4-BE49-F238E27FC236}">
+                <a16:creationId xmlns:a16="http://schemas.microsoft.com/office/drawing/2014/main" id="{DFC4B1A9-C5E5-6767-5A67-3AFFF61F8AE3}"/>
               </a:ext>
             </a:extLst>
           </p:cNvPr>
@@ -10904,7 +11112,7 @@
           <p:cNvPr id="5" name="Slide Number Placeholder 4">
             <a:extLst>
               <a:ext uri="{FF2B5EF4-FFF2-40B4-BE49-F238E27FC236}">
-                <a16:creationId xmlns:a16="http://schemas.microsoft.com/office/drawing/2014/main" id="{2C2623BC-FCDC-B4EF-82B9-EC9076C892AE}"/>
+                <a16:creationId xmlns:a16="http://schemas.microsoft.com/office/drawing/2014/main" id="{BAD258B7-9534-6ABE-261E-70D2894B8FD8}"/>
               </a:ext>
             </a:extLst>
           </p:cNvPr>
@@ -10920,7 +11128,7 @@
           <a:bodyPr/>
           <a:lstStyle/>
           <a:p>
-            <a:fld id="{BFEA1545-8540-491B-83AB-51C306516EA6}" type="slidenum">
+            <a:fld id="{9993A830-6DA6-4394-A358-10250CDB3A67}" type="slidenum">
               <a:rPr lang="en-SE" smtClean="0"/>
               <a:t>37</a:t>
             </a:fld>
@@ -10931,7 +11139,7 @@
     </p:spTree>
     <p:extLst>
       <p:ext uri="{BB962C8B-B14F-4D97-AF65-F5344CB8AC3E}">
-        <p14:creationId xmlns:p14="http://schemas.microsoft.com/office/powerpoint/2010/main" val="1971639884"/>
+        <p14:creationId xmlns:p14="http://schemas.microsoft.com/office/powerpoint/2010/main" val="1651539578"/>
       </p:ext>
     </p:extLst>
   </p:cSld>
@@ -10963,7 +11171,7 @@
           <p:cNvPr id="2" name="Title 1">
             <a:extLst>
               <a:ext uri="{FF2B5EF4-FFF2-40B4-BE49-F238E27FC236}">
-                <a16:creationId xmlns:a16="http://schemas.microsoft.com/office/drawing/2014/main" id="{55D23047-3833-EFE0-8A01-090ACFE1D9FC}"/>
+                <a16:creationId xmlns:a16="http://schemas.microsoft.com/office/drawing/2014/main" id="{69BCD6E1-D5BF-EF3E-F0CC-EDE7BAE35861}"/>
               </a:ext>
             </a:extLst>
           </p:cNvPr>
@@ -10983,7 +11191,7 @@
               <a:rPr lang="en-GB" b="1" i="0" u="none" strike="noStrike" baseline="0" dirty="0">
                 <a:latin typeface="Arial" panose="020B0604020202020204" pitchFamily="34" charset="0"/>
               </a:rPr>
-              <a:t>Files</a:t>
+              <a:t>Input &amp; Output</a:t>
             </a:r>
             <a:endParaRPr lang="en-SE" dirty="0"/>
           </a:p>
@@ -10991,35 +11199,91 @@
       </p:sp>
       <p:sp>
         <p:nvSpPr>
-          <p:cNvPr id="3" name="Text Placeholder 2">
-            <a:extLst>
-              <a:ext uri="{FF2B5EF4-FFF2-40B4-BE49-F238E27FC236}">
-                <a16:creationId xmlns:a16="http://schemas.microsoft.com/office/drawing/2014/main" id="{1F80B5F8-E4FB-9CDB-0C7C-EEDCB4B8AF1D}"/>
-              </a:ext>
-            </a:extLst>
-          </p:cNvPr>
-          <p:cNvSpPr>
-            <a:spLocks noGrp="1"/>
-          </p:cNvSpPr>
-          <p:nvPr>
-            <p:ph type="body" idx="1"/>
-          </p:nvPr>
-        </p:nvSpPr>
-        <p:spPr/>
-        <p:txBody>
-          <a:bodyPr/>
-          <a:lstStyle/>
-          <a:p>
-            <a:endParaRPr lang="en-SE"/>
-          </a:p>
-        </p:txBody>
-      </p:sp>
-      <p:sp>
-        <p:nvSpPr>
-          <p:cNvPr id="4" name="Footer Placeholder 3">
-            <a:extLst>
-              <a:ext uri="{FF2B5EF4-FFF2-40B4-BE49-F238E27FC236}">
-                <a16:creationId xmlns:a16="http://schemas.microsoft.com/office/drawing/2014/main" id="{AFF17C74-066C-F6D3-8B07-3A4273A5590B}"/>
+          <p:cNvPr id="4" name="Text Placeholder 3">
+            <a:extLst>
+              <a:ext uri="{FF2B5EF4-FFF2-40B4-BE49-F238E27FC236}">
+                <a16:creationId xmlns:a16="http://schemas.microsoft.com/office/drawing/2014/main" id="{D7ABE405-4C8C-4761-DB98-41C6649D1B66}"/>
+              </a:ext>
+            </a:extLst>
+          </p:cNvPr>
+          <p:cNvSpPr>
+            <a:spLocks noGrp="1"/>
+          </p:cNvSpPr>
+          <p:nvPr>
+            <p:ph type="body" sz="half" idx="2"/>
+          </p:nvPr>
+        </p:nvSpPr>
+        <p:spPr>
+          <a:xfrm>
+            <a:off x="839788" y="2057400"/>
+            <a:ext cx="10877001" cy="3811588"/>
+          </a:xfrm>
+        </p:spPr>
+        <p:txBody>
+          <a:bodyPr>
+            <a:normAutofit/>
+          </a:bodyPr>
+          <a:lstStyle/>
+          <a:p>
+            <a:pPr marL="285750" indent="-285750">
+              <a:buFont typeface="Arial" panose="020B0604020202020204" pitchFamily="34" charset="0"/>
+              <a:buChar char="•"/>
+            </a:pPr>
+            <a:r>
+              <a:rPr lang="en-GB" sz="4400" b="0" i="0" u="none" strike="noStrike" baseline="0" dirty="0">
+                <a:latin typeface="Arial" panose="020B0604020202020204" pitchFamily="34" charset="0"/>
+              </a:rPr>
+              <a:t>Lab 5</a:t>
+            </a:r>
+          </a:p>
+          <a:p>
+            <a:pPr marL="285750" indent="-285750">
+              <a:buFont typeface="Arial" panose="020B0604020202020204" pitchFamily="34" charset="0"/>
+              <a:buChar char="•"/>
+            </a:pPr>
+            <a:endParaRPr lang="en-GB" sz="4400" b="0" i="0" u="none" strike="noStrike" baseline="0" dirty="0">
+              <a:latin typeface="Arial" panose="020B0604020202020204" pitchFamily="34" charset="0"/>
+            </a:endParaRPr>
+          </a:p>
+          <a:p>
+            <a:pPr marL="285750" indent="-285750">
+              <a:buFont typeface="Arial" panose="020B0604020202020204" pitchFamily="34" charset="0"/>
+              <a:buChar char="•"/>
+            </a:pPr>
+            <a:r>
+              <a:rPr lang="en-US" sz="1800" dirty="0">
+                <a:hlinkClick r:id="rId2"/>
+              </a:rPr>
+              <a:t>https://github.com/AdvaniaSE/PowerShellFundamentals</a:t>
+            </a:r>
+            <a:endParaRPr lang="en-US" sz="1800" dirty="0"/>
+          </a:p>
+          <a:p>
+            <a:pPr marL="742950" lvl="1" indent="-285750">
+              <a:buFont typeface="Arial" panose="020B0604020202020204" pitchFamily="34" charset="0"/>
+              <a:buChar char="•"/>
+            </a:pPr>
+            <a:r>
+              <a:rPr lang="en-US" dirty="0"/>
+              <a:t>05. Input &amp; Output </a:t>
+            </a:r>
+            <a:endParaRPr lang="en-SE" dirty="0"/>
+          </a:p>
+          <a:p>
+            <a:pPr marL="285750" indent="-285750">
+              <a:buFont typeface="Arial" panose="020B0604020202020204" pitchFamily="34" charset="0"/>
+              <a:buChar char="•"/>
+            </a:pPr>
+            <a:endParaRPr lang="en-US" sz="1800" dirty="0"/>
+          </a:p>
+        </p:txBody>
+      </p:sp>
+      <p:sp>
+        <p:nvSpPr>
+          <p:cNvPr id="3" name="Footer Placeholder 2">
+            <a:extLst>
+              <a:ext uri="{FF2B5EF4-FFF2-40B4-BE49-F238E27FC236}">
+                <a16:creationId xmlns:a16="http://schemas.microsoft.com/office/drawing/2014/main" id="{1FAF7DB9-64B0-07FB-79A4-DC2D599FF636}"/>
               </a:ext>
             </a:extLst>
           </p:cNvPr>
@@ -11048,7 +11312,7 @@
           <p:cNvPr id="5" name="Slide Number Placeholder 4">
             <a:extLst>
               <a:ext uri="{FF2B5EF4-FFF2-40B4-BE49-F238E27FC236}">
-                <a16:creationId xmlns:a16="http://schemas.microsoft.com/office/drawing/2014/main" id="{20FE1399-C7F6-1C33-DF5B-DE42A78C5F7F}"/>
+                <a16:creationId xmlns:a16="http://schemas.microsoft.com/office/drawing/2014/main" id="{2C2623BC-FCDC-B4EF-82B9-EC9076C892AE}"/>
               </a:ext>
             </a:extLst>
           </p:cNvPr>
@@ -11075,7 +11339,7 @@
     </p:spTree>
     <p:extLst>
       <p:ext uri="{BB962C8B-B14F-4D97-AF65-F5344CB8AC3E}">
-        <p14:creationId xmlns:p14="http://schemas.microsoft.com/office/powerpoint/2010/main" val="1616362754"/>
+        <p14:creationId xmlns:p14="http://schemas.microsoft.com/office/powerpoint/2010/main" val="1971639884"/>
       </p:ext>
     </p:extLst>
   </p:cSld>
@@ -11107,7 +11371,7 @@
           <p:cNvPr id="2" name="Title 1">
             <a:extLst>
               <a:ext uri="{FF2B5EF4-FFF2-40B4-BE49-F238E27FC236}">
-                <a16:creationId xmlns:a16="http://schemas.microsoft.com/office/drawing/2014/main" id="{020D5667-3F2E-0371-B2AF-410D252A6CEA}"/>
+                <a16:creationId xmlns:a16="http://schemas.microsoft.com/office/drawing/2014/main" id="{55D23047-3833-EFE0-8A01-090ACFE1D9FC}"/>
               </a:ext>
             </a:extLst>
           </p:cNvPr>
@@ -11118,26 +11382,18 @@
             <p:ph type="title"/>
           </p:nvPr>
         </p:nvSpPr>
-        <p:spPr>
-          <a:xfrm>
-            <a:off x="838200" y="365125"/>
-            <a:ext cx="10515600" cy="1325563"/>
-          </a:xfrm>
-        </p:spPr>
-        <p:txBody>
-          <a:bodyPr/>
-          <a:lstStyle/>
-          <a:p>
-            <a:pPr marR="0" rtl="0"/>
+        <p:spPr/>
+        <p:txBody>
+          <a:bodyPr/>
+          <a:lstStyle/>
+          <a:p>
             <a:r>
               <a:rPr lang="en-GB" b="1" i="0" u="none" strike="noStrike" baseline="0" dirty="0">
                 <a:latin typeface="Arial" panose="020B0604020202020204" pitchFamily="34" charset="0"/>
               </a:rPr>
               <a:t>Files</a:t>
             </a:r>
-            <a:endParaRPr lang="en-GB" b="0" i="0" u="none" strike="noStrike" baseline="0" dirty="0">
-              <a:latin typeface="Arial" panose="020B0604020202020204" pitchFamily="34" charset="0"/>
-            </a:endParaRPr>
+            <a:endParaRPr lang="en-SE" dirty="0"/>
           </a:p>
         </p:txBody>
       </p:sp>
@@ -11146,7 +11402,7 @@
           <p:cNvPr id="3" name="Text Placeholder 2">
             <a:extLst>
               <a:ext uri="{FF2B5EF4-FFF2-40B4-BE49-F238E27FC236}">
-                <a16:creationId xmlns:a16="http://schemas.microsoft.com/office/drawing/2014/main" id="{14842F41-DE27-3397-05EB-81DCA4DF63A8}"/>
+                <a16:creationId xmlns:a16="http://schemas.microsoft.com/office/drawing/2014/main" id="{1F80B5F8-E4FB-9CDB-0C7C-EEDCB4B8AF1D}"/>
               </a:ext>
             </a:extLst>
           </p:cNvPr>
@@ -11159,133 +11415,10 @@
         </p:nvSpPr>
         <p:spPr/>
         <p:txBody>
-          <a:bodyPr>
-            <a:normAutofit fontScale="92500" lnSpcReduction="20000"/>
-          </a:bodyPr>
-          <a:lstStyle/>
-          <a:p>
-            <a:r>
-              <a:rPr lang="en-GB" b="0" i="0" u="none" strike="noStrike" baseline="0" dirty="0">
-                <a:latin typeface="Arial" panose="020B0604020202020204" pitchFamily="34" charset="0"/>
-              </a:rPr>
-              <a:t>Navigation and Exploration</a:t>
-            </a:r>
-          </a:p>
-          <a:p>
-            <a:pPr lvl="1"/>
-            <a:r>
-              <a:rPr lang="en-GB" b="0" i="0" u="none" strike="noStrike" baseline="0" dirty="0">
-                <a:latin typeface="Arial" panose="020B0604020202020204" pitchFamily="34" charset="0"/>
-              </a:rPr>
-              <a:t>Get-Command *Item*</a:t>
-            </a:r>
-          </a:p>
-          <a:p>
-            <a:pPr lvl="1"/>
-            <a:r>
-              <a:rPr lang="en-GB" b="0" i="0" u="none" strike="noStrike" baseline="0" dirty="0">
-                <a:latin typeface="Arial" panose="020B0604020202020204" pitchFamily="34" charset="0"/>
-              </a:rPr>
-              <a:t>Get-</a:t>
-            </a:r>
-            <a:r>
-              <a:rPr lang="en-GB" b="0" i="0" u="none" strike="noStrike" baseline="0" dirty="0" err="1">
-                <a:latin typeface="Arial" panose="020B0604020202020204" pitchFamily="34" charset="0"/>
-              </a:rPr>
-              <a:t>ChildItem</a:t>
-            </a:r>
-            <a:endParaRPr lang="en-GB" b="0" i="0" u="none" strike="noStrike" baseline="0" dirty="0">
-              <a:latin typeface="Arial" panose="020B0604020202020204" pitchFamily="34" charset="0"/>
-            </a:endParaRPr>
-          </a:p>
-          <a:p>
-            <a:pPr lvl="1"/>
-            <a:r>
-              <a:rPr lang="en-GB" b="0" i="0" u="none" strike="noStrike" baseline="0" dirty="0">
-                <a:latin typeface="Arial" panose="020B0604020202020204" pitchFamily="34" charset="0"/>
-              </a:rPr>
-              <a:t>Get/Set/Push/pop -Location</a:t>
-            </a:r>
-          </a:p>
-          <a:p>
-            <a:pPr lvl="1"/>
-            <a:r>
-              <a:rPr lang="en-GB" b="0" i="0" u="none" strike="noStrike" baseline="0" dirty="0" err="1">
-                <a:latin typeface="Arial" panose="020B0604020202020204" pitchFamily="34" charset="0"/>
-              </a:rPr>
-              <a:t>PSDrives</a:t>
-            </a:r>
-            <a:endParaRPr lang="en-GB" b="0" i="0" u="none" strike="noStrike" baseline="0" dirty="0">
-              <a:latin typeface="Arial" panose="020B0604020202020204" pitchFamily="34" charset="0"/>
-            </a:endParaRPr>
-          </a:p>
-          <a:p>
-            <a:r>
-              <a:rPr lang="en-GB" b="0" i="0" u="none" strike="noStrike" baseline="0" dirty="0">
-                <a:latin typeface="Arial" panose="020B0604020202020204" pitchFamily="34" charset="0"/>
-              </a:rPr>
-              <a:t>Out-File</a:t>
-            </a:r>
-          </a:p>
-          <a:p>
-            <a:r>
-              <a:rPr lang="en-GB" b="0" i="0" u="none" strike="noStrike" baseline="0" dirty="0">
-                <a:latin typeface="Arial" panose="020B0604020202020204" pitchFamily="34" charset="0"/>
-              </a:rPr>
-              <a:t>*-Content</a:t>
-            </a:r>
-          </a:p>
-          <a:p>
-            <a:pPr lvl="1"/>
-            <a:r>
-              <a:rPr lang="en-GB" b="0" i="0" u="none" strike="noStrike" baseline="0" dirty="0">
-                <a:latin typeface="Arial" panose="020B0604020202020204" pitchFamily="34" charset="0"/>
-              </a:rPr>
-              <a:t>-Raw</a:t>
-            </a:r>
-          </a:p>
-          <a:p>
-            <a:pPr lvl="1"/>
-            <a:r>
-              <a:rPr lang="en-GB" b="0" i="0" u="none" strike="noStrike" baseline="0" dirty="0">
-                <a:latin typeface="Arial" panose="020B0604020202020204" pitchFamily="34" charset="0"/>
-              </a:rPr>
-              <a:t>-Tail</a:t>
-            </a:r>
-          </a:p>
-          <a:p>
-            <a:r>
-              <a:rPr lang="en-GB" b="0" i="0" u="none" strike="noStrike" baseline="0" dirty="0">
-                <a:latin typeface="Arial" panose="020B0604020202020204" pitchFamily="34" charset="0"/>
-              </a:rPr>
-              <a:t>Export-* / Import-*</a:t>
-            </a:r>
-          </a:p>
-          <a:p>
-            <a:r>
-              <a:rPr lang="en-GB" b="0" i="0" u="none" strike="noStrike" baseline="0" dirty="0">
-                <a:latin typeface="Arial" panose="020B0604020202020204" pitchFamily="34" charset="0"/>
-              </a:rPr>
-              <a:t>Encoding</a:t>
-            </a:r>
-          </a:p>
-          <a:p>
-            <a:pPr lvl="1"/>
-            <a:r>
-              <a:rPr lang="en-GB" b="0" i="0" u="none" strike="noStrike" baseline="0" dirty="0">
-                <a:latin typeface="Arial" panose="020B0604020202020204" pitchFamily="34" charset="0"/>
-              </a:rPr>
-              <a:t>$</a:t>
-            </a:r>
-            <a:r>
-              <a:rPr lang="en-GB" b="0" i="0" u="none" strike="noStrike" baseline="0" dirty="0" err="1">
-                <a:latin typeface="Arial" panose="020B0604020202020204" pitchFamily="34" charset="0"/>
-              </a:rPr>
-              <a:t>OutputEncoding</a:t>
-            </a:r>
-            <a:endParaRPr lang="en-GB" b="0" i="0" u="none" strike="noStrike" baseline="0" dirty="0">
-              <a:latin typeface="Arial" panose="020B0604020202020204" pitchFamily="34" charset="0"/>
-            </a:endParaRPr>
+          <a:bodyPr/>
+          <a:lstStyle/>
+          <a:p>
+            <a:endParaRPr lang="en-SE"/>
           </a:p>
         </p:txBody>
       </p:sp>
@@ -11294,7 +11427,7 @@
           <p:cNvPr id="4" name="Footer Placeholder 3">
             <a:extLst>
               <a:ext uri="{FF2B5EF4-FFF2-40B4-BE49-F238E27FC236}">
-                <a16:creationId xmlns:a16="http://schemas.microsoft.com/office/drawing/2014/main" id="{DFC4B1A9-C5E5-6767-5A67-3AFFF61F8AE3}"/>
+                <a16:creationId xmlns:a16="http://schemas.microsoft.com/office/drawing/2014/main" id="{AFF17C74-066C-F6D3-8B07-3A4273A5590B}"/>
               </a:ext>
             </a:extLst>
           </p:cNvPr>
@@ -11323,7 +11456,7 @@
           <p:cNvPr id="5" name="Slide Number Placeholder 4">
             <a:extLst>
               <a:ext uri="{FF2B5EF4-FFF2-40B4-BE49-F238E27FC236}">
-                <a16:creationId xmlns:a16="http://schemas.microsoft.com/office/drawing/2014/main" id="{BAD258B7-9534-6ABE-261E-70D2894B8FD8}"/>
+                <a16:creationId xmlns:a16="http://schemas.microsoft.com/office/drawing/2014/main" id="{20FE1399-C7F6-1C33-DF5B-DE42A78C5F7F}"/>
               </a:ext>
             </a:extLst>
           </p:cNvPr>
@@ -11339,7 +11472,7 @@
           <a:bodyPr/>
           <a:lstStyle/>
           <a:p>
-            <a:fld id="{9993A830-6DA6-4394-A358-10250CDB3A67}" type="slidenum">
+            <a:fld id="{BFEA1545-8540-491B-83AB-51C306516EA6}" type="slidenum">
               <a:rPr lang="en-SE" smtClean="0"/>
               <a:t>39</a:t>
             </a:fld>
@@ -11350,7 +11483,7 @@
     </p:spTree>
     <p:extLst>
       <p:ext uri="{BB962C8B-B14F-4D97-AF65-F5344CB8AC3E}">
-        <p14:creationId xmlns:p14="http://schemas.microsoft.com/office/powerpoint/2010/main" val="1253944457"/>
+        <p14:creationId xmlns:p14="http://schemas.microsoft.com/office/powerpoint/2010/main" val="1616362754"/>
       </p:ext>
     </p:extLst>
   </p:cSld>
@@ -11653,7 +11786,7 @@
           <p:cNvPr id="2" name="Title 1">
             <a:extLst>
               <a:ext uri="{FF2B5EF4-FFF2-40B4-BE49-F238E27FC236}">
-                <a16:creationId xmlns:a16="http://schemas.microsoft.com/office/drawing/2014/main" id="{55D23047-3833-EFE0-8A01-090ACFE1D9FC}"/>
+                <a16:creationId xmlns:a16="http://schemas.microsoft.com/office/drawing/2014/main" id="{020D5667-3F2E-0371-B2AF-410D252A6CEA}"/>
               </a:ext>
             </a:extLst>
           </p:cNvPr>
@@ -11664,18 +11797,26 @@
             <p:ph type="title"/>
           </p:nvPr>
         </p:nvSpPr>
-        <p:spPr/>
-        <p:txBody>
-          <a:bodyPr/>
-          <a:lstStyle/>
-          <a:p>
+        <p:spPr>
+          <a:xfrm>
+            <a:off x="838200" y="365125"/>
+            <a:ext cx="10515600" cy="1325563"/>
+          </a:xfrm>
+        </p:spPr>
+        <p:txBody>
+          <a:bodyPr/>
+          <a:lstStyle/>
+          <a:p>
+            <a:pPr marR="0" rtl="0"/>
             <a:r>
               <a:rPr lang="en-GB" b="1" i="0" u="none" strike="noStrike" baseline="0" dirty="0">
                 <a:latin typeface="Arial" panose="020B0604020202020204" pitchFamily="34" charset="0"/>
               </a:rPr>
-              <a:t>Working with Text</a:t>
-            </a:r>
-            <a:endParaRPr lang="en-SE" dirty="0"/>
+              <a:t>Files</a:t>
+            </a:r>
+            <a:endParaRPr lang="en-GB" b="0" i="0" u="none" strike="noStrike" baseline="0" dirty="0">
+              <a:latin typeface="Arial" panose="020B0604020202020204" pitchFamily="34" charset="0"/>
+            </a:endParaRPr>
           </a:p>
         </p:txBody>
       </p:sp>
@@ -11684,7 +11825,7 @@
           <p:cNvPr id="3" name="Text Placeholder 2">
             <a:extLst>
               <a:ext uri="{FF2B5EF4-FFF2-40B4-BE49-F238E27FC236}">
-                <a16:creationId xmlns:a16="http://schemas.microsoft.com/office/drawing/2014/main" id="{1F80B5F8-E4FB-9CDB-0C7C-EEDCB4B8AF1D}"/>
+                <a16:creationId xmlns:a16="http://schemas.microsoft.com/office/drawing/2014/main" id="{14842F41-DE27-3397-05EB-81DCA4DF63A8}"/>
               </a:ext>
             </a:extLst>
           </p:cNvPr>
@@ -11697,10 +11838,133 @@
         </p:nvSpPr>
         <p:spPr/>
         <p:txBody>
-          <a:bodyPr/>
-          <a:lstStyle/>
-          <a:p>
-            <a:endParaRPr lang="en-SE"/>
+          <a:bodyPr>
+            <a:normAutofit fontScale="92500" lnSpcReduction="20000"/>
+          </a:bodyPr>
+          <a:lstStyle/>
+          <a:p>
+            <a:r>
+              <a:rPr lang="en-GB" b="0" i="0" u="none" strike="noStrike" baseline="0" dirty="0">
+                <a:latin typeface="Arial" panose="020B0604020202020204" pitchFamily="34" charset="0"/>
+              </a:rPr>
+              <a:t>Navigation and Exploration</a:t>
+            </a:r>
+          </a:p>
+          <a:p>
+            <a:pPr lvl="1"/>
+            <a:r>
+              <a:rPr lang="en-GB" b="0" i="0" u="none" strike="noStrike" baseline="0" dirty="0">
+                <a:latin typeface="Arial" panose="020B0604020202020204" pitchFamily="34" charset="0"/>
+              </a:rPr>
+              <a:t>Get-Command *Item*</a:t>
+            </a:r>
+          </a:p>
+          <a:p>
+            <a:pPr lvl="1"/>
+            <a:r>
+              <a:rPr lang="en-GB" b="0" i="0" u="none" strike="noStrike" baseline="0" dirty="0">
+                <a:latin typeface="Arial" panose="020B0604020202020204" pitchFamily="34" charset="0"/>
+              </a:rPr>
+              <a:t>Get-</a:t>
+            </a:r>
+            <a:r>
+              <a:rPr lang="en-GB" b="0" i="0" u="none" strike="noStrike" baseline="0" dirty="0" err="1">
+                <a:latin typeface="Arial" panose="020B0604020202020204" pitchFamily="34" charset="0"/>
+              </a:rPr>
+              <a:t>ChildItem</a:t>
+            </a:r>
+            <a:endParaRPr lang="en-GB" b="0" i="0" u="none" strike="noStrike" baseline="0" dirty="0">
+              <a:latin typeface="Arial" panose="020B0604020202020204" pitchFamily="34" charset="0"/>
+            </a:endParaRPr>
+          </a:p>
+          <a:p>
+            <a:pPr lvl="1"/>
+            <a:r>
+              <a:rPr lang="en-GB" b="0" i="0" u="none" strike="noStrike" baseline="0" dirty="0">
+                <a:latin typeface="Arial" panose="020B0604020202020204" pitchFamily="34" charset="0"/>
+              </a:rPr>
+              <a:t>Get/Set/Push/pop -Location</a:t>
+            </a:r>
+          </a:p>
+          <a:p>
+            <a:pPr lvl="1"/>
+            <a:r>
+              <a:rPr lang="en-GB" b="0" i="0" u="none" strike="noStrike" baseline="0" dirty="0" err="1">
+                <a:latin typeface="Arial" panose="020B0604020202020204" pitchFamily="34" charset="0"/>
+              </a:rPr>
+              <a:t>PSDrives</a:t>
+            </a:r>
+            <a:endParaRPr lang="en-GB" b="0" i="0" u="none" strike="noStrike" baseline="0" dirty="0">
+              <a:latin typeface="Arial" panose="020B0604020202020204" pitchFamily="34" charset="0"/>
+            </a:endParaRPr>
+          </a:p>
+          <a:p>
+            <a:r>
+              <a:rPr lang="en-GB" b="0" i="0" u="none" strike="noStrike" baseline="0" dirty="0">
+                <a:latin typeface="Arial" panose="020B0604020202020204" pitchFamily="34" charset="0"/>
+              </a:rPr>
+              <a:t>Out-File</a:t>
+            </a:r>
+          </a:p>
+          <a:p>
+            <a:r>
+              <a:rPr lang="en-GB" b="0" i="0" u="none" strike="noStrike" baseline="0" dirty="0">
+                <a:latin typeface="Arial" panose="020B0604020202020204" pitchFamily="34" charset="0"/>
+              </a:rPr>
+              <a:t>*-Content</a:t>
+            </a:r>
+          </a:p>
+          <a:p>
+            <a:pPr lvl="1"/>
+            <a:r>
+              <a:rPr lang="en-GB" b="0" i="0" u="none" strike="noStrike" baseline="0" dirty="0">
+                <a:latin typeface="Arial" panose="020B0604020202020204" pitchFamily="34" charset="0"/>
+              </a:rPr>
+              <a:t>-Raw</a:t>
+            </a:r>
+          </a:p>
+          <a:p>
+            <a:pPr lvl="1"/>
+            <a:r>
+              <a:rPr lang="en-GB" b="0" i="0" u="none" strike="noStrike" baseline="0" dirty="0">
+                <a:latin typeface="Arial" panose="020B0604020202020204" pitchFamily="34" charset="0"/>
+              </a:rPr>
+              <a:t>-Tail</a:t>
+            </a:r>
+          </a:p>
+          <a:p>
+            <a:r>
+              <a:rPr lang="en-GB" b="0" i="0" u="none" strike="noStrike" baseline="0" dirty="0">
+                <a:latin typeface="Arial" panose="020B0604020202020204" pitchFamily="34" charset="0"/>
+              </a:rPr>
+              <a:t>Export-* / Import-*</a:t>
+            </a:r>
+          </a:p>
+          <a:p>
+            <a:r>
+              <a:rPr lang="en-GB" b="0" i="0" u="none" strike="noStrike" baseline="0" dirty="0">
+                <a:latin typeface="Arial" panose="020B0604020202020204" pitchFamily="34" charset="0"/>
+              </a:rPr>
+              <a:t>Encoding</a:t>
+            </a:r>
+          </a:p>
+          <a:p>
+            <a:pPr lvl="1"/>
+            <a:r>
+              <a:rPr lang="en-GB" b="0" i="0" u="none" strike="noStrike" baseline="0" dirty="0">
+                <a:latin typeface="Arial" panose="020B0604020202020204" pitchFamily="34" charset="0"/>
+              </a:rPr>
+              <a:t>$</a:t>
+            </a:r>
+            <a:r>
+              <a:rPr lang="en-GB" b="0" i="0" u="none" strike="noStrike" baseline="0" dirty="0" err="1">
+                <a:latin typeface="Arial" panose="020B0604020202020204" pitchFamily="34" charset="0"/>
+              </a:rPr>
+              <a:t>OutputEncoding</a:t>
+            </a:r>
+            <a:endParaRPr lang="en-GB" b="0" i="0" u="none" strike="noStrike" baseline="0" dirty="0">
+              <a:latin typeface="Arial" panose="020B0604020202020204" pitchFamily="34" charset="0"/>
+            </a:endParaRPr>
           </a:p>
         </p:txBody>
       </p:sp>
@@ -11709,7 +11973,7 @@
           <p:cNvPr id="4" name="Footer Placeholder 3">
             <a:extLst>
               <a:ext uri="{FF2B5EF4-FFF2-40B4-BE49-F238E27FC236}">
-                <a16:creationId xmlns:a16="http://schemas.microsoft.com/office/drawing/2014/main" id="{AFF17C74-066C-F6D3-8B07-3A4273A5590B}"/>
+                <a16:creationId xmlns:a16="http://schemas.microsoft.com/office/drawing/2014/main" id="{DFC4B1A9-C5E5-6767-5A67-3AFFF61F8AE3}"/>
               </a:ext>
             </a:extLst>
           </p:cNvPr>
@@ -11738,7 +12002,7 @@
           <p:cNvPr id="5" name="Slide Number Placeholder 4">
             <a:extLst>
               <a:ext uri="{FF2B5EF4-FFF2-40B4-BE49-F238E27FC236}">
-                <a16:creationId xmlns:a16="http://schemas.microsoft.com/office/drawing/2014/main" id="{20FE1399-C7F6-1C33-DF5B-DE42A78C5F7F}"/>
+                <a16:creationId xmlns:a16="http://schemas.microsoft.com/office/drawing/2014/main" id="{BAD258B7-9534-6ABE-261E-70D2894B8FD8}"/>
               </a:ext>
             </a:extLst>
           </p:cNvPr>
@@ -11754,7 +12018,7 @@
           <a:bodyPr/>
           <a:lstStyle/>
           <a:p>
-            <a:fld id="{BFEA1545-8540-491B-83AB-51C306516EA6}" type="slidenum">
+            <a:fld id="{9993A830-6DA6-4394-A358-10250CDB3A67}" type="slidenum">
               <a:rPr lang="en-SE" smtClean="0"/>
               <a:t>40</a:t>
             </a:fld>
@@ -11765,7 +12029,7 @@
     </p:spTree>
     <p:extLst>
       <p:ext uri="{BB962C8B-B14F-4D97-AF65-F5344CB8AC3E}">
-        <p14:creationId xmlns:p14="http://schemas.microsoft.com/office/powerpoint/2010/main" val="875925946"/>
+        <p14:creationId xmlns:p14="http://schemas.microsoft.com/office/powerpoint/2010/main" val="1253944457"/>
       </p:ext>
     </p:extLst>
   </p:cSld>
@@ -11797,7 +12061,7 @@
           <p:cNvPr id="2" name="Title 1">
             <a:extLst>
               <a:ext uri="{FF2B5EF4-FFF2-40B4-BE49-F238E27FC236}">
-                <a16:creationId xmlns:a16="http://schemas.microsoft.com/office/drawing/2014/main" id="{020D5667-3F2E-0371-B2AF-410D252A6CEA}"/>
+                <a16:creationId xmlns:a16="http://schemas.microsoft.com/office/drawing/2014/main" id="{55D23047-3833-EFE0-8A01-090ACFE1D9FC}"/>
               </a:ext>
             </a:extLst>
           </p:cNvPr>
@@ -11808,26 +12072,18 @@
             <p:ph type="title"/>
           </p:nvPr>
         </p:nvSpPr>
-        <p:spPr>
-          <a:xfrm>
-            <a:off x="838200" y="365125"/>
-            <a:ext cx="10515600" cy="1325563"/>
-          </a:xfrm>
-        </p:spPr>
-        <p:txBody>
-          <a:bodyPr/>
-          <a:lstStyle/>
-          <a:p>
-            <a:pPr marR="0" rtl="0"/>
+        <p:spPr/>
+        <p:txBody>
+          <a:bodyPr/>
+          <a:lstStyle/>
+          <a:p>
             <a:r>
               <a:rPr lang="en-GB" b="1" i="0" u="none" strike="noStrike" baseline="0" dirty="0">
                 <a:latin typeface="Arial" panose="020B0604020202020204" pitchFamily="34" charset="0"/>
               </a:rPr>
               <a:t>Working with Text</a:t>
             </a:r>
-            <a:endParaRPr lang="en-GB" b="0" i="0" u="none" strike="noStrike" baseline="0" dirty="0">
-              <a:latin typeface="Arial" panose="020B0604020202020204" pitchFamily="34" charset="0"/>
-            </a:endParaRPr>
+            <a:endParaRPr lang="en-SE" dirty="0"/>
           </a:p>
         </p:txBody>
       </p:sp>
@@ -11836,7 +12092,7 @@
           <p:cNvPr id="3" name="Text Placeholder 2">
             <a:extLst>
               <a:ext uri="{FF2B5EF4-FFF2-40B4-BE49-F238E27FC236}">
-                <a16:creationId xmlns:a16="http://schemas.microsoft.com/office/drawing/2014/main" id="{14842F41-DE27-3397-05EB-81DCA4DF63A8}"/>
+                <a16:creationId xmlns:a16="http://schemas.microsoft.com/office/drawing/2014/main" id="{1F80B5F8-E4FB-9CDB-0C7C-EEDCB4B8AF1D}"/>
               </a:ext>
             </a:extLst>
           </p:cNvPr>
@@ -11849,69 +12105,10 @@
         </p:nvSpPr>
         <p:spPr/>
         <p:txBody>
-          <a:bodyPr>
-            <a:normAutofit/>
-          </a:bodyPr>
-          <a:lstStyle/>
-          <a:p>
-            <a:pPr marR="0" lvl="0" rtl="0"/>
-            <a:r>
-              <a:rPr lang="en-GB" b="0" i="0" u="none" strike="noStrike" baseline="0" dirty="0">
-                <a:latin typeface="Arial" panose="020B0604020202020204" pitchFamily="34" charset="0"/>
-              </a:rPr>
-              <a:t>Variables in Text</a:t>
-            </a:r>
-          </a:p>
-          <a:p>
-            <a:pPr lvl="1"/>
-            <a:r>
-              <a:rPr lang="en-GB" b="0" i="0" u="none" strike="noStrike" baseline="0" dirty="0">
-                <a:latin typeface="Arial" panose="020B0604020202020204" pitchFamily="34" charset="0"/>
-              </a:rPr>
-              <a:t>Single vs Double Quotes</a:t>
-            </a:r>
-          </a:p>
-          <a:p>
-            <a:pPr lvl="1"/>
-            <a:r>
-              <a:rPr lang="en-GB" b="0" i="0" u="none" strike="noStrike" baseline="0" dirty="0">
-                <a:latin typeface="Arial" panose="020B0604020202020204" pitchFamily="34" charset="0"/>
-              </a:rPr>
-              <a:t>Implicit .</a:t>
-            </a:r>
-            <a:r>
-              <a:rPr lang="en-GB" b="0" i="0" u="none" strike="noStrike" baseline="0" dirty="0" err="1">
-                <a:latin typeface="Arial" panose="020B0604020202020204" pitchFamily="34" charset="0"/>
-              </a:rPr>
-              <a:t>ToString</a:t>
-            </a:r>
-            <a:r>
-              <a:rPr lang="en-GB" b="0" i="0" u="none" strike="noStrike" baseline="0" dirty="0">
-                <a:latin typeface="Arial" panose="020B0604020202020204" pitchFamily="34" charset="0"/>
-              </a:rPr>
-              <a:t>()</a:t>
-            </a:r>
-          </a:p>
-          <a:p>
-            <a:pPr lvl="1"/>
-            <a:r>
-              <a:rPr lang="en-GB" b="0" i="0" u="none" strike="noStrike" baseline="0" dirty="0">
-                <a:latin typeface="Arial" panose="020B0604020202020204" pitchFamily="34" charset="0"/>
-              </a:rPr>
-              <a:t>Expressions</a:t>
-            </a:r>
-          </a:p>
-          <a:p>
-            <a:pPr marR="0" lvl="0" rtl="0"/>
-            <a:endParaRPr lang="en-GB" b="0" i="0" u="none" strike="noStrike" baseline="0" dirty="0">
-              <a:latin typeface="Arial" panose="020B0604020202020204" pitchFamily="34" charset="0"/>
-            </a:endParaRPr>
-          </a:p>
-          <a:p>
-            <a:pPr marR="0" lvl="0" rtl="0"/>
-            <a:endParaRPr lang="en-GB" b="0" i="0" u="none" strike="noStrike" baseline="0" dirty="0">
-              <a:latin typeface="Arial" panose="020B0604020202020204" pitchFamily="34" charset="0"/>
-            </a:endParaRPr>
+          <a:bodyPr/>
+          <a:lstStyle/>
+          <a:p>
+            <a:endParaRPr lang="en-SE"/>
           </a:p>
         </p:txBody>
       </p:sp>
@@ -11920,7 +12117,7 @@
           <p:cNvPr id="4" name="Footer Placeholder 3">
             <a:extLst>
               <a:ext uri="{FF2B5EF4-FFF2-40B4-BE49-F238E27FC236}">
-                <a16:creationId xmlns:a16="http://schemas.microsoft.com/office/drawing/2014/main" id="{DFC4B1A9-C5E5-6767-5A67-3AFFF61F8AE3}"/>
+                <a16:creationId xmlns:a16="http://schemas.microsoft.com/office/drawing/2014/main" id="{AFF17C74-066C-F6D3-8B07-3A4273A5590B}"/>
               </a:ext>
             </a:extLst>
           </p:cNvPr>
@@ -11949,7 +12146,7 @@
           <p:cNvPr id="5" name="Slide Number Placeholder 4">
             <a:extLst>
               <a:ext uri="{FF2B5EF4-FFF2-40B4-BE49-F238E27FC236}">
-                <a16:creationId xmlns:a16="http://schemas.microsoft.com/office/drawing/2014/main" id="{BAD258B7-9534-6ABE-261E-70D2894B8FD8}"/>
+                <a16:creationId xmlns:a16="http://schemas.microsoft.com/office/drawing/2014/main" id="{20FE1399-C7F6-1C33-DF5B-DE42A78C5F7F}"/>
               </a:ext>
             </a:extLst>
           </p:cNvPr>
@@ -11965,7 +12162,7 @@
           <a:bodyPr/>
           <a:lstStyle/>
           <a:p>
-            <a:fld id="{9993A830-6DA6-4394-A358-10250CDB3A67}" type="slidenum">
+            <a:fld id="{BFEA1545-8540-491B-83AB-51C306516EA6}" type="slidenum">
               <a:rPr lang="en-SE" smtClean="0"/>
               <a:t>41</a:t>
             </a:fld>
@@ -11976,7 +12173,7 @@
     </p:spTree>
     <p:extLst>
       <p:ext uri="{BB962C8B-B14F-4D97-AF65-F5344CB8AC3E}">
-        <p14:creationId xmlns:p14="http://schemas.microsoft.com/office/powerpoint/2010/main" val="1685234087"/>
+        <p14:creationId xmlns:p14="http://schemas.microsoft.com/office/powerpoint/2010/main" val="875925946"/>
       </p:ext>
     </p:extLst>
   </p:cSld>
@@ -12070,7 +12267,7 @@
               <a:rPr lang="en-GB" b="0" i="0" u="none" strike="noStrike" baseline="0" dirty="0">
                 <a:latin typeface="Arial" panose="020B0604020202020204" pitchFamily="34" charset="0"/>
               </a:rPr>
-              <a:t>Commands</a:t>
+              <a:t>Variables in Text</a:t>
             </a:r>
           </a:p>
           <a:p>
@@ -12079,55 +12276,37 @@
               <a:rPr lang="en-GB" b="0" i="0" u="none" strike="noStrike" baseline="0" dirty="0">
                 <a:latin typeface="Arial" panose="020B0604020202020204" pitchFamily="34" charset="0"/>
               </a:rPr>
-              <a:t>Select-String</a:t>
-            </a:r>
-          </a:p>
-          <a:p>
-            <a:pPr lvl="2"/>
+              <a:t>Single vs Double Quotes</a:t>
+            </a:r>
+          </a:p>
+          <a:p>
+            <a:pPr lvl="1"/>
             <a:r>
               <a:rPr lang="en-GB" b="0" i="0" u="none" strike="noStrike" baseline="0" dirty="0">
                 <a:latin typeface="Arial" panose="020B0604020202020204" pitchFamily="34" charset="0"/>
               </a:rPr>
-              <a:t>Recursive File Search</a:t>
-            </a:r>
-          </a:p>
-          <a:p>
-            <a:pPr lvl="2"/>
+              <a:t>.</a:t>
+            </a:r>
             <a:r>
               <a:rPr lang="en-GB" b="0" i="0" u="none" strike="noStrike" baseline="0" dirty="0" err="1">
                 <a:latin typeface="Arial" panose="020B0604020202020204" pitchFamily="34" charset="0"/>
               </a:rPr>
-              <a:t>AllMatches</a:t>
-            </a:r>
-            <a:endParaRPr lang="en-GB" b="0" i="0" u="none" strike="noStrike" baseline="0" dirty="0">
-              <a:latin typeface="Arial" panose="020B0604020202020204" pitchFamily="34" charset="0"/>
-            </a:endParaRPr>
+              <a:t>ToString</a:t>
+            </a:r>
+            <a:r>
+              <a:rPr lang="en-GB" b="0" i="0" u="none" strike="noStrike" baseline="0" dirty="0">
+                <a:latin typeface="Arial" panose="020B0604020202020204" pitchFamily="34" charset="0"/>
+              </a:rPr>
+              <a:t>() – Sometimes…</a:t>
+            </a:r>
           </a:p>
           <a:p>
             <a:pPr lvl="1"/>
             <a:r>
-              <a:rPr lang="en-GB" b="0" i="0" u="none" strike="noStrike" baseline="0" dirty="0" err="1">
-                <a:latin typeface="Arial" panose="020B0604020202020204" pitchFamily="34" charset="0"/>
-              </a:rPr>
-              <a:t>ConvertTo</a:t>
-            </a:r>
-            <a:r>
               <a:rPr lang="en-GB" b="0" i="0" u="none" strike="noStrike" baseline="0" dirty="0">
                 <a:latin typeface="Arial" panose="020B0604020202020204" pitchFamily="34" charset="0"/>
               </a:rPr>
-              <a:t>-* / </a:t>
-            </a:r>
-            <a:r>
-              <a:rPr lang="en-GB" b="0" i="0" u="none" strike="noStrike" baseline="0" dirty="0" err="1">
-                <a:latin typeface="Arial" panose="020B0604020202020204" pitchFamily="34" charset="0"/>
-              </a:rPr>
-              <a:t>ConvertFrom</a:t>
-            </a:r>
-            <a:r>
-              <a:rPr lang="en-GB" b="0" i="0" u="none" strike="noStrike" baseline="0" dirty="0">
-                <a:latin typeface="Arial" panose="020B0604020202020204" pitchFamily="34" charset="0"/>
-              </a:rPr>
-              <a:t>-*</a:t>
+              <a:t>Expressions</a:t>
             </a:r>
           </a:p>
           <a:p>
@@ -12136,6 +12315,12 @@
               <a:latin typeface="Arial" panose="020B0604020202020204" pitchFamily="34" charset="0"/>
             </a:endParaRPr>
           </a:p>
+          <a:p>
+            <a:pPr marR="0" lvl="0" rtl="0"/>
+            <a:endParaRPr lang="en-GB" b="0" i="0" u="none" strike="noStrike" baseline="0" dirty="0">
+              <a:latin typeface="Arial" panose="020B0604020202020204" pitchFamily="34" charset="0"/>
+            </a:endParaRPr>
+          </a:p>
         </p:txBody>
       </p:sp>
       <p:sp>
@@ -12199,7 +12384,7 @@
     </p:spTree>
     <p:extLst>
       <p:ext uri="{BB962C8B-B14F-4D97-AF65-F5344CB8AC3E}">
-        <p14:creationId xmlns:p14="http://schemas.microsoft.com/office/powerpoint/2010/main" val="3967269237"/>
+        <p14:creationId xmlns:p14="http://schemas.microsoft.com/office/powerpoint/2010/main" val="1685234087"/>
       </p:ext>
     </p:extLst>
   </p:cSld>
@@ -12293,44 +12478,68 @@
               <a:rPr lang="en-GB" b="0" i="0" u="none" strike="noStrike" baseline="0" dirty="0">
                 <a:latin typeface="Arial" panose="020B0604020202020204" pitchFamily="34" charset="0"/>
               </a:rPr>
-              <a:t>Multiline Strings</a:t>
+              <a:t>Commands</a:t>
             </a:r>
           </a:p>
           <a:p>
             <a:pPr lvl="1"/>
             <a:r>
-              <a:rPr lang="en-GB" dirty="0">
-                <a:latin typeface="Arial" panose="020B0604020202020204" pitchFamily="34" charset="0"/>
-              </a:rPr>
-              <a:t>@’ – ‘@ - </a:t>
-            </a:r>
-            <a:r>
-              <a:rPr lang="en-GB" dirty="0" err="1">
-                <a:latin typeface="Arial" panose="020B0604020202020204" pitchFamily="34" charset="0"/>
-              </a:rPr>
-              <a:t>A.k.a</a:t>
-            </a:r>
-            <a:r>
-              <a:rPr lang="en-GB" dirty="0">
-                <a:latin typeface="Arial" panose="020B0604020202020204" pitchFamily="34" charset="0"/>
-              </a:rPr>
-              <a:t> Here strings</a:t>
-            </a:r>
+              <a:rPr lang="en-GB" b="0" i="0" u="none" strike="noStrike" baseline="0" dirty="0">
+                <a:latin typeface="Arial" panose="020B0604020202020204" pitchFamily="34" charset="0"/>
+              </a:rPr>
+              <a:t>Select-String</a:t>
+            </a:r>
+          </a:p>
+          <a:p>
+            <a:pPr lvl="2"/>
+            <a:r>
+              <a:rPr lang="en-GB" b="0" i="0" u="none" strike="noStrike" baseline="0" dirty="0">
+                <a:latin typeface="Arial" panose="020B0604020202020204" pitchFamily="34" charset="0"/>
+              </a:rPr>
+              <a:t>Recursive File Search</a:t>
+            </a:r>
+          </a:p>
+          <a:p>
+            <a:pPr lvl="2"/>
+            <a:r>
+              <a:rPr lang="en-GB" b="0" i="0" u="none" strike="noStrike" baseline="0" dirty="0" err="1">
+                <a:latin typeface="Arial" panose="020B0604020202020204" pitchFamily="34" charset="0"/>
+              </a:rPr>
+              <a:t>AllMatches</a:t>
+            </a:r>
+            <a:endParaRPr lang="en-GB" b="0" i="0" u="none" strike="noStrike" baseline="0" dirty="0">
+              <a:latin typeface="Arial" panose="020B0604020202020204" pitchFamily="34" charset="0"/>
+            </a:endParaRPr>
           </a:p>
           <a:p>
             <a:pPr lvl="1"/>
             <a:r>
+              <a:rPr lang="en-GB" b="0" i="0" u="none" strike="noStrike" baseline="0" dirty="0" err="1">
+                <a:latin typeface="Arial" panose="020B0604020202020204" pitchFamily="34" charset="0"/>
+              </a:rPr>
+              <a:t>ConvertTo</a:t>
+            </a:r>
+            <a:r>
               <a:rPr lang="en-GB" b="0" i="0" u="none" strike="noStrike" baseline="0" dirty="0">
                 <a:latin typeface="Arial" panose="020B0604020202020204" pitchFamily="34" charset="0"/>
               </a:rPr>
-              <a:t>Works in console thanks to </a:t>
+              <a:t>-* / </a:t>
             </a:r>
             <a:r>
               <a:rPr lang="en-GB" b="0" i="0" u="none" strike="noStrike" baseline="0" dirty="0" err="1">
                 <a:latin typeface="Arial" panose="020B0604020202020204" pitchFamily="34" charset="0"/>
               </a:rPr>
-              <a:t>PSReadLine</a:t>
-            </a:r>
+              <a:t>ConvertFrom</a:t>
+            </a:r>
+            <a:r>
+              <a:rPr lang="en-GB" b="0" i="0" u="none" strike="noStrike" baseline="0" dirty="0">
+                <a:latin typeface="Arial" panose="020B0604020202020204" pitchFamily="34" charset="0"/>
+              </a:rPr>
+              <a:t>-*</a:t>
+            </a:r>
+          </a:p>
+          <a:p>
+            <a:pPr marR="0" lvl="0" rtl="0"/>
             <a:endParaRPr lang="en-GB" b="0" i="0" u="none" strike="noStrike" baseline="0" dirty="0">
               <a:latin typeface="Arial" panose="020B0604020202020204" pitchFamily="34" charset="0"/>
             </a:endParaRPr>
@@ -12398,7 +12607,7 @@
     </p:spTree>
     <p:extLst>
       <p:ext uri="{BB962C8B-B14F-4D97-AF65-F5344CB8AC3E}">
-        <p14:creationId xmlns:p14="http://schemas.microsoft.com/office/powerpoint/2010/main" val="1319617811"/>
+        <p14:creationId xmlns:p14="http://schemas.microsoft.com/office/powerpoint/2010/main" val="3967269237"/>
       </p:ext>
     </p:extLst>
   </p:cSld>
@@ -12492,56 +12701,44 @@
               <a:rPr lang="en-GB" b="0" i="0" u="none" strike="noStrike" baseline="0" dirty="0">
                 <a:latin typeface="Arial" panose="020B0604020202020204" pitchFamily="34" charset="0"/>
               </a:rPr>
-              <a:t>String Manipulation</a:t>
+              <a:t>Multiline Strings</a:t>
             </a:r>
           </a:p>
           <a:p>
             <a:pPr lvl="1"/>
             <a:r>
+              <a:rPr lang="en-GB" dirty="0">
+                <a:latin typeface="Arial" panose="020B0604020202020204" pitchFamily="34" charset="0"/>
+              </a:rPr>
+              <a:t>@’ – ‘@ - </a:t>
+            </a:r>
+            <a:r>
+              <a:rPr lang="en-GB" dirty="0" err="1">
+                <a:latin typeface="Arial" panose="020B0604020202020204" pitchFamily="34" charset="0"/>
+              </a:rPr>
+              <a:t>A.k.a</a:t>
+            </a:r>
+            <a:r>
+              <a:rPr lang="en-GB" dirty="0">
+                <a:latin typeface="Arial" panose="020B0604020202020204" pitchFamily="34" charset="0"/>
+              </a:rPr>
+              <a:t> Here strings</a:t>
+            </a:r>
+          </a:p>
+          <a:p>
+            <a:pPr lvl="1"/>
+            <a:r>
               <a:rPr lang="en-GB" b="0" i="0" u="none" strike="noStrike" baseline="0" dirty="0">
                 <a:latin typeface="Arial" panose="020B0604020202020204" pitchFamily="34" charset="0"/>
               </a:rPr>
-              <a:t>Replace</a:t>
-            </a:r>
-          </a:p>
-          <a:p>
-            <a:pPr lvl="1"/>
-            <a:r>
-              <a:rPr lang="en-GB" b="0" i="0" u="none" strike="noStrike" baseline="0" dirty="0">
-                <a:latin typeface="Arial" panose="020B0604020202020204" pitchFamily="34" charset="0"/>
-              </a:rPr>
-              <a:t>Trim</a:t>
-            </a:r>
-          </a:p>
-          <a:p>
-            <a:pPr lvl="1"/>
-            <a:r>
-              <a:rPr lang="en-GB" b="0" i="0" u="none" strike="noStrike" baseline="0" dirty="0">
-                <a:latin typeface="Arial" panose="020B0604020202020204" pitchFamily="34" charset="0"/>
-              </a:rPr>
-              <a:t>Split</a:t>
-            </a:r>
-          </a:p>
-          <a:p>
-            <a:pPr lvl="1"/>
-            <a:r>
-              <a:rPr lang="en-GB" b="0" i="0" u="none" strike="noStrike" baseline="0" dirty="0">
-                <a:latin typeface="Arial" panose="020B0604020202020204" pitchFamily="34" charset="0"/>
-              </a:rPr>
-              <a:t>Join</a:t>
-            </a:r>
-          </a:p>
-          <a:p>
-            <a:pPr lvl="1"/>
-            <a:r>
-              <a:rPr lang="en-GB" b="0" i="0" u="none" strike="noStrike" baseline="0" dirty="0">
-                <a:latin typeface="Arial" panose="020B0604020202020204" pitchFamily="34" charset="0"/>
-              </a:rPr>
-              <a:t>Case Sensitivity</a:t>
-            </a:r>
-          </a:p>
-          <a:p>
-            <a:pPr marR="0" lvl="0" rtl="0"/>
+              <a:t>Works in console thanks to </a:t>
+            </a:r>
+            <a:r>
+              <a:rPr lang="en-GB" b="0" i="0" u="none" strike="noStrike" baseline="0" dirty="0" err="1">
+                <a:latin typeface="Arial" panose="020B0604020202020204" pitchFamily="34" charset="0"/>
+              </a:rPr>
+              <a:t>PSReadLine</a:t>
+            </a:r>
             <a:endParaRPr lang="en-GB" b="0" i="0" u="none" strike="noStrike" baseline="0" dirty="0">
               <a:latin typeface="Arial" panose="020B0604020202020204" pitchFamily="34" charset="0"/>
             </a:endParaRPr>
@@ -12609,7 +12806,7 @@
     </p:spTree>
     <p:extLst>
       <p:ext uri="{BB962C8B-B14F-4D97-AF65-F5344CB8AC3E}">
-        <p14:creationId xmlns:p14="http://schemas.microsoft.com/office/powerpoint/2010/main" val="1103215364"/>
+        <p14:creationId xmlns:p14="http://schemas.microsoft.com/office/powerpoint/2010/main" val="1319617811"/>
       </p:ext>
     </p:extLst>
   </p:cSld>
@@ -12703,7 +12900,7 @@
               <a:rPr lang="en-GB" b="0" i="0" u="none" strike="noStrike" baseline="0" dirty="0">
                 <a:latin typeface="Arial" panose="020B0604020202020204" pitchFamily="34" charset="0"/>
               </a:rPr>
-              <a:t>Regex</a:t>
+              <a:t>String Manipulation</a:t>
             </a:r>
           </a:p>
           <a:p>
@@ -12712,7 +12909,7 @@
               <a:rPr lang="en-GB" b="0" i="0" u="none" strike="noStrike" baseline="0" dirty="0">
                 <a:latin typeface="Arial" panose="020B0604020202020204" pitchFamily="34" charset="0"/>
               </a:rPr>
-              <a:t>Match</a:t>
+              <a:t>Replace</a:t>
             </a:r>
           </a:p>
           <a:p>
@@ -12721,7 +12918,34 @@
               <a:rPr lang="en-GB" b="0" i="0" u="none" strike="noStrike" baseline="0" dirty="0">
                 <a:latin typeface="Arial" panose="020B0604020202020204" pitchFamily="34" charset="0"/>
               </a:rPr>
-              <a:t>Replace</a:t>
+              <a:t>Trim</a:t>
+            </a:r>
+          </a:p>
+          <a:p>
+            <a:pPr lvl="1"/>
+            <a:r>
+              <a:rPr lang="en-GB" b="0" i="0" u="none" strike="noStrike" baseline="0" dirty="0">
+                <a:latin typeface="Arial" panose="020B0604020202020204" pitchFamily="34" charset="0"/>
+              </a:rPr>
+              <a:t>Split</a:t>
+            </a:r>
+          </a:p>
+          <a:p>
+            <a:pPr lvl="1"/>
+            <a:r>
+              <a:rPr lang="en-GB" b="0" i="0" u="none" strike="noStrike" baseline="0" dirty="0">
+                <a:latin typeface="Arial" panose="020B0604020202020204" pitchFamily="34" charset="0"/>
+              </a:rPr>
+              <a:t>Join</a:t>
+            </a:r>
+          </a:p>
+          <a:p>
+            <a:pPr lvl="1"/>
+            <a:r>
+              <a:rPr lang="en-GB" b="0" i="0" u="none" strike="noStrike" baseline="0" dirty="0">
+                <a:latin typeface="Arial" panose="020B0604020202020204" pitchFamily="34" charset="0"/>
+              </a:rPr>
+              <a:t>Case Sensitivity</a:t>
             </a:r>
           </a:p>
           <a:p>
@@ -12793,7 +13017,7 @@
     </p:spTree>
     <p:extLst>
       <p:ext uri="{BB962C8B-B14F-4D97-AF65-F5344CB8AC3E}">
-        <p14:creationId xmlns:p14="http://schemas.microsoft.com/office/powerpoint/2010/main" val="3814132975"/>
+        <p14:creationId xmlns:p14="http://schemas.microsoft.com/office/powerpoint/2010/main" val="1103215364"/>
       </p:ext>
     </p:extLst>
   </p:cSld>
@@ -12887,7 +13111,7 @@
               <a:rPr lang="en-GB" b="0" i="0" u="none" strike="noStrike" baseline="0" dirty="0">
                 <a:latin typeface="Arial" panose="020B0604020202020204" pitchFamily="34" charset="0"/>
               </a:rPr>
-              <a:t>Text Types</a:t>
+              <a:t>Regex</a:t>
             </a:r>
           </a:p>
           <a:p>
@@ -12896,7 +13120,7 @@
               <a:rPr lang="en-GB" b="0" i="0" u="none" strike="noStrike" baseline="0" dirty="0">
                 <a:latin typeface="Arial" panose="020B0604020202020204" pitchFamily="34" charset="0"/>
               </a:rPr>
-              <a:t>JSON</a:t>
+              <a:t>Match</a:t>
             </a:r>
           </a:p>
           <a:p>
@@ -12905,16 +13129,7 @@
               <a:rPr lang="en-GB" b="0" i="0" u="none" strike="noStrike" baseline="0" dirty="0">
                 <a:latin typeface="Arial" panose="020B0604020202020204" pitchFamily="34" charset="0"/>
               </a:rPr>
-              <a:t>XML</a:t>
-            </a:r>
-          </a:p>
-          <a:p>
-            <a:pPr lvl="1"/>
-            <a:r>
-              <a:rPr lang="en-GB" b="0" i="0" u="none" strike="noStrike" baseline="0" dirty="0">
-                <a:latin typeface="Arial" panose="020B0604020202020204" pitchFamily="34" charset="0"/>
-              </a:rPr>
-              <a:t>HTML</a:t>
+              <a:t>Replace</a:t>
             </a:r>
           </a:p>
           <a:p>
@@ -12986,7 +13201,7 @@
     </p:spTree>
     <p:extLst>
       <p:ext uri="{BB962C8B-B14F-4D97-AF65-F5344CB8AC3E}">
-        <p14:creationId xmlns:p14="http://schemas.microsoft.com/office/powerpoint/2010/main" val="1284588745"/>
+        <p14:creationId xmlns:p14="http://schemas.microsoft.com/office/powerpoint/2010/main" val="3814132975"/>
       </p:ext>
     </p:extLst>
   </p:cSld>
@@ -13018,7 +13233,7 @@
           <p:cNvPr id="2" name="Title 1">
             <a:extLst>
               <a:ext uri="{FF2B5EF4-FFF2-40B4-BE49-F238E27FC236}">
-                <a16:creationId xmlns:a16="http://schemas.microsoft.com/office/drawing/2014/main" id="{69BCD6E1-D5BF-EF3E-F0CC-EDE7BAE35861}"/>
+                <a16:creationId xmlns:a16="http://schemas.microsoft.com/office/drawing/2014/main" id="{020D5667-3F2E-0371-B2AF-410D252A6CEA}"/>
               </a:ext>
             </a:extLst>
           </p:cNvPr>
@@ -13027,103 +13242,103 @@
           </p:cNvSpPr>
           <p:nvPr>
             <p:ph type="title"/>
-          </p:nvPr>
-        </p:nvSpPr>
-        <p:spPr/>
-        <p:txBody>
-          <a:bodyPr/>
-          <a:lstStyle/>
-          <a:p>
-            <a:r>
-              <a:rPr lang="en-GB" b="1" i="0" u="none" strike="noStrike" baseline="0" dirty="0">
-                <a:latin typeface="Arial" panose="020B0604020202020204" pitchFamily="34" charset="0"/>
-              </a:rPr>
-              <a:t>Working with Text</a:t>
-            </a:r>
-            <a:endParaRPr lang="en-SE" dirty="0"/>
-          </a:p>
-        </p:txBody>
-      </p:sp>
-      <p:sp>
-        <p:nvSpPr>
-          <p:cNvPr id="4" name="Text Placeholder 3">
-            <a:extLst>
-              <a:ext uri="{FF2B5EF4-FFF2-40B4-BE49-F238E27FC236}">
-                <a16:creationId xmlns:a16="http://schemas.microsoft.com/office/drawing/2014/main" id="{D7ABE405-4C8C-4761-DB98-41C6649D1B66}"/>
-              </a:ext>
-            </a:extLst>
-          </p:cNvPr>
-          <p:cNvSpPr>
-            <a:spLocks noGrp="1"/>
-          </p:cNvSpPr>
-          <p:nvPr>
-            <p:ph type="body" sz="half" idx="2"/>
           </p:nvPr>
         </p:nvSpPr>
         <p:spPr>
           <a:xfrm>
-            <a:off x="839788" y="2057400"/>
-            <a:ext cx="10877001" cy="3811588"/>
+            <a:off x="838200" y="365125"/>
+            <a:ext cx="10515600" cy="1325563"/>
           </a:xfrm>
         </p:spPr>
+        <p:txBody>
+          <a:bodyPr/>
+          <a:lstStyle/>
+          <a:p>
+            <a:pPr marR="0" rtl="0"/>
+            <a:r>
+              <a:rPr lang="en-GB" b="1" i="0" u="none" strike="noStrike" baseline="0" dirty="0">
+                <a:latin typeface="Arial" panose="020B0604020202020204" pitchFamily="34" charset="0"/>
+              </a:rPr>
+              <a:t>Working with Text</a:t>
+            </a:r>
+            <a:endParaRPr lang="en-GB" b="0" i="0" u="none" strike="noStrike" baseline="0" dirty="0">
+              <a:latin typeface="Arial" panose="020B0604020202020204" pitchFamily="34" charset="0"/>
+            </a:endParaRPr>
+          </a:p>
+        </p:txBody>
+      </p:sp>
+      <p:sp>
+        <p:nvSpPr>
+          <p:cNvPr id="3" name="Text Placeholder 2">
+            <a:extLst>
+              <a:ext uri="{FF2B5EF4-FFF2-40B4-BE49-F238E27FC236}">
+                <a16:creationId xmlns:a16="http://schemas.microsoft.com/office/drawing/2014/main" id="{14842F41-DE27-3397-05EB-81DCA4DF63A8}"/>
+              </a:ext>
+            </a:extLst>
+          </p:cNvPr>
+          <p:cNvSpPr>
+            <a:spLocks noGrp="1"/>
+          </p:cNvSpPr>
+          <p:nvPr>
+            <p:ph type="body" idx="1"/>
+          </p:nvPr>
+        </p:nvSpPr>
+        <p:spPr/>
         <p:txBody>
           <a:bodyPr>
             <a:normAutofit/>
           </a:bodyPr>
           <a:lstStyle/>
           <a:p>
-            <a:pPr marL="285750" indent="-285750">
-              <a:buFont typeface="Arial" panose="020B0604020202020204" pitchFamily="34" charset="0"/>
-              <a:buChar char="•"/>
-            </a:pPr>
-            <a:r>
-              <a:rPr lang="en-GB" sz="4400" b="0" i="0" u="none" strike="noStrike" baseline="0" dirty="0">
-                <a:latin typeface="Arial" panose="020B0604020202020204" pitchFamily="34" charset="0"/>
-              </a:rPr>
-              <a:t>Lab 6</a:t>
-            </a:r>
-          </a:p>
-          <a:p>
-            <a:pPr marL="285750" indent="-285750">
-              <a:buFont typeface="Arial" panose="020B0604020202020204" pitchFamily="34" charset="0"/>
-              <a:buChar char="•"/>
-            </a:pPr>
-            <a:endParaRPr lang="en-GB" sz="4400" b="0" i="0" u="none" strike="noStrike" baseline="0" dirty="0">
+            <a:pPr marR="0" lvl="0" rtl="0"/>
+            <a:r>
+              <a:rPr lang="en-GB" b="0" i="0" u="none" strike="noStrike" baseline="0" dirty="0">
+                <a:latin typeface="Arial" panose="020B0604020202020204" pitchFamily="34" charset="0"/>
+              </a:rPr>
+              <a:t>Text Types</a:t>
+            </a:r>
+          </a:p>
+          <a:p>
+            <a:pPr lvl="1"/>
+            <a:r>
+              <a:rPr lang="en-GB" b="0" i="0" u="none" strike="noStrike" baseline="0" dirty="0">
+                <a:latin typeface="Arial" panose="020B0604020202020204" pitchFamily="34" charset="0"/>
+              </a:rPr>
+              <a:t>JSON</a:t>
+            </a:r>
+          </a:p>
+          <a:p>
+            <a:pPr lvl="1"/>
+            <a:r>
+              <a:rPr lang="en-GB" b="0" i="0" u="none" strike="noStrike" baseline="0" dirty="0">
+                <a:latin typeface="Arial" panose="020B0604020202020204" pitchFamily="34" charset="0"/>
+              </a:rPr>
+              <a:t>XML</a:t>
+            </a:r>
+          </a:p>
+          <a:p>
+            <a:pPr lvl="1"/>
+            <a:r>
+              <a:rPr lang="en-GB" b="0" i="0" u="none" strike="noStrike" baseline="0" dirty="0">
+                <a:latin typeface="Arial" panose="020B0604020202020204" pitchFamily="34" charset="0"/>
+              </a:rPr>
+              <a:t>HTML</a:t>
+            </a:r>
+          </a:p>
+          <a:p>
+            <a:pPr marR="0" lvl="0" rtl="0"/>
+            <a:endParaRPr lang="en-GB" b="0" i="0" u="none" strike="noStrike" baseline="0" dirty="0">
               <a:latin typeface="Arial" panose="020B0604020202020204" pitchFamily="34" charset="0"/>
             </a:endParaRPr>
           </a:p>
-          <a:p>
-            <a:pPr marL="285750" indent="-285750">
-              <a:buFont typeface="Arial" panose="020B0604020202020204" pitchFamily="34" charset="0"/>
-              <a:buChar char="•"/>
-            </a:pPr>
-            <a:r>
-              <a:rPr lang="en-US" sz="1800" dirty="0">
-                <a:hlinkClick r:id="rId2"/>
-              </a:rPr>
-              <a:t>https://github.com/AdvaniaSE/PowerShellFundamentals</a:t>
-            </a:r>
-            <a:endParaRPr lang="en-US" sz="1800" dirty="0"/>
-          </a:p>
-          <a:p>
-            <a:pPr marL="742950" lvl="1" indent="-285750">
-              <a:buFont typeface="Arial" panose="020B0604020202020204" pitchFamily="34" charset="0"/>
-              <a:buChar char="•"/>
-            </a:pPr>
-            <a:r>
-              <a:rPr lang="en-US" dirty="0"/>
-              <a:t>06. Text and Files</a:t>
-            </a:r>
-            <a:endParaRPr lang="en-US" sz="1800" dirty="0"/>
-          </a:p>
-        </p:txBody>
-      </p:sp>
-      <p:sp>
-        <p:nvSpPr>
-          <p:cNvPr id="3" name="Footer Placeholder 2">
-            <a:extLst>
-              <a:ext uri="{FF2B5EF4-FFF2-40B4-BE49-F238E27FC236}">
-                <a16:creationId xmlns:a16="http://schemas.microsoft.com/office/drawing/2014/main" id="{1FAF7DB9-64B0-07FB-79A4-DC2D599FF636}"/>
+        </p:txBody>
+      </p:sp>
+      <p:sp>
+        <p:nvSpPr>
+          <p:cNvPr id="4" name="Footer Placeholder 3">
+            <a:extLst>
+              <a:ext uri="{FF2B5EF4-FFF2-40B4-BE49-F238E27FC236}">
+                <a16:creationId xmlns:a16="http://schemas.microsoft.com/office/drawing/2014/main" id="{DFC4B1A9-C5E5-6767-5A67-3AFFF61F8AE3}"/>
               </a:ext>
             </a:extLst>
           </p:cNvPr>
@@ -13152,7 +13367,7 @@
           <p:cNvPr id="5" name="Slide Number Placeholder 4">
             <a:extLst>
               <a:ext uri="{FF2B5EF4-FFF2-40B4-BE49-F238E27FC236}">
-                <a16:creationId xmlns:a16="http://schemas.microsoft.com/office/drawing/2014/main" id="{2C2623BC-FCDC-B4EF-82B9-EC9076C892AE}"/>
+                <a16:creationId xmlns:a16="http://schemas.microsoft.com/office/drawing/2014/main" id="{BAD258B7-9534-6ABE-261E-70D2894B8FD8}"/>
               </a:ext>
             </a:extLst>
           </p:cNvPr>
@@ -13168,7 +13383,7 @@
           <a:bodyPr/>
           <a:lstStyle/>
           <a:p>
-            <a:fld id="{BFEA1545-8540-491B-83AB-51C306516EA6}" type="slidenum">
+            <a:fld id="{9993A830-6DA6-4394-A358-10250CDB3A67}" type="slidenum">
               <a:rPr lang="en-SE" smtClean="0"/>
               <a:t>47</a:t>
             </a:fld>
@@ -13179,7 +13394,7 @@
     </p:spTree>
     <p:extLst>
       <p:ext uri="{BB962C8B-B14F-4D97-AF65-F5344CB8AC3E}">
-        <p14:creationId xmlns:p14="http://schemas.microsoft.com/office/powerpoint/2010/main" val="1718435130"/>
+        <p14:creationId xmlns:p14="http://schemas.microsoft.com/office/powerpoint/2010/main" val="1284588745"/>
       </p:ext>
     </p:extLst>
   </p:cSld>
@@ -13211,7 +13426,7 @@
           <p:cNvPr id="2" name="Title 1">
             <a:extLst>
               <a:ext uri="{FF2B5EF4-FFF2-40B4-BE49-F238E27FC236}">
-                <a16:creationId xmlns:a16="http://schemas.microsoft.com/office/drawing/2014/main" id="{55D23047-3833-EFE0-8A01-090ACFE1D9FC}"/>
+                <a16:creationId xmlns:a16="http://schemas.microsoft.com/office/drawing/2014/main" id="{69BCD6E1-D5BF-EF3E-F0CC-EDE7BAE35861}"/>
               </a:ext>
             </a:extLst>
           </p:cNvPr>
@@ -13231,7 +13446,7 @@
               <a:rPr lang="en-GB" b="1" i="0" u="none" strike="noStrike" baseline="0" dirty="0">
                 <a:latin typeface="Arial" panose="020B0604020202020204" pitchFamily="34" charset="0"/>
               </a:rPr>
-              <a:t>Pipelines</a:t>
+              <a:t>Working with Text</a:t>
             </a:r>
             <a:endParaRPr lang="en-SE" dirty="0"/>
           </a:p>
@@ -13239,35 +13454,84 @@
       </p:sp>
       <p:sp>
         <p:nvSpPr>
-          <p:cNvPr id="3" name="Text Placeholder 2">
-            <a:extLst>
-              <a:ext uri="{FF2B5EF4-FFF2-40B4-BE49-F238E27FC236}">
-                <a16:creationId xmlns:a16="http://schemas.microsoft.com/office/drawing/2014/main" id="{1F80B5F8-E4FB-9CDB-0C7C-EEDCB4B8AF1D}"/>
-              </a:ext>
-            </a:extLst>
-          </p:cNvPr>
-          <p:cNvSpPr>
-            <a:spLocks noGrp="1"/>
-          </p:cNvSpPr>
-          <p:nvPr>
-            <p:ph type="body" idx="1"/>
-          </p:nvPr>
-        </p:nvSpPr>
-        <p:spPr/>
-        <p:txBody>
-          <a:bodyPr/>
-          <a:lstStyle/>
-          <a:p>
-            <a:endParaRPr lang="en-SE"/>
-          </a:p>
-        </p:txBody>
-      </p:sp>
-      <p:sp>
-        <p:nvSpPr>
-          <p:cNvPr id="4" name="Footer Placeholder 3">
-            <a:extLst>
-              <a:ext uri="{FF2B5EF4-FFF2-40B4-BE49-F238E27FC236}">
-                <a16:creationId xmlns:a16="http://schemas.microsoft.com/office/drawing/2014/main" id="{AFF17C74-066C-F6D3-8B07-3A4273A5590B}"/>
+          <p:cNvPr id="4" name="Text Placeholder 3">
+            <a:extLst>
+              <a:ext uri="{FF2B5EF4-FFF2-40B4-BE49-F238E27FC236}">
+                <a16:creationId xmlns:a16="http://schemas.microsoft.com/office/drawing/2014/main" id="{D7ABE405-4C8C-4761-DB98-41C6649D1B66}"/>
+              </a:ext>
+            </a:extLst>
+          </p:cNvPr>
+          <p:cNvSpPr>
+            <a:spLocks noGrp="1"/>
+          </p:cNvSpPr>
+          <p:nvPr>
+            <p:ph type="body" sz="half" idx="2"/>
+          </p:nvPr>
+        </p:nvSpPr>
+        <p:spPr>
+          <a:xfrm>
+            <a:off x="839788" y="2057400"/>
+            <a:ext cx="10877001" cy="3811588"/>
+          </a:xfrm>
+        </p:spPr>
+        <p:txBody>
+          <a:bodyPr>
+            <a:normAutofit/>
+          </a:bodyPr>
+          <a:lstStyle/>
+          <a:p>
+            <a:pPr marL="285750" indent="-285750">
+              <a:buFont typeface="Arial" panose="020B0604020202020204" pitchFamily="34" charset="0"/>
+              <a:buChar char="•"/>
+            </a:pPr>
+            <a:r>
+              <a:rPr lang="en-GB" sz="4400" b="0" i="0" u="none" strike="noStrike" baseline="0" dirty="0">
+                <a:latin typeface="Arial" panose="020B0604020202020204" pitchFamily="34" charset="0"/>
+              </a:rPr>
+              <a:t>Lab 6</a:t>
+            </a:r>
+          </a:p>
+          <a:p>
+            <a:pPr marL="285750" indent="-285750">
+              <a:buFont typeface="Arial" panose="020B0604020202020204" pitchFamily="34" charset="0"/>
+              <a:buChar char="•"/>
+            </a:pPr>
+            <a:endParaRPr lang="en-GB" sz="4400" b="0" i="0" u="none" strike="noStrike" baseline="0" dirty="0">
+              <a:latin typeface="Arial" panose="020B0604020202020204" pitchFamily="34" charset="0"/>
+            </a:endParaRPr>
+          </a:p>
+          <a:p>
+            <a:pPr marL="285750" indent="-285750">
+              <a:buFont typeface="Arial" panose="020B0604020202020204" pitchFamily="34" charset="0"/>
+              <a:buChar char="•"/>
+            </a:pPr>
+            <a:r>
+              <a:rPr lang="en-US" sz="1800" dirty="0">
+                <a:hlinkClick r:id="rId2"/>
+              </a:rPr>
+              <a:t>https://github.com/AdvaniaSE/PowerShellFundamentals</a:t>
+            </a:r>
+            <a:endParaRPr lang="en-US" sz="1800" dirty="0"/>
+          </a:p>
+          <a:p>
+            <a:pPr marL="742950" lvl="1" indent="-285750">
+              <a:buFont typeface="Arial" panose="020B0604020202020204" pitchFamily="34" charset="0"/>
+              <a:buChar char="•"/>
+            </a:pPr>
+            <a:r>
+              <a:rPr lang="en-US" dirty="0"/>
+              <a:t>06. Text and Files</a:t>
+            </a:r>
+            <a:endParaRPr lang="en-US" sz="1800" dirty="0"/>
+          </a:p>
+        </p:txBody>
+      </p:sp>
+      <p:sp>
+        <p:nvSpPr>
+          <p:cNvPr id="3" name="Footer Placeholder 2">
+            <a:extLst>
+              <a:ext uri="{FF2B5EF4-FFF2-40B4-BE49-F238E27FC236}">
+                <a16:creationId xmlns:a16="http://schemas.microsoft.com/office/drawing/2014/main" id="{1FAF7DB9-64B0-07FB-79A4-DC2D599FF636}"/>
               </a:ext>
             </a:extLst>
           </p:cNvPr>
@@ -13296,7 +13560,7 @@
           <p:cNvPr id="5" name="Slide Number Placeholder 4">
             <a:extLst>
               <a:ext uri="{FF2B5EF4-FFF2-40B4-BE49-F238E27FC236}">
-                <a16:creationId xmlns:a16="http://schemas.microsoft.com/office/drawing/2014/main" id="{20FE1399-C7F6-1C33-DF5B-DE42A78C5F7F}"/>
+                <a16:creationId xmlns:a16="http://schemas.microsoft.com/office/drawing/2014/main" id="{2C2623BC-FCDC-B4EF-82B9-EC9076C892AE}"/>
               </a:ext>
             </a:extLst>
           </p:cNvPr>
@@ -13323,7 +13587,7 @@
     </p:spTree>
     <p:extLst>
       <p:ext uri="{BB962C8B-B14F-4D97-AF65-F5344CB8AC3E}">
-        <p14:creationId xmlns:p14="http://schemas.microsoft.com/office/powerpoint/2010/main" val="1829856288"/>
+        <p14:creationId xmlns:p14="http://schemas.microsoft.com/office/powerpoint/2010/main" val="1718435130"/>
       </p:ext>
     </p:extLst>
   </p:cSld>
@@ -13355,7 +13619,151 @@
           <p:cNvPr id="2" name="Title 1">
             <a:extLst>
               <a:ext uri="{FF2B5EF4-FFF2-40B4-BE49-F238E27FC236}">
-                <a16:creationId xmlns:a16="http://schemas.microsoft.com/office/drawing/2014/main" id="{020D5667-3F2E-0371-B2AF-410D252A6CEA}"/>
+                <a16:creationId xmlns:a16="http://schemas.microsoft.com/office/drawing/2014/main" id="{55D23047-3833-EFE0-8A01-090ACFE1D9FC}"/>
+              </a:ext>
+            </a:extLst>
+          </p:cNvPr>
+          <p:cNvSpPr>
+            <a:spLocks noGrp="1"/>
+          </p:cNvSpPr>
+          <p:nvPr>
+            <p:ph type="title"/>
+          </p:nvPr>
+        </p:nvSpPr>
+        <p:spPr/>
+        <p:txBody>
+          <a:bodyPr/>
+          <a:lstStyle/>
+          <a:p>
+            <a:r>
+              <a:rPr lang="en-GB" b="1" i="0" u="none" strike="noStrike" baseline="0" dirty="0">
+                <a:latin typeface="Arial" panose="020B0604020202020204" pitchFamily="34" charset="0"/>
+              </a:rPr>
+              <a:t>Pipelines</a:t>
+            </a:r>
+            <a:endParaRPr lang="en-SE" dirty="0"/>
+          </a:p>
+        </p:txBody>
+      </p:sp>
+      <p:sp>
+        <p:nvSpPr>
+          <p:cNvPr id="3" name="Text Placeholder 2">
+            <a:extLst>
+              <a:ext uri="{FF2B5EF4-FFF2-40B4-BE49-F238E27FC236}">
+                <a16:creationId xmlns:a16="http://schemas.microsoft.com/office/drawing/2014/main" id="{1F80B5F8-E4FB-9CDB-0C7C-EEDCB4B8AF1D}"/>
+              </a:ext>
+            </a:extLst>
+          </p:cNvPr>
+          <p:cNvSpPr>
+            <a:spLocks noGrp="1"/>
+          </p:cNvSpPr>
+          <p:nvPr>
+            <p:ph type="body" idx="1"/>
+          </p:nvPr>
+        </p:nvSpPr>
+        <p:spPr/>
+        <p:txBody>
+          <a:bodyPr/>
+          <a:lstStyle/>
+          <a:p>
+            <a:endParaRPr lang="en-SE"/>
+          </a:p>
+        </p:txBody>
+      </p:sp>
+      <p:sp>
+        <p:nvSpPr>
+          <p:cNvPr id="4" name="Footer Placeholder 3">
+            <a:extLst>
+              <a:ext uri="{FF2B5EF4-FFF2-40B4-BE49-F238E27FC236}">
+                <a16:creationId xmlns:a16="http://schemas.microsoft.com/office/drawing/2014/main" id="{AFF17C74-066C-F6D3-8B07-3A4273A5590B}"/>
+              </a:ext>
+            </a:extLst>
+          </p:cNvPr>
+          <p:cNvSpPr>
+            <a:spLocks noGrp="1"/>
+          </p:cNvSpPr>
+          <p:nvPr>
+            <p:ph type="ftr" sz="quarter" idx="11"/>
+          </p:nvPr>
+        </p:nvSpPr>
+        <p:spPr/>
+        <p:txBody>
+          <a:bodyPr/>
+          <a:lstStyle/>
+          <a:p>
+            <a:r>
+              <a:rPr lang="sv-SE"/>
+              <a:t>Björn Sundling  bjorn.sundling@advania.com</a:t>
+            </a:r>
+            <a:endParaRPr lang="en-SE"/>
+          </a:p>
+        </p:txBody>
+      </p:sp>
+      <p:sp>
+        <p:nvSpPr>
+          <p:cNvPr id="5" name="Slide Number Placeholder 4">
+            <a:extLst>
+              <a:ext uri="{FF2B5EF4-FFF2-40B4-BE49-F238E27FC236}">
+                <a16:creationId xmlns:a16="http://schemas.microsoft.com/office/drawing/2014/main" id="{20FE1399-C7F6-1C33-DF5B-DE42A78C5F7F}"/>
+              </a:ext>
+            </a:extLst>
+          </p:cNvPr>
+          <p:cNvSpPr>
+            <a:spLocks noGrp="1"/>
+          </p:cNvSpPr>
+          <p:nvPr>
+            <p:ph type="sldNum" sz="quarter" idx="12"/>
+          </p:nvPr>
+        </p:nvSpPr>
+        <p:spPr/>
+        <p:txBody>
+          <a:bodyPr/>
+          <a:lstStyle/>
+          <a:p>
+            <a:fld id="{BFEA1545-8540-491B-83AB-51C306516EA6}" type="slidenum">
+              <a:rPr lang="en-SE" smtClean="0"/>
+              <a:t>49</a:t>
+            </a:fld>
+            <a:endParaRPr lang="en-SE"/>
+          </a:p>
+        </p:txBody>
+      </p:sp>
+    </p:spTree>
+    <p:extLst>
+      <p:ext uri="{BB962C8B-B14F-4D97-AF65-F5344CB8AC3E}">
+        <p14:creationId xmlns:p14="http://schemas.microsoft.com/office/powerpoint/2010/main" val="1829856288"/>
+      </p:ext>
+    </p:extLst>
+  </p:cSld>
+  <p:clrMapOvr>
+    <a:masterClrMapping/>
+  </p:clrMapOvr>
+</p:sld>
+</file>
+
+<file path=ppt/slides/slide5.xml><?xml version="1.0" encoding="utf-8"?>
+<p:sld xmlns:a="http://schemas.openxmlformats.org/drawingml/2006/main" xmlns:r="http://schemas.openxmlformats.org/officeDocument/2006/relationships" xmlns:p="http://schemas.openxmlformats.org/presentationml/2006/main">
+  <p:cSld>
+    <p:spTree>
+      <p:nvGrpSpPr>
+        <p:cNvPr id="1" name=""/>
+        <p:cNvGrpSpPr/>
+        <p:nvPr/>
+      </p:nvGrpSpPr>
+      <p:grpSpPr>
+        <a:xfrm>
+          <a:off x="0" y="0"/>
+          <a:ext cx="0" cy="0"/>
+          <a:chOff x="0" y="0"/>
+          <a:chExt cx="0" cy="0"/>
+        </a:xfrm>
+      </p:grpSpPr>
+      <p:sp>
+        <p:nvSpPr>
+          <p:cNvPr id="2" name="Title 1">
+            <a:extLst>
+              <a:ext uri="{FF2B5EF4-FFF2-40B4-BE49-F238E27FC236}">
+                <a16:creationId xmlns:a16="http://schemas.microsoft.com/office/drawing/2014/main" id="{32C26714-149A-47BD-2440-BB8F28F23803}"/>
               </a:ext>
             </a:extLst>
           </p:cNvPr>
@@ -13378,11 +13786,57 @@
           <a:p>
             <a:pPr marR="0" rtl="0"/>
             <a:r>
-              <a:rPr lang="en-GB" b="1" i="0" u="none" strike="noStrike" baseline="0" dirty="0">
-                <a:latin typeface="Arial" panose="020B0604020202020204" pitchFamily="34" charset="0"/>
-              </a:rPr>
-              <a:t>Pipelines</a:t>
-            </a:r>
+              <a:rPr lang="en-GB" b="1" i="0" u="none" strike="noStrike" baseline="0">
+                <a:latin typeface="Arial" panose="020B0604020202020204" pitchFamily="34" charset="0"/>
+              </a:rPr>
+              <a:t>Introduction</a:t>
+            </a:r>
+            <a:endParaRPr lang="en-GB" b="0" i="0" u="none" strike="noStrike" baseline="0">
+              <a:latin typeface="Arial" panose="020B0604020202020204" pitchFamily="34" charset="0"/>
+            </a:endParaRPr>
+          </a:p>
+        </p:txBody>
+      </p:sp>
+      <p:sp>
+        <p:nvSpPr>
+          <p:cNvPr id="3" name="Text Placeholder 2">
+            <a:extLst>
+              <a:ext uri="{FF2B5EF4-FFF2-40B4-BE49-F238E27FC236}">
+                <a16:creationId xmlns:a16="http://schemas.microsoft.com/office/drawing/2014/main" id="{1F86819D-E0DD-4CEC-3B28-5D4E06A22865}"/>
+              </a:ext>
+            </a:extLst>
+          </p:cNvPr>
+          <p:cNvSpPr>
+            <a:spLocks noGrp="1"/>
+          </p:cNvSpPr>
+          <p:nvPr>
+            <p:ph type="body" idx="1"/>
+          </p:nvPr>
+        </p:nvSpPr>
+        <p:spPr/>
+        <p:txBody>
+          <a:bodyPr>
+            <a:normAutofit/>
+          </a:bodyPr>
+          <a:lstStyle/>
+          <a:p>
+            <a:r>
+              <a:rPr lang="en-GB" b="0" i="0" u="none" strike="noStrike" baseline="0" dirty="0">
+                <a:latin typeface="Arial" panose="020B0604020202020204" pitchFamily="34" charset="0"/>
+              </a:rPr>
+              <a:t>Bring Your Own Lab!</a:t>
+            </a:r>
+          </a:p>
+          <a:p>
+            <a:pPr lvl="1"/>
+            <a:r>
+              <a:rPr lang="en-GB" dirty="0"/>
+              <a:t>It’s easier to understand your own issues</a:t>
+            </a:r>
+            <a:endParaRPr lang="en-SE" dirty="0"/>
+          </a:p>
+          <a:p>
+            <a:pPr lvl="1"/>
             <a:endParaRPr lang="en-GB" b="0" i="0" u="none" strike="noStrike" baseline="0" dirty="0">
               <a:latin typeface="Arial" panose="020B0604020202020204" pitchFamily="34" charset="0"/>
             </a:endParaRPr>
@@ -13391,6 +13845,133 @@
       </p:sp>
       <p:sp>
         <p:nvSpPr>
+          <p:cNvPr id="4" name="Footer Placeholder 3">
+            <a:extLst>
+              <a:ext uri="{FF2B5EF4-FFF2-40B4-BE49-F238E27FC236}">
+                <a16:creationId xmlns:a16="http://schemas.microsoft.com/office/drawing/2014/main" id="{4341A852-F6F0-EF30-2024-6CD452717E9A}"/>
+              </a:ext>
+            </a:extLst>
+          </p:cNvPr>
+          <p:cNvSpPr>
+            <a:spLocks noGrp="1"/>
+          </p:cNvSpPr>
+          <p:nvPr>
+            <p:ph type="ftr" sz="quarter" idx="11"/>
+          </p:nvPr>
+        </p:nvSpPr>
+        <p:spPr/>
+        <p:txBody>
+          <a:bodyPr/>
+          <a:lstStyle/>
+          <a:p>
+            <a:r>
+              <a:rPr lang="sv-SE"/>
+              <a:t>Björn Sundling  bjorn.sundling@advania.com</a:t>
+            </a:r>
+            <a:endParaRPr lang="en-SE"/>
+          </a:p>
+        </p:txBody>
+      </p:sp>
+      <p:sp>
+        <p:nvSpPr>
+          <p:cNvPr id="5" name="Slide Number Placeholder 4">
+            <a:extLst>
+              <a:ext uri="{FF2B5EF4-FFF2-40B4-BE49-F238E27FC236}">
+                <a16:creationId xmlns:a16="http://schemas.microsoft.com/office/drawing/2014/main" id="{4C3F3FB3-0890-0B37-D114-C666C7C18281}"/>
+              </a:ext>
+            </a:extLst>
+          </p:cNvPr>
+          <p:cNvSpPr>
+            <a:spLocks noGrp="1"/>
+          </p:cNvSpPr>
+          <p:nvPr>
+            <p:ph type="sldNum" sz="quarter" idx="12"/>
+          </p:nvPr>
+        </p:nvSpPr>
+        <p:spPr/>
+        <p:txBody>
+          <a:bodyPr/>
+          <a:lstStyle/>
+          <a:p>
+            <a:fld id="{9993A830-6DA6-4394-A358-10250CDB3A67}" type="slidenum">
+              <a:rPr lang="en-SE" smtClean="0"/>
+              <a:t>5</a:t>
+            </a:fld>
+            <a:endParaRPr lang="en-SE"/>
+          </a:p>
+        </p:txBody>
+      </p:sp>
+    </p:spTree>
+    <p:extLst>
+      <p:ext uri="{BB962C8B-B14F-4D97-AF65-F5344CB8AC3E}">
+        <p14:creationId xmlns:p14="http://schemas.microsoft.com/office/powerpoint/2010/main" val="1387126031"/>
+      </p:ext>
+    </p:extLst>
+  </p:cSld>
+  <p:clrMapOvr>
+    <a:masterClrMapping/>
+  </p:clrMapOvr>
+</p:sld>
+</file>
+
+<file path=ppt/slides/slide50.xml><?xml version="1.0" encoding="utf-8"?>
+<p:sld xmlns:a="http://schemas.openxmlformats.org/drawingml/2006/main" xmlns:r="http://schemas.openxmlformats.org/officeDocument/2006/relationships" xmlns:p="http://schemas.openxmlformats.org/presentationml/2006/main">
+  <p:cSld>
+    <p:spTree>
+      <p:nvGrpSpPr>
+        <p:cNvPr id="1" name=""/>
+        <p:cNvGrpSpPr/>
+        <p:nvPr/>
+      </p:nvGrpSpPr>
+      <p:grpSpPr>
+        <a:xfrm>
+          <a:off x="0" y="0"/>
+          <a:ext cx="0" cy="0"/>
+          <a:chOff x="0" y="0"/>
+          <a:chExt cx="0" cy="0"/>
+        </a:xfrm>
+      </p:grpSpPr>
+      <p:sp>
+        <p:nvSpPr>
+          <p:cNvPr id="2" name="Title 1">
+            <a:extLst>
+              <a:ext uri="{FF2B5EF4-FFF2-40B4-BE49-F238E27FC236}">
+                <a16:creationId xmlns:a16="http://schemas.microsoft.com/office/drawing/2014/main" id="{020D5667-3F2E-0371-B2AF-410D252A6CEA}"/>
+              </a:ext>
+            </a:extLst>
+          </p:cNvPr>
+          <p:cNvSpPr>
+            <a:spLocks noGrp="1"/>
+          </p:cNvSpPr>
+          <p:nvPr>
+            <p:ph type="title"/>
+          </p:nvPr>
+        </p:nvSpPr>
+        <p:spPr>
+          <a:xfrm>
+            <a:off x="838200" y="365125"/>
+            <a:ext cx="10515600" cy="1325563"/>
+          </a:xfrm>
+        </p:spPr>
+        <p:txBody>
+          <a:bodyPr/>
+          <a:lstStyle/>
+          <a:p>
+            <a:pPr marR="0" rtl="0"/>
+            <a:r>
+              <a:rPr lang="en-GB" b="1" i="0" u="none" strike="noStrike" baseline="0" dirty="0">
+                <a:latin typeface="Arial" panose="020B0604020202020204" pitchFamily="34" charset="0"/>
+              </a:rPr>
+              <a:t>Pipelines</a:t>
+            </a:r>
+            <a:endParaRPr lang="en-GB" b="0" i="0" u="none" strike="noStrike" baseline="0" dirty="0">
+              <a:latin typeface="Arial" panose="020B0604020202020204" pitchFamily="34" charset="0"/>
+            </a:endParaRPr>
+          </a:p>
+        </p:txBody>
+      </p:sp>
+      <p:sp>
+        <p:nvSpPr>
           <p:cNvPr id="3" name="Text Placeholder 2">
             <a:extLst>
               <a:ext uri="{FF2B5EF4-FFF2-40B4-BE49-F238E27FC236}">
@@ -13492,7 +14073,7 @@
           <a:p>
             <a:fld id="{9993A830-6DA6-4394-A358-10250CDB3A67}" type="slidenum">
               <a:rPr lang="en-SE" smtClean="0"/>
-              <a:t>49</a:t>
+              <a:t>50</a:t>
             </a:fld>
             <a:endParaRPr lang="en-SE"/>
           </a:p>
@@ -13541,378 +14122,6 @@
 </p:sld>
 </file>
 
-<file path=ppt/slides/slide5.xml><?xml version="1.0" encoding="utf-8"?>
-<p:sld xmlns:a="http://schemas.openxmlformats.org/drawingml/2006/main" xmlns:r="http://schemas.openxmlformats.org/officeDocument/2006/relationships" xmlns:p="http://schemas.openxmlformats.org/presentationml/2006/main">
-  <p:cSld>
-    <p:spTree>
-      <p:nvGrpSpPr>
-        <p:cNvPr id="1" name=""/>
-        <p:cNvGrpSpPr/>
-        <p:nvPr/>
-      </p:nvGrpSpPr>
-      <p:grpSpPr>
-        <a:xfrm>
-          <a:off x="0" y="0"/>
-          <a:ext cx="0" cy="0"/>
-          <a:chOff x="0" y="0"/>
-          <a:chExt cx="0" cy="0"/>
-        </a:xfrm>
-      </p:grpSpPr>
-      <p:sp>
-        <p:nvSpPr>
-          <p:cNvPr id="2" name="Title 1">
-            <a:extLst>
-              <a:ext uri="{FF2B5EF4-FFF2-40B4-BE49-F238E27FC236}">
-                <a16:creationId xmlns:a16="http://schemas.microsoft.com/office/drawing/2014/main" id="{32C26714-149A-47BD-2440-BB8F28F23803}"/>
-              </a:ext>
-            </a:extLst>
-          </p:cNvPr>
-          <p:cNvSpPr>
-            <a:spLocks noGrp="1"/>
-          </p:cNvSpPr>
-          <p:nvPr>
-            <p:ph type="title"/>
-          </p:nvPr>
-        </p:nvSpPr>
-        <p:spPr>
-          <a:xfrm>
-            <a:off x="838200" y="365125"/>
-            <a:ext cx="10515600" cy="1325563"/>
-          </a:xfrm>
-        </p:spPr>
-        <p:txBody>
-          <a:bodyPr/>
-          <a:lstStyle/>
-          <a:p>
-            <a:pPr marR="0" rtl="0"/>
-            <a:r>
-              <a:rPr lang="en-GB" b="1" i="0" u="none" strike="noStrike" baseline="0">
-                <a:latin typeface="Arial" panose="020B0604020202020204" pitchFamily="34" charset="0"/>
-              </a:rPr>
-              <a:t>Introduction</a:t>
-            </a:r>
-            <a:endParaRPr lang="en-GB" b="0" i="0" u="none" strike="noStrike" baseline="0">
-              <a:latin typeface="Arial" panose="020B0604020202020204" pitchFamily="34" charset="0"/>
-            </a:endParaRPr>
-          </a:p>
-        </p:txBody>
-      </p:sp>
-      <p:sp>
-        <p:nvSpPr>
-          <p:cNvPr id="3" name="Text Placeholder 2">
-            <a:extLst>
-              <a:ext uri="{FF2B5EF4-FFF2-40B4-BE49-F238E27FC236}">
-                <a16:creationId xmlns:a16="http://schemas.microsoft.com/office/drawing/2014/main" id="{1F86819D-E0DD-4CEC-3B28-5D4E06A22865}"/>
-              </a:ext>
-            </a:extLst>
-          </p:cNvPr>
-          <p:cNvSpPr>
-            <a:spLocks noGrp="1"/>
-          </p:cNvSpPr>
-          <p:nvPr>
-            <p:ph type="body" idx="1"/>
-          </p:nvPr>
-        </p:nvSpPr>
-        <p:spPr/>
-        <p:txBody>
-          <a:bodyPr>
-            <a:normAutofit/>
-          </a:bodyPr>
-          <a:lstStyle/>
-          <a:p>
-            <a:r>
-              <a:rPr lang="en-GB" b="0" i="0" u="none" strike="noStrike" baseline="0" dirty="0">
-                <a:latin typeface="Arial" panose="020B0604020202020204" pitchFamily="34" charset="0"/>
-              </a:rPr>
-              <a:t>Bring Your Own Lab!</a:t>
-            </a:r>
-          </a:p>
-          <a:p>
-            <a:pPr lvl="1"/>
-            <a:r>
-              <a:rPr lang="en-GB" dirty="0"/>
-              <a:t>It’s easier to understand your own issues</a:t>
-            </a:r>
-            <a:endParaRPr lang="en-SE" dirty="0"/>
-          </a:p>
-          <a:p>
-            <a:pPr lvl="1"/>
-            <a:endParaRPr lang="en-GB" b="0" i="0" u="none" strike="noStrike" baseline="0" dirty="0">
-              <a:latin typeface="Arial" panose="020B0604020202020204" pitchFamily="34" charset="0"/>
-            </a:endParaRPr>
-          </a:p>
-        </p:txBody>
-      </p:sp>
-      <p:sp>
-        <p:nvSpPr>
-          <p:cNvPr id="4" name="Footer Placeholder 3">
-            <a:extLst>
-              <a:ext uri="{FF2B5EF4-FFF2-40B4-BE49-F238E27FC236}">
-                <a16:creationId xmlns:a16="http://schemas.microsoft.com/office/drawing/2014/main" id="{4341A852-F6F0-EF30-2024-6CD452717E9A}"/>
-              </a:ext>
-            </a:extLst>
-          </p:cNvPr>
-          <p:cNvSpPr>
-            <a:spLocks noGrp="1"/>
-          </p:cNvSpPr>
-          <p:nvPr>
-            <p:ph type="ftr" sz="quarter" idx="11"/>
-          </p:nvPr>
-        </p:nvSpPr>
-        <p:spPr/>
-        <p:txBody>
-          <a:bodyPr/>
-          <a:lstStyle/>
-          <a:p>
-            <a:r>
-              <a:rPr lang="sv-SE"/>
-              <a:t>Björn Sundling  bjorn.sundling@advania.com</a:t>
-            </a:r>
-            <a:endParaRPr lang="en-SE"/>
-          </a:p>
-        </p:txBody>
-      </p:sp>
-      <p:sp>
-        <p:nvSpPr>
-          <p:cNvPr id="5" name="Slide Number Placeholder 4">
-            <a:extLst>
-              <a:ext uri="{FF2B5EF4-FFF2-40B4-BE49-F238E27FC236}">
-                <a16:creationId xmlns:a16="http://schemas.microsoft.com/office/drawing/2014/main" id="{4C3F3FB3-0890-0B37-D114-C666C7C18281}"/>
-              </a:ext>
-            </a:extLst>
-          </p:cNvPr>
-          <p:cNvSpPr>
-            <a:spLocks noGrp="1"/>
-          </p:cNvSpPr>
-          <p:nvPr>
-            <p:ph type="sldNum" sz="quarter" idx="12"/>
-          </p:nvPr>
-        </p:nvSpPr>
-        <p:spPr/>
-        <p:txBody>
-          <a:bodyPr/>
-          <a:lstStyle/>
-          <a:p>
-            <a:fld id="{9993A830-6DA6-4394-A358-10250CDB3A67}" type="slidenum">
-              <a:rPr lang="en-SE" smtClean="0"/>
-              <a:t>5</a:t>
-            </a:fld>
-            <a:endParaRPr lang="en-SE"/>
-          </a:p>
-        </p:txBody>
-      </p:sp>
-    </p:spTree>
-    <p:extLst>
-      <p:ext uri="{BB962C8B-B14F-4D97-AF65-F5344CB8AC3E}">
-        <p14:creationId xmlns:p14="http://schemas.microsoft.com/office/powerpoint/2010/main" val="1387126031"/>
-      </p:ext>
-    </p:extLst>
-  </p:cSld>
-  <p:clrMapOvr>
-    <a:masterClrMapping/>
-  </p:clrMapOvr>
-</p:sld>
-</file>
-
-<file path=ppt/slides/slide50.xml><?xml version="1.0" encoding="utf-8"?>
-<p:sld xmlns:a="http://schemas.openxmlformats.org/drawingml/2006/main" xmlns:r="http://schemas.openxmlformats.org/officeDocument/2006/relationships" xmlns:p="http://schemas.openxmlformats.org/presentationml/2006/main">
-  <p:cSld>
-    <p:spTree>
-      <p:nvGrpSpPr>
-        <p:cNvPr id="1" name=""/>
-        <p:cNvGrpSpPr/>
-        <p:nvPr/>
-      </p:nvGrpSpPr>
-      <p:grpSpPr>
-        <a:xfrm>
-          <a:off x="0" y="0"/>
-          <a:ext cx="0" cy="0"/>
-          <a:chOff x="0" y="0"/>
-          <a:chExt cx="0" cy="0"/>
-        </a:xfrm>
-      </p:grpSpPr>
-      <p:sp>
-        <p:nvSpPr>
-          <p:cNvPr id="2" name="Title 1">
-            <a:extLst>
-              <a:ext uri="{FF2B5EF4-FFF2-40B4-BE49-F238E27FC236}">
-                <a16:creationId xmlns:a16="http://schemas.microsoft.com/office/drawing/2014/main" id="{020D5667-3F2E-0371-B2AF-410D252A6CEA}"/>
-              </a:ext>
-            </a:extLst>
-          </p:cNvPr>
-          <p:cNvSpPr>
-            <a:spLocks noGrp="1"/>
-          </p:cNvSpPr>
-          <p:nvPr>
-            <p:ph type="title"/>
-          </p:nvPr>
-        </p:nvSpPr>
-        <p:spPr>
-          <a:xfrm>
-            <a:off x="838200" y="365125"/>
-            <a:ext cx="10515600" cy="1325563"/>
-          </a:xfrm>
-        </p:spPr>
-        <p:txBody>
-          <a:bodyPr/>
-          <a:lstStyle/>
-          <a:p>
-            <a:pPr marR="0" rtl="0"/>
-            <a:r>
-              <a:rPr lang="en-GB" b="1" i="0" u="none" strike="noStrike" baseline="0" dirty="0">
-                <a:latin typeface="Arial" panose="020B0604020202020204" pitchFamily="34" charset="0"/>
-              </a:rPr>
-              <a:t>Pipelines</a:t>
-            </a:r>
-            <a:endParaRPr lang="en-GB" b="0" i="0" u="none" strike="noStrike" baseline="0" dirty="0">
-              <a:latin typeface="Arial" panose="020B0604020202020204" pitchFamily="34" charset="0"/>
-            </a:endParaRPr>
-          </a:p>
-        </p:txBody>
-      </p:sp>
-      <p:sp>
-        <p:nvSpPr>
-          <p:cNvPr id="3" name="Text Placeholder 2">
-            <a:extLst>
-              <a:ext uri="{FF2B5EF4-FFF2-40B4-BE49-F238E27FC236}">
-                <a16:creationId xmlns:a16="http://schemas.microsoft.com/office/drawing/2014/main" id="{14842F41-DE27-3397-05EB-81DCA4DF63A8}"/>
-              </a:ext>
-            </a:extLst>
-          </p:cNvPr>
-          <p:cNvSpPr>
-            <a:spLocks noGrp="1"/>
-          </p:cNvSpPr>
-          <p:nvPr>
-            <p:ph type="body" idx="1"/>
-          </p:nvPr>
-        </p:nvSpPr>
-        <p:spPr/>
-        <p:txBody>
-          <a:bodyPr>
-            <a:normAutofit/>
-          </a:bodyPr>
-          <a:lstStyle/>
-          <a:p>
-            <a:pPr marR="0" lvl="0" rtl="0"/>
-            <a:r>
-              <a:rPr lang="en-US" b="0" i="0" u="none" strike="noStrike" baseline="0" dirty="0">
-                <a:latin typeface="Arial" panose="020B0604020202020204" pitchFamily="34" charset="0"/>
-              </a:rPr>
-              <a:t>Linking Commands</a:t>
-            </a:r>
-          </a:p>
-          <a:p>
-            <a:pPr lvl="1"/>
-            <a:r>
-              <a:rPr lang="en-US" b="0" i="0" u="none" strike="noStrike" baseline="0" dirty="0">
-                <a:latin typeface="Arial" panose="020B0604020202020204" pitchFamily="34" charset="0"/>
-              </a:rPr>
-              <a:t>Pipeline Input</a:t>
-            </a:r>
-          </a:p>
-          <a:p>
-            <a:pPr lvl="1"/>
-            <a:r>
-              <a:rPr lang="en-US" b="0" i="0" u="none" strike="noStrike" baseline="0" dirty="0">
-                <a:latin typeface="Arial" panose="020B0604020202020204" pitchFamily="34" charset="0"/>
-              </a:rPr>
-              <a:t>Accept pipeline input</a:t>
-            </a:r>
-          </a:p>
-          <a:p>
-            <a:pPr lvl="2"/>
-            <a:r>
-              <a:rPr lang="en-US" b="0" i="0" u="none" strike="noStrike" baseline="0" dirty="0">
-                <a:latin typeface="Arial" panose="020B0604020202020204" pitchFamily="34" charset="0"/>
-              </a:rPr>
-              <a:t>Get-Help Get-</a:t>
-            </a:r>
-            <a:r>
-              <a:rPr lang="en-US" b="0" i="0" u="none" strike="noStrike" baseline="0" dirty="0" err="1">
-                <a:latin typeface="Arial" panose="020B0604020202020204" pitchFamily="34" charset="0"/>
-              </a:rPr>
-              <a:t>ChildItem</a:t>
-            </a:r>
-            <a:r>
-              <a:rPr lang="en-US" b="0" i="0" u="none" strike="noStrike" baseline="0" dirty="0">
-                <a:latin typeface="Arial" panose="020B0604020202020204" pitchFamily="34" charset="0"/>
-              </a:rPr>
-              <a:t> -Parameter path</a:t>
-            </a:r>
-          </a:p>
-        </p:txBody>
-      </p:sp>
-      <p:sp>
-        <p:nvSpPr>
-          <p:cNvPr id="4" name="Footer Placeholder 3">
-            <a:extLst>
-              <a:ext uri="{FF2B5EF4-FFF2-40B4-BE49-F238E27FC236}">
-                <a16:creationId xmlns:a16="http://schemas.microsoft.com/office/drawing/2014/main" id="{DFC4B1A9-C5E5-6767-5A67-3AFFF61F8AE3}"/>
-              </a:ext>
-            </a:extLst>
-          </p:cNvPr>
-          <p:cNvSpPr>
-            <a:spLocks noGrp="1"/>
-          </p:cNvSpPr>
-          <p:nvPr>
-            <p:ph type="ftr" sz="quarter" idx="11"/>
-          </p:nvPr>
-        </p:nvSpPr>
-        <p:spPr/>
-        <p:txBody>
-          <a:bodyPr/>
-          <a:lstStyle/>
-          <a:p>
-            <a:r>
-              <a:rPr lang="sv-SE"/>
-              <a:t>Björn Sundling  bjorn.sundling@advania.com</a:t>
-            </a:r>
-            <a:endParaRPr lang="en-SE"/>
-          </a:p>
-        </p:txBody>
-      </p:sp>
-      <p:sp>
-        <p:nvSpPr>
-          <p:cNvPr id="5" name="Slide Number Placeholder 4">
-            <a:extLst>
-              <a:ext uri="{FF2B5EF4-FFF2-40B4-BE49-F238E27FC236}">
-                <a16:creationId xmlns:a16="http://schemas.microsoft.com/office/drawing/2014/main" id="{BAD258B7-9534-6ABE-261E-70D2894B8FD8}"/>
-              </a:ext>
-            </a:extLst>
-          </p:cNvPr>
-          <p:cNvSpPr>
-            <a:spLocks noGrp="1"/>
-          </p:cNvSpPr>
-          <p:nvPr>
-            <p:ph type="sldNum" sz="quarter" idx="12"/>
-          </p:nvPr>
-        </p:nvSpPr>
-        <p:spPr/>
-        <p:txBody>
-          <a:bodyPr/>
-          <a:lstStyle/>
-          <a:p>
-            <a:fld id="{9993A830-6DA6-4394-A358-10250CDB3A67}" type="slidenum">
-              <a:rPr lang="en-SE" smtClean="0"/>
-              <a:t>50</a:t>
-            </a:fld>
-            <a:endParaRPr lang="en-SE"/>
-          </a:p>
-        </p:txBody>
-      </p:sp>
-    </p:spTree>
-    <p:extLst>
-      <p:ext uri="{BB962C8B-B14F-4D97-AF65-F5344CB8AC3E}">
-        <p14:creationId xmlns:p14="http://schemas.microsoft.com/office/powerpoint/2010/main" val="2838281672"/>
-      </p:ext>
-    </p:extLst>
-  </p:cSld>
-  <p:clrMapOvr>
-    <a:masterClrMapping/>
-  </p:clrMapOvr>
-</p:sld>
-</file>
-
 <file path=ppt/slides/slide51.xml><?xml version="1.0" encoding="utf-8"?>
 <p:sld xmlns:a="http://schemas.openxmlformats.org/drawingml/2006/main" xmlns:r="http://schemas.openxmlformats.org/officeDocument/2006/relationships" xmlns:p="http://schemas.openxmlformats.org/presentationml/2006/main">
   <p:cSld>
@@ -13997,7 +14206,7 @@
               <a:rPr lang="en-US" b="0" i="0" u="none" strike="noStrike" baseline="0" dirty="0">
                 <a:latin typeface="Arial" panose="020B0604020202020204" pitchFamily="34" charset="0"/>
               </a:rPr>
-              <a:t>Formatting</a:t>
+              <a:t>Linking Commands</a:t>
             </a:r>
           </a:p>
           <a:p>
@@ -14006,7 +14215,7 @@
               <a:rPr lang="en-US" b="0" i="0" u="none" strike="noStrike" baseline="0" dirty="0">
                 <a:latin typeface="Arial" panose="020B0604020202020204" pitchFamily="34" charset="0"/>
               </a:rPr>
-              <a:t>Format-Table</a:t>
+              <a:t>Pipeline Input</a:t>
             </a:r>
           </a:p>
           <a:p>
@@ -14015,16 +14224,28 @@
               <a:rPr lang="en-US" b="0" i="0" u="none" strike="noStrike" baseline="0" dirty="0">
                 <a:latin typeface="Arial" panose="020B0604020202020204" pitchFamily="34" charset="0"/>
               </a:rPr>
-              <a:t>Format-List</a:t>
-            </a:r>
-          </a:p>
-          <a:p>
-            <a:pPr lvl="1"/>
+              <a:t>Accept pipeline input</a:t>
+            </a:r>
+          </a:p>
+          <a:p>
+            <a:pPr lvl="2"/>
             <a:r>
               <a:rPr lang="en-US" b="0" i="0" u="none" strike="noStrike" baseline="0" dirty="0">
                 <a:latin typeface="Arial" panose="020B0604020202020204" pitchFamily="34" charset="0"/>
               </a:rPr>
-              <a:t>Changes Output</a:t>
+              <a:t>Get-Help Get-</a:t>
+            </a:r>
+            <a:r>
+              <a:rPr lang="en-US" b="0" i="0" u="none" strike="noStrike" baseline="0" dirty="0" err="1">
+                <a:latin typeface="Arial" panose="020B0604020202020204" pitchFamily="34" charset="0"/>
+              </a:rPr>
+              <a:t>ChildItem</a:t>
+            </a:r>
+            <a:r>
+              <a:rPr lang="en-US" b="0" i="0" u="none" strike="noStrike" baseline="0" dirty="0">
+                <a:latin typeface="Arial" panose="020B0604020202020204" pitchFamily="34" charset="0"/>
+              </a:rPr>
+              <a:t> -Parameter path</a:t>
             </a:r>
           </a:p>
         </p:txBody>
@@ -14090,7 +14311,7 @@
     </p:spTree>
     <p:extLst>
       <p:ext uri="{BB962C8B-B14F-4D97-AF65-F5344CB8AC3E}">
-        <p14:creationId xmlns:p14="http://schemas.microsoft.com/office/powerpoint/2010/main" val="3335319735"/>
+        <p14:creationId xmlns:p14="http://schemas.microsoft.com/office/powerpoint/2010/main" val="2838281672"/>
       </p:ext>
     </p:extLst>
   </p:cSld>
@@ -14184,7 +14405,7 @@
               <a:rPr lang="en-US" b="0" i="0" u="none" strike="noStrike" baseline="0" dirty="0">
                 <a:latin typeface="Arial" panose="020B0604020202020204" pitchFamily="34" charset="0"/>
               </a:rPr>
-              <a:t>Filtering</a:t>
+              <a:t>Formatting</a:t>
             </a:r>
           </a:p>
           <a:p>
@@ -14193,7 +14414,7 @@
               <a:rPr lang="en-US" b="0" i="0" u="none" strike="noStrike" baseline="0" dirty="0">
                 <a:latin typeface="Arial" panose="020B0604020202020204" pitchFamily="34" charset="0"/>
               </a:rPr>
-              <a:t>Select-Object</a:t>
+              <a:t>Format-Table</a:t>
             </a:r>
           </a:p>
           <a:p>
@@ -14202,7 +14423,7 @@
               <a:rPr lang="en-US" b="0" i="0" u="none" strike="noStrike" baseline="0" dirty="0">
                 <a:latin typeface="Arial" panose="020B0604020202020204" pitchFamily="34" charset="0"/>
               </a:rPr>
-              <a:t>Where-Object</a:t>
+              <a:t>Format-List</a:t>
             </a:r>
           </a:p>
           <a:p>
@@ -14211,61 +14432,7 @@
               <a:rPr lang="en-US" b="0" i="0" u="none" strike="noStrike" baseline="0" dirty="0">
                 <a:latin typeface="Arial" panose="020B0604020202020204" pitchFamily="34" charset="0"/>
               </a:rPr>
-              <a:t>Sort-Object</a:t>
-            </a:r>
-          </a:p>
-          <a:p>
-            <a:pPr lvl="1"/>
-            <a:r>
-              <a:rPr lang="en-US" b="0" i="0" u="none" strike="noStrike" baseline="0" dirty="0">
-                <a:latin typeface="Arial" panose="020B0604020202020204" pitchFamily="34" charset="0"/>
-              </a:rPr>
-              <a:t>Group-Object</a:t>
-            </a:r>
-          </a:p>
-          <a:p>
-            <a:pPr lvl="2"/>
-            <a:r>
-              <a:rPr lang="en-US" b="0" i="0" u="none" strike="noStrike" baseline="0" dirty="0">
-                <a:latin typeface="Arial" panose="020B0604020202020204" pitchFamily="34" charset="0"/>
-              </a:rPr>
-              <a:t>-</a:t>
-            </a:r>
-            <a:r>
-              <a:rPr lang="en-US" b="0" i="0" u="none" strike="noStrike" baseline="0" dirty="0" err="1">
-                <a:latin typeface="Arial" panose="020B0604020202020204" pitchFamily="34" charset="0"/>
-              </a:rPr>
-              <a:t>AsHashTable</a:t>
-            </a:r>
-            <a:endParaRPr lang="en-US" b="0" i="0" u="none" strike="noStrike" baseline="0" dirty="0">
-              <a:latin typeface="Arial" panose="020B0604020202020204" pitchFamily="34" charset="0"/>
-            </a:endParaRPr>
-          </a:p>
-          <a:p>
-            <a:pPr lvl="1"/>
-            <a:r>
-              <a:rPr lang="en-US" b="0" i="0" u="none" strike="noStrike" baseline="0" dirty="0">
-                <a:latin typeface="Arial" panose="020B0604020202020204" pitchFamily="34" charset="0"/>
-              </a:rPr>
-              <a:t>Out-</a:t>
-            </a:r>
-            <a:r>
-              <a:rPr lang="en-US" b="0" i="0" u="none" strike="noStrike" baseline="0" dirty="0" err="1">
-                <a:latin typeface="Arial" panose="020B0604020202020204" pitchFamily="34" charset="0"/>
-              </a:rPr>
-              <a:t>GridView</a:t>
-            </a:r>
-            <a:endParaRPr lang="en-US" b="0" i="0" u="none" strike="noStrike" baseline="0" dirty="0">
-              <a:latin typeface="Arial" panose="020B0604020202020204" pitchFamily="34" charset="0"/>
-            </a:endParaRPr>
-          </a:p>
-          <a:p>
-            <a:pPr lvl="2"/>
-            <a:r>
-              <a:rPr lang="en-US" b="0" i="0" u="none" strike="noStrike" baseline="0" dirty="0">
-                <a:latin typeface="Arial" panose="020B0604020202020204" pitchFamily="34" charset="0"/>
-              </a:rPr>
-              <a:t>-Passthrough</a:t>
+              <a:t>Changes Output</a:t>
             </a:r>
           </a:p>
         </p:txBody>
@@ -14331,7 +14498,7 @@
     </p:spTree>
     <p:extLst>
       <p:ext uri="{BB962C8B-B14F-4D97-AF65-F5344CB8AC3E}">
-        <p14:creationId xmlns:p14="http://schemas.microsoft.com/office/powerpoint/2010/main" val="2198506938"/>
+        <p14:creationId xmlns:p14="http://schemas.microsoft.com/office/powerpoint/2010/main" val="3335319735"/>
       </p:ext>
     </p:extLst>
   </p:cSld>
@@ -14363,7 +14530,7 @@
           <p:cNvPr id="2" name="Title 1">
             <a:extLst>
               <a:ext uri="{FF2B5EF4-FFF2-40B4-BE49-F238E27FC236}">
-                <a16:creationId xmlns:a16="http://schemas.microsoft.com/office/drawing/2014/main" id="{69BCD6E1-D5BF-EF3E-F0CC-EDE7BAE35861}"/>
+                <a16:creationId xmlns:a16="http://schemas.microsoft.com/office/drawing/2014/main" id="{020D5667-3F2E-0371-B2AF-410D252A6CEA}"/>
               </a:ext>
             </a:extLst>
           </p:cNvPr>
@@ -14372,110 +14539,181 @@
           </p:cNvSpPr>
           <p:nvPr>
             <p:ph type="title"/>
-          </p:nvPr>
-        </p:nvSpPr>
-        <p:spPr/>
-        <p:txBody>
-          <a:bodyPr/>
-          <a:lstStyle/>
-          <a:p>
-            <a:r>
-              <a:rPr lang="en-GB" b="1" i="0" u="none" strike="noStrike" baseline="0" dirty="0">
-                <a:latin typeface="Arial" panose="020B0604020202020204" pitchFamily="34" charset="0"/>
-              </a:rPr>
-              <a:t>Pipelines</a:t>
-            </a:r>
-            <a:endParaRPr lang="en-SE" dirty="0"/>
-          </a:p>
-        </p:txBody>
-      </p:sp>
-      <p:sp>
-        <p:nvSpPr>
-          <p:cNvPr id="4" name="Text Placeholder 3">
-            <a:extLst>
-              <a:ext uri="{FF2B5EF4-FFF2-40B4-BE49-F238E27FC236}">
-                <a16:creationId xmlns:a16="http://schemas.microsoft.com/office/drawing/2014/main" id="{D7ABE405-4C8C-4761-DB98-41C6649D1B66}"/>
-              </a:ext>
-            </a:extLst>
-          </p:cNvPr>
-          <p:cNvSpPr>
-            <a:spLocks noGrp="1"/>
-          </p:cNvSpPr>
-          <p:nvPr>
-            <p:ph type="body" sz="half" idx="2"/>
           </p:nvPr>
         </p:nvSpPr>
         <p:spPr>
           <a:xfrm>
-            <a:off x="839788" y="2057400"/>
-            <a:ext cx="10877001" cy="3811588"/>
+            <a:off x="838200" y="365125"/>
+            <a:ext cx="10515600" cy="1325563"/>
           </a:xfrm>
         </p:spPr>
+        <p:txBody>
+          <a:bodyPr/>
+          <a:lstStyle/>
+          <a:p>
+            <a:pPr marR="0" rtl="0"/>
+            <a:r>
+              <a:rPr lang="en-GB" b="1" i="0" u="none" strike="noStrike" baseline="0" dirty="0">
+                <a:latin typeface="Arial" panose="020B0604020202020204" pitchFamily="34" charset="0"/>
+              </a:rPr>
+              <a:t>Pipelines</a:t>
+            </a:r>
+            <a:endParaRPr lang="en-GB" b="0" i="0" u="none" strike="noStrike" baseline="0" dirty="0">
+              <a:latin typeface="Arial" panose="020B0604020202020204" pitchFamily="34" charset="0"/>
+            </a:endParaRPr>
+          </a:p>
+        </p:txBody>
+      </p:sp>
+      <p:sp>
+        <p:nvSpPr>
+          <p:cNvPr id="3" name="Text Placeholder 2">
+            <a:extLst>
+              <a:ext uri="{FF2B5EF4-FFF2-40B4-BE49-F238E27FC236}">
+                <a16:creationId xmlns:a16="http://schemas.microsoft.com/office/drawing/2014/main" id="{14842F41-DE27-3397-05EB-81DCA4DF63A8}"/>
+              </a:ext>
+            </a:extLst>
+          </p:cNvPr>
+          <p:cNvSpPr>
+            <a:spLocks noGrp="1"/>
+          </p:cNvSpPr>
+          <p:nvPr>
+            <p:ph type="body" idx="1"/>
+          </p:nvPr>
+        </p:nvSpPr>
+        <p:spPr/>
         <p:txBody>
           <a:bodyPr>
             <a:normAutofit/>
           </a:bodyPr>
           <a:lstStyle/>
           <a:p>
-            <a:pPr marL="285750" indent="-285750">
-              <a:buFont typeface="Arial" panose="020B0604020202020204" pitchFamily="34" charset="0"/>
-              <a:buChar char="•"/>
-            </a:pPr>
-            <a:r>
-              <a:rPr lang="en-GB" sz="4400" b="0" i="0" u="none" strike="noStrike" baseline="0" dirty="0">
-                <a:latin typeface="Arial" panose="020B0604020202020204" pitchFamily="34" charset="0"/>
-              </a:rPr>
-              <a:t>Lab 7</a:t>
-            </a:r>
-          </a:p>
-          <a:p>
-            <a:pPr marL="285750" indent="-285750">
-              <a:buFont typeface="Arial" panose="020B0604020202020204" pitchFamily="34" charset="0"/>
-              <a:buChar char="•"/>
-            </a:pPr>
-            <a:endParaRPr lang="en-GB" sz="4400" b="0" i="0" u="none" strike="noStrike" baseline="0" dirty="0">
+            <a:pPr marR="0" lvl="0" rtl="0"/>
+            <a:r>
+              <a:rPr lang="en-US" b="0" i="0" u="none" strike="noStrike" baseline="0" dirty="0">
+                <a:latin typeface="Arial" panose="020B0604020202020204" pitchFamily="34" charset="0"/>
+              </a:rPr>
+              <a:t>Filtering</a:t>
+            </a:r>
+          </a:p>
+          <a:p>
+            <a:pPr lvl="1"/>
+            <a:r>
+              <a:rPr lang="en-US" b="0" i="0" u="none" strike="noStrike" baseline="0" dirty="0">
+                <a:latin typeface="Arial" panose="020B0604020202020204" pitchFamily="34" charset="0"/>
+              </a:rPr>
+              <a:t>Select-Object</a:t>
+            </a:r>
+          </a:p>
+          <a:p>
+            <a:pPr lvl="1"/>
+            <a:r>
+              <a:rPr lang="en-US" b="0" i="0" u="none" strike="noStrike" baseline="0" dirty="0">
+                <a:latin typeface="Arial" panose="020B0604020202020204" pitchFamily="34" charset="0"/>
+              </a:rPr>
+              <a:t>Where-Object</a:t>
+            </a:r>
+          </a:p>
+          <a:p>
+            <a:pPr lvl="1"/>
+            <a:r>
+              <a:rPr lang="en-US" b="0" i="0" u="none" strike="noStrike" baseline="0" dirty="0">
+                <a:latin typeface="Arial" panose="020B0604020202020204" pitchFamily="34" charset="0"/>
+              </a:rPr>
+              <a:t>Sort-Object</a:t>
+            </a:r>
+          </a:p>
+          <a:p>
+            <a:pPr lvl="1"/>
+            <a:r>
+              <a:rPr lang="en-US" b="0" i="0" u="none" strike="noStrike" baseline="0" dirty="0">
+                <a:latin typeface="Arial" panose="020B0604020202020204" pitchFamily="34" charset="0"/>
+              </a:rPr>
+              <a:t>Group-Object</a:t>
+            </a:r>
+          </a:p>
+          <a:p>
+            <a:pPr lvl="2"/>
+            <a:r>
+              <a:rPr lang="en-US" b="0" i="0" u="none" strike="noStrike" baseline="0" dirty="0">
+                <a:latin typeface="Arial" panose="020B0604020202020204" pitchFamily="34" charset="0"/>
+              </a:rPr>
+              <a:t>-</a:t>
+            </a:r>
+            <a:r>
+              <a:rPr lang="en-US" b="0" i="0" u="none" strike="noStrike" baseline="0" dirty="0" err="1">
+                <a:latin typeface="Arial" panose="020B0604020202020204" pitchFamily="34" charset="0"/>
+              </a:rPr>
+              <a:t>AsHashTable</a:t>
+            </a:r>
+            <a:endParaRPr lang="en-US" b="0" i="0" u="none" strike="noStrike" baseline="0" dirty="0">
               <a:latin typeface="Arial" panose="020B0604020202020204" pitchFamily="34" charset="0"/>
             </a:endParaRPr>
           </a:p>
           <a:p>
-            <a:pPr marL="285750" indent="-285750">
-              <a:buFont typeface="Arial" panose="020B0604020202020204" pitchFamily="34" charset="0"/>
-              <a:buChar char="•"/>
-            </a:pPr>
-            <a:r>
-              <a:rPr lang="en-US" sz="1800" dirty="0">
-                <a:hlinkClick r:id="rId2"/>
-              </a:rPr>
-              <a:t>https://github.com/AdvaniaSE/PowerShellFundamentals</a:t>
-            </a:r>
-            <a:endParaRPr lang="en-US" sz="1800" dirty="0"/>
-          </a:p>
-          <a:p>
-            <a:pPr marL="742950" lvl="1" indent="-285750">
-              <a:buFont typeface="Arial" panose="020B0604020202020204" pitchFamily="34" charset="0"/>
-              <a:buChar char="•"/>
-            </a:pPr>
-            <a:r>
-              <a:rPr lang="en-US" dirty="0"/>
-              <a:t>07. Pipelines</a:t>
-            </a:r>
-            <a:endParaRPr lang="en-SE" dirty="0"/>
-          </a:p>
-          <a:p>
-            <a:pPr marL="285750" indent="-285750">
-              <a:buFont typeface="Arial" panose="020B0604020202020204" pitchFamily="34" charset="0"/>
-              <a:buChar char="•"/>
-            </a:pPr>
-            <a:endParaRPr lang="en-US" sz="1800" dirty="0"/>
-          </a:p>
-        </p:txBody>
-      </p:sp>
-      <p:sp>
-        <p:nvSpPr>
-          <p:cNvPr id="3" name="Footer Placeholder 2">
-            <a:extLst>
-              <a:ext uri="{FF2B5EF4-FFF2-40B4-BE49-F238E27FC236}">
-                <a16:creationId xmlns:a16="http://schemas.microsoft.com/office/drawing/2014/main" id="{1FAF7DB9-64B0-07FB-79A4-DC2D599FF636}"/>
+            <a:pPr lvl="1"/>
+            <a:r>
+              <a:rPr lang="en-US" b="0" i="0" u="none" strike="noStrike" baseline="0" dirty="0">
+                <a:latin typeface="Arial" panose="020B0604020202020204" pitchFamily="34" charset="0"/>
+              </a:rPr>
+              <a:t>Out-</a:t>
+            </a:r>
+            <a:r>
+              <a:rPr lang="en-US" b="0" i="0" u="none" strike="noStrike" baseline="0" dirty="0" err="1">
+                <a:latin typeface="Arial" panose="020B0604020202020204" pitchFamily="34" charset="0"/>
+              </a:rPr>
+              <a:t>GridView</a:t>
+            </a:r>
+            <a:r>
+              <a:rPr lang="en-US" b="0" i="0" u="none" strike="noStrike" baseline="0" dirty="0">
+                <a:latin typeface="Arial" panose="020B0604020202020204" pitchFamily="34" charset="0"/>
+              </a:rPr>
+              <a:t> </a:t>
+            </a:r>
+            <a:r>
+              <a:rPr lang="en-US" dirty="0">
+                <a:latin typeface="Arial" panose="020B0604020202020204" pitchFamily="34" charset="0"/>
+              </a:rPr>
+              <a:t>/ Out-</a:t>
+            </a:r>
+            <a:r>
+              <a:rPr lang="en-US" dirty="0" err="1">
+                <a:latin typeface="Arial" panose="020B0604020202020204" pitchFamily="34" charset="0"/>
+              </a:rPr>
+              <a:t>ConsoleGridView</a:t>
+            </a:r>
+            <a:r>
+              <a:rPr lang="en-US" dirty="0">
+                <a:latin typeface="Arial" panose="020B0604020202020204" pitchFamily="34" charset="0"/>
+              </a:rPr>
+              <a:t> </a:t>
+            </a:r>
+            <a:r>
+              <a:rPr lang="en-US" sz="1400" dirty="0">
+                <a:latin typeface="Arial" panose="020B0604020202020204" pitchFamily="34" charset="0"/>
+              </a:rPr>
+              <a:t>(https://github.com/PowerShell/ConsoleGuiTools)</a:t>
+            </a:r>
+            <a:endParaRPr lang="en-US" sz="1400" b="0" i="0" u="none" strike="noStrike" baseline="0" dirty="0">
+              <a:latin typeface="Arial" panose="020B0604020202020204" pitchFamily="34" charset="0"/>
+            </a:endParaRPr>
+          </a:p>
+          <a:p>
+            <a:pPr lvl="2"/>
+            <a:r>
+              <a:rPr lang="en-US" b="0" i="0" u="none" strike="noStrike" baseline="0" dirty="0">
+                <a:latin typeface="Arial" panose="020B0604020202020204" pitchFamily="34" charset="0"/>
+              </a:rPr>
+              <a:t>-Passthrough</a:t>
+            </a:r>
+          </a:p>
+        </p:txBody>
+      </p:sp>
+      <p:sp>
+        <p:nvSpPr>
+          <p:cNvPr id="4" name="Footer Placeholder 3">
+            <a:extLst>
+              <a:ext uri="{FF2B5EF4-FFF2-40B4-BE49-F238E27FC236}">
+                <a16:creationId xmlns:a16="http://schemas.microsoft.com/office/drawing/2014/main" id="{DFC4B1A9-C5E5-6767-5A67-3AFFF61F8AE3}"/>
               </a:ext>
             </a:extLst>
           </p:cNvPr>
@@ -14504,7 +14742,7 @@
           <p:cNvPr id="5" name="Slide Number Placeholder 4">
             <a:extLst>
               <a:ext uri="{FF2B5EF4-FFF2-40B4-BE49-F238E27FC236}">
-                <a16:creationId xmlns:a16="http://schemas.microsoft.com/office/drawing/2014/main" id="{2C2623BC-FCDC-B4EF-82B9-EC9076C892AE}"/>
+                <a16:creationId xmlns:a16="http://schemas.microsoft.com/office/drawing/2014/main" id="{BAD258B7-9534-6ABE-261E-70D2894B8FD8}"/>
               </a:ext>
             </a:extLst>
           </p:cNvPr>
@@ -14520,7 +14758,7 @@
           <a:bodyPr/>
           <a:lstStyle/>
           <a:p>
-            <a:fld id="{BFEA1545-8540-491B-83AB-51C306516EA6}" type="slidenum">
+            <a:fld id="{9993A830-6DA6-4394-A358-10250CDB3A67}" type="slidenum">
               <a:rPr lang="en-SE" smtClean="0"/>
               <a:t>53</a:t>
             </a:fld>
@@ -14531,7 +14769,7 @@
     </p:spTree>
     <p:extLst>
       <p:ext uri="{BB962C8B-B14F-4D97-AF65-F5344CB8AC3E}">
-        <p14:creationId xmlns:p14="http://schemas.microsoft.com/office/powerpoint/2010/main" val="2836464305"/>
+        <p14:creationId xmlns:p14="http://schemas.microsoft.com/office/powerpoint/2010/main" val="2198506938"/>
       </p:ext>
     </p:extLst>
   </p:cSld>
@@ -14563,7 +14801,7 @@
           <p:cNvPr id="2" name="Title 1">
             <a:extLst>
               <a:ext uri="{FF2B5EF4-FFF2-40B4-BE49-F238E27FC236}">
-                <a16:creationId xmlns:a16="http://schemas.microsoft.com/office/drawing/2014/main" id="{55D23047-3833-EFE0-8A01-090ACFE1D9FC}"/>
+                <a16:creationId xmlns:a16="http://schemas.microsoft.com/office/drawing/2014/main" id="{69BCD6E1-D5BF-EF3E-F0CC-EDE7BAE35861}"/>
               </a:ext>
             </a:extLst>
           </p:cNvPr>
@@ -14583,7 +14821,7 @@
               <a:rPr lang="en-GB" b="1" i="0" u="none" strike="noStrike" baseline="0" dirty="0">
                 <a:latin typeface="Arial" panose="020B0604020202020204" pitchFamily="34" charset="0"/>
               </a:rPr>
-              <a:t>Script Flow</a:t>
+              <a:t>Pipelines</a:t>
             </a:r>
             <a:endParaRPr lang="en-SE" dirty="0"/>
           </a:p>
@@ -14591,35 +14829,91 @@
       </p:sp>
       <p:sp>
         <p:nvSpPr>
-          <p:cNvPr id="3" name="Text Placeholder 2">
-            <a:extLst>
-              <a:ext uri="{FF2B5EF4-FFF2-40B4-BE49-F238E27FC236}">
-                <a16:creationId xmlns:a16="http://schemas.microsoft.com/office/drawing/2014/main" id="{1F80B5F8-E4FB-9CDB-0C7C-EEDCB4B8AF1D}"/>
-              </a:ext>
-            </a:extLst>
-          </p:cNvPr>
-          <p:cNvSpPr>
-            <a:spLocks noGrp="1"/>
-          </p:cNvSpPr>
-          <p:nvPr>
-            <p:ph type="body" idx="1"/>
-          </p:nvPr>
-        </p:nvSpPr>
-        <p:spPr/>
-        <p:txBody>
-          <a:bodyPr/>
-          <a:lstStyle/>
-          <a:p>
-            <a:endParaRPr lang="en-SE"/>
-          </a:p>
-        </p:txBody>
-      </p:sp>
-      <p:sp>
-        <p:nvSpPr>
-          <p:cNvPr id="4" name="Footer Placeholder 3">
-            <a:extLst>
-              <a:ext uri="{FF2B5EF4-FFF2-40B4-BE49-F238E27FC236}">
-                <a16:creationId xmlns:a16="http://schemas.microsoft.com/office/drawing/2014/main" id="{AFF17C74-066C-F6D3-8B07-3A4273A5590B}"/>
+          <p:cNvPr id="4" name="Text Placeholder 3">
+            <a:extLst>
+              <a:ext uri="{FF2B5EF4-FFF2-40B4-BE49-F238E27FC236}">
+                <a16:creationId xmlns:a16="http://schemas.microsoft.com/office/drawing/2014/main" id="{D7ABE405-4C8C-4761-DB98-41C6649D1B66}"/>
+              </a:ext>
+            </a:extLst>
+          </p:cNvPr>
+          <p:cNvSpPr>
+            <a:spLocks noGrp="1"/>
+          </p:cNvSpPr>
+          <p:nvPr>
+            <p:ph type="body" sz="half" idx="2"/>
+          </p:nvPr>
+        </p:nvSpPr>
+        <p:spPr>
+          <a:xfrm>
+            <a:off x="839788" y="2057400"/>
+            <a:ext cx="10877001" cy="3811588"/>
+          </a:xfrm>
+        </p:spPr>
+        <p:txBody>
+          <a:bodyPr>
+            <a:normAutofit/>
+          </a:bodyPr>
+          <a:lstStyle/>
+          <a:p>
+            <a:pPr marL="285750" indent="-285750">
+              <a:buFont typeface="Arial" panose="020B0604020202020204" pitchFamily="34" charset="0"/>
+              <a:buChar char="•"/>
+            </a:pPr>
+            <a:r>
+              <a:rPr lang="en-GB" sz="4400" b="0" i="0" u="none" strike="noStrike" baseline="0" dirty="0">
+                <a:latin typeface="Arial" panose="020B0604020202020204" pitchFamily="34" charset="0"/>
+              </a:rPr>
+              <a:t>Lab 7</a:t>
+            </a:r>
+          </a:p>
+          <a:p>
+            <a:pPr marL="285750" indent="-285750">
+              <a:buFont typeface="Arial" panose="020B0604020202020204" pitchFamily="34" charset="0"/>
+              <a:buChar char="•"/>
+            </a:pPr>
+            <a:endParaRPr lang="en-GB" sz="4400" b="0" i="0" u="none" strike="noStrike" baseline="0" dirty="0">
+              <a:latin typeface="Arial" panose="020B0604020202020204" pitchFamily="34" charset="0"/>
+            </a:endParaRPr>
+          </a:p>
+          <a:p>
+            <a:pPr marL="285750" indent="-285750">
+              <a:buFont typeface="Arial" panose="020B0604020202020204" pitchFamily="34" charset="0"/>
+              <a:buChar char="•"/>
+            </a:pPr>
+            <a:r>
+              <a:rPr lang="en-US" sz="1800" dirty="0">
+                <a:hlinkClick r:id="rId2"/>
+              </a:rPr>
+              <a:t>https://github.com/AdvaniaSE/PowerShellFundamentals</a:t>
+            </a:r>
+            <a:endParaRPr lang="en-US" sz="1800" dirty="0"/>
+          </a:p>
+          <a:p>
+            <a:pPr marL="742950" lvl="1" indent="-285750">
+              <a:buFont typeface="Arial" panose="020B0604020202020204" pitchFamily="34" charset="0"/>
+              <a:buChar char="•"/>
+            </a:pPr>
+            <a:r>
+              <a:rPr lang="en-US" dirty="0"/>
+              <a:t>07. Pipelines</a:t>
+            </a:r>
+            <a:endParaRPr lang="en-SE" dirty="0"/>
+          </a:p>
+          <a:p>
+            <a:pPr marL="285750" indent="-285750">
+              <a:buFont typeface="Arial" panose="020B0604020202020204" pitchFamily="34" charset="0"/>
+              <a:buChar char="•"/>
+            </a:pPr>
+            <a:endParaRPr lang="en-US" sz="1800" dirty="0"/>
+          </a:p>
+        </p:txBody>
+      </p:sp>
+      <p:sp>
+        <p:nvSpPr>
+          <p:cNvPr id="3" name="Footer Placeholder 2">
+            <a:extLst>
+              <a:ext uri="{FF2B5EF4-FFF2-40B4-BE49-F238E27FC236}">
+                <a16:creationId xmlns:a16="http://schemas.microsoft.com/office/drawing/2014/main" id="{1FAF7DB9-64B0-07FB-79A4-DC2D599FF636}"/>
               </a:ext>
             </a:extLst>
           </p:cNvPr>
@@ -14648,7 +14942,7 @@
           <p:cNvPr id="5" name="Slide Number Placeholder 4">
             <a:extLst>
               <a:ext uri="{FF2B5EF4-FFF2-40B4-BE49-F238E27FC236}">
-                <a16:creationId xmlns:a16="http://schemas.microsoft.com/office/drawing/2014/main" id="{20FE1399-C7F6-1C33-DF5B-DE42A78C5F7F}"/>
+                <a16:creationId xmlns:a16="http://schemas.microsoft.com/office/drawing/2014/main" id="{2C2623BC-FCDC-B4EF-82B9-EC9076C892AE}"/>
               </a:ext>
             </a:extLst>
           </p:cNvPr>
@@ -14675,7 +14969,7 @@
     </p:spTree>
     <p:extLst>
       <p:ext uri="{BB962C8B-B14F-4D97-AF65-F5344CB8AC3E}">
-        <p14:creationId xmlns:p14="http://schemas.microsoft.com/office/powerpoint/2010/main" val="1629683717"/>
+        <p14:creationId xmlns:p14="http://schemas.microsoft.com/office/powerpoint/2010/main" val="2836464305"/>
       </p:ext>
     </p:extLst>
   </p:cSld>
@@ -14707,7 +15001,7 @@
           <p:cNvPr id="2" name="Title 1">
             <a:extLst>
               <a:ext uri="{FF2B5EF4-FFF2-40B4-BE49-F238E27FC236}">
-                <a16:creationId xmlns:a16="http://schemas.microsoft.com/office/drawing/2014/main" id="{020D5667-3F2E-0371-B2AF-410D252A6CEA}"/>
+                <a16:creationId xmlns:a16="http://schemas.microsoft.com/office/drawing/2014/main" id="{55D23047-3833-EFE0-8A01-090ACFE1D9FC}"/>
               </a:ext>
             </a:extLst>
           </p:cNvPr>
@@ -14718,26 +15012,18 @@
             <p:ph type="title"/>
           </p:nvPr>
         </p:nvSpPr>
-        <p:spPr>
-          <a:xfrm>
-            <a:off x="838200" y="365125"/>
-            <a:ext cx="10515600" cy="1325563"/>
-          </a:xfrm>
-        </p:spPr>
-        <p:txBody>
-          <a:bodyPr/>
-          <a:lstStyle/>
-          <a:p>
-            <a:pPr marR="0" rtl="0"/>
+        <p:spPr/>
+        <p:txBody>
+          <a:bodyPr/>
+          <a:lstStyle/>
+          <a:p>
             <a:r>
               <a:rPr lang="en-GB" b="1" i="0" u="none" strike="noStrike" baseline="0" dirty="0">
                 <a:latin typeface="Arial" panose="020B0604020202020204" pitchFamily="34" charset="0"/>
               </a:rPr>
               <a:t>Script Flow</a:t>
             </a:r>
-            <a:endParaRPr lang="en-GB" b="0" i="0" u="none" strike="noStrike" baseline="0" dirty="0">
-              <a:latin typeface="Arial" panose="020B0604020202020204" pitchFamily="34" charset="0"/>
-            </a:endParaRPr>
+            <a:endParaRPr lang="en-SE" dirty="0"/>
           </a:p>
         </p:txBody>
       </p:sp>
@@ -14746,7 +15032,7 @@
           <p:cNvPr id="3" name="Text Placeholder 2">
             <a:extLst>
               <a:ext uri="{FF2B5EF4-FFF2-40B4-BE49-F238E27FC236}">
-                <a16:creationId xmlns:a16="http://schemas.microsoft.com/office/drawing/2014/main" id="{14842F41-DE27-3397-05EB-81DCA4DF63A8}"/>
+                <a16:creationId xmlns:a16="http://schemas.microsoft.com/office/drawing/2014/main" id="{1F80B5F8-E4FB-9CDB-0C7C-EEDCB4B8AF1D}"/>
               </a:ext>
             </a:extLst>
           </p:cNvPr>
@@ -14759,123 +15045,10 @@
         </p:nvSpPr>
         <p:spPr/>
         <p:txBody>
-          <a:bodyPr>
-            <a:normAutofit/>
-          </a:bodyPr>
-          <a:lstStyle/>
-          <a:p>
-            <a:pPr marR="0" lvl="0" rtl="0"/>
-            <a:r>
-              <a:rPr lang="en-US" b="0" i="0" u="none" strike="noStrike" baseline="0" dirty="0">
-                <a:latin typeface="Arial" panose="020B0604020202020204" pitchFamily="34" charset="0"/>
-              </a:rPr>
-              <a:t>Loops</a:t>
-            </a:r>
-          </a:p>
-          <a:p>
-            <a:pPr lvl="1"/>
-            <a:r>
-              <a:rPr lang="en-US" b="0" i="0" u="none" strike="noStrike" baseline="0" dirty="0" err="1">
-                <a:latin typeface="Arial" panose="020B0604020202020204" pitchFamily="34" charset="0"/>
-              </a:rPr>
-              <a:t>ForEach</a:t>
-            </a:r>
-            <a:r>
-              <a:rPr lang="en-US" b="0" i="0" u="none" strike="noStrike" baseline="0" dirty="0">
-                <a:latin typeface="Arial" panose="020B0604020202020204" pitchFamily="34" charset="0"/>
-              </a:rPr>
-              <a:t>-Object</a:t>
-            </a:r>
-          </a:p>
-          <a:p>
-            <a:pPr lvl="2"/>
-            <a:r>
-              <a:rPr lang="en-US" b="0" i="0" u="none" strike="noStrike" baseline="0" dirty="0">
-                <a:latin typeface="Arial" panose="020B0604020202020204" pitchFamily="34" charset="0"/>
-              </a:rPr>
-              <a:t>$</a:t>
-            </a:r>
-            <a:r>
-              <a:rPr lang="en-US" b="0" i="0" u="none" strike="noStrike" baseline="0" dirty="0" err="1">
-                <a:latin typeface="Arial" panose="020B0604020202020204" pitchFamily="34" charset="0"/>
-              </a:rPr>
-              <a:t>PSItem</a:t>
-            </a:r>
-            <a:r>
-              <a:rPr lang="en-US" b="0" i="0" u="none" strike="noStrike" baseline="0" dirty="0">
-                <a:latin typeface="Arial" panose="020B0604020202020204" pitchFamily="34" charset="0"/>
-              </a:rPr>
-              <a:t>/$_</a:t>
-            </a:r>
-          </a:p>
-          <a:p>
-            <a:pPr lvl="1"/>
-            <a:r>
-              <a:rPr lang="en-US" b="0" i="0" u="none" strike="noStrike" baseline="0" dirty="0">
-                <a:latin typeface="Arial" panose="020B0604020202020204" pitchFamily="34" charset="0"/>
-              </a:rPr>
-              <a:t>foreach</a:t>
-            </a:r>
-          </a:p>
-          <a:p>
-            <a:pPr lvl="1"/>
-            <a:r>
-              <a:rPr lang="en-US" b="0" i="0" u="none" strike="noStrike" baseline="0" dirty="0">
-                <a:latin typeface="Arial" panose="020B0604020202020204" pitchFamily="34" charset="0"/>
-              </a:rPr>
-              <a:t>for</a:t>
-            </a:r>
-          </a:p>
-          <a:p>
-            <a:pPr lvl="1"/>
-            <a:r>
-              <a:rPr lang="en-US" b="0" i="0" u="none" strike="noStrike" baseline="0" dirty="0">
-                <a:latin typeface="Arial" panose="020B0604020202020204" pitchFamily="34" charset="0"/>
-              </a:rPr>
-              <a:t>Keywords</a:t>
-            </a:r>
-          </a:p>
-          <a:p>
-            <a:pPr lvl="2"/>
-            <a:r>
-              <a:rPr lang="en-US" b="0" i="0" u="none" strike="noStrike" baseline="0" dirty="0">
-                <a:latin typeface="Arial" panose="020B0604020202020204" pitchFamily="34" charset="0"/>
-              </a:rPr>
-              <a:t>break</a:t>
-            </a:r>
-          </a:p>
-          <a:p>
-            <a:pPr lvl="2"/>
-            <a:r>
-              <a:rPr lang="en-US" b="0" i="0" u="none" strike="noStrike" baseline="0" dirty="0">
-                <a:latin typeface="Arial" panose="020B0604020202020204" pitchFamily="34" charset="0"/>
-              </a:rPr>
-              <a:t>continue</a:t>
-            </a:r>
-          </a:p>
-          <a:p>
-            <a:pPr lvl="2"/>
-            <a:r>
-              <a:rPr lang="en-US" b="0" i="0" u="none" strike="noStrike" baseline="0" dirty="0">
-                <a:latin typeface="Arial" panose="020B0604020202020204" pitchFamily="34" charset="0"/>
-              </a:rPr>
-              <a:t>return</a:t>
-            </a:r>
-          </a:p>
-          <a:p>
-            <a:pPr lvl="2"/>
-            <a:r>
-              <a:rPr lang="en-US" b="0" i="0" u="none" strike="noStrike" baseline="0" dirty="0">
-                <a:latin typeface="Arial" panose="020B0604020202020204" pitchFamily="34" charset="0"/>
-              </a:rPr>
-              <a:t>Behaviors in Pipelines</a:t>
-            </a:r>
-          </a:p>
-          <a:p>
-            <a:pPr marR="0" lvl="0" rtl="0"/>
-            <a:endParaRPr lang="en-US" b="0" i="0" u="none" strike="noStrike" baseline="0" dirty="0">
-              <a:latin typeface="Arial" panose="020B0604020202020204" pitchFamily="34" charset="0"/>
-            </a:endParaRPr>
+          <a:bodyPr/>
+          <a:lstStyle/>
+          <a:p>
+            <a:endParaRPr lang="en-SE"/>
           </a:p>
         </p:txBody>
       </p:sp>
@@ -14884,7 +15057,7 @@
           <p:cNvPr id="4" name="Footer Placeholder 3">
             <a:extLst>
               <a:ext uri="{FF2B5EF4-FFF2-40B4-BE49-F238E27FC236}">
-                <a16:creationId xmlns:a16="http://schemas.microsoft.com/office/drawing/2014/main" id="{DFC4B1A9-C5E5-6767-5A67-3AFFF61F8AE3}"/>
+                <a16:creationId xmlns:a16="http://schemas.microsoft.com/office/drawing/2014/main" id="{AFF17C74-066C-F6D3-8B07-3A4273A5590B}"/>
               </a:ext>
             </a:extLst>
           </p:cNvPr>
@@ -14913,7 +15086,7 @@
           <p:cNvPr id="5" name="Slide Number Placeholder 4">
             <a:extLst>
               <a:ext uri="{FF2B5EF4-FFF2-40B4-BE49-F238E27FC236}">
-                <a16:creationId xmlns:a16="http://schemas.microsoft.com/office/drawing/2014/main" id="{BAD258B7-9534-6ABE-261E-70D2894B8FD8}"/>
+                <a16:creationId xmlns:a16="http://schemas.microsoft.com/office/drawing/2014/main" id="{20FE1399-C7F6-1C33-DF5B-DE42A78C5F7F}"/>
               </a:ext>
             </a:extLst>
           </p:cNvPr>
@@ -14929,7 +15102,7 @@
           <a:bodyPr/>
           <a:lstStyle/>
           <a:p>
-            <a:fld id="{9993A830-6DA6-4394-A358-10250CDB3A67}" type="slidenum">
+            <a:fld id="{BFEA1545-8540-491B-83AB-51C306516EA6}" type="slidenum">
               <a:rPr lang="en-SE" smtClean="0"/>
               <a:t>55</a:t>
             </a:fld>
@@ -14940,7 +15113,7 @@
     </p:spTree>
     <p:extLst>
       <p:ext uri="{BB962C8B-B14F-4D97-AF65-F5344CB8AC3E}">
-        <p14:creationId xmlns:p14="http://schemas.microsoft.com/office/powerpoint/2010/main" val="3842358623"/>
+        <p14:creationId xmlns:p14="http://schemas.microsoft.com/office/powerpoint/2010/main" val="1629683717"/>
       </p:ext>
     </p:extLst>
   </p:cSld>
@@ -15034,16 +15207,22 @@
               <a:rPr lang="en-US" b="0" i="0" u="none" strike="noStrike" baseline="0" dirty="0">
                 <a:latin typeface="Arial" panose="020B0604020202020204" pitchFamily="34" charset="0"/>
               </a:rPr>
-              <a:t>Conditions</a:t>
+              <a:t>Loops</a:t>
             </a:r>
           </a:p>
           <a:p>
             <a:pPr lvl="1"/>
             <a:r>
+              <a:rPr lang="en-US" b="0" i="0" u="none" strike="noStrike" baseline="0" dirty="0" err="1">
+                <a:latin typeface="Arial" panose="020B0604020202020204" pitchFamily="34" charset="0"/>
+              </a:rPr>
+              <a:t>ForEach</a:t>
+            </a:r>
+            <a:r>
               <a:rPr lang="en-US" b="0" i="0" u="none" strike="noStrike" baseline="0" dirty="0">
                 <a:latin typeface="Arial" panose="020B0604020202020204" pitchFamily="34" charset="0"/>
               </a:rPr>
-              <a:t>Operators</a:t>
+              <a:t>-Object</a:t>
             </a:r>
           </a:p>
           <a:p>
@@ -15052,140 +15231,89 @@
               <a:rPr lang="en-US" b="0" i="0" u="none" strike="noStrike" baseline="0" dirty="0">
                 <a:latin typeface="Arial" panose="020B0604020202020204" pitchFamily="34" charset="0"/>
               </a:rPr>
-              <a:t>Comparisons</a:t>
-            </a:r>
-          </a:p>
-          <a:p>
-            <a:pPr lvl="3"/>
+              <a:t>$</a:t>
+            </a:r>
+            <a:r>
+              <a:rPr lang="en-US" b="0" i="0" u="none" strike="noStrike" baseline="0" dirty="0" err="1">
+                <a:latin typeface="Arial" panose="020B0604020202020204" pitchFamily="34" charset="0"/>
+              </a:rPr>
+              <a:t>PSItem</a:t>
+            </a:r>
             <a:r>
               <a:rPr lang="en-US" b="0" i="0" u="none" strike="noStrike" baseline="0" dirty="0">
                 <a:latin typeface="Arial" panose="020B0604020202020204" pitchFamily="34" charset="0"/>
               </a:rPr>
-              <a:t>-eq / -ne</a:t>
-            </a:r>
-          </a:p>
-          <a:p>
-            <a:pPr lvl="3"/>
+              <a:t>/$_</a:t>
+            </a:r>
+          </a:p>
+          <a:p>
+            <a:pPr lvl="1"/>
             <a:r>
               <a:rPr lang="en-US" b="0" i="0" u="none" strike="noStrike" baseline="0" dirty="0">
                 <a:latin typeface="Arial" panose="020B0604020202020204" pitchFamily="34" charset="0"/>
               </a:rPr>
-              <a:t>-</a:t>
-            </a:r>
-            <a:r>
-              <a:rPr lang="en-US" b="0" i="0" u="none" strike="noStrike" baseline="0" dirty="0" err="1">
-                <a:latin typeface="Arial" panose="020B0604020202020204" pitchFamily="34" charset="0"/>
-              </a:rPr>
-              <a:t>gt</a:t>
-            </a:r>
+              <a:t>foreach</a:t>
+            </a:r>
+          </a:p>
+          <a:p>
+            <a:pPr lvl="1"/>
             <a:r>
               <a:rPr lang="en-US" b="0" i="0" u="none" strike="noStrike" baseline="0" dirty="0">
                 <a:latin typeface="Arial" panose="020B0604020202020204" pitchFamily="34" charset="0"/>
               </a:rPr>
-              <a:t> / -</a:t>
-            </a:r>
-            <a:r>
-              <a:rPr lang="en-US" b="0" i="0" u="none" strike="noStrike" baseline="0" dirty="0" err="1">
-                <a:latin typeface="Arial" panose="020B0604020202020204" pitchFamily="34" charset="0"/>
-              </a:rPr>
-              <a:t>lt</a:t>
-            </a:r>
+              <a:t>for</a:t>
+            </a:r>
+          </a:p>
+          <a:p>
+            <a:pPr lvl="1"/>
+            <a:r>
+              <a:rPr lang="en-US" b="0" i="0" u="none" strike="noStrike" baseline="0" dirty="0">
+                <a:latin typeface="Arial" panose="020B0604020202020204" pitchFamily="34" charset="0"/>
+              </a:rPr>
+              <a:t>Keywords</a:t>
+            </a:r>
+          </a:p>
+          <a:p>
+            <a:pPr lvl="2"/>
+            <a:r>
+              <a:rPr lang="en-US" b="0" i="0" u="none" strike="noStrike" baseline="0" dirty="0">
+                <a:latin typeface="Arial" panose="020B0604020202020204" pitchFamily="34" charset="0"/>
+              </a:rPr>
+              <a:t>break</a:t>
+            </a:r>
+          </a:p>
+          <a:p>
+            <a:pPr lvl="2"/>
+            <a:r>
+              <a:rPr lang="en-US" b="0" i="0" u="none" strike="noStrike" baseline="0" dirty="0">
+                <a:latin typeface="Arial" panose="020B0604020202020204" pitchFamily="34" charset="0"/>
+              </a:rPr>
+              <a:t>continue</a:t>
+            </a:r>
+          </a:p>
+          <a:p>
+            <a:pPr lvl="2"/>
+            <a:r>
+              <a:rPr lang="en-US" b="0" i="0" u="none" strike="noStrike" baseline="0" dirty="0">
+                <a:latin typeface="Arial" panose="020B0604020202020204" pitchFamily="34" charset="0"/>
+              </a:rPr>
+              <a:t>return</a:t>
+            </a:r>
+          </a:p>
+          <a:p>
+            <a:pPr lvl="2"/>
+            <a:r>
+              <a:rPr lang="en-US" b="0" i="0" u="none" strike="noStrike" baseline="0" dirty="0">
+                <a:latin typeface="Arial" panose="020B0604020202020204" pitchFamily="34" charset="0"/>
+              </a:rPr>
+              <a:t>Behaviors in Pipelines</a:t>
+            </a:r>
+          </a:p>
+          <a:p>
+            <a:pPr marR="0" lvl="0" rtl="0"/>
             <a:endParaRPr lang="en-US" b="0" i="0" u="none" strike="noStrike" baseline="0" dirty="0">
               <a:latin typeface="Arial" panose="020B0604020202020204" pitchFamily="34" charset="0"/>
             </a:endParaRPr>
-          </a:p>
-          <a:p>
-            <a:pPr lvl="3"/>
-            <a:r>
-              <a:rPr lang="en-US" b="0" i="0" u="none" strike="noStrike" baseline="0" dirty="0">
-                <a:latin typeface="Arial" panose="020B0604020202020204" pitchFamily="34" charset="0"/>
-              </a:rPr>
-              <a:t>-</a:t>
-            </a:r>
-            <a:r>
-              <a:rPr lang="en-US" b="0" i="0" u="none" strike="noStrike" baseline="0" dirty="0" err="1">
-                <a:latin typeface="Arial" panose="020B0604020202020204" pitchFamily="34" charset="0"/>
-              </a:rPr>
-              <a:t>ge</a:t>
-            </a:r>
-            <a:r>
-              <a:rPr lang="en-US" b="0" i="0" u="none" strike="noStrike" baseline="0" dirty="0">
-                <a:latin typeface="Arial" panose="020B0604020202020204" pitchFamily="34" charset="0"/>
-              </a:rPr>
-              <a:t> / -le</a:t>
-            </a:r>
-          </a:p>
-          <a:p>
-            <a:pPr lvl="3"/>
-            <a:r>
-              <a:rPr lang="en-US" b="0" i="0" u="none" strike="noStrike" baseline="0" dirty="0">
-                <a:latin typeface="Arial" panose="020B0604020202020204" pitchFamily="34" charset="0"/>
-              </a:rPr>
-              <a:t>-like / -</a:t>
-            </a:r>
-            <a:r>
-              <a:rPr lang="en-US" b="0" i="0" u="none" strike="noStrike" baseline="0" dirty="0" err="1">
-                <a:latin typeface="Arial" panose="020B0604020202020204" pitchFamily="34" charset="0"/>
-              </a:rPr>
-              <a:t>notlike</a:t>
-            </a:r>
-            <a:endParaRPr lang="en-US" b="0" i="0" u="none" strike="noStrike" baseline="0" dirty="0">
-              <a:latin typeface="Arial" panose="020B0604020202020204" pitchFamily="34" charset="0"/>
-            </a:endParaRPr>
-          </a:p>
-          <a:p>
-            <a:pPr lvl="3"/>
-            <a:r>
-              <a:rPr lang="en-US" b="0" i="0" u="none" strike="noStrike" baseline="0" dirty="0">
-                <a:latin typeface="Arial" panose="020B0604020202020204" pitchFamily="34" charset="0"/>
-              </a:rPr>
-              <a:t>-contains / -</a:t>
-            </a:r>
-            <a:r>
-              <a:rPr lang="en-US" b="0" i="0" u="none" strike="noStrike" baseline="0" dirty="0" err="1">
-                <a:latin typeface="Arial" panose="020B0604020202020204" pitchFamily="34" charset="0"/>
-              </a:rPr>
-              <a:t>notcontains</a:t>
-            </a:r>
-            <a:endParaRPr lang="en-US" b="0" i="0" u="none" strike="noStrike" baseline="0" dirty="0">
-              <a:latin typeface="Arial" panose="020B0604020202020204" pitchFamily="34" charset="0"/>
-            </a:endParaRPr>
-          </a:p>
-          <a:p>
-            <a:pPr lvl="3"/>
-            <a:r>
-              <a:rPr lang="en-US" b="0" i="0" u="none" strike="noStrike" baseline="0" dirty="0">
-                <a:latin typeface="Arial" panose="020B0604020202020204" pitchFamily="34" charset="0"/>
-              </a:rPr>
-              <a:t>-in / -</a:t>
-            </a:r>
-            <a:r>
-              <a:rPr lang="en-US" b="0" i="0" u="none" strike="noStrike" baseline="0" dirty="0" err="1">
-                <a:latin typeface="Arial" panose="020B0604020202020204" pitchFamily="34" charset="0"/>
-              </a:rPr>
-              <a:t>notin</a:t>
-            </a:r>
-            <a:endParaRPr lang="en-US" b="0" i="0" u="none" strike="noStrike" baseline="0" dirty="0">
-              <a:latin typeface="Arial" panose="020B0604020202020204" pitchFamily="34" charset="0"/>
-            </a:endParaRPr>
-          </a:p>
-          <a:p>
-            <a:pPr lvl="3"/>
-            <a:r>
-              <a:rPr lang="en-US" b="0" i="0" u="none" strike="noStrike" baseline="0" dirty="0">
-                <a:latin typeface="Arial" panose="020B0604020202020204" pitchFamily="34" charset="0"/>
-              </a:rPr>
-              <a:t>Case Sensitivity</a:t>
-            </a:r>
-          </a:p>
-          <a:p>
-            <a:pPr lvl="3"/>
-            <a:r>
-              <a:rPr lang="en-US" b="0" i="0" u="none" strike="noStrike" baseline="0" dirty="0">
-                <a:latin typeface="Arial" panose="020B0604020202020204" pitchFamily="34" charset="0"/>
-              </a:rPr>
-              <a:t>Compare-Object</a:t>
-            </a:r>
           </a:p>
         </p:txBody>
       </p:sp>
@@ -15250,7 +15378,7 @@
     </p:spTree>
     <p:extLst>
       <p:ext uri="{BB962C8B-B14F-4D97-AF65-F5344CB8AC3E}">
-        <p14:creationId xmlns:p14="http://schemas.microsoft.com/office/powerpoint/2010/main" val="111835679"/>
+        <p14:creationId xmlns:p14="http://schemas.microsoft.com/office/powerpoint/2010/main" val="3842358623"/>
       </p:ext>
     </p:extLst>
   </p:cSld>
@@ -15362,7 +15490,7 @@
               <a:rPr lang="en-US" b="0" i="0" u="none" strike="noStrike" baseline="0" dirty="0">
                 <a:latin typeface="Arial" panose="020B0604020202020204" pitchFamily="34" charset="0"/>
               </a:rPr>
-              <a:t>Logical</a:t>
+              <a:t>Comparisons</a:t>
             </a:r>
           </a:p>
           <a:p>
@@ -15371,7 +15499,7 @@
               <a:rPr lang="en-US" b="0" i="0" u="none" strike="noStrike" baseline="0" dirty="0">
                 <a:latin typeface="Arial" panose="020B0604020202020204" pitchFamily="34" charset="0"/>
               </a:rPr>
-              <a:t>-and / -or</a:t>
+              <a:t>-eq / -ne</a:t>
             </a:r>
           </a:p>
           <a:p>
@@ -15380,50 +15508,122 @@
               <a:rPr lang="en-US" b="0" i="0" u="none" strike="noStrike" baseline="0" dirty="0">
                 <a:latin typeface="Arial" panose="020B0604020202020204" pitchFamily="34" charset="0"/>
               </a:rPr>
-              <a:t>-not</a:t>
-            </a:r>
-          </a:p>
-          <a:p>
-            <a:pPr lvl="2"/>
+              <a:t>-</a:t>
+            </a:r>
+            <a:r>
+              <a:rPr lang="en-US" b="0" i="0" u="none" strike="noStrike" baseline="0" dirty="0" err="1">
+                <a:latin typeface="Arial" panose="020B0604020202020204" pitchFamily="34" charset="0"/>
+              </a:rPr>
+              <a:t>gt</a:t>
+            </a:r>
             <a:r>
               <a:rPr lang="en-US" b="0" i="0" u="none" strike="noStrike" baseline="0" dirty="0">
                 <a:latin typeface="Arial" panose="020B0604020202020204" pitchFamily="34" charset="0"/>
               </a:rPr>
-              <a:t>Range</a:t>
-            </a:r>
-          </a:p>
-          <a:p>
-            <a:pPr lvl="3"/>
-            <a:r>
-              <a:rPr lang="en-US" dirty="0">
-                <a:latin typeface="Arial" panose="020B0604020202020204" pitchFamily="34" charset="0"/>
-              </a:rPr>
-              <a:t>[0..10]</a:t>
-            </a:r>
-          </a:p>
-          <a:p>
-            <a:pPr lvl="3"/>
-            <a:r>
-              <a:rPr lang="en-US" b="0" i="0" u="none" strike="noStrike" baseline="0" dirty="0">
-                <a:latin typeface="Arial" panose="020B0604020202020204" pitchFamily="34" charset="0"/>
-              </a:rPr>
-              <a:t>1..10 </a:t>
-            </a:r>
-            <a:r>
-              <a:rPr lang="en-US" b="0" i="0" u="none" strike="noStrike" baseline="0">
-                <a:latin typeface="Arial" panose="020B0604020202020204" pitchFamily="34" charset="0"/>
-              </a:rPr>
-              <a:t>| Foreach-Object</a:t>
+              <a:t> / -</a:t>
+            </a:r>
+            <a:r>
+              <a:rPr lang="en-US" b="0" i="0" u="none" strike="noStrike" baseline="0" dirty="0" err="1">
+                <a:latin typeface="Arial" panose="020B0604020202020204" pitchFamily="34" charset="0"/>
+              </a:rPr>
+              <a:t>lt</a:t>
             </a:r>
             <a:endParaRPr lang="en-US" b="0" i="0" u="none" strike="noStrike" baseline="0" dirty="0">
               <a:latin typeface="Arial" panose="020B0604020202020204" pitchFamily="34" charset="0"/>
             </a:endParaRPr>
           </a:p>
           <a:p>
-            <a:pPr marR="0" lvl="0" rtl="0"/>
+            <a:pPr lvl="3"/>
+            <a:r>
+              <a:rPr lang="en-US" b="0" i="0" u="none" strike="noStrike" baseline="0" dirty="0">
+                <a:latin typeface="Arial" panose="020B0604020202020204" pitchFamily="34" charset="0"/>
+              </a:rPr>
+              <a:t>-</a:t>
+            </a:r>
+            <a:r>
+              <a:rPr lang="en-US" b="0" i="0" u="none" strike="noStrike" baseline="0" dirty="0" err="1">
+                <a:latin typeface="Arial" panose="020B0604020202020204" pitchFamily="34" charset="0"/>
+              </a:rPr>
+              <a:t>ge</a:t>
+            </a:r>
+            <a:r>
+              <a:rPr lang="en-US" b="0" i="0" u="none" strike="noStrike" baseline="0" dirty="0">
+                <a:latin typeface="Arial" panose="020B0604020202020204" pitchFamily="34" charset="0"/>
+              </a:rPr>
+              <a:t> / -le</a:t>
+            </a:r>
+          </a:p>
+          <a:p>
+            <a:pPr lvl="3"/>
+            <a:r>
+              <a:rPr lang="en-US" b="0" i="0" u="none" strike="noStrike" baseline="0" dirty="0">
+                <a:latin typeface="Arial" panose="020B0604020202020204" pitchFamily="34" charset="0"/>
+              </a:rPr>
+              <a:t>-like / -</a:t>
+            </a:r>
+            <a:r>
+              <a:rPr lang="en-US" b="0" i="0" u="none" strike="noStrike" baseline="0" dirty="0" err="1">
+                <a:latin typeface="Arial" panose="020B0604020202020204" pitchFamily="34" charset="0"/>
+              </a:rPr>
+              <a:t>notlike</a:t>
+            </a:r>
             <a:endParaRPr lang="en-US" b="0" i="0" u="none" strike="noStrike" baseline="0" dirty="0">
               <a:latin typeface="Arial" panose="020B0604020202020204" pitchFamily="34" charset="0"/>
             </a:endParaRPr>
+          </a:p>
+          <a:p>
+            <a:pPr lvl="3"/>
+            <a:r>
+              <a:rPr lang="en-US" b="0" i="0" u="none" strike="noStrike" baseline="0" dirty="0">
+                <a:latin typeface="Arial" panose="020B0604020202020204" pitchFamily="34" charset="0"/>
+              </a:rPr>
+              <a:t>-contains / -</a:t>
+            </a:r>
+            <a:r>
+              <a:rPr lang="en-US" b="0" i="0" u="none" strike="noStrike" baseline="0" dirty="0" err="1">
+                <a:latin typeface="Arial" panose="020B0604020202020204" pitchFamily="34" charset="0"/>
+              </a:rPr>
+              <a:t>notcontains</a:t>
+            </a:r>
+            <a:endParaRPr lang="en-US" b="0" i="0" u="none" strike="noStrike" baseline="0" dirty="0">
+              <a:latin typeface="Arial" panose="020B0604020202020204" pitchFamily="34" charset="0"/>
+            </a:endParaRPr>
+          </a:p>
+          <a:p>
+            <a:pPr lvl="3"/>
+            <a:r>
+              <a:rPr lang="en-US" b="0" i="0" u="none" strike="noStrike" baseline="0" dirty="0">
+                <a:latin typeface="Arial" panose="020B0604020202020204" pitchFamily="34" charset="0"/>
+              </a:rPr>
+              <a:t>-in / -</a:t>
+            </a:r>
+            <a:r>
+              <a:rPr lang="en-US" b="0" i="0" u="none" strike="noStrike" baseline="0" dirty="0" err="1">
+                <a:latin typeface="Arial" panose="020B0604020202020204" pitchFamily="34" charset="0"/>
+              </a:rPr>
+              <a:t>notin</a:t>
+            </a:r>
+            <a:endParaRPr lang="en-US" b="0" i="0" u="none" strike="noStrike" baseline="0" dirty="0">
+              <a:latin typeface="Arial" panose="020B0604020202020204" pitchFamily="34" charset="0"/>
+            </a:endParaRPr>
+          </a:p>
+          <a:p>
+            <a:pPr lvl="3"/>
+            <a:r>
+              <a:rPr lang="en-US" b="0" i="0" u="none" strike="noStrike" baseline="0" dirty="0">
+                <a:latin typeface="Arial" panose="020B0604020202020204" pitchFamily="34" charset="0"/>
+              </a:rPr>
+              <a:t>Case Sensitivity</a:t>
+            </a:r>
+          </a:p>
+          <a:p>
+            <a:pPr lvl="3"/>
+            <a:r>
+              <a:rPr lang="en-US" b="0" i="0" u="none" strike="noStrike" baseline="0" dirty="0">
+                <a:latin typeface="Arial" panose="020B0604020202020204" pitchFamily="34" charset="0"/>
+              </a:rPr>
+              <a:t>Compare-Object</a:t>
+            </a:r>
           </a:p>
         </p:txBody>
       </p:sp>
@@ -15488,7 +15688,7 @@
     </p:spTree>
     <p:extLst>
       <p:ext uri="{BB962C8B-B14F-4D97-AF65-F5344CB8AC3E}">
-        <p14:creationId xmlns:p14="http://schemas.microsoft.com/office/powerpoint/2010/main" val="1039817472"/>
+        <p14:creationId xmlns:p14="http://schemas.microsoft.com/office/powerpoint/2010/main" val="111835679"/>
       </p:ext>
     </p:extLst>
   </p:cSld>
@@ -15600,7 +15800,25 @@
               <a:rPr lang="en-US" b="0" i="0" u="none" strike="noStrike" baseline="0" dirty="0">
                 <a:latin typeface="Arial" panose="020B0604020202020204" pitchFamily="34" charset="0"/>
               </a:rPr>
-              <a:t>Explicit / Implicit type casting</a:t>
+              <a:t>Logical</a:t>
+            </a:r>
+          </a:p>
+          <a:p>
+            <a:pPr lvl="3"/>
+            <a:r>
+              <a:rPr lang="en-US" b="0" i="0" u="none" strike="noStrike" baseline="0" dirty="0">
+                <a:latin typeface="Arial" panose="020B0604020202020204" pitchFamily="34" charset="0"/>
+              </a:rPr>
+              <a:t>-and / -or</a:t>
+            </a:r>
+          </a:p>
+          <a:p>
+            <a:pPr lvl="3"/>
+            <a:r>
+              <a:rPr lang="en-US" b="0" i="0" u="none" strike="noStrike" baseline="0" dirty="0">
+                <a:latin typeface="Arial" panose="020B0604020202020204" pitchFamily="34" charset="0"/>
+              </a:rPr>
+              <a:t>-not</a:t>
             </a:r>
           </a:p>
           <a:p>
@@ -15609,8 +15827,41 @@
               <a:rPr lang="en-US" b="0" i="0" u="none" strike="noStrike" baseline="0" dirty="0">
                 <a:latin typeface="Arial" panose="020B0604020202020204" pitchFamily="34" charset="0"/>
               </a:rPr>
-              <a:t>$null on left side, always!</a:t>
-            </a:r>
+              <a:t>Range</a:t>
+            </a:r>
+          </a:p>
+          <a:p>
+            <a:pPr lvl="3"/>
+            <a:r>
+              <a:rPr lang="en-US" dirty="0">
+                <a:latin typeface="Arial" panose="020B0604020202020204" pitchFamily="34" charset="0"/>
+              </a:rPr>
+              <a:t>[0..10]</a:t>
+            </a:r>
+          </a:p>
+          <a:p>
+            <a:pPr lvl="3"/>
+            <a:r>
+              <a:rPr lang="en-US" b="0" i="0" u="none" strike="noStrike" baseline="0" dirty="0">
+                <a:latin typeface="Arial" panose="020B0604020202020204" pitchFamily="34" charset="0"/>
+              </a:rPr>
+              <a:t>1..10 </a:t>
+            </a:r>
+            <a:r>
+              <a:rPr lang="en-US" b="0" i="0" u="none" strike="noStrike" baseline="0">
+                <a:latin typeface="Arial" panose="020B0604020202020204" pitchFamily="34" charset="0"/>
+              </a:rPr>
+              <a:t>| Foreach-Object</a:t>
+            </a:r>
+            <a:endParaRPr lang="en-US" b="0" i="0" u="none" strike="noStrike" baseline="0" dirty="0">
+              <a:latin typeface="Arial" panose="020B0604020202020204" pitchFamily="34" charset="0"/>
+            </a:endParaRPr>
+          </a:p>
+          <a:p>
+            <a:pPr marR="0" lvl="0" rtl="0"/>
+            <a:endParaRPr lang="en-US" b="0" i="0" u="none" strike="noStrike" baseline="0" dirty="0">
+              <a:latin typeface="Arial" panose="020B0604020202020204" pitchFamily="34" charset="0"/>
+            </a:endParaRPr>
           </a:p>
         </p:txBody>
       </p:sp>
@@ -15675,7 +15926,7 @@
     </p:spTree>
     <p:extLst>
       <p:ext uri="{BB962C8B-B14F-4D97-AF65-F5344CB8AC3E}">
-        <p14:creationId xmlns:p14="http://schemas.microsoft.com/office/powerpoint/2010/main" val="1378003133"/>
+        <p14:creationId xmlns:p14="http://schemas.microsoft.com/office/powerpoint/2010/main" val="1039817472"/>
       </p:ext>
     </p:extLst>
   </p:cSld>
@@ -15778,35 +16029,26 @@
               <a:rPr lang="en-US" b="0" i="0" u="none" strike="noStrike" baseline="0" dirty="0">
                 <a:latin typeface="Arial" panose="020B0604020202020204" pitchFamily="34" charset="0"/>
               </a:rPr>
-              <a:t>if</a:t>
-            </a:r>
-          </a:p>
-          <a:p>
-            <a:pPr lvl="1"/>
+              <a:t>Operators</a:t>
+            </a:r>
+          </a:p>
+          <a:p>
+            <a:pPr lvl="2"/>
             <a:r>
               <a:rPr lang="en-US" b="0" i="0" u="none" strike="noStrike" baseline="0" dirty="0">
                 <a:latin typeface="Arial" panose="020B0604020202020204" pitchFamily="34" charset="0"/>
               </a:rPr>
-              <a:t>Switch</a:t>
+              <a:t>Explicit / Implicit type casting</a:t>
             </a:r>
           </a:p>
           <a:p>
             <a:pPr lvl="2"/>
             <a:r>
-              <a:rPr lang="en-US" dirty="0">
-                <a:latin typeface="Arial" panose="020B0604020202020204" pitchFamily="34" charset="0"/>
-              </a:rPr>
-              <a:t>-Regex</a:t>
-            </a:r>
-            <a:endParaRPr lang="en-US" b="0" i="0" u="none" strike="noStrike" baseline="0" dirty="0">
-              <a:latin typeface="Arial" panose="020B0604020202020204" pitchFamily="34" charset="0"/>
-            </a:endParaRPr>
-          </a:p>
-          <a:p>
-            <a:pPr marR="0" lvl="0" rtl="0"/>
-            <a:endParaRPr lang="en-US" b="0" i="0" u="none" strike="noStrike" baseline="0" dirty="0">
-              <a:latin typeface="Arial" panose="020B0604020202020204" pitchFamily="34" charset="0"/>
-            </a:endParaRPr>
+              <a:rPr lang="en-US" b="0" i="0" u="none" strike="noStrike" baseline="0" dirty="0">
+                <a:latin typeface="Arial" panose="020B0604020202020204" pitchFamily="34" charset="0"/>
+              </a:rPr>
+              <a:t>$null on left side, always!</a:t>
+            </a:r>
           </a:p>
         </p:txBody>
       </p:sp>
@@ -15871,7 +16113,7 @@
     </p:spTree>
     <p:extLst>
       <p:ext uri="{BB962C8B-B14F-4D97-AF65-F5344CB8AC3E}">
-        <p14:creationId xmlns:p14="http://schemas.microsoft.com/office/powerpoint/2010/main" val="145947229"/>
+        <p14:creationId xmlns:p14="http://schemas.microsoft.com/office/powerpoint/2010/main" val="1378003133"/>
       </p:ext>
     </p:extLst>
   </p:cSld>
@@ -16191,7 +16433,7 @@
               <a:rPr lang="en-US" b="0" i="0" u="none" strike="noStrike" baseline="0" dirty="0">
                 <a:latin typeface="Arial" panose="020B0604020202020204" pitchFamily="34" charset="0"/>
               </a:rPr>
-              <a:t>Loops with Conditions</a:t>
+              <a:t>Conditions</a:t>
             </a:r>
           </a:p>
           <a:p>
@@ -16200,7 +16442,7 @@
               <a:rPr lang="en-US" b="0" i="0" u="none" strike="noStrike" baseline="0" dirty="0">
                 <a:latin typeface="Arial" panose="020B0604020202020204" pitchFamily="34" charset="0"/>
               </a:rPr>
-              <a:t>while</a:t>
+              <a:t>if</a:t>
             </a:r>
           </a:p>
           <a:p>
@@ -16209,17 +16451,26 @@
               <a:rPr lang="en-US" b="0" i="0" u="none" strike="noStrike" baseline="0" dirty="0">
                 <a:latin typeface="Arial" panose="020B0604020202020204" pitchFamily="34" charset="0"/>
               </a:rPr>
-              <a:t>do while</a:t>
-            </a:r>
-          </a:p>
-          <a:p>
-            <a:pPr lvl="1"/>
-            <a:r>
-              <a:rPr lang="en-US" b="0" i="0" u="none" strike="noStrike" baseline="0" dirty="0">
-                <a:latin typeface="Arial" panose="020B0604020202020204" pitchFamily="34" charset="0"/>
-              </a:rPr>
-              <a:t>do until</a:t>
-            </a:r>
+              <a:t>Switch</a:t>
+            </a:r>
+          </a:p>
+          <a:p>
+            <a:pPr lvl="2"/>
+            <a:r>
+              <a:rPr lang="en-US" dirty="0">
+                <a:latin typeface="Arial" panose="020B0604020202020204" pitchFamily="34" charset="0"/>
+              </a:rPr>
+              <a:t>-Regex</a:t>
+            </a:r>
+            <a:endParaRPr lang="en-US" b="0" i="0" u="none" strike="noStrike" baseline="0" dirty="0">
+              <a:latin typeface="Arial" panose="020B0604020202020204" pitchFamily="34" charset="0"/>
+            </a:endParaRPr>
+          </a:p>
+          <a:p>
+            <a:pPr marR="0" lvl="0" rtl="0"/>
+            <a:endParaRPr lang="en-US" b="0" i="0" u="none" strike="noStrike" baseline="0" dirty="0">
+              <a:latin typeface="Arial" panose="020B0604020202020204" pitchFamily="34" charset="0"/>
+            </a:endParaRPr>
           </a:p>
         </p:txBody>
       </p:sp>
@@ -16284,7 +16535,7 @@
     </p:spTree>
     <p:extLst>
       <p:ext uri="{BB962C8B-B14F-4D97-AF65-F5344CB8AC3E}">
-        <p14:creationId xmlns:p14="http://schemas.microsoft.com/office/powerpoint/2010/main" val="1504814919"/>
+        <p14:creationId xmlns:p14="http://schemas.microsoft.com/office/powerpoint/2010/main" val="145947229"/>
       </p:ext>
     </p:extLst>
   </p:cSld>
@@ -16316,7 +16567,7 @@
           <p:cNvPr id="2" name="Title 1">
             <a:extLst>
               <a:ext uri="{FF2B5EF4-FFF2-40B4-BE49-F238E27FC236}">
-                <a16:creationId xmlns:a16="http://schemas.microsoft.com/office/drawing/2014/main" id="{69BCD6E1-D5BF-EF3E-F0CC-EDE7BAE35861}"/>
+                <a16:creationId xmlns:a16="http://schemas.microsoft.com/office/drawing/2014/main" id="{020D5667-3F2E-0371-B2AF-410D252A6CEA}"/>
               </a:ext>
             </a:extLst>
           </p:cNvPr>
@@ -16325,110 +16576,97 @@
           </p:cNvSpPr>
           <p:nvPr>
             <p:ph type="title"/>
-          </p:nvPr>
-        </p:nvSpPr>
-        <p:spPr/>
-        <p:txBody>
-          <a:bodyPr/>
-          <a:lstStyle/>
-          <a:p>
-            <a:r>
-              <a:rPr lang="en-GB" b="1" i="0" u="none" strike="noStrike" baseline="0" dirty="0">
-                <a:latin typeface="Arial" panose="020B0604020202020204" pitchFamily="34" charset="0"/>
-              </a:rPr>
-              <a:t>Script Flow</a:t>
-            </a:r>
-            <a:endParaRPr lang="en-SE" dirty="0"/>
-          </a:p>
-        </p:txBody>
-      </p:sp>
-      <p:sp>
-        <p:nvSpPr>
-          <p:cNvPr id="4" name="Text Placeholder 3">
-            <a:extLst>
-              <a:ext uri="{FF2B5EF4-FFF2-40B4-BE49-F238E27FC236}">
-                <a16:creationId xmlns:a16="http://schemas.microsoft.com/office/drawing/2014/main" id="{D7ABE405-4C8C-4761-DB98-41C6649D1B66}"/>
-              </a:ext>
-            </a:extLst>
-          </p:cNvPr>
-          <p:cNvSpPr>
-            <a:spLocks noGrp="1"/>
-          </p:cNvSpPr>
-          <p:nvPr>
-            <p:ph type="body" sz="half" idx="2"/>
           </p:nvPr>
         </p:nvSpPr>
         <p:spPr>
           <a:xfrm>
-            <a:off x="839788" y="2057400"/>
-            <a:ext cx="10877001" cy="3811588"/>
+            <a:off x="838200" y="365125"/>
+            <a:ext cx="10515600" cy="1325563"/>
           </a:xfrm>
         </p:spPr>
+        <p:txBody>
+          <a:bodyPr/>
+          <a:lstStyle/>
+          <a:p>
+            <a:pPr marR="0" rtl="0"/>
+            <a:r>
+              <a:rPr lang="en-GB" b="1" i="0" u="none" strike="noStrike" baseline="0" dirty="0">
+                <a:latin typeface="Arial" panose="020B0604020202020204" pitchFamily="34" charset="0"/>
+              </a:rPr>
+              <a:t>Script Flow</a:t>
+            </a:r>
+            <a:endParaRPr lang="en-GB" b="0" i="0" u="none" strike="noStrike" baseline="0" dirty="0">
+              <a:latin typeface="Arial" panose="020B0604020202020204" pitchFamily="34" charset="0"/>
+            </a:endParaRPr>
+          </a:p>
+        </p:txBody>
+      </p:sp>
+      <p:sp>
+        <p:nvSpPr>
+          <p:cNvPr id="3" name="Text Placeholder 2">
+            <a:extLst>
+              <a:ext uri="{FF2B5EF4-FFF2-40B4-BE49-F238E27FC236}">
+                <a16:creationId xmlns:a16="http://schemas.microsoft.com/office/drawing/2014/main" id="{14842F41-DE27-3397-05EB-81DCA4DF63A8}"/>
+              </a:ext>
+            </a:extLst>
+          </p:cNvPr>
+          <p:cNvSpPr>
+            <a:spLocks noGrp="1"/>
+          </p:cNvSpPr>
+          <p:nvPr>
+            <p:ph type="body" idx="1"/>
+          </p:nvPr>
+        </p:nvSpPr>
+        <p:spPr/>
         <p:txBody>
           <a:bodyPr>
             <a:normAutofit/>
           </a:bodyPr>
           <a:lstStyle/>
           <a:p>
-            <a:pPr marL="285750" indent="-285750">
-              <a:buFont typeface="Arial" panose="020B0604020202020204" pitchFamily="34" charset="0"/>
-              <a:buChar char="•"/>
-            </a:pPr>
-            <a:r>
-              <a:rPr lang="en-GB" sz="4400" b="0" i="0" u="none" strike="noStrike" baseline="0" dirty="0">
-                <a:latin typeface="Arial" panose="020B0604020202020204" pitchFamily="34" charset="0"/>
-              </a:rPr>
-              <a:t>Lab 8</a:t>
-            </a:r>
-          </a:p>
-          <a:p>
-            <a:pPr marL="285750" indent="-285750">
-              <a:buFont typeface="Arial" panose="020B0604020202020204" pitchFamily="34" charset="0"/>
-              <a:buChar char="•"/>
-            </a:pPr>
-            <a:endParaRPr lang="en-GB" sz="4400" b="0" i="0" u="none" strike="noStrike" baseline="0" dirty="0">
-              <a:latin typeface="Arial" panose="020B0604020202020204" pitchFamily="34" charset="0"/>
-            </a:endParaRPr>
-          </a:p>
-          <a:p>
-            <a:pPr marL="285750" indent="-285750">
-              <a:buFont typeface="Arial" panose="020B0604020202020204" pitchFamily="34" charset="0"/>
-              <a:buChar char="•"/>
-            </a:pPr>
-            <a:r>
-              <a:rPr lang="en-US" sz="1800" dirty="0">
-                <a:hlinkClick r:id="rId2"/>
-              </a:rPr>
-              <a:t>https://github.com/AdvaniaSE/PowerShellFundamentals</a:t>
-            </a:r>
-            <a:endParaRPr lang="en-US" sz="1800" dirty="0"/>
-          </a:p>
-          <a:p>
-            <a:pPr marL="742950" lvl="1" indent="-285750">
-              <a:buFont typeface="Arial" panose="020B0604020202020204" pitchFamily="34" charset="0"/>
-              <a:buChar char="•"/>
-            </a:pPr>
-            <a:r>
-              <a:rPr lang="en-US" dirty="0"/>
-              <a:t>08. Conditions &amp; Loops</a:t>
-            </a:r>
-            <a:endParaRPr lang="en-SE" dirty="0"/>
-          </a:p>
-          <a:p>
-            <a:pPr marL="285750" indent="-285750">
-              <a:buFont typeface="Arial" panose="020B0604020202020204" pitchFamily="34" charset="0"/>
-              <a:buChar char="•"/>
-            </a:pPr>
-            <a:endParaRPr lang="en-US" sz="1800" dirty="0"/>
-          </a:p>
-        </p:txBody>
-      </p:sp>
-      <p:sp>
-        <p:nvSpPr>
-          <p:cNvPr id="3" name="Footer Placeholder 2">
-            <a:extLst>
-              <a:ext uri="{FF2B5EF4-FFF2-40B4-BE49-F238E27FC236}">
-                <a16:creationId xmlns:a16="http://schemas.microsoft.com/office/drawing/2014/main" id="{1FAF7DB9-64B0-07FB-79A4-DC2D599FF636}"/>
+            <a:pPr marR="0" lvl="0" rtl="0"/>
+            <a:r>
+              <a:rPr lang="en-US" b="0" i="0" u="none" strike="noStrike" baseline="0" dirty="0">
+                <a:latin typeface="Arial" panose="020B0604020202020204" pitchFamily="34" charset="0"/>
+              </a:rPr>
+              <a:t>Loops with Conditions</a:t>
+            </a:r>
+          </a:p>
+          <a:p>
+            <a:pPr lvl="1"/>
+            <a:r>
+              <a:rPr lang="en-US" b="0" i="0" u="none" strike="noStrike" baseline="0" dirty="0">
+                <a:latin typeface="Arial" panose="020B0604020202020204" pitchFamily="34" charset="0"/>
+              </a:rPr>
+              <a:t>while</a:t>
+            </a:r>
+          </a:p>
+          <a:p>
+            <a:pPr lvl="1"/>
+            <a:r>
+              <a:rPr lang="en-US" b="0" i="0" u="none" strike="noStrike" baseline="0" dirty="0">
+                <a:latin typeface="Arial" panose="020B0604020202020204" pitchFamily="34" charset="0"/>
+              </a:rPr>
+              <a:t>do while</a:t>
+            </a:r>
+          </a:p>
+          <a:p>
+            <a:pPr lvl="1"/>
+            <a:r>
+              <a:rPr lang="en-US" b="0" i="0" u="none" strike="noStrike" baseline="0" dirty="0">
+                <a:latin typeface="Arial" panose="020B0604020202020204" pitchFamily="34" charset="0"/>
+              </a:rPr>
+              <a:t>do until</a:t>
+            </a:r>
+          </a:p>
+        </p:txBody>
+      </p:sp>
+      <p:sp>
+        <p:nvSpPr>
+          <p:cNvPr id="4" name="Footer Placeholder 3">
+            <a:extLst>
+              <a:ext uri="{FF2B5EF4-FFF2-40B4-BE49-F238E27FC236}">
+                <a16:creationId xmlns:a16="http://schemas.microsoft.com/office/drawing/2014/main" id="{DFC4B1A9-C5E5-6767-5A67-3AFFF61F8AE3}"/>
               </a:ext>
             </a:extLst>
           </p:cNvPr>
@@ -16457,7 +16695,7 @@
           <p:cNvPr id="5" name="Slide Number Placeholder 4">
             <a:extLst>
               <a:ext uri="{FF2B5EF4-FFF2-40B4-BE49-F238E27FC236}">
-                <a16:creationId xmlns:a16="http://schemas.microsoft.com/office/drawing/2014/main" id="{2C2623BC-FCDC-B4EF-82B9-EC9076C892AE}"/>
+                <a16:creationId xmlns:a16="http://schemas.microsoft.com/office/drawing/2014/main" id="{BAD258B7-9534-6ABE-261E-70D2894B8FD8}"/>
               </a:ext>
             </a:extLst>
           </p:cNvPr>
@@ -16473,7 +16711,7 @@
           <a:bodyPr/>
           <a:lstStyle/>
           <a:p>
-            <a:fld id="{BFEA1545-8540-491B-83AB-51C306516EA6}" type="slidenum">
+            <a:fld id="{9993A830-6DA6-4394-A358-10250CDB3A67}" type="slidenum">
               <a:rPr lang="en-SE" smtClean="0"/>
               <a:t>61</a:t>
             </a:fld>
@@ -16484,7 +16722,7 @@
     </p:spTree>
     <p:extLst>
       <p:ext uri="{BB962C8B-B14F-4D97-AF65-F5344CB8AC3E}">
-        <p14:creationId xmlns:p14="http://schemas.microsoft.com/office/powerpoint/2010/main" val="291026785"/>
+        <p14:creationId xmlns:p14="http://schemas.microsoft.com/office/powerpoint/2010/main" val="1504814919"/>
       </p:ext>
     </p:extLst>
   </p:cSld>
@@ -16516,7 +16754,7 @@
           <p:cNvPr id="2" name="Title 1">
             <a:extLst>
               <a:ext uri="{FF2B5EF4-FFF2-40B4-BE49-F238E27FC236}">
-                <a16:creationId xmlns:a16="http://schemas.microsoft.com/office/drawing/2014/main" id="{55D23047-3833-EFE0-8A01-090ACFE1D9FC}"/>
+                <a16:creationId xmlns:a16="http://schemas.microsoft.com/office/drawing/2014/main" id="{69BCD6E1-D5BF-EF3E-F0CC-EDE7BAE35861}"/>
               </a:ext>
             </a:extLst>
           </p:cNvPr>
@@ -16536,42 +16774,99 @@
               <a:rPr lang="en-GB" b="1" i="0" u="none" strike="noStrike" baseline="0" dirty="0">
                 <a:latin typeface="Arial" panose="020B0604020202020204" pitchFamily="34" charset="0"/>
               </a:rPr>
-              <a:t>Tools</a:t>
-            </a:r>
-          </a:p>
-        </p:txBody>
-      </p:sp>
-      <p:sp>
-        <p:nvSpPr>
-          <p:cNvPr id="3" name="Text Placeholder 2">
-            <a:extLst>
-              <a:ext uri="{FF2B5EF4-FFF2-40B4-BE49-F238E27FC236}">
-                <a16:creationId xmlns:a16="http://schemas.microsoft.com/office/drawing/2014/main" id="{1F80B5F8-E4FB-9CDB-0C7C-EEDCB4B8AF1D}"/>
-              </a:ext>
-            </a:extLst>
-          </p:cNvPr>
-          <p:cNvSpPr>
-            <a:spLocks noGrp="1"/>
-          </p:cNvSpPr>
-          <p:nvPr>
-            <p:ph type="body" idx="1"/>
-          </p:nvPr>
-        </p:nvSpPr>
-        <p:spPr/>
-        <p:txBody>
-          <a:bodyPr/>
-          <a:lstStyle/>
-          <a:p>
-            <a:endParaRPr lang="en-SE"/>
-          </a:p>
-        </p:txBody>
-      </p:sp>
-      <p:sp>
-        <p:nvSpPr>
-          <p:cNvPr id="4" name="Footer Placeholder 3">
-            <a:extLst>
-              <a:ext uri="{FF2B5EF4-FFF2-40B4-BE49-F238E27FC236}">
-                <a16:creationId xmlns:a16="http://schemas.microsoft.com/office/drawing/2014/main" id="{AFF17C74-066C-F6D3-8B07-3A4273A5590B}"/>
+              <a:t>Script Flow</a:t>
+            </a:r>
+            <a:endParaRPr lang="en-SE" dirty="0"/>
+          </a:p>
+        </p:txBody>
+      </p:sp>
+      <p:sp>
+        <p:nvSpPr>
+          <p:cNvPr id="4" name="Text Placeholder 3">
+            <a:extLst>
+              <a:ext uri="{FF2B5EF4-FFF2-40B4-BE49-F238E27FC236}">
+                <a16:creationId xmlns:a16="http://schemas.microsoft.com/office/drawing/2014/main" id="{D7ABE405-4C8C-4761-DB98-41C6649D1B66}"/>
+              </a:ext>
+            </a:extLst>
+          </p:cNvPr>
+          <p:cNvSpPr>
+            <a:spLocks noGrp="1"/>
+          </p:cNvSpPr>
+          <p:nvPr>
+            <p:ph type="body" sz="half" idx="2"/>
+          </p:nvPr>
+        </p:nvSpPr>
+        <p:spPr>
+          <a:xfrm>
+            <a:off x="839788" y="2057400"/>
+            <a:ext cx="10877001" cy="3811588"/>
+          </a:xfrm>
+        </p:spPr>
+        <p:txBody>
+          <a:bodyPr>
+            <a:normAutofit/>
+          </a:bodyPr>
+          <a:lstStyle/>
+          <a:p>
+            <a:pPr marL="285750" indent="-285750">
+              <a:buFont typeface="Arial" panose="020B0604020202020204" pitchFamily="34" charset="0"/>
+              <a:buChar char="•"/>
+            </a:pPr>
+            <a:r>
+              <a:rPr lang="en-GB" sz="4400" b="0" i="0" u="none" strike="noStrike" baseline="0" dirty="0">
+                <a:latin typeface="Arial" panose="020B0604020202020204" pitchFamily="34" charset="0"/>
+              </a:rPr>
+              <a:t>Lab 8</a:t>
+            </a:r>
+          </a:p>
+          <a:p>
+            <a:pPr marL="285750" indent="-285750">
+              <a:buFont typeface="Arial" panose="020B0604020202020204" pitchFamily="34" charset="0"/>
+              <a:buChar char="•"/>
+            </a:pPr>
+            <a:endParaRPr lang="en-GB" sz="4400" b="0" i="0" u="none" strike="noStrike" baseline="0" dirty="0">
+              <a:latin typeface="Arial" panose="020B0604020202020204" pitchFamily="34" charset="0"/>
+            </a:endParaRPr>
+          </a:p>
+          <a:p>
+            <a:pPr marL="285750" indent="-285750">
+              <a:buFont typeface="Arial" panose="020B0604020202020204" pitchFamily="34" charset="0"/>
+              <a:buChar char="•"/>
+            </a:pPr>
+            <a:r>
+              <a:rPr lang="en-US" sz="1800" dirty="0">
+                <a:hlinkClick r:id="rId2"/>
+              </a:rPr>
+              <a:t>https://github.com/AdvaniaSE/PowerShellFundamentals</a:t>
+            </a:r>
+            <a:endParaRPr lang="en-US" sz="1800" dirty="0"/>
+          </a:p>
+          <a:p>
+            <a:pPr marL="742950" lvl="1" indent="-285750">
+              <a:buFont typeface="Arial" panose="020B0604020202020204" pitchFamily="34" charset="0"/>
+              <a:buChar char="•"/>
+            </a:pPr>
+            <a:r>
+              <a:rPr lang="en-US" dirty="0"/>
+              <a:t>08. Conditions &amp; Loops</a:t>
+            </a:r>
+            <a:endParaRPr lang="en-SE" dirty="0"/>
+          </a:p>
+          <a:p>
+            <a:pPr marL="285750" indent="-285750">
+              <a:buFont typeface="Arial" panose="020B0604020202020204" pitchFamily="34" charset="0"/>
+              <a:buChar char="•"/>
+            </a:pPr>
+            <a:endParaRPr lang="en-US" sz="1800" dirty="0"/>
+          </a:p>
+        </p:txBody>
+      </p:sp>
+      <p:sp>
+        <p:nvSpPr>
+          <p:cNvPr id="3" name="Footer Placeholder 2">
+            <a:extLst>
+              <a:ext uri="{FF2B5EF4-FFF2-40B4-BE49-F238E27FC236}">
+                <a16:creationId xmlns:a16="http://schemas.microsoft.com/office/drawing/2014/main" id="{1FAF7DB9-64B0-07FB-79A4-DC2D599FF636}"/>
               </a:ext>
             </a:extLst>
           </p:cNvPr>
@@ -16600,7 +16895,7 @@
           <p:cNvPr id="5" name="Slide Number Placeholder 4">
             <a:extLst>
               <a:ext uri="{FF2B5EF4-FFF2-40B4-BE49-F238E27FC236}">
-                <a16:creationId xmlns:a16="http://schemas.microsoft.com/office/drawing/2014/main" id="{20FE1399-C7F6-1C33-DF5B-DE42A78C5F7F}"/>
+                <a16:creationId xmlns:a16="http://schemas.microsoft.com/office/drawing/2014/main" id="{2C2623BC-FCDC-B4EF-82B9-EC9076C892AE}"/>
               </a:ext>
             </a:extLst>
           </p:cNvPr>
@@ -16627,7 +16922,7 @@
     </p:spTree>
     <p:extLst>
       <p:ext uri="{BB962C8B-B14F-4D97-AF65-F5344CB8AC3E}">
-        <p14:creationId xmlns:p14="http://schemas.microsoft.com/office/powerpoint/2010/main" val="3433697804"/>
+        <p14:creationId xmlns:p14="http://schemas.microsoft.com/office/powerpoint/2010/main" val="291026785"/>
       </p:ext>
     </p:extLst>
   </p:cSld>
@@ -16659,7 +16954,7 @@
           <p:cNvPr id="2" name="Title 1">
             <a:extLst>
               <a:ext uri="{FF2B5EF4-FFF2-40B4-BE49-F238E27FC236}">
-                <a16:creationId xmlns:a16="http://schemas.microsoft.com/office/drawing/2014/main" id="{020D5667-3F2E-0371-B2AF-410D252A6CEA}"/>
+                <a16:creationId xmlns:a16="http://schemas.microsoft.com/office/drawing/2014/main" id="{55D23047-3833-EFE0-8A01-090ACFE1D9FC}"/>
               </a:ext>
             </a:extLst>
           </p:cNvPr>
@@ -16670,26 +16965,17 @@
             <p:ph type="title"/>
           </p:nvPr>
         </p:nvSpPr>
-        <p:spPr>
-          <a:xfrm>
-            <a:off x="838200" y="365125"/>
-            <a:ext cx="10515600" cy="1325563"/>
-          </a:xfrm>
-        </p:spPr>
-        <p:txBody>
-          <a:bodyPr/>
-          <a:lstStyle/>
-          <a:p>
-            <a:pPr marR="0" rtl="0"/>
+        <p:spPr/>
+        <p:txBody>
+          <a:bodyPr/>
+          <a:lstStyle/>
+          <a:p>
             <a:r>
               <a:rPr lang="en-GB" b="1" i="0" u="none" strike="noStrike" baseline="0" dirty="0">
                 <a:latin typeface="Arial" panose="020B0604020202020204" pitchFamily="34" charset="0"/>
               </a:rPr>
               <a:t>Tools</a:t>
             </a:r>
-            <a:endParaRPr lang="en-GB" b="0" i="0" u="none" strike="noStrike" baseline="0" dirty="0">
-              <a:latin typeface="Arial" panose="020B0604020202020204" pitchFamily="34" charset="0"/>
-            </a:endParaRPr>
           </a:p>
         </p:txBody>
       </p:sp>
@@ -16698,7 +16984,7 @@
           <p:cNvPr id="3" name="Text Placeholder 2">
             <a:extLst>
               <a:ext uri="{FF2B5EF4-FFF2-40B4-BE49-F238E27FC236}">
-                <a16:creationId xmlns:a16="http://schemas.microsoft.com/office/drawing/2014/main" id="{14842F41-DE27-3397-05EB-81DCA4DF63A8}"/>
+                <a16:creationId xmlns:a16="http://schemas.microsoft.com/office/drawing/2014/main" id="{1F80B5F8-E4FB-9CDB-0C7C-EEDCB4B8AF1D}"/>
               </a:ext>
             </a:extLst>
           </p:cNvPr>
@@ -16711,218 +16997,10 @@
         </p:nvSpPr>
         <p:spPr/>
         <p:txBody>
-          <a:bodyPr>
-            <a:normAutofit/>
-          </a:bodyPr>
-          <a:lstStyle/>
-          <a:p>
-            <a:pPr marL="254000">
-              <a:lnSpc>
-                <a:spcPts val="1200"/>
-              </a:lnSpc>
-              <a:spcAft>
-                <a:spcPts val="800"/>
-              </a:spcAft>
-            </a:pPr>
-            <a:r>
-              <a:rPr lang="en-GB" sz="1800" kern="0" dirty="0">
-                <a:effectLst/>
-                <a:latin typeface="Arial" panose="020B0604020202020204" pitchFamily="34" charset="0"/>
-                <a:ea typeface="Times New Roman" panose="02020603050405020304" pitchFamily="18" charset="0"/>
-                <a:cs typeface="Times New Roman" panose="02020603050405020304" pitchFamily="18" charset="0"/>
-              </a:rPr>
-              <a:t>Editor</a:t>
-            </a:r>
-            <a:endParaRPr lang="en-SE" sz="1800" kern="100" dirty="0">
-              <a:effectLst/>
-              <a:latin typeface="Aptos" panose="020B0004020202020204" pitchFamily="34" charset="0"/>
-              <a:ea typeface="Times New Roman" panose="02020603050405020304" pitchFamily="18" charset="0"/>
-              <a:cs typeface="Times New Roman" panose="02020603050405020304" pitchFamily="18" charset="0"/>
-            </a:endParaRPr>
-          </a:p>
-          <a:p>
-            <a:pPr marL="381000">
-              <a:lnSpc>
-                <a:spcPts val="1200"/>
-              </a:lnSpc>
-              <a:spcAft>
-                <a:spcPts val="800"/>
-              </a:spcAft>
-            </a:pPr>
-            <a:r>
-              <a:rPr lang="en-GB" sz="1800" kern="0" dirty="0">
-                <a:effectLst/>
-                <a:latin typeface="Arial" panose="020B0604020202020204" pitchFamily="34" charset="0"/>
-                <a:ea typeface="Times New Roman" panose="02020603050405020304" pitchFamily="18" charset="0"/>
-                <a:cs typeface="Times New Roman" panose="02020603050405020304" pitchFamily="18" charset="0"/>
-              </a:rPr>
-              <a:t>ISE (Deprecated)</a:t>
-            </a:r>
-            <a:endParaRPr lang="en-SE" sz="1800" kern="100" dirty="0">
-              <a:effectLst/>
-              <a:latin typeface="Aptos" panose="020B0004020202020204" pitchFamily="34" charset="0"/>
-              <a:ea typeface="Times New Roman" panose="02020603050405020304" pitchFamily="18" charset="0"/>
-              <a:cs typeface="Times New Roman" panose="02020603050405020304" pitchFamily="18" charset="0"/>
-            </a:endParaRPr>
-          </a:p>
-          <a:p>
-            <a:pPr marL="381000">
-              <a:lnSpc>
-                <a:spcPts val="1200"/>
-              </a:lnSpc>
-              <a:spcAft>
-                <a:spcPts val="800"/>
-              </a:spcAft>
-            </a:pPr>
-            <a:r>
-              <a:rPr lang="en-GB" sz="1800" kern="0" dirty="0">
-                <a:effectLst/>
-                <a:latin typeface="Arial" panose="020B0604020202020204" pitchFamily="34" charset="0"/>
-                <a:ea typeface="Times New Roman" panose="02020603050405020304" pitchFamily="18" charset="0"/>
-                <a:cs typeface="Times New Roman" panose="02020603050405020304" pitchFamily="18" charset="0"/>
-              </a:rPr>
-              <a:t>VS Code</a:t>
-            </a:r>
-            <a:endParaRPr lang="en-SE" sz="1800" kern="100" dirty="0">
-              <a:effectLst/>
-              <a:latin typeface="Aptos" panose="020B0004020202020204" pitchFamily="34" charset="0"/>
-              <a:ea typeface="Times New Roman" panose="02020603050405020304" pitchFamily="18" charset="0"/>
-              <a:cs typeface="Times New Roman" panose="02020603050405020304" pitchFamily="18" charset="0"/>
-            </a:endParaRPr>
-          </a:p>
-          <a:p>
-            <a:pPr marL="508000">
-              <a:lnSpc>
-                <a:spcPts val="1200"/>
-              </a:lnSpc>
-              <a:spcAft>
-                <a:spcPts val="800"/>
-              </a:spcAft>
-            </a:pPr>
-            <a:r>
-              <a:rPr lang="en-GB" sz="1800" kern="0" dirty="0">
-                <a:effectLst/>
-                <a:latin typeface="Arial" panose="020B0604020202020204" pitchFamily="34" charset="0"/>
-                <a:ea typeface="Times New Roman" panose="02020603050405020304" pitchFamily="18" charset="0"/>
-                <a:cs typeface="Times New Roman" panose="02020603050405020304" pitchFamily="18" charset="0"/>
-              </a:rPr>
-              <a:t>Workspace</a:t>
-            </a:r>
-            <a:endParaRPr lang="en-SE" sz="1800" kern="100" dirty="0">
-              <a:effectLst/>
-              <a:latin typeface="Aptos" panose="020B0004020202020204" pitchFamily="34" charset="0"/>
-              <a:ea typeface="Times New Roman" panose="02020603050405020304" pitchFamily="18" charset="0"/>
-              <a:cs typeface="Times New Roman" panose="02020603050405020304" pitchFamily="18" charset="0"/>
-            </a:endParaRPr>
-          </a:p>
-          <a:p>
-            <a:pPr marL="508000">
-              <a:lnSpc>
-                <a:spcPts val="1200"/>
-              </a:lnSpc>
-              <a:spcAft>
-                <a:spcPts val="800"/>
-              </a:spcAft>
-            </a:pPr>
-            <a:r>
-              <a:rPr lang="en-GB" sz="1800" kern="0" dirty="0">
-                <a:effectLst/>
-                <a:latin typeface="Arial" panose="020B0604020202020204" pitchFamily="34" charset="0"/>
-                <a:ea typeface="Times New Roman" panose="02020603050405020304" pitchFamily="18" charset="0"/>
-                <a:cs typeface="Times New Roman" panose="02020603050405020304" pitchFamily="18" charset="0"/>
-              </a:rPr>
-              <a:t>Create Scripts</a:t>
-            </a:r>
-            <a:endParaRPr lang="en-SE" sz="1800" kern="100" dirty="0">
-              <a:effectLst/>
-              <a:latin typeface="Aptos" panose="020B0004020202020204" pitchFamily="34" charset="0"/>
-              <a:ea typeface="Times New Roman" panose="02020603050405020304" pitchFamily="18" charset="0"/>
-              <a:cs typeface="Times New Roman" panose="02020603050405020304" pitchFamily="18" charset="0"/>
-            </a:endParaRPr>
-          </a:p>
-          <a:p>
-            <a:pPr marL="508000">
-              <a:lnSpc>
-                <a:spcPts val="1200"/>
-              </a:lnSpc>
-              <a:spcAft>
-                <a:spcPts val="800"/>
-              </a:spcAft>
-            </a:pPr>
-            <a:r>
-              <a:rPr lang="en-GB" sz="1800" kern="0" dirty="0">
-                <a:effectLst/>
-                <a:latin typeface="Arial" panose="020B0604020202020204" pitchFamily="34" charset="0"/>
-                <a:ea typeface="Times New Roman" panose="02020603050405020304" pitchFamily="18" charset="0"/>
-                <a:cs typeface="Times New Roman" panose="02020603050405020304" pitchFamily="18" charset="0"/>
-              </a:rPr>
-              <a:t>Move Line</a:t>
-            </a:r>
-            <a:endParaRPr lang="en-SE" sz="1800" kern="100" dirty="0">
-              <a:effectLst/>
-              <a:latin typeface="Aptos" panose="020B0004020202020204" pitchFamily="34" charset="0"/>
-              <a:ea typeface="Times New Roman" panose="02020603050405020304" pitchFamily="18" charset="0"/>
-              <a:cs typeface="Times New Roman" panose="02020603050405020304" pitchFamily="18" charset="0"/>
-            </a:endParaRPr>
-          </a:p>
-          <a:p>
-            <a:pPr marL="508000">
-              <a:lnSpc>
-                <a:spcPts val="1200"/>
-              </a:lnSpc>
-              <a:spcAft>
-                <a:spcPts val="800"/>
-              </a:spcAft>
-            </a:pPr>
-            <a:r>
-              <a:rPr lang="en-GB" sz="1800" kern="0" dirty="0">
-                <a:effectLst/>
-                <a:latin typeface="Arial" panose="020B0604020202020204" pitchFamily="34" charset="0"/>
-                <a:ea typeface="Times New Roman" panose="02020603050405020304" pitchFamily="18" charset="0"/>
-                <a:cs typeface="Times New Roman" panose="02020603050405020304" pitchFamily="18" charset="0"/>
-              </a:rPr>
-              <a:t>Change All </a:t>
-            </a:r>
-            <a:r>
-              <a:rPr lang="en-GB" sz="1800" kern="0" dirty="0" err="1">
-                <a:effectLst/>
-                <a:latin typeface="Arial" panose="020B0604020202020204" pitchFamily="34" charset="0"/>
-                <a:ea typeface="Times New Roman" panose="02020603050405020304" pitchFamily="18" charset="0"/>
-                <a:cs typeface="Times New Roman" panose="02020603050405020304" pitchFamily="18" charset="0"/>
-              </a:rPr>
-              <a:t>Occurences</a:t>
-            </a:r>
-            <a:endParaRPr lang="en-SE" sz="1800" kern="100" dirty="0">
-              <a:effectLst/>
-              <a:latin typeface="Aptos" panose="020B0004020202020204" pitchFamily="34" charset="0"/>
-              <a:ea typeface="Times New Roman" panose="02020603050405020304" pitchFamily="18" charset="0"/>
-              <a:cs typeface="Times New Roman" panose="02020603050405020304" pitchFamily="18" charset="0"/>
-            </a:endParaRPr>
-          </a:p>
-          <a:p>
-            <a:pPr marL="508000">
-              <a:lnSpc>
-                <a:spcPts val="1200"/>
-              </a:lnSpc>
-              <a:spcAft>
-                <a:spcPts val="800"/>
-              </a:spcAft>
-            </a:pPr>
-            <a:r>
-              <a:rPr lang="en-GB" sz="1800" kern="0" dirty="0">
-                <a:effectLst/>
-                <a:latin typeface="Arial" panose="020B0604020202020204" pitchFamily="34" charset="0"/>
-                <a:ea typeface="Times New Roman" panose="02020603050405020304" pitchFamily="18" charset="0"/>
-                <a:cs typeface="Times New Roman" panose="02020603050405020304" pitchFamily="18" charset="0"/>
-              </a:rPr>
-              <a:t>Format Document</a:t>
-            </a:r>
-            <a:endParaRPr lang="en-SE" sz="1800" kern="100" dirty="0">
-              <a:effectLst/>
-              <a:latin typeface="Aptos" panose="020B0004020202020204" pitchFamily="34" charset="0"/>
-              <a:ea typeface="Times New Roman" panose="02020603050405020304" pitchFamily="18" charset="0"/>
-              <a:cs typeface="Times New Roman" panose="02020603050405020304" pitchFamily="18" charset="0"/>
-            </a:endParaRPr>
+          <a:bodyPr/>
+          <a:lstStyle/>
+          <a:p>
+            <a:endParaRPr lang="en-SE"/>
           </a:p>
         </p:txBody>
       </p:sp>
@@ -16931,7 +17009,7 @@
           <p:cNvPr id="4" name="Footer Placeholder 3">
             <a:extLst>
               <a:ext uri="{FF2B5EF4-FFF2-40B4-BE49-F238E27FC236}">
-                <a16:creationId xmlns:a16="http://schemas.microsoft.com/office/drawing/2014/main" id="{DFC4B1A9-C5E5-6767-5A67-3AFFF61F8AE3}"/>
+                <a16:creationId xmlns:a16="http://schemas.microsoft.com/office/drawing/2014/main" id="{AFF17C74-066C-F6D3-8B07-3A4273A5590B}"/>
               </a:ext>
             </a:extLst>
           </p:cNvPr>
@@ -16960,7 +17038,7 @@
           <p:cNvPr id="5" name="Slide Number Placeholder 4">
             <a:extLst>
               <a:ext uri="{FF2B5EF4-FFF2-40B4-BE49-F238E27FC236}">
-                <a16:creationId xmlns:a16="http://schemas.microsoft.com/office/drawing/2014/main" id="{BAD258B7-9534-6ABE-261E-70D2894B8FD8}"/>
+                <a16:creationId xmlns:a16="http://schemas.microsoft.com/office/drawing/2014/main" id="{20FE1399-C7F6-1C33-DF5B-DE42A78C5F7F}"/>
               </a:ext>
             </a:extLst>
           </p:cNvPr>
@@ -16976,7 +17054,7 @@
           <a:bodyPr/>
           <a:lstStyle/>
           <a:p>
-            <a:fld id="{9993A830-6DA6-4394-A358-10250CDB3A67}" type="slidenum">
+            <a:fld id="{BFEA1545-8540-491B-83AB-51C306516EA6}" type="slidenum">
               <a:rPr lang="en-SE" smtClean="0"/>
               <a:t>63</a:t>
             </a:fld>
@@ -16987,7 +17065,7 @@
     </p:spTree>
     <p:extLst>
       <p:ext uri="{BB962C8B-B14F-4D97-AF65-F5344CB8AC3E}">
-        <p14:creationId xmlns:p14="http://schemas.microsoft.com/office/powerpoint/2010/main" val="1470052913"/>
+        <p14:creationId xmlns:p14="http://schemas.microsoft.com/office/powerpoint/2010/main" val="3433697804"/>
       </p:ext>
     </p:extLst>
   </p:cSld>
@@ -17085,13 +17163,13 @@
               </a:spcAft>
             </a:pPr>
             <a:r>
-              <a:rPr lang="en-GB" sz="1800" kern="0" dirty="0" err="1">
+              <a:rPr lang="en-GB" sz="1800" kern="0" dirty="0">
                 <a:effectLst/>
                 <a:latin typeface="Arial" panose="020B0604020202020204" pitchFamily="34" charset="0"/>
                 <a:ea typeface="Times New Roman" panose="02020603050405020304" pitchFamily="18" charset="0"/>
                 <a:cs typeface="Times New Roman" panose="02020603050405020304" pitchFamily="18" charset="0"/>
               </a:rPr>
-              <a:t>PSGallery</a:t>
+              <a:t>Editor</a:t>
             </a:r>
             <a:endParaRPr lang="en-SE" sz="1800" kern="100" dirty="0">
               <a:effectLst/>
@@ -17101,7 +17179,7 @@
             </a:endParaRPr>
           </a:p>
           <a:p>
-            <a:pPr marL="254000">
+            <a:pPr marL="381000">
               <a:lnSpc>
                 <a:spcPts val="1200"/>
               </a:lnSpc>
@@ -17116,7 +17194,7 @@
                 <a:ea typeface="Times New Roman" panose="02020603050405020304" pitchFamily="18" charset="0"/>
                 <a:cs typeface="Times New Roman" panose="02020603050405020304" pitchFamily="18" charset="0"/>
               </a:rPr>
-              <a:t>Windows Terminal</a:t>
+              <a:t>ISE (Deprecated)</a:t>
             </a:r>
             <a:endParaRPr lang="en-SE" sz="1800" kern="100" dirty="0">
               <a:effectLst/>
@@ -17125,6 +17203,156 @@
               <a:cs typeface="Times New Roman" panose="02020603050405020304" pitchFamily="18" charset="0"/>
             </a:endParaRPr>
           </a:p>
+          <a:p>
+            <a:pPr marL="381000">
+              <a:lnSpc>
+                <a:spcPts val="1200"/>
+              </a:lnSpc>
+              <a:spcAft>
+                <a:spcPts val="800"/>
+              </a:spcAft>
+            </a:pPr>
+            <a:r>
+              <a:rPr lang="en-GB" sz="1800" kern="0" dirty="0">
+                <a:effectLst/>
+                <a:latin typeface="Arial" panose="020B0604020202020204" pitchFamily="34" charset="0"/>
+                <a:ea typeface="Times New Roman" panose="02020603050405020304" pitchFamily="18" charset="0"/>
+                <a:cs typeface="Times New Roman" panose="02020603050405020304" pitchFamily="18" charset="0"/>
+              </a:rPr>
+              <a:t>VS Code</a:t>
+            </a:r>
+            <a:endParaRPr lang="en-SE" sz="1800" kern="100" dirty="0">
+              <a:effectLst/>
+              <a:latin typeface="Aptos" panose="020B0004020202020204" pitchFamily="34" charset="0"/>
+              <a:ea typeface="Times New Roman" panose="02020603050405020304" pitchFamily="18" charset="0"/>
+              <a:cs typeface="Times New Roman" panose="02020603050405020304" pitchFamily="18" charset="0"/>
+            </a:endParaRPr>
+          </a:p>
+          <a:p>
+            <a:pPr marL="508000">
+              <a:lnSpc>
+                <a:spcPts val="1200"/>
+              </a:lnSpc>
+              <a:spcAft>
+                <a:spcPts val="800"/>
+              </a:spcAft>
+            </a:pPr>
+            <a:r>
+              <a:rPr lang="en-GB" sz="1800" kern="0" dirty="0">
+                <a:effectLst/>
+                <a:latin typeface="Arial" panose="020B0604020202020204" pitchFamily="34" charset="0"/>
+                <a:ea typeface="Times New Roman" panose="02020603050405020304" pitchFamily="18" charset="0"/>
+                <a:cs typeface="Times New Roman" panose="02020603050405020304" pitchFamily="18" charset="0"/>
+              </a:rPr>
+              <a:t>Workspace</a:t>
+            </a:r>
+            <a:endParaRPr lang="en-SE" sz="1800" kern="100" dirty="0">
+              <a:effectLst/>
+              <a:latin typeface="Aptos" panose="020B0004020202020204" pitchFamily="34" charset="0"/>
+              <a:ea typeface="Times New Roman" panose="02020603050405020304" pitchFamily="18" charset="0"/>
+              <a:cs typeface="Times New Roman" panose="02020603050405020304" pitchFamily="18" charset="0"/>
+            </a:endParaRPr>
+          </a:p>
+          <a:p>
+            <a:pPr marL="508000">
+              <a:lnSpc>
+                <a:spcPts val="1200"/>
+              </a:lnSpc>
+              <a:spcAft>
+                <a:spcPts val="800"/>
+              </a:spcAft>
+            </a:pPr>
+            <a:r>
+              <a:rPr lang="en-GB" sz="1800" kern="0" dirty="0">
+                <a:effectLst/>
+                <a:latin typeface="Arial" panose="020B0604020202020204" pitchFamily="34" charset="0"/>
+                <a:ea typeface="Times New Roman" panose="02020603050405020304" pitchFamily="18" charset="0"/>
+                <a:cs typeface="Times New Roman" panose="02020603050405020304" pitchFamily="18" charset="0"/>
+              </a:rPr>
+              <a:t>Create Scripts</a:t>
+            </a:r>
+            <a:endParaRPr lang="en-SE" sz="1800" kern="100" dirty="0">
+              <a:effectLst/>
+              <a:latin typeface="Aptos" panose="020B0004020202020204" pitchFamily="34" charset="0"/>
+              <a:ea typeface="Times New Roman" panose="02020603050405020304" pitchFamily="18" charset="0"/>
+              <a:cs typeface="Times New Roman" panose="02020603050405020304" pitchFamily="18" charset="0"/>
+            </a:endParaRPr>
+          </a:p>
+          <a:p>
+            <a:pPr marL="508000">
+              <a:lnSpc>
+                <a:spcPts val="1200"/>
+              </a:lnSpc>
+              <a:spcAft>
+                <a:spcPts val="800"/>
+              </a:spcAft>
+            </a:pPr>
+            <a:r>
+              <a:rPr lang="en-GB" sz="1800" kern="0" dirty="0">
+                <a:effectLst/>
+                <a:latin typeface="Arial" panose="020B0604020202020204" pitchFamily="34" charset="0"/>
+                <a:ea typeface="Times New Roman" panose="02020603050405020304" pitchFamily="18" charset="0"/>
+                <a:cs typeface="Times New Roman" panose="02020603050405020304" pitchFamily="18" charset="0"/>
+              </a:rPr>
+              <a:t>Move Line</a:t>
+            </a:r>
+            <a:endParaRPr lang="en-SE" sz="1800" kern="100" dirty="0">
+              <a:effectLst/>
+              <a:latin typeface="Aptos" panose="020B0004020202020204" pitchFamily="34" charset="0"/>
+              <a:ea typeface="Times New Roman" panose="02020603050405020304" pitchFamily="18" charset="0"/>
+              <a:cs typeface="Times New Roman" panose="02020603050405020304" pitchFamily="18" charset="0"/>
+            </a:endParaRPr>
+          </a:p>
+          <a:p>
+            <a:pPr marL="508000">
+              <a:lnSpc>
+                <a:spcPts val="1200"/>
+              </a:lnSpc>
+              <a:spcAft>
+                <a:spcPts val="800"/>
+              </a:spcAft>
+            </a:pPr>
+            <a:r>
+              <a:rPr lang="en-GB" sz="1800" kern="0" dirty="0">
+                <a:effectLst/>
+                <a:latin typeface="Arial" panose="020B0604020202020204" pitchFamily="34" charset="0"/>
+                <a:ea typeface="Times New Roman" panose="02020603050405020304" pitchFamily="18" charset="0"/>
+                <a:cs typeface="Times New Roman" panose="02020603050405020304" pitchFamily="18" charset="0"/>
+              </a:rPr>
+              <a:t>Change All Occurrences</a:t>
+            </a:r>
+            <a:endParaRPr lang="en-SE" sz="1800" kern="100" dirty="0">
+              <a:effectLst/>
+              <a:latin typeface="Aptos" panose="020B0004020202020204" pitchFamily="34" charset="0"/>
+              <a:ea typeface="Times New Roman" panose="02020603050405020304" pitchFamily="18" charset="0"/>
+              <a:cs typeface="Times New Roman" panose="02020603050405020304" pitchFamily="18" charset="0"/>
+            </a:endParaRPr>
+          </a:p>
+          <a:p>
+            <a:pPr marL="508000">
+              <a:lnSpc>
+                <a:spcPts val="1200"/>
+              </a:lnSpc>
+              <a:spcAft>
+                <a:spcPts val="800"/>
+              </a:spcAft>
+            </a:pPr>
+            <a:r>
+              <a:rPr lang="en-GB" sz="1800" kern="0" dirty="0">
+                <a:effectLst/>
+                <a:latin typeface="Arial" panose="020B0604020202020204" pitchFamily="34" charset="0"/>
+                <a:ea typeface="Times New Roman" panose="02020603050405020304" pitchFamily="18" charset="0"/>
+                <a:cs typeface="Times New Roman" panose="02020603050405020304" pitchFamily="18" charset="0"/>
+              </a:rPr>
+              <a:t>Format Document</a:t>
+            </a:r>
+            <a:endParaRPr lang="en-SE" sz="1800" kern="100" dirty="0">
+              <a:effectLst/>
+              <a:latin typeface="Aptos" panose="020B0004020202020204" pitchFamily="34" charset="0"/>
+              <a:ea typeface="Times New Roman" panose="02020603050405020304" pitchFamily="18" charset="0"/>
+              <a:cs typeface="Times New Roman" panose="02020603050405020304" pitchFamily="18" charset="0"/>
+            </a:endParaRPr>
+          </a:p>
         </p:txBody>
       </p:sp>
       <p:sp>
@@ -17188,7 +17416,7 @@
     </p:spTree>
     <p:extLst>
       <p:ext uri="{BB962C8B-B14F-4D97-AF65-F5344CB8AC3E}">
-        <p14:creationId xmlns:p14="http://schemas.microsoft.com/office/powerpoint/2010/main" val="4283221755"/>
+        <p14:creationId xmlns:p14="http://schemas.microsoft.com/office/powerpoint/2010/main" val="1470052913"/>
       </p:ext>
     </p:extLst>
   </p:cSld>
@@ -17286,40 +17514,20 @@
               </a:spcAft>
             </a:pPr>
             <a:r>
-              <a:rPr lang="en-US" sz="1800" kern="100" dirty="0">
+              <a:rPr lang="en-GB" sz="1800" kern="0" dirty="0" err="1">
                 <a:effectLst/>
-                <a:latin typeface="Aptos" panose="020B0004020202020204" pitchFamily="34" charset="0"/>
+                <a:latin typeface="Arial" panose="020B0604020202020204" pitchFamily="34" charset="0"/>
                 <a:ea typeface="Times New Roman" panose="02020603050405020304" pitchFamily="18" charset="0"/>
                 <a:cs typeface="Times New Roman" panose="02020603050405020304" pitchFamily="18" charset="0"/>
-                <a:hlinkClick r:id="rId2"/>
-              </a:rPr>
-              <a:t>PowerShell Documentation</a:t>
-            </a:r>
-            <a:endParaRPr lang="en-US" sz="1800" kern="100" dirty="0">
+              </a:rPr>
+              <a:t>PSGallery</a:t>
+            </a:r>
+            <a:endParaRPr lang="en-SE" sz="1800" kern="100" dirty="0">
               <a:effectLst/>
               <a:latin typeface="Aptos" panose="020B0004020202020204" pitchFamily="34" charset="0"/>
               <a:ea typeface="Times New Roman" panose="02020603050405020304" pitchFamily="18" charset="0"/>
               <a:cs typeface="Times New Roman" panose="02020603050405020304" pitchFamily="18" charset="0"/>
             </a:endParaRPr>
-          </a:p>
-          <a:p>
-            <a:pPr marL="711200" lvl="1">
-              <a:lnSpc>
-                <a:spcPts val="1200"/>
-              </a:lnSpc>
-              <a:spcAft>
-                <a:spcPts val="800"/>
-              </a:spcAft>
-            </a:pPr>
-            <a:r>
-              <a:rPr lang="en-US" sz="1400" kern="100" dirty="0">
-                <a:effectLst/>
-                <a:latin typeface="Aptos" panose="020B0004020202020204" pitchFamily="34" charset="0"/>
-                <a:ea typeface="Times New Roman" panose="02020603050405020304" pitchFamily="18" charset="0"/>
-                <a:cs typeface="Times New Roman" panose="02020603050405020304" pitchFamily="18" charset="0"/>
-              </a:rPr>
-              <a:t>https://learn.microsoft.com/en-us/powershell/</a:t>
-            </a:r>
           </a:p>
           <a:p>
             <a:pPr marL="254000">
@@ -17331,182 +17539,21 @@
               </a:spcAft>
             </a:pPr>
             <a:r>
-              <a:rPr lang="en-US" sz="1800" kern="100" dirty="0">
+              <a:rPr lang="en-GB" sz="1800" kern="0" dirty="0">
                 <a:effectLst/>
-                <a:latin typeface="Aptos" panose="020B0004020202020204" pitchFamily="34" charset="0"/>
+                <a:latin typeface="Arial" panose="020B0604020202020204" pitchFamily="34" charset="0"/>
                 <a:ea typeface="Times New Roman" panose="02020603050405020304" pitchFamily="18" charset="0"/>
                 <a:cs typeface="Times New Roman" panose="02020603050405020304" pitchFamily="18" charset="0"/>
-                <a:hlinkClick r:id="rId3"/>
-              </a:rPr>
-              <a:t>PSKoans</a:t>
-            </a:r>
-            <a:endParaRPr lang="en-US" sz="1800" kern="100" dirty="0">
+              </a:rPr>
+              <a:t>Windows Terminal</a:t>
+            </a:r>
+            <a:endParaRPr lang="en-SE" sz="1800" kern="100" dirty="0">
               <a:effectLst/>
               <a:latin typeface="Aptos" panose="020B0004020202020204" pitchFamily="34" charset="0"/>
               <a:ea typeface="Times New Roman" panose="02020603050405020304" pitchFamily="18" charset="0"/>
               <a:cs typeface="Times New Roman" panose="02020603050405020304" pitchFamily="18" charset="0"/>
             </a:endParaRPr>
           </a:p>
-          <a:p>
-            <a:pPr marL="711200" lvl="1">
-              <a:lnSpc>
-                <a:spcPts val="1200"/>
-              </a:lnSpc>
-              <a:spcAft>
-                <a:spcPts val="800"/>
-              </a:spcAft>
-            </a:pPr>
-            <a:r>
-              <a:rPr lang="en-US" sz="1400" kern="100" dirty="0">
-                <a:effectLst/>
-                <a:latin typeface="Aptos" panose="020B0004020202020204" pitchFamily="34" charset="0"/>
-                <a:ea typeface="Times New Roman" panose="02020603050405020304" pitchFamily="18" charset="0"/>
-                <a:cs typeface="Times New Roman" panose="02020603050405020304" pitchFamily="18" charset="0"/>
-              </a:rPr>
-              <a:t>https://github.com/vexx32/PSKoans</a:t>
-            </a:r>
-          </a:p>
-          <a:p>
-            <a:pPr marL="254000">
-              <a:lnSpc>
-                <a:spcPts val="1200"/>
-              </a:lnSpc>
-              <a:spcAft>
-                <a:spcPts val="800"/>
-              </a:spcAft>
-            </a:pPr>
-            <a:r>
-              <a:rPr lang="en-US" sz="1800" kern="100" dirty="0">
-                <a:effectLst/>
-                <a:latin typeface="Aptos" panose="020B0004020202020204" pitchFamily="34" charset="0"/>
-                <a:ea typeface="Times New Roman" panose="02020603050405020304" pitchFamily="18" charset="0"/>
-                <a:cs typeface="Times New Roman" panose="02020603050405020304" pitchFamily="18" charset="0"/>
-                <a:hlinkClick r:id="rId4"/>
-              </a:rPr>
-              <a:t>Community Best Practices</a:t>
-            </a:r>
-            <a:endParaRPr lang="en-US" sz="1800" kern="100" dirty="0">
-              <a:effectLst/>
-              <a:latin typeface="Aptos" panose="020B0004020202020204" pitchFamily="34" charset="0"/>
-              <a:ea typeface="Times New Roman" panose="02020603050405020304" pitchFamily="18" charset="0"/>
-              <a:cs typeface="Times New Roman" panose="02020603050405020304" pitchFamily="18" charset="0"/>
-            </a:endParaRPr>
-          </a:p>
-          <a:p>
-            <a:pPr marL="711200" lvl="1">
-              <a:lnSpc>
-                <a:spcPts val="1200"/>
-              </a:lnSpc>
-              <a:spcAft>
-                <a:spcPts val="800"/>
-              </a:spcAft>
-            </a:pPr>
-            <a:r>
-              <a:rPr lang="en-US" sz="1400" kern="100" dirty="0">
-                <a:effectLst/>
-                <a:latin typeface="Aptos" panose="020B0004020202020204" pitchFamily="34" charset="0"/>
-                <a:ea typeface="Times New Roman" panose="02020603050405020304" pitchFamily="18" charset="0"/>
-                <a:cs typeface="Times New Roman" panose="02020603050405020304" pitchFamily="18" charset="0"/>
-              </a:rPr>
-              <a:t>https://github.com/PoshCode/PowerShellPracticeAndStyle</a:t>
-            </a:r>
-          </a:p>
-          <a:p>
-            <a:pPr marL="254000">
-              <a:lnSpc>
-                <a:spcPts val="1200"/>
-              </a:lnSpc>
-              <a:spcAft>
-                <a:spcPts val="800"/>
-              </a:spcAft>
-            </a:pPr>
-            <a:r>
-              <a:rPr lang="en-US" sz="1800" kern="100" dirty="0">
-                <a:effectLst/>
-                <a:latin typeface="Aptos" panose="020B0004020202020204" pitchFamily="34" charset="0"/>
-                <a:ea typeface="Times New Roman" panose="02020603050405020304" pitchFamily="18" charset="0"/>
-                <a:cs typeface="Times New Roman" panose="02020603050405020304" pitchFamily="18" charset="0"/>
-                <a:hlinkClick r:id="rId5"/>
-              </a:rPr>
-              <a:t>Learn PowerShell in a Month of Lunches,  4:th Edition</a:t>
-            </a:r>
-            <a:endParaRPr lang="en-US" sz="1800" kern="100" dirty="0">
-              <a:effectLst/>
-              <a:latin typeface="Aptos" panose="020B0004020202020204" pitchFamily="34" charset="0"/>
-              <a:ea typeface="Times New Roman" panose="02020603050405020304" pitchFamily="18" charset="0"/>
-              <a:cs typeface="Times New Roman" panose="02020603050405020304" pitchFamily="18" charset="0"/>
-            </a:endParaRPr>
-          </a:p>
-          <a:p>
-            <a:pPr marL="711200" lvl="1">
-              <a:lnSpc>
-                <a:spcPts val="1200"/>
-              </a:lnSpc>
-              <a:spcAft>
-                <a:spcPts val="800"/>
-              </a:spcAft>
-            </a:pPr>
-            <a:r>
-              <a:rPr lang="en-US" sz="1400" kern="100" dirty="0">
-                <a:effectLst/>
-                <a:latin typeface="Aptos" panose="020B0004020202020204" pitchFamily="34" charset="0"/>
-                <a:ea typeface="Times New Roman" panose="02020603050405020304" pitchFamily="18" charset="0"/>
-                <a:cs typeface="Times New Roman" panose="02020603050405020304" pitchFamily="18" charset="0"/>
-              </a:rPr>
-              <a:t>https://www.manning.com/books/learn-powershell-in-a-month-of-lunches</a:t>
-            </a:r>
-            <a:endParaRPr lang="en-US" sz="1800" kern="100" dirty="0">
-              <a:effectLst/>
-              <a:latin typeface="Aptos" panose="020B0004020202020204" pitchFamily="34" charset="0"/>
-              <a:ea typeface="Times New Roman" panose="02020603050405020304" pitchFamily="18" charset="0"/>
-              <a:cs typeface="Times New Roman" panose="02020603050405020304" pitchFamily="18" charset="0"/>
-            </a:endParaRPr>
-          </a:p>
-          <a:p>
-            <a:pPr marL="254000">
-              <a:lnSpc>
-                <a:spcPts val="1200"/>
-              </a:lnSpc>
-              <a:spcAft>
-                <a:spcPts val="800"/>
-              </a:spcAft>
-            </a:pPr>
-            <a:r>
-              <a:rPr lang="en-US" sz="1800" kern="100" dirty="0">
-                <a:effectLst/>
-                <a:latin typeface="Aptos" panose="020B0004020202020204" pitchFamily="34" charset="0"/>
-                <a:ea typeface="Times New Roman" panose="02020603050405020304" pitchFamily="18" charset="0"/>
-                <a:cs typeface="Times New Roman" panose="02020603050405020304" pitchFamily="18" charset="0"/>
-                <a:hlinkClick r:id="rId6"/>
-              </a:rPr>
-              <a:t>Automate administrative tasks by using PowerShell – Learn</a:t>
-            </a:r>
-            <a:endParaRPr lang="en-US" sz="1800" kern="100" dirty="0">
-              <a:effectLst/>
-              <a:latin typeface="Aptos" panose="020B0004020202020204" pitchFamily="34" charset="0"/>
-              <a:ea typeface="Times New Roman" panose="02020603050405020304" pitchFamily="18" charset="0"/>
-              <a:cs typeface="Times New Roman" panose="02020603050405020304" pitchFamily="18" charset="0"/>
-            </a:endParaRPr>
-          </a:p>
-          <a:p>
-            <a:pPr marL="711200" lvl="1">
-              <a:lnSpc>
-                <a:spcPts val="1200"/>
-              </a:lnSpc>
-              <a:spcAft>
-                <a:spcPts val="800"/>
-              </a:spcAft>
-            </a:pPr>
-            <a:r>
-              <a:rPr lang="en-US" sz="1400" kern="100" dirty="0">
-                <a:effectLst/>
-                <a:latin typeface="Aptos" panose="020B0004020202020204" pitchFamily="34" charset="0"/>
-                <a:ea typeface="Times New Roman" panose="02020603050405020304" pitchFamily="18" charset="0"/>
-                <a:cs typeface="Times New Roman" panose="02020603050405020304" pitchFamily="18" charset="0"/>
-              </a:rPr>
-              <a:t>https://learn.microsoft.com/en-us/training/paths/powershell/</a:t>
-            </a:r>
-          </a:p>
         </p:txBody>
       </p:sp>
       <p:sp>
@@ -17570,7 +17617,7 @@
     </p:spTree>
     <p:extLst>
       <p:ext uri="{BB962C8B-B14F-4D97-AF65-F5344CB8AC3E}">
-        <p14:creationId xmlns:p14="http://schemas.microsoft.com/office/powerpoint/2010/main" val="2832576292"/>
+        <p14:creationId xmlns:p14="http://schemas.microsoft.com/office/powerpoint/2010/main" val="4283221755"/>
       </p:ext>
     </p:extLst>
   </p:cSld>
@@ -17602,7 +17649,7 @@
           <p:cNvPr id="2" name="Title 1">
             <a:extLst>
               <a:ext uri="{FF2B5EF4-FFF2-40B4-BE49-F238E27FC236}">
-                <a16:creationId xmlns:a16="http://schemas.microsoft.com/office/drawing/2014/main" id="{55D23047-3833-EFE0-8A01-090ACFE1D9FC}"/>
+                <a16:creationId xmlns:a16="http://schemas.microsoft.com/office/drawing/2014/main" id="{020D5667-3F2E-0371-B2AF-410D252A6CEA}"/>
               </a:ext>
             </a:extLst>
           </p:cNvPr>
@@ -17613,18 +17660,26 @@
             <p:ph type="title"/>
           </p:nvPr>
         </p:nvSpPr>
-        <p:spPr/>
-        <p:txBody>
-          <a:bodyPr/>
-          <a:lstStyle/>
-          <a:p>
+        <p:spPr>
+          <a:xfrm>
+            <a:off x="838200" y="365125"/>
+            <a:ext cx="10515600" cy="1325563"/>
+          </a:xfrm>
+        </p:spPr>
+        <p:txBody>
+          <a:bodyPr/>
+          <a:lstStyle/>
+          <a:p>
+            <a:pPr marR="0" rtl="0"/>
             <a:r>
               <a:rPr lang="en-GB" b="1" i="0" u="none" strike="noStrike" baseline="0" dirty="0">
                 <a:latin typeface="Arial" panose="020B0604020202020204" pitchFamily="34" charset="0"/>
               </a:rPr>
-              <a:t>Version Control</a:t>
-            </a:r>
-            <a:endParaRPr lang="en-SE" dirty="0"/>
+              <a:t>Tools</a:t>
+            </a:r>
+            <a:endParaRPr lang="en-GB" b="0" i="0" u="none" strike="noStrike" baseline="0" dirty="0">
+              <a:latin typeface="Arial" panose="020B0604020202020204" pitchFamily="34" charset="0"/>
+            </a:endParaRPr>
           </a:p>
         </p:txBody>
       </p:sp>
@@ -17633,7 +17688,7 @@
           <p:cNvPr id="3" name="Text Placeholder 2">
             <a:extLst>
               <a:ext uri="{FF2B5EF4-FFF2-40B4-BE49-F238E27FC236}">
-                <a16:creationId xmlns:a16="http://schemas.microsoft.com/office/drawing/2014/main" id="{1F80B5F8-E4FB-9CDB-0C7C-EEDCB4B8AF1D}"/>
+                <a16:creationId xmlns:a16="http://schemas.microsoft.com/office/drawing/2014/main" id="{14842F41-DE27-3397-05EB-81DCA4DF63A8}"/>
               </a:ext>
             </a:extLst>
           </p:cNvPr>
@@ -17646,10 +17701,240 @@
         </p:nvSpPr>
         <p:spPr/>
         <p:txBody>
-          <a:bodyPr/>
-          <a:lstStyle/>
-          <a:p>
-            <a:endParaRPr lang="en-SE"/>
+          <a:bodyPr>
+            <a:normAutofit/>
+          </a:bodyPr>
+          <a:lstStyle/>
+          <a:p>
+            <a:pPr marL="254000">
+              <a:lnSpc>
+                <a:spcPts val="1200"/>
+              </a:lnSpc>
+              <a:spcAft>
+                <a:spcPts val="800"/>
+              </a:spcAft>
+            </a:pPr>
+            <a:r>
+              <a:rPr lang="en-US" sz="1800" kern="100" dirty="0">
+                <a:effectLst/>
+                <a:latin typeface="Aptos" panose="020B0004020202020204" pitchFamily="34" charset="0"/>
+                <a:ea typeface="Times New Roman" panose="02020603050405020304" pitchFamily="18" charset="0"/>
+                <a:cs typeface="Times New Roman" panose="02020603050405020304" pitchFamily="18" charset="0"/>
+                <a:hlinkClick r:id="rId2"/>
+              </a:rPr>
+              <a:t>PowerShell Documentation</a:t>
+            </a:r>
+            <a:endParaRPr lang="en-US" sz="1800" kern="100" dirty="0">
+              <a:effectLst/>
+              <a:latin typeface="Aptos" panose="020B0004020202020204" pitchFamily="34" charset="0"/>
+              <a:ea typeface="Times New Roman" panose="02020603050405020304" pitchFamily="18" charset="0"/>
+              <a:cs typeface="Times New Roman" panose="02020603050405020304" pitchFamily="18" charset="0"/>
+            </a:endParaRPr>
+          </a:p>
+          <a:p>
+            <a:pPr marL="711200" lvl="1">
+              <a:lnSpc>
+                <a:spcPts val="1200"/>
+              </a:lnSpc>
+              <a:spcAft>
+                <a:spcPts val="800"/>
+              </a:spcAft>
+            </a:pPr>
+            <a:r>
+              <a:rPr lang="en-US" sz="1400" kern="100" dirty="0">
+                <a:effectLst/>
+                <a:latin typeface="Aptos" panose="020B0004020202020204" pitchFamily="34" charset="0"/>
+                <a:ea typeface="Times New Roman" panose="02020603050405020304" pitchFamily="18" charset="0"/>
+                <a:cs typeface="Times New Roman" panose="02020603050405020304" pitchFamily="18" charset="0"/>
+              </a:rPr>
+              <a:t>https://learn.microsoft.com/en-us/powershell/</a:t>
+            </a:r>
+          </a:p>
+          <a:p>
+            <a:pPr marL="254000">
+              <a:lnSpc>
+                <a:spcPts val="1200"/>
+              </a:lnSpc>
+              <a:spcAft>
+                <a:spcPts val="800"/>
+              </a:spcAft>
+            </a:pPr>
+            <a:r>
+              <a:rPr lang="en-US" sz="1800" kern="100" dirty="0">
+                <a:effectLst/>
+                <a:latin typeface="Aptos" panose="020B0004020202020204" pitchFamily="34" charset="0"/>
+                <a:ea typeface="Times New Roman" panose="02020603050405020304" pitchFamily="18" charset="0"/>
+                <a:cs typeface="Times New Roman" panose="02020603050405020304" pitchFamily="18" charset="0"/>
+                <a:hlinkClick r:id="rId3"/>
+              </a:rPr>
+              <a:t>PSKoans</a:t>
+            </a:r>
+            <a:endParaRPr lang="en-US" sz="1800" kern="100" dirty="0">
+              <a:effectLst/>
+              <a:latin typeface="Aptos" panose="020B0004020202020204" pitchFamily="34" charset="0"/>
+              <a:ea typeface="Times New Roman" panose="02020603050405020304" pitchFamily="18" charset="0"/>
+              <a:cs typeface="Times New Roman" panose="02020603050405020304" pitchFamily="18" charset="0"/>
+            </a:endParaRPr>
+          </a:p>
+          <a:p>
+            <a:pPr marL="711200" lvl="1">
+              <a:lnSpc>
+                <a:spcPts val="1200"/>
+              </a:lnSpc>
+              <a:spcAft>
+                <a:spcPts val="800"/>
+              </a:spcAft>
+            </a:pPr>
+            <a:r>
+              <a:rPr lang="en-US" sz="1400" kern="100" dirty="0">
+                <a:effectLst/>
+                <a:latin typeface="Aptos" panose="020B0004020202020204" pitchFamily="34" charset="0"/>
+                <a:ea typeface="Times New Roman" panose="02020603050405020304" pitchFamily="18" charset="0"/>
+                <a:cs typeface="Times New Roman" panose="02020603050405020304" pitchFamily="18" charset="0"/>
+              </a:rPr>
+              <a:t>https://github.com/vexx32/PSKoans</a:t>
+            </a:r>
+          </a:p>
+          <a:p>
+            <a:pPr marL="254000">
+              <a:lnSpc>
+                <a:spcPts val="1200"/>
+              </a:lnSpc>
+              <a:spcAft>
+                <a:spcPts val="800"/>
+              </a:spcAft>
+            </a:pPr>
+            <a:r>
+              <a:rPr lang="en-US" sz="1800" kern="100" dirty="0">
+                <a:effectLst/>
+                <a:latin typeface="Aptos" panose="020B0004020202020204" pitchFamily="34" charset="0"/>
+                <a:ea typeface="Times New Roman" panose="02020603050405020304" pitchFamily="18" charset="0"/>
+                <a:cs typeface="Times New Roman" panose="02020603050405020304" pitchFamily="18" charset="0"/>
+                <a:hlinkClick r:id="rId4"/>
+              </a:rPr>
+              <a:t>Community Best Practices</a:t>
+            </a:r>
+            <a:endParaRPr lang="en-US" sz="1800" kern="100" dirty="0">
+              <a:effectLst/>
+              <a:latin typeface="Aptos" panose="020B0004020202020204" pitchFamily="34" charset="0"/>
+              <a:ea typeface="Times New Roman" panose="02020603050405020304" pitchFamily="18" charset="0"/>
+              <a:cs typeface="Times New Roman" panose="02020603050405020304" pitchFamily="18" charset="0"/>
+            </a:endParaRPr>
+          </a:p>
+          <a:p>
+            <a:pPr marL="711200" lvl="1">
+              <a:lnSpc>
+                <a:spcPts val="1200"/>
+              </a:lnSpc>
+              <a:spcAft>
+                <a:spcPts val="800"/>
+              </a:spcAft>
+            </a:pPr>
+            <a:r>
+              <a:rPr lang="en-US" sz="1400" kern="100" dirty="0">
+                <a:effectLst/>
+                <a:latin typeface="Aptos" panose="020B0004020202020204" pitchFamily="34" charset="0"/>
+                <a:ea typeface="Times New Roman" panose="02020603050405020304" pitchFamily="18" charset="0"/>
+                <a:cs typeface="Times New Roman" panose="02020603050405020304" pitchFamily="18" charset="0"/>
+              </a:rPr>
+              <a:t>https://github.com/PoshCode/PowerShellPracticeAndStyle</a:t>
+            </a:r>
+          </a:p>
+          <a:p>
+            <a:pPr marL="254000">
+              <a:lnSpc>
+                <a:spcPts val="1200"/>
+              </a:lnSpc>
+              <a:spcAft>
+                <a:spcPts val="800"/>
+              </a:spcAft>
+            </a:pPr>
+            <a:r>
+              <a:rPr lang="en-US" sz="1800" kern="100" dirty="0">
+                <a:effectLst/>
+                <a:latin typeface="Aptos" panose="020B0004020202020204" pitchFamily="34" charset="0"/>
+                <a:ea typeface="Times New Roman" panose="02020603050405020304" pitchFamily="18" charset="0"/>
+                <a:cs typeface="Times New Roman" panose="02020603050405020304" pitchFamily="18" charset="0"/>
+                <a:hlinkClick r:id="rId5"/>
+              </a:rPr>
+              <a:t>Learn PowerShell in a Month of Lunches,  4:th Edition</a:t>
+            </a:r>
+            <a:endParaRPr lang="en-US" sz="1800" kern="100" dirty="0">
+              <a:effectLst/>
+              <a:latin typeface="Aptos" panose="020B0004020202020204" pitchFamily="34" charset="0"/>
+              <a:ea typeface="Times New Roman" panose="02020603050405020304" pitchFamily="18" charset="0"/>
+              <a:cs typeface="Times New Roman" panose="02020603050405020304" pitchFamily="18" charset="0"/>
+            </a:endParaRPr>
+          </a:p>
+          <a:p>
+            <a:pPr marL="711200" lvl="1">
+              <a:lnSpc>
+                <a:spcPts val="1200"/>
+              </a:lnSpc>
+              <a:spcAft>
+                <a:spcPts val="800"/>
+              </a:spcAft>
+            </a:pPr>
+            <a:r>
+              <a:rPr lang="en-US" sz="1400" kern="100" dirty="0">
+                <a:effectLst/>
+                <a:latin typeface="Aptos" panose="020B0004020202020204" pitchFamily="34" charset="0"/>
+                <a:ea typeface="Times New Roman" panose="02020603050405020304" pitchFamily="18" charset="0"/>
+                <a:cs typeface="Times New Roman" panose="02020603050405020304" pitchFamily="18" charset="0"/>
+              </a:rPr>
+              <a:t>https://www.manning.com/books/learn-powershell-in-a-month-of-lunches</a:t>
+            </a:r>
+            <a:endParaRPr lang="en-US" sz="1800" kern="100" dirty="0">
+              <a:effectLst/>
+              <a:latin typeface="Aptos" panose="020B0004020202020204" pitchFamily="34" charset="0"/>
+              <a:ea typeface="Times New Roman" panose="02020603050405020304" pitchFamily="18" charset="0"/>
+              <a:cs typeface="Times New Roman" panose="02020603050405020304" pitchFamily="18" charset="0"/>
+            </a:endParaRPr>
+          </a:p>
+          <a:p>
+            <a:pPr marL="254000">
+              <a:lnSpc>
+                <a:spcPts val="1200"/>
+              </a:lnSpc>
+              <a:spcAft>
+                <a:spcPts val="800"/>
+              </a:spcAft>
+            </a:pPr>
+            <a:r>
+              <a:rPr lang="en-US" sz="1800" kern="100" dirty="0">
+                <a:effectLst/>
+                <a:latin typeface="Aptos" panose="020B0004020202020204" pitchFamily="34" charset="0"/>
+                <a:ea typeface="Times New Roman" panose="02020603050405020304" pitchFamily="18" charset="0"/>
+                <a:cs typeface="Times New Roman" panose="02020603050405020304" pitchFamily="18" charset="0"/>
+                <a:hlinkClick r:id="rId6"/>
+              </a:rPr>
+              <a:t>Automate administrative tasks by using PowerShell – Learn</a:t>
+            </a:r>
+            <a:endParaRPr lang="en-US" sz="1800" kern="100" dirty="0">
+              <a:effectLst/>
+              <a:latin typeface="Aptos" panose="020B0004020202020204" pitchFamily="34" charset="0"/>
+              <a:ea typeface="Times New Roman" panose="02020603050405020304" pitchFamily="18" charset="0"/>
+              <a:cs typeface="Times New Roman" panose="02020603050405020304" pitchFamily="18" charset="0"/>
+            </a:endParaRPr>
+          </a:p>
+          <a:p>
+            <a:pPr marL="711200" lvl="1">
+              <a:lnSpc>
+                <a:spcPts val="1200"/>
+              </a:lnSpc>
+              <a:spcAft>
+                <a:spcPts val="800"/>
+              </a:spcAft>
+            </a:pPr>
+            <a:r>
+              <a:rPr lang="en-US" sz="1400" kern="100" dirty="0">
+                <a:effectLst/>
+                <a:latin typeface="Aptos" panose="020B0004020202020204" pitchFamily="34" charset="0"/>
+                <a:ea typeface="Times New Roman" panose="02020603050405020304" pitchFamily="18" charset="0"/>
+                <a:cs typeface="Times New Roman" panose="02020603050405020304" pitchFamily="18" charset="0"/>
+              </a:rPr>
+              <a:t>https://learn.microsoft.com/en-us/training/paths/powershell/</a:t>
+            </a:r>
           </a:p>
         </p:txBody>
       </p:sp>
@@ -17658,7 +17943,7 @@
           <p:cNvPr id="4" name="Footer Placeholder 3">
             <a:extLst>
               <a:ext uri="{FF2B5EF4-FFF2-40B4-BE49-F238E27FC236}">
-                <a16:creationId xmlns:a16="http://schemas.microsoft.com/office/drawing/2014/main" id="{AFF17C74-066C-F6D3-8B07-3A4273A5590B}"/>
+                <a16:creationId xmlns:a16="http://schemas.microsoft.com/office/drawing/2014/main" id="{DFC4B1A9-C5E5-6767-5A67-3AFFF61F8AE3}"/>
               </a:ext>
             </a:extLst>
           </p:cNvPr>
@@ -17687,7 +17972,7 @@
           <p:cNvPr id="5" name="Slide Number Placeholder 4">
             <a:extLst>
               <a:ext uri="{FF2B5EF4-FFF2-40B4-BE49-F238E27FC236}">
-                <a16:creationId xmlns:a16="http://schemas.microsoft.com/office/drawing/2014/main" id="{20FE1399-C7F6-1C33-DF5B-DE42A78C5F7F}"/>
+                <a16:creationId xmlns:a16="http://schemas.microsoft.com/office/drawing/2014/main" id="{BAD258B7-9534-6ABE-261E-70D2894B8FD8}"/>
               </a:ext>
             </a:extLst>
           </p:cNvPr>
@@ -17703,7 +17988,7 @@
           <a:bodyPr/>
           <a:lstStyle/>
           <a:p>
-            <a:fld id="{BFEA1545-8540-491B-83AB-51C306516EA6}" type="slidenum">
+            <a:fld id="{9993A830-6DA6-4394-A358-10250CDB3A67}" type="slidenum">
               <a:rPr lang="en-SE" smtClean="0"/>
               <a:t>66</a:t>
             </a:fld>
@@ -17714,7 +17999,7 @@
     </p:spTree>
     <p:extLst>
       <p:ext uri="{BB962C8B-B14F-4D97-AF65-F5344CB8AC3E}">
-        <p14:creationId xmlns:p14="http://schemas.microsoft.com/office/powerpoint/2010/main" val="946311230"/>
+        <p14:creationId xmlns:p14="http://schemas.microsoft.com/office/powerpoint/2010/main" val="2832576292"/>
       </p:ext>
     </p:extLst>
   </p:cSld>
@@ -17746,7 +18031,7 @@
           <p:cNvPr id="2" name="Title 1">
             <a:extLst>
               <a:ext uri="{FF2B5EF4-FFF2-40B4-BE49-F238E27FC236}">
-                <a16:creationId xmlns:a16="http://schemas.microsoft.com/office/drawing/2014/main" id="{020D5667-3F2E-0371-B2AF-410D252A6CEA}"/>
+                <a16:creationId xmlns:a16="http://schemas.microsoft.com/office/drawing/2014/main" id="{55D23047-3833-EFE0-8A01-090ACFE1D9FC}"/>
               </a:ext>
             </a:extLst>
           </p:cNvPr>
@@ -17757,23 +18042,18 @@
             <p:ph type="title"/>
           </p:nvPr>
         </p:nvSpPr>
-        <p:spPr>
-          <a:xfrm>
-            <a:off x="838200" y="365125"/>
-            <a:ext cx="10515600" cy="1325563"/>
-          </a:xfrm>
-        </p:spPr>
-        <p:txBody>
-          <a:bodyPr/>
-          <a:lstStyle/>
-          <a:p>
-            <a:pPr marR="0" rtl="0"/>
-            <a:r>
-              <a:rPr lang="en-GB" b="0" i="0" u="none" strike="noStrike" baseline="0" dirty="0">
+        <p:spPr/>
+        <p:txBody>
+          <a:bodyPr/>
+          <a:lstStyle/>
+          <a:p>
+            <a:r>
+              <a:rPr lang="en-GB" b="1" i="0" u="none" strike="noStrike" baseline="0" dirty="0">
                 <a:latin typeface="Arial" panose="020B0604020202020204" pitchFamily="34" charset="0"/>
               </a:rPr>
               <a:t>Version Control</a:t>
             </a:r>
+            <a:endParaRPr lang="en-SE" dirty="0"/>
           </a:p>
         </p:txBody>
       </p:sp>
@@ -17782,7 +18062,7 @@
           <p:cNvPr id="3" name="Text Placeholder 2">
             <a:extLst>
               <a:ext uri="{FF2B5EF4-FFF2-40B4-BE49-F238E27FC236}">
-                <a16:creationId xmlns:a16="http://schemas.microsoft.com/office/drawing/2014/main" id="{14842F41-DE27-3397-05EB-81DCA4DF63A8}"/>
+                <a16:creationId xmlns:a16="http://schemas.microsoft.com/office/drawing/2014/main" id="{1F80B5F8-E4FB-9CDB-0C7C-EEDCB4B8AF1D}"/>
               </a:ext>
             </a:extLst>
           </p:cNvPr>
@@ -17795,135 +18075,10 @@
         </p:nvSpPr>
         <p:spPr/>
         <p:txBody>
-          <a:bodyPr>
-            <a:normAutofit lnSpcReduction="10000"/>
-          </a:bodyPr>
-          <a:lstStyle/>
-          <a:p>
-            <a:pPr marR="0" lvl="0" rtl="0"/>
-            <a:r>
-              <a:rPr lang="en-US" b="0" i="0" u="none" strike="noStrike" baseline="0" dirty="0">
-                <a:latin typeface="Arial" panose="020B0604020202020204" pitchFamily="34" charset="0"/>
-              </a:rPr>
-              <a:t>git</a:t>
-            </a:r>
-          </a:p>
-          <a:p>
-            <a:pPr lvl="1"/>
-            <a:r>
-              <a:rPr lang="en-US" b="0" i="0" u="none" strike="noStrike" baseline="0" dirty="0">
-                <a:latin typeface="Arial" panose="020B0604020202020204" pitchFamily="34" charset="0"/>
-              </a:rPr>
-              <a:t>hosts</a:t>
-            </a:r>
-          </a:p>
-          <a:p>
-            <a:pPr lvl="2"/>
-            <a:r>
-              <a:rPr lang="en-US" b="0" i="0" u="none" strike="noStrike" baseline="0" dirty="0">
-                <a:latin typeface="Arial" panose="020B0604020202020204" pitchFamily="34" charset="0"/>
-              </a:rPr>
-              <a:t>GitHub</a:t>
-            </a:r>
-          </a:p>
-          <a:p>
-            <a:pPr lvl="2"/>
-            <a:r>
-              <a:rPr lang="en-US" b="0" i="0" u="none" strike="noStrike" baseline="0" dirty="0">
-                <a:latin typeface="Arial" panose="020B0604020202020204" pitchFamily="34" charset="0"/>
-              </a:rPr>
-              <a:t>Azure DevOps</a:t>
-            </a:r>
-          </a:p>
-          <a:p>
-            <a:pPr lvl="2"/>
-            <a:r>
-              <a:rPr lang="en-US" b="0" i="0" u="none" strike="noStrike" baseline="0" dirty="0">
-                <a:latin typeface="Arial" panose="020B0604020202020204" pitchFamily="34" charset="0"/>
-              </a:rPr>
-              <a:t>Bitbucket</a:t>
-            </a:r>
-          </a:p>
-          <a:p>
-            <a:pPr lvl="2"/>
-            <a:r>
-              <a:rPr lang="en-US" b="0" i="0" u="none" strike="noStrike" baseline="0" dirty="0">
-                <a:latin typeface="Arial" panose="020B0604020202020204" pitchFamily="34" charset="0"/>
-              </a:rPr>
-              <a:t>GitLab</a:t>
-            </a:r>
-          </a:p>
-          <a:p>
-            <a:pPr lvl="1"/>
-            <a:r>
-              <a:rPr lang="en-US" b="0" i="0" u="none" strike="noStrike" baseline="0" dirty="0">
-                <a:latin typeface="Arial" panose="020B0604020202020204" pitchFamily="34" charset="0"/>
-              </a:rPr>
-              <a:t>Quick start</a:t>
-            </a:r>
-          </a:p>
-          <a:p>
-            <a:pPr lvl="2"/>
-            <a:r>
-              <a:rPr lang="en-US" b="0" i="0" u="none" strike="noStrike" baseline="0" dirty="0">
-                <a:latin typeface="Arial" panose="020B0604020202020204" pitchFamily="34" charset="0"/>
-              </a:rPr>
-              <a:t>git clone</a:t>
-            </a:r>
-          </a:p>
-          <a:p>
-            <a:pPr lvl="2"/>
-            <a:r>
-              <a:rPr lang="en-US" b="0" i="0" u="none" strike="noStrike" baseline="0" dirty="0">
-                <a:latin typeface="Arial" panose="020B0604020202020204" pitchFamily="34" charset="0"/>
-              </a:rPr>
-              <a:t>git add</a:t>
-            </a:r>
-          </a:p>
-          <a:p>
-            <a:pPr lvl="2"/>
-            <a:r>
-              <a:rPr lang="en-US" b="0" i="0" u="none" strike="noStrike" baseline="0" dirty="0">
-                <a:latin typeface="Arial" panose="020B0604020202020204" pitchFamily="34" charset="0"/>
-              </a:rPr>
-              <a:t>git commit -m 'message'</a:t>
-            </a:r>
-          </a:p>
-          <a:p>
-            <a:pPr lvl="2"/>
-            <a:r>
-              <a:rPr lang="en-US" b="0" i="0" u="none" strike="noStrike" baseline="0" dirty="0">
-                <a:latin typeface="Arial" panose="020B0604020202020204" pitchFamily="34" charset="0"/>
-              </a:rPr>
-              <a:t>git push</a:t>
-            </a:r>
-          </a:p>
-          <a:p>
-            <a:pPr marR="0" lvl="0" rtl="0"/>
-            <a:r>
-              <a:rPr lang="en-US" b="0" i="0" u="none" strike="noStrike" baseline="0" dirty="0" err="1">
-                <a:latin typeface="Arial" panose="020B0604020202020204" pitchFamily="34" charset="0"/>
-              </a:rPr>
-              <a:t>svn</a:t>
-            </a:r>
-            <a:r>
-              <a:rPr lang="en-US" b="0" i="0" u="none" strike="noStrike" baseline="0" dirty="0">
-                <a:latin typeface="Arial" panose="020B0604020202020204" pitchFamily="34" charset="0"/>
-              </a:rPr>
-              <a:t> / </a:t>
-            </a:r>
-            <a:r>
-              <a:rPr lang="en-US" b="0" i="0" u="none" strike="noStrike" baseline="0" dirty="0" err="1">
-                <a:latin typeface="Arial" panose="020B0604020202020204" pitchFamily="34" charset="0"/>
-              </a:rPr>
-              <a:t>tfvc</a:t>
-            </a:r>
-            <a:r>
-              <a:rPr lang="en-US" b="0" i="0" u="none" strike="noStrike" baseline="0" dirty="0">
-                <a:latin typeface="Arial" panose="020B0604020202020204" pitchFamily="34" charset="0"/>
-              </a:rPr>
-              <a:t> / others</a:t>
-            </a:r>
+          <a:bodyPr/>
+          <a:lstStyle/>
+          <a:p>
+            <a:endParaRPr lang="en-SE"/>
           </a:p>
         </p:txBody>
       </p:sp>
@@ -17932,7 +18087,7 @@
           <p:cNvPr id="4" name="Footer Placeholder 3">
             <a:extLst>
               <a:ext uri="{FF2B5EF4-FFF2-40B4-BE49-F238E27FC236}">
-                <a16:creationId xmlns:a16="http://schemas.microsoft.com/office/drawing/2014/main" id="{DFC4B1A9-C5E5-6767-5A67-3AFFF61F8AE3}"/>
+                <a16:creationId xmlns:a16="http://schemas.microsoft.com/office/drawing/2014/main" id="{AFF17C74-066C-F6D3-8B07-3A4273A5590B}"/>
               </a:ext>
             </a:extLst>
           </p:cNvPr>
@@ -17961,7 +18116,7 @@
           <p:cNvPr id="5" name="Slide Number Placeholder 4">
             <a:extLst>
               <a:ext uri="{FF2B5EF4-FFF2-40B4-BE49-F238E27FC236}">
-                <a16:creationId xmlns:a16="http://schemas.microsoft.com/office/drawing/2014/main" id="{BAD258B7-9534-6ABE-261E-70D2894B8FD8}"/>
+                <a16:creationId xmlns:a16="http://schemas.microsoft.com/office/drawing/2014/main" id="{20FE1399-C7F6-1C33-DF5B-DE42A78C5F7F}"/>
               </a:ext>
             </a:extLst>
           </p:cNvPr>
@@ -17977,7 +18132,7 @@
           <a:bodyPr/>
           <a:lstStyle/>
           <a:p>
-            <a:fld id="{9993A830-6DA6-4394-A358-10250CDB3A67}" type="slidenum">
+            <a:fld id="{BFEA1545-8540-491B-83AB-51C306516EA6}" type="slidenum">
               <a:rPr lang="en-SE" smtClean="0"/>
               <a:t>67</a:t>
             </a:fld>
@@ -17988,7 +18143,7 @@
     </p:spTree>
     <p:extLst>
       <p:ext uri="{BB962C8B-B14F-4D97-AF65-F5344CB8AC3E}">
-        <p14:creationId xmlns:p14="http://schemas.microsoft.com/office/powerpoint/2010/main" val="1063679628"/>
+        <p14:creationId xmlns:p14="http://schemas.microsoft.com/office/powerpoint/2010/main" val="946311230"/>
       </p:ext>
     </p:extLst>
   </p:cSld>
@@ -18020,7 +18175,7 @@
           <p:cNvPr id="2" name="Title 1">
             <a:extLst>
               <a:ext uri="{FF2B5EF4-FFF2-40B4-BE49-F238E27FC236}">
-                <a16:creationId xmlns:a16="http://schemas.microsoft.com/office/drawing/2014/main" id="{55D23047-3833-EFE0-8A01-090ACFE1D9FC}"/>
+                <a16:creationId xmlns:a16="http://schemas.microsoft.com/office/drawing/2014/main" id="{020D5667-3F2E-0371-B2AF-410D252A6CEA}"/>
               </a:ext>
             </a:extLst>
           </p:cNvPr>
@@ -18031,18 +18186,23 @@
             <p:ph type="title"/>
           </p:nvPr>
         </p:nvSpPr>
-        <p:spPr/>
-        <p:txBody>
-          <a:bodyPr/>
-          <a:lstStyle/>
-          <a:p>
-            <a:r>
-              <a:rPr lang="en-GB" b="1" i="0" u="none" strike="noStrike" baseline="0" dirty="0">
-                <a:latin typeface="Arial" panose="020B0604020202020204" pitchFamily="34" charset="0"/>
-              </a:rPr>
-              <a:t>Best Practices</a:t>
-            </a:r>
-            <a:endParaRPr lang="en-SE" dirty="0"/>
+        <p:spPr>
+          <a:xfrm>
+            <a:off x="838200" y="365125"/>
+            <a:ext cx="10515600" cy="1325563"/>
+          </a:xfrm>
+        </p:spPr>
+        <p:txBody>
+          <a:bodyPr/>
+          <a:lstStyle/>
+          <a:p>
+            <a:pPr marR="0" rtl="0"/>
+            <a:r>
+              <a:rPr lang="en-GB" b="0" i="0" u="none" strike="noStrike" baseline="0" dirty="0">
+                <a:latin typeface="Arial" panose="020B0604020202020204" pitchFamily="34" charset="0"/>
+              </a:rPr>
+              <a:t>Version Control</a:t>
+            </a:r>
           </a:p>
         </p:txBody>
       </p:sp>
@@ -18051,7 +18211,7 @@
           <p:cNvPr id="3" name="Text Placeholder 2">
             <a:extLst>
               <a:ext uri="{FF2B5EF4-FFF2-40B4-BE49-F238E27FC236}">
-                <a16:creationId xmlns:a16="http://schemas.microsoft.com/office/drawing/2014/main" id="{1F80B5F8-E4FB-9CDB-0C7C-EEDCB4B8AF1D}"/>
+                <a16:creationId xmlns:a16="http://schemas.microsoft.com/office/drawing/2014/main" id="{14842F41-DE27-3397-05EB-81DCA4DF63A8}"/>
               </a:ext>
             </a:extLst>
           </p:cNvPr>
@@ -18064,10 +18224,135 @@
         </p:nvSpPr>
         <p:spPr/>
         <p:txBody>
-          <a:bodyPr/>
-          <a:lstStyle/>
-          <a:p>
-            <a:endParaRPr lang="en-SE"/>
+          <a:bodyPr>
+            <a:normAutofit lnSpcReduction="10000"/>
+          </a:bodyPr>
+          <a:lstStyle/>
+          <a:p>
+            <a:pPr marR="0" lvl="0" rtl="0"/>
+            <a:r>
+              <a:rPr lang="en-US" b="0" i="0" u="none" strike="noStrike" baseline="0" dirty="0">
+                <a:latin typeface="Arial" panose="020B0604020202020204" pitchFamily="34" charset="0"/>
+              </a:rPr>
+              <a:t>git</a:t>
+            </a:r>
+          </a:p>
+          <a:p>
+            <a:pPr lvl="1"/>
+            <a:r>
+              <a:rPr lang="en-US" b="0" i="0" u="none" strike="noStrike" baseline="0" dirty="0">
+                <a:latin typeface="Arial" panose="020B0604020202020204" pitchFamily="34" charset="0"/>
+              </a:rPr>
+              <a:t>hosts</a:t>
+            </a:r>
+          </a:p>
+          <a:p>
+            <a:pPr lvl="2"/>
+            <a:r>
+              <a:rPr lang="en-US" b="0" i="0" u="none" strike="noStrike" baseline="0" dirty="0">
+                <a:latin typeface="Arial" panose="020B0604020202020204" pitchFamily="34" charset="0"/>
+              </a:rPr>
+              <a:t>GitHub</a:t>
+            </a:r>
+          </a:p>
+          <a:p>
+            <a:pPr lvl="2"/>
+            <a:r>
+              <a:rPr lang="en-US" b="0" i="0" u="none" strike="noStrike" baseline="0" dirty="0">
+                <a:latin typeface="Arial" panose="020B0604020202020204" pitchFamily="34" charset="0"/>
+              </a:rPr>
+              <a:t>Azure DevOps</a:t>
+            </a:r>
+          </a:p>
+          <a:p>
+            <a:pPr lvl="2"/>
+            <a:r>
+              <a:rPr lang="en-US" b="0" i="0" u="none" strike="noStrike" baseline="0" dirty="0">
+                <a:latin typeface="Arial" panose="020B0604020202020204" pitchFamily="34" charset="0"/>
+              </a:rPr>
+              <a:t>Bitbucket</a:t>
+            </a:r>
+          </a:p>
+          <a:p>
+            <a:pPr lvl="2"/>
+            <a:r>
+              <a:rPr lang="en-US" b="0" i="0" u="none" strike="noStrike" baseline="0" dirty="0">
+                <a:latin typeface="Arial" panose="020B0604020202020204" pitchFamily="34" charset="0"/>
+              </a:rPr>
+              <a:t>GitLab</a:t>
+            </a:r>
+          </a:p>
+          <a:p>
+            <a:pPr lvl="1"/>
+            <a:r>
+              <a:rPr lang="en-US" b="0" i="0" u="none" strike="noStrike" baseline="0" dirty="0">
+                <a:latin typeface="Arial" panose="020B0604020202020204" pitchFamily="34" charset="0"/>
+              </a:rPr>
+              <a:t>Quick start</a:t>
+            </a:r>
+          </a:p>
+          <a:p>
+            <a:pPr lvl="2"/>
+            <a:r>
+              <a:rPr lang="en-US" b="0" i="0" u="none" strike="noStrike" baseline="0" dirty="0">
+                <a:latin typeface="Arial" panose="020B0604020202020204" pitchFamily="34" charset="0"/>
+              </a:rPr>
+              <a:t>git clone</a:t>
+            </a:r>
+          </a:p>
+          <a:p>
+            <a:pPr lvl="2"/>
+            <a:r>
+              <a:rPr lang="en-US" b="0" i="0" u="none" strike="noStrike" baseline="0" dirty="0">
+                <a:latin typeface="Arial" panose="020B0604020202020204" pitchFamily="34" charset="0"/>
+              </a:rPr>
+              <a:t>git add</a:t>
+            </a:r>
+          </a:p>
+          <a:p>
+            <a:pPr lvl="2"/>
+            <a:r>
+              <a:rPr lang="en-US" b="0" i="0" u="none" strike="noStrike" baseline="0" dirty="0">
+                <a:latin typeface="Arial" panose="020B0604020202020204" pitchFamily="34" charset="0"/>
+              </a:rPr>
+              <a:t>git commit -m 'message'</a:t>
+            </a:r>
+          </a:p>
+          <a:p>
+            <a:pPr lvl="2"/>
+            <a:r>
+              <a:rPr lang="en-US" b="0" i="0" u="none" strike="noStrike" baseline="0" dirty="0">
+                <a:latin typeface="Arial" panose="020B0604020202020204" pitchFamily="34" charset="0"/>
+              </a:rPr>
+              <a:t>git push</a:t>
+            </a:r>
+          </a:p>
+          <a:p>
+            <a:pPr marR="0" lvl="0" rtl="0"/>
+            <a:r>
+              <a:rPr lang="en-US" b="0" i="0" u="none" strike="noStrike" baseline="0" dirty="0" err="1">
+                <a:latin typeface="Arial" panose="020B0604020202020204" pitchFamily="34" charset="0"/>
+              </a:rPr>
+              <a:t>svn</a:t>
+            </a:r>
+            <a:r>
+              <a:rPr lang="en-US" b="0" i="0" u="none" strike="noStrike" baseline="0" dirty="0">
+                <a:latin typeface="Arial" panose="020B0604020202020204" pitchFamily="34" charset="0"/>
+              </a:rPr>
+              <a:t> / </a:t>
+            </a:r>
+            <a:r>
+              <a:rPr lang="en-US" b="0" i="0" u="none" strike="noStrike" baseline="0" dirty="0" err="1">
+                <a:latin typeface="Arial" panose="020B0604020202020204" pitchFamily="34" charset="0"/>
+              </a:rPr>
+              <a:t>tfvc</a:t>
+            </a:r>
+            <a:r>
+              <a:rPr lang="en-US" b="0" i="0" u="none" strike="noStrike" baseline="0" dirty="0">
+                <a:latin typeface="Arial" panose="020B0604020202020204" pitchFamily="34" charset="0"/>
+              </a:rPr>
+              <a:t> / others</a:t>
+            </a:r>
           </a:p>
         </p:txBody>
       </p:sp>
@@ -18076,7 +18361,7 @@
           <p:cNvPr id="4" name="Footer Placeholder 3">
             <a:extLst>
               <a:ext uri="{FF2B5EF4-FFF2-40B4-BE49-F238E27FC236}">
-                <a16:creationId xmlns:a16="http://schemas.microsoft.com/office/drawing/2014/main" id="{AFF17C74-066C-F6D3-8B07-3A4273A5590B}"/>
+                <a16:creationId xmlns:a16="http://schemas.microsoft.com/office/drawing/2014/main" id="{DFC4B1A9-C5E5-6767-5A67-3AFFF61F8AE3}"/>
               </a:ext>
             </a:extLst>
           </p:cNvPr>
@@ -18105,7 +18390,7 @@
           <p:cNvPr id="5" name="Slide Number Placeholder 4">
             <a:extLst>
               <a:ext uri="{FF2B5EF4-FFF2-40B4-BE49-F238E27FC236}">
-                <a16:creationId xmlns:a16="http://schemas.microsoft.com/office/drawing/2014/main" id="{20FE1399-C7F6-1C33-DF5B-DE42A78C5F7F}"/>
+                <a16:creationId xmlns:a16="http://schemas.microsoft.com/office/drawing/2014/main" id="{BAD258B7-9534-6ABE-261E-70D2894B8FD8}"/>
               </a:ext>
             </a:extLst>
           </p:cNvPr>
@@ -18121,7 +18406,7 @@
           <a:bodyPr/>
           <a:lstStyle/>
           <a:p>
-            <a:fld id="{BFEA1545-8540-491B-83AB-51C306516EA6}" type="slidenum">
+            <a:fld id="{9993A830-6DA6-4394-A358-10250CDB3A67}" type="slidenum">
               <a:rPr lang="en-SE" smtClean="0"/>
               <a:t>68</a:t>
             </a:fld>
@@ -18132,7 +18417,7 @@
     </p:spTree>
     <p:extLst>
       <p:ext uri="{BB962C8B-B14F-4D97-AF65-F5344CB8AC3E}">
-        <p14:creationId xmlns:p14="http://schemas.microsoft.com/office/powerpoint/2010/main" val="111630529"/>
+        <p14:creationId xmlns:p14="http://schemas.microsoft.com/office/powerpoint/2010/main" val="1063679628"/>
       </p:ext>
     </p:extLst>
   </p:cSld>
@@ -18164,7 +18449,7 @@
           <p:cNvPr id="2" name="Title 1">
             <a:extLst>
               <a:ext uri="{FF2B5EF4-FFF2-40B4-BE49-F238E27FC236}">
-                <a16:creationId xmlns:a16="http://schemas.microsoft.com/office/drawing/2014/main" id="{020D5667-3F2E-0371-B2AF-410D252A6CEA}"/>
+                <a16:creationId xmlns:a16="http://schemas.microsoft.com/office/drawing/2014/main" id="{55D23047-3833-EFE0-8A01-090ACFE1D9FC}"/>
               </a:ext>
             </a:extLst>
           </p:cNvPr>
@@ -18175,26 +18460,18 @@
             <p:ph type="title"/>
           </p:nvPr>
         </p:nvSpPr>
-        <p:spPr>
-          <a:xfrm>
-            <a:off x="838200" y="365125"/>
-            <a:ext cx="10515600" cy="1325563"/>
-          </a:xfrm>
-        </p:spPr>
-        <p:txBody>
-          <a:bodyPr/>
-          <a:lstStyle/>
-          <a:p>
-            <a:pPr marR="0" rtl="0"/>
+        <p:spPr/>
+        <p:txBody>
+          <a:bodyPr/>
+          <a:lstStyle/>
+          <a:p>
             <a:r>
               <a:rPr lang="en-GB" b="1" i="0" u="none" strike="noStrike" baseline="0" dirty="0">
                 <a:latin typeface="Arial" panose="020B0604020202020204" pitchFamily="34" charset="0"/>
               </a:rPr>
               <a:t>Best Practices</a:t>
             </a:r>
-            <a:endParaRPr lang="en-GB" b="0" i="0" u="none" strike="noStrike" baseline="0" dirty="0">
-              <a:latin typeface="Arial" panose="020B0604020202020204" pitchFamily="34" charset="0"/>
-            </a:endParaRPr>
+            <a:endParaRPr lang="en-SE" dirty="0"/>
           </a:p>
         </p:txBody>
       </p:sp>
@@ -18203,7 +18480,7 @@
           <p:cNvPr id="3" name="Text Placeholder 2">
             <a:extLst>
               <a:ext uri="{FF2B5EF4-FFF2-40B4-BE49-F238E27FC236}">
-                <a16:creationId xmlns:a16="http://schemas.microsoft.com/office/drawing/2014/main" id="{14842F41-DE27-3397-05EB-81DCA4DF63A8}"/>
+                <a16:creationId xmlns:a16="http://schemas.microsoft.com/office/drawing/2014/main" id="{1F80B5F8-E4FB-9CDB-0C7C-EEDCB4B8AF1D}"/>
               </a:ext>
             </a:extLst>
           </p:cNvPr>
@@ -18216,114 +18493,10 @@
         </p:nvSpPr>
         <p:spPr/>
         <p:txBody>
-          <a:bodyPr>
-            <a:normAutofit fontScale="92500" lnSpcReduction="10000"/>
-          </a:bodyPr>
-          <a:lstStyle/>
-          <a:p>
-            <a:pPr marR="0" lvl="0" rtl="0"/>
-            <a:r>
-              <a:rPr lang="en-US" b="0" i="0" u="none" strike="noStrike" baseline="0" dirty="0">
-                <a:latin typeface="Arial" panose="020B0604020202020204" pitchFamily="34" charset="0"/>
-              </a:rPr>
-              <a:t>Performance</a:t>
-            </a:r>
-          </a:p>
-          <a:p>
-            <a:pPr lvl="1"/>
-            <a:r>
-              <a:rPr lang="en-US" b="0" i="0" u="none" strike="noStrike" baseline="0" dirty="0">
-                <a:latin typeface="Arial" panose="020B0604020202020204" pitchFamily="34" charset="0"/>
-              </a:rPr>
-              <a:t>Filter left - Format right</a:t>
-            </a:r>
-          </a:p>
-          <a:p>
-            <a:pPr lvl="1"/>
-            <a:r>
-              <a:rPr lang="en-US" b="0" i="0" u="none" strike="noStrike" baseline="0" dirty="0">
-                <a:latin typeface="Arial" panose="020B0604020202020204" pitchFamily="34" charset="0"/>
-              </a:rPr>
-              <a:t>Measure-Command</a:t>
-            </a:r>
-          </a:p>
-          <a:p>
-            <a:pPr lvl="1"/>
-            <a:r>
-              <a:rPr lang="en-US" b="0" i="0" u="none" strike="noStrike" baseline="0" dirty="0">
-                <a:latin typeface="Arial" panose="020B0604020202020204" pitchFamily="34" charset="0"/>
-              </a:rPr>
-              <a:t>Pipelines</a:t>
-            </a:r>
-          </a:p>
-          <a:p>
-            <a:pPr lvl="1"/>
-            <a:r>
-              <a:rPr lang="en-US" b="0" i="0" u="none" strike="noStrike" baseline="0" dirty="0">
-                <a:latin typeface="Arial" panose="020B0604020202020204" pitchFamily="34" charset="0"/>
-              </a:rPr>
-              <a:t>Avoid Console Output</a:t>
-            </a:r>
-          </a:p>
-          <a:p>
-            <a:pPr lvl="1"/>
-            <a:r>
-              <a:rPr lang="en-US" b="0" i="0" u="none" strike="noStrike" baseline="0" dirty="0">
-                <a:latin typeface="Arial" panose="020B0604020202020204" pitchFamily="34" charset="0"/>
-              </a:rPr>
-              <a:t>Arrays</a:t>
-            </a:r>
-          </a:p>
-          <a:p>
-            <a:pPr marR="0" lvl="0" rtl="0"/>
-            <a:r>
-              <a:rPr lang="en-US" b="0" i="0" u="none" strike="noStrike" baseline="0" dirty="0">
-                <a:latin typeface="Arial" panose="020B0604020202020204" pitchFamily="34" charset="0"/>
-              </a:rPr>
-              <a:t>Readability</a:t>
-            </a:r>
-          </a:p>
-          <a:p>
-            <a:pPr lvl="1"/>
-            <a:r>
-              <a:rPr lang="en-US" b="0" i="0" u="none" strike="noStrike" baseline="0" dirty="0">
-                <a:latin typeface="Arial" panose="020B0604020202020204" pitchFamily="34" charset="0"/>
-              </a:rPr>
-              <a:t>Don't Use Aliases</a:t>
-            </a:r>
-          </a:p>
-          <a:p>
-            <a:pPr marR="0" lvl="0" rtl="0"/>
-            <a:r>
-              <a:rPr lang="en-US" b="0" i="0" u="none" strike="noStrike" baseline="0" dirty="0">
-                <a:latin typeface="Arial" panose="020B0604020202020204" pitchFamily="34" charset="0"/>
-              </a:rPr>
-              <a:t>Verb-Noun</a:t>
-            </a:r>
-          </a:p>
-          <a:p>
-            <a:pPr marR="0" lvl="0" rtl="0"/>
-            <a:r>
-              <a:rPr lang="en-US" b="0" i="0" u="none" strike="noStrike" baseline="0" dirty="0">
-                <a:latin typeface="Arial" panose="020B0604020202020204" pitchFamily="34" charset="0"/>
-              </a:rPr>
-              <a:t>$null on left side comparison</a:t>
-            </a:r>
-          </a:p>
-          <a:p>
-            <a:pPr marR="0" lvl="0" rtl="0"/>
-            <a:r>
-              <a:rPr lang="en-US" b="0" i="0" u="none" strike="noStrike" baseline="0" dirty="0" err="1">
-                <a:latin typeface="Arial" panose="020B0604020202020204" pitchFamily="34" charset="0"/>
-              </a:rPr>
-              <a:t>VSCode</a:t>
-            </a:r>
-            <a:r>
-              <a:rPr lang="en-US" b="0" i="0" u="none" strike="noStrike" baseline="0" dirty="0">
-                <a:latin typeface="Arial" panose="020B0604020202020204" pitchFamily="34" charset="0"/>
-              </a:rPr>
-              <a:t> Extensions</a:t>
-            </a:r>
+          <a:bodyPr/>
+          <a:lstStyle/>
+          <a:p>
+            <a:endParaRPr lang="en-SE"/>
           </a:p>
         </p:txBody>
       </p:sp>
@@ -18332,7 +18505,7 @@
           <p:cNvPr id="4" name="Footer Placeholder 3">
             <a:extLst>
               <a:ext uri="{FF2B5EF4-FFF2-40B4-BE49-F238E27FC236}">
-                <a16:creationId xmlns:a16="http://schemas.microsoft.com/office/drawing/2014/main" id="{DFC4B1A9-C5E5-6767-5A67-3AFFF61F8AE3}"/>
+                <a16:creationId xmlns:a16="http://schemas.microsoft.com/office/drawing/2014/main" id="{AFF17C74-066C-F6D3-8B07-3A4273A5590B}"/>
               </a:ext>
             </a:extLst>
           </p:cNvPr>
@@ -18361,7 +18534,7 @@
           <p:cNvPr id="5" name="Slide Number Placeholder 4">
             <a:extLst>
               <a:ext uri="{FF2B5EF4-FFF2-40B4-BE49-F238E27FC236}">
-                <a16:creationId xmlns:a16="http://schemas.microsoft.com/office/drawing/2014/main" id="{BAD258B7-9534-6ABE-261E-70D2894B8FD8}"/>
+                <a16:creationId xmlns:a16="http://schemas.microsoft.com/office/drawing/2014/main" id="{20FE1399-C7F6-1C33-DF5B-DE42A78C5F7F}"/>
               </a:ext>
             </a:extLst>
           </p:cNvPr>
@@ -18377,7 +18550,7 @@
           <a:bodyPr/>
           <a:lstStyle/>
           <a:p>
-            <a:fld id="{9993A830-6DA6-4394-A358-10250CDB3A67}" type="slidenum">
+            <a:fld id="{BFEA1545-8540-491B-83AB-51C306516EA6}" type="slidenum">
               <a:rPr lang="en-SE" smtClean="0"/>
               <a:t>69</a:t>
             </a:fld>
@@ -18388,7 +18561,7 @@
     </p:spTree>
     <p:extLst>
       <p:ext uri="{BB962C8B-B14F-4D97-AF65-F5344CB8AC3E}">
-        <p14:creationId xmlns:p14="http://schemas.microsoft.com/office/powerpoint/2010/main" val="3802939393"/>
+        <p14:creationId xmlns:p14="http://schemas.microsoft.com/office/powerpoint/2010/main" val="111630529"/>
       </p:ext>
     </p:extLst>
   </p:cSld>
@@ -18713,6 +18886,262 @@
         <p:spPr/>
         <p:txBody>
           <a:bodyPr>
+            <a:normAutofit fontScale="92500" lnSpcReduction="10000"/>
+          </a:bodyPr>
+          <a:lstStyle/>
+          <a:p>
+            <a:pPr marR="0" lvl="0" rtl="0"/>
+            <a:r>
+              <a:rPr lang="en-US" b="0" i="0" u="none" strike="noStrike" baseline="0" dirty="0">
+                <a:latin typeface="Arial" panose="020B0604020202020204" pitchFamily="34" charset="0"/>
+              </a:rPr>
+              <a:t>Performance</a:t>
+            </a:r>
+          </a:p>
+          <a:p>
+            <a:pPr lvl="1"/>
+            <a:r>
+              <a:rPr lang="en-US" b="0" i="0" u="none" strike="noStrike" baseline="0" dirty="0">
+                <a:latin typeface="Arial" panose="020B0604020202020204" pitchFamily="34" charset="0"/>
+              </a:rPr>
+              <a:t>Filter left - Format right</a:t>
+            </a:r>
+          </a:p>
+          <a:p>
+            <a:pPr lvl="1"/>
+            <a:r>
+              <a:rPr lang="en-US" b="0" i="0" u="none" strike="noStrike" baseline="0" dirty="0">
+                <a:latin typeface="Arial" panose="020B0604020202020204" pitchFamily="34" charset="0"/>
+              </a:rPr>
+              <a:t>Measure-Command</a:t>
+            </a:r>
+          </a:p>
+          <a:p>
+            <a:pPr lvl="1"/>
+            <a:r>
+              <a:rPr lang="en-US" b="0" i="0" u="none" strike="noStrike" baseline="0" dirty="0">
+                <a:latin typeface="Arial" panose="020B0604020202020204" pitchFamily="34" charset="0"/>
+              </a:rPr>
+              <a:t>Pipelines</a:t>
+            </a:r>
+          </a:p>
+          <a:p>
+            <a:pPr lvl="1"/>
+            <a:r>
+              <a:rPr lang="en-US" b="0" i="0" u="none" strike="noStrike" baseline="0" dirty="0">
+                <a:latin typeface="Arial" panose="020B0604020202020204" pitchFamily="34" charset="0"/>
+              </a:rPr>
+              <a:t>Avoid Console Output</a:t>
+            </a:r>
+          </a:p>
+          <a:p>
+            <a:pPr lvl="1"/>
+            <a:r>
+              <a:rPr lang="en-US" b="0" i="0" u="none" strike="noStrike" baseline="0" dirty="0">
+                <a:latin typeface="Arial" panose="020B0604020202020204" pitchFamily="34" charset="0"/>
+              </a:rPr>
+              <a:t>Arrays</a:t>
+            </a:r>
+          </a:p>
+          <a:p>
+            <a:pPr marR="0" lvl="0" rtl="0"/>
+            <a:r>
+              <a:rPr lang="en-US" b="0" i="0" u="none" strike="noStrike" baseline="0" dirty="0">
+                <a:latin typeface="Arial" panose="020B0604020202020204" pitchFamily="34" charset="0"/>
+              </a:rPr>
+              <a:t>Readability</a:t>
+            </a:r>
+          </a:p>
+          <a:p>
+            <a:pPr lvl="1"/>
+            <a:r>
+              <a:rPr lang="en-US" b="0" i="0" u="none" strike="noStrike" baseline="0" dirty="0">
+                <a:latin typeface="Arial" panose="020B0604020202020204" pitchFamily="34" charset="0"/>
+              </a:rPr>
+              <a:t>Don't Use Aliases</a:t>
+            </a:r>
+          </a:p>
+          <a:p>
+            <a:pPr marR="0" lvl="0" rtl="0"/>
+            <a:r>
+              <a:rPr lang="en-US" b="0" i="0" u="none" strike="noStrike" baseline="0" dirty="0">
+                <a:latin typeface="Arial" panose="020B0604020202020204" pitchFamily="34" charset="0"/>
+              </a:rPr>
+              <a:t>Verb-Noun</a:t>
+            </a:r>
+          </a:p>
+          <a:p>
+            <a:pPr marR="0" lvl="0" rtl="0"/>
+            <a:r>
+              <a:rPr lang="en-US" b="0" i="0" u="none" strike="noStrike" baseline="0" dirty="0">
+                <a:latin typeface="Arial" panose="020B0604020202020204" pitchFamily="34" charset="0"/>
+              </a:rPr>
+              <a:t>$null on left side comparison</a:t>
+            </a:r>
+          </a:p>
+          <a:p>
+            <a:pPr marR="0" lvl="0" rtl="0"/>
+            <a:r>
+              <a:rPr lang="en-US" b="0" i="0" u="none" strike="noStrike" baseline="0" dirty="0" err="1">
+                <a:latin typeface="Arial" panose="020B0604020202020204" pitchFamily="34" charset="0"/>
+              </a:rPr>
+              <a:t>VSCode</a:t>
+            </a:r>
+            <a:r>
+              <a:rPr lang="en-US" b="0" i="0" u="none" strike="noStrike" baseline="0" dirty="0">
+                <a:latin typeface="Arial" panose="020B0604020202020204" pitchFamily="34" charset="0"/>
+              </a:rPr>
+              <a:t> Extensions</a:t>
+            </a:r>
+          </a:p>
+        </p:txBody>
+      </p:sp>
+      <p:sp>
+        <p:nvSpPr>
+          <p:cNvPr id="4" name="Footer Placeholder 3">
+            <a:extLst>
+              <a:ext uri="{FF2B5EF4-FFF2-40B4-BE49-F238E27FC236}">
+                <a16:creationId xmlns:a16="http://schemas.microsoft.com/office/drawing/2014/main" id="{DFC4B1A9-C5E5-6767-5A67-3AFFF61F8AE3}"/>
+              </a:ext>
+            </a:extLst>
+          </p:cNvPr>
+          <p:cNvSpPr>
+            <a:spLocks noGrp="1"/>
+          </p:cNvSpPr>
+          <p:nvPr>
+            <p:ph type="ftr" sz="quarter" idx="11"/>
+          </p:nvPr>
+        </p:nvSpPr>
+        <p:spPr/>
+        <p:txBody>
+          <a:bodyPr/>
+          <a:lstStyle/>
+          <a:p>
+            <a:r>
+              <a:rPr lang="sv-SE"/>
+              <a:t>Björn Sundling  bjorn.sundling@advania.com</a:t>
+            </a:r>
+            <a:endParaRPr lang="en-SE"/>
+          </a:p>
+        </p:txBody>
+      </p:sp>
+      <p:sp>
+        <p:nvSpPr>
+          <p:cNvPr id="5" name="Slide Number Placeholder 4">
+            <a:extLst>
+              <a:ext uri="{FF2B5EF4-FFF2-40B4-BE49-F238E27FC236}">
+                <a16:creationId xmlns:a16="http://schemas.microsoft.com/office/drawing/2014/main" id="{BAD258B7-9534-6ABE-261E-70D2894B8FD8}"/>
+              </a:ext>
+            </a:extLst>
+          </p:cNvPr>
+          <p:cNvSpPr>
+            <a:spLocks noGrp="1"/>
+          </p:cNvSpPr>
+          <p:nvPr>
+            <p:ph type="sldNum" sz="quarter" idx="12"/>
+          </p:nvPr>
+        </p:nvSpPr>
+        <p:spPr/>
+        <p:txBody>
+          <a:bodyPr/>
+          <a:lstStyle/>
+          <a:p>
+            <a:fld id="{9993A830-6DA6-4394-A358-10250CDB3A67}" type="slidenum">
+              <a:rPr lang="en-SE" smtClean="0"/>
+              <a:t>70</a:t>
+            </a:fld>
+            <a:endParaRPr lang="en-SE"/>
+          </a:p>
+        </p:txBody>
+      </p:sp>
+    </p:spTree>
+    <p:extLst>
+      <p:ext uri="{BB962C8B-B14F-4D97-AF65-F5344CB8AC3E}">
+        <p14:creationId xmlns:p14="http://schemas.microsoft.com/office/powerpoint/2010/main" val="3802939393"/>
+      </p:ext>
+    </p:extLst>
+  </p:cSld>
+  <p:clrMapOvr>
+    <a:masterClrMapping/>
+  </p:clrMapOvr>
+</p:sld>
+</file>
+
+<file path=ppt/slides/slide71.xml><?xml version="1.0" encoding="utf-8"?>
+<p:sld xmlns:a="http://schemas.openxmlformats.org/drawingml/2006/main" xmlns:r="http://schemas.openxmlformats.org/officeDocument/2006/relationships" xmlns:p="http://schemas.openxmlformats.org/presentationml/2006/main">
+  <p:cSld>
+    <p:spTree>
+      <p:nvGrpSpPr>
+        <p:cNvPr id="1" name=""/>
+        <p:cNvGrpSpPr/>
+        <p:nvPr/>
+      </p:nvGrpSpPr>
+      <p:grpSpPr>
+        <a:xfrm>
+          <a:off x="0" y="0"/>
+          <a:ext cx="0" cy="0"/>
+          <a:chOff x="0" y="0"/>
+          <a:chExt cx="0" cy="0"/>
+        </a:xfrm>
+      </p:grpSpPr>
+      <p:sp>
+        <p:nvSpPr>
+          <p:cNvPr id="2" name="Title 1">
+            <a:extLst>
+              <a:ext uri="{FF2B5EF4-FFF2-40B4-BE49-F238E27FC236}">
+                <a16:creationId xmlns:a16="http://schemas.microsoft.com/office/drawing/2014/main" id="{020D5667-3F2E-0371-B2AF-410D252A6CEA}"/>
+              </a:ext>
+            </a:extLst>
+          </p:cNvPr>
+          <p:cNvSpPr>
+            <a:spLocks noGrp="1"/>
+          </p:cNvSpPr>
+          <p:nvPr>
+            <p:ph type="title"/>
+          </p:nvPr>
+        </p:nvSpPr>
+        <p:spPr>
+          <a:xfrm>
+            <a:off x="838200" y="365125"/>
+            <a:ext cx="10515600" cy="1325563"/>
+          </a:xfrm>
+        </p:spPr>
+        <p:txBody>
+          <a:bodyPr/>
+          <a:lstStyle/>
+          <a:p>
+            <a:pPr marR="0" rtl="0"/>
+            <a:r>
+              <a:rPr lang="en-GB" b="1" i="0" u="none" strike="noStrike" baseline="0" dirty="0">
+                <a:latin typeface="Arial" panose="020B0604020202020204" pitchFamily="34" charset="0"/>
+              </a:rPr>
+              <a:t>Best Practices</a:t>
+            </a:r>
+            <a:endParaRPr lang="en-GB" b="0" i="0" u="none" strike="noStrike" baseline="0" dirty="0">
+              <a:latin typeface="Arial" panose="020B0604020202020204" pitchFamily="34" charset="0"/>
+            </a:endParaRPr>
+          </a:p>
+        </p:txBody>
+      </p:sp>
+      <p:sp>
+        <p:nvSpPr>
+          <p:cNvPr id="3" name="Text Placeholder 2">
+            <a:extLst>
+              <a:ext uri="{FF2B5EF4-FFF2-40B4-BE49-F238E27FC236}">
+                <a16:creationId xmlns:a16="http://schemas.microsoft.com/office/drawing/2014/main" id="{14842F41-DE27-3397-05EB-81DCA4DF63A8}"/>
+              </a:ext>
+            </a:extLst>
+          </p:cNvPr>
+          <p:cNvSpPr>
+            <a:spLocks noGrp="1"/>
+          </p:cNvSpPr>
+          <p:nvPr>
+            <p:ph type="body" idx="1"/>
+          </p:nvPr>
+        </p:nvSpPr>
+        <p:spPr/>
+        <p:txBody>
+          <a:bodyPr>
             <a:normAutofit/>
           </a:bodyPr>
           <a:lstStyle/>
@@ -18782,7 +19211,7 @@
           <a:p>
             <a:fld id="{9993A830-6DA6-4394-A358-10250CDB3A67}" type="slidenum">
               <a:rPr lang="en-SE" smtClean="0"/>
-              <a:t>70</a:t>
+              <a:t>71</a:t>
             </a:fld>
             <a:endParaRPr lang="en-SE"/>
           </a:p>
@@ -18886,150 +19315,6 @@
 </p:sld>
 </file>
 
-<file path=ppt/slides/slide71.xml><?xml version="1.0" encoding="utf-8"?>
-<p:sld xmlns:a="http://schemas.openxmlformats.org/drawingml/2006/main" xmlns:r="http://schemas.openxmlformats.org/officeDocument/2006/relationships" xmlns:p="http://schemas.openxmlformats.org/presentationml/2006/main" show="0">
-  <p:cSld>
-    <p:spTree>
-      <p:nvGrpSpPr>
-        <p:cNvPr id="1" name=""/>
-        <p:cNvGrpSpPr/>
-        <p:nvPr/>
-      </p:nvGrpSpPr>
-      <p:grpSpPr>
-        <a:xfrm>
-          <a:off x="0" y="0"/>
-          <a:ext cx="0" cy="0"/>
-          <a:chOff x="0" y="0"/>
-          <a:chExt cx="0" cy="0"/>
-        </a:xfrm>
-      </p:grpSpPr>
-      <p:sp>
-        <p:nvSpPr>
-          <p:cNvPr id="2" name="Title 1">
-            <a:extLst>
-              <a:ext uri="{FF2B5EF4-FFF2-40B4-BE49-F238E27FC236}">
-                <a16:creationId xmlns:a16="http://schemas.microsoft.com/office/drawing/2014/main" id="{55D23047-3833-EFE0-8A01-090ACFE1D9FC}"/>
-              </a:ext>
-            </a:extLst>
-          </p:cNvPr>
-          <p:cNvSpPr>
-            <a:spLocks noGrp="1"/>
-          </p:cNvSpPr>
-          <p:nvPr>
-            <p:ph type="title"/>
-          </p:nvPr>
-        </p:nvSpPr>
-        <p:spPr/>
-        <p:txBody>
-          <a:bodyPr/>
-          <a:lstStyle/>
-          <a:p>
-            <a:r>
-              <a:rPr lang="en-GB" b="1" i="0" u="none" strike="noStrike" baseline="0" dirty="0">
-                <a:latin typeface="Arial" panose="020B0604020202020204" pitchFamily="34" charset="0"/>
-              </a:rPr>
-              <a:t>Chapter name</a:t>
-            </a:r>
-            <a:endParaRPr lang="en-SE" dirty="0"/>
-          </a:p>
-        </p:txBody>
-      </p:sp>
-      <p:sp>
-        <p:nvSpPr>
-          <p:cNvPr id="3" name="Text Placeholder 2">
-            <a:extLst>
-              <a:ext uri="{FF2B5EF4-FFF2-40B4-BE49-F238E27FC236}">
-                <a16:creationId xmlns:a16="http://schemas.microsoft.com/office/drawing/2014/main" id="{1F80B5F8-E4FB-9CDB-0C7C-EEDCB4B8AF1D}"/>
-              </a:ext>
-            </a:extLst>
-          </p:cNvPr>
-          <p:cNvSpPr>
-            <a:spLocks noGrp="1"/>
-          </p:cNvSpPr>
-          <p:nvPr>
-            <p:ph type="body" idx="1"/>
-          </p:nvPr>
-        </p:nvSpPr>
-        <p:spPr/>
-        <p:txBody>
-          <a:bodyPr/>
-          <a:lstStyle/>
-          <a:p>
-            <a:endParaRPr lang="en-SE"/>
-          </a:p>
-        </p:txBody>
-      </p:sp>
-      <p:sp>
-        <p:nvSpPr>
-          <p:cNvPr id="4" name="Footer Placeholder 3">
-            <a:extLst>
-              <a:ext uri="{FF2B5EF4-FFF2-40B4-BE49-F238E27FC236}">
-                <a16:creationId xmlns:a16="http://schemas.microsoft.com/office/drawing/2014/main" id="{AFF17C74-066C-F6D3-8B07-3A4273A5590B}"/>
-              </a:ext>
-            </a:extLst>
-          </p:cNvPr>
-          <p:cNvSpPr>
-            <a:spLocks noGrp="1"/>
-          </p:cNvSpPr>
-          <p:nvPr>
-            <p:ph type="ftr" sz="quarter" idx="11"/>
-          </p:nvPr>
-        </p:nvSpPr>
-        <p:spPr/>
-        <p:txBody>
-          <a:bodyPr/>
-          <a:lstStyle/>
-          <a:p>
-            <a:r>
-              <a:rPr lang="sv-SE"/>
-              <a:t>Björn Sundling  bjorn.sundling@advania.com</a:t>
-            </a:r>
-            <a:endParaRPr lang="en-SE"/>
-          </a:p>
-        </p:txBody>
-      </p:sp>
-      <p:sp>
-        <p:nvSpPr>
-          <p:cNvPr id="5" name="Slide Number Placeholder 4">
-            <a:extLst>
-              <a:ext uri="{FF2B5EF4-FFF2-40B4-BE49-F238E27FC236}">
-                <a16:creationId xmlns:a16="http://schemas.microsoft.com/office/drawing/2014/main" id="{20FE1399-C7F6-1C33-DF5B-DE42A78C5F7F}"/>
-              </a:ext>
-            </a:extLst>
-          </p:cNvPr>
-          <p:cNvSpPr>
-            <a:spLocks noGrp="1"/>
-          </p:cNvSpPr>
-          <p:nvPr>
-            <p:ph type="sldNum" sz="quarter" idx="12"/>
-          </p:nvPr>
-        </p:nvSpPr>
-        <p:spPr/>
-        <p:txBody>
-          <a:bodyPr/>
-          <a:lstStyle/>
-          <a:p>
-            <a:fld id="{BFEA1545-8540-491B-83AB-51C306516EA6}" type="slidenum">
-              <a:rPr lang="en-SE" smtClean="0"/>
-              <a:t>71</a:t>
-            </a:fld>
-            <a:endParaRPr lang="en-SE"/>
-          </a:p>
-        </p:txBody>
-      </p:sp>
-    </p:spTree>
-    <p:extLst>
-      <p:ext uri="{BB962C8B-B14F-4D97-AF65-F5344CB8AC3E}">
-        <p14:creationId xmlns:p14="http://schemas.microsoft.com/office/powerpoint/2010/main" val="2146787524"/>
-      </p:ext>
-    </p:extLst>
-  </p:cSld>
-  <p:clrMapOvr>
-    <a:masterClrMapping/>
-  </p:clrMapOvr>
-</p:sld>
-</file>
-
 <file path=ppt/slides/slide72.xml><?xml version="1.0" encoding="utf-8"?>
 <p:sld xmlns:a="http://schemas.openxmlformats.org/drawingml/2006/main" xmlns:r="http://schemas.openxmlformats.org/officeDocument/2006/relationships" xmlns:p="http://schemas.openxmlformats.org/presentationml/2006/main" show="0">
   <p:cSld>
@@ -19052,7 +19337,7 @@
           <p:cNvPr id="2" name="Title 1">
             <a:extLst>
               <a:ext uri="{FF2B5EF4-FFF2-40B4-BE49-F238E27FC236}">
-                <a16:creationId xmlns:a16="http://schemas.microsoft.com/office/drawing/2014/main" id="{020D5667-3F2E-0371-B2AF-410D252A6CEA}"/>
+                <a16:creationId xmlns:a16="http://schemas.microsoft.com/office/drawing/2014/main" id="{55D23047-3833-EFE0-8A01-090ACFE1D9FC}"/>
               </a:ext>
             </a:extLst>
           </p:cNvPr>
@@ -19063,26 +19348,18 @@
             <p:ph type="title"/>
           </p:nvPr>
         </p:nvSpPr>
-        <p:spPr>
-          <a:xfrm>
-            <a:off x="838200" y="365125"/>
-            <a:ext cx="10515600" cy="1325563"/>
-          </a:xfrm>
-        </p:spPr>
-        <p:txBody>
-          <a:bodyPr/>
-          <a:lstStyle/>
-          <a:p>
-            <a:pPr marR="0" rtl="0"/>
+        <p:spPr/>
+        <p:txBody>
+          <a:bodyPr/>
+          <a:lstStyle/>
+          <a:p>
             <a:r>
               <a:rPr lang="en-GB" b="1" i="0" u="none" strike="noStrike" baseline="0" dirty="0">
                 <a:latin typeface="Arial" panose="020B0604020202020204" pitchFamily="34" charset="0"/>
               </a:rPr>
               <a:t>Chapter name</a:t>
             </a:r>
-            <a:endParaRPr lang="en-GB" b="0" i="0" u="none" strike="noStrike" baseline="0" dirty="0">
-              <a:latin typeface="Arial" panose="020B0604020202020204" pitchFamily="34" charset="0"/>
-            </a:endParaRPr>
+            <a:endParaRPr lang="en-SE" dirty="0"/>
           </a:p>
         </p:txBody>
       </p:sp>
@@ -19091,7 +19368,7 @@
           <p:cNvPr id="3" name="Text Placeholder 2">
             <a:extLst>
               <a:ext uri="{FF2B5EF4-FFF2-40B4-BE49-F238E27FC236}">
-                <a16:creationId xmlns:a16="http://schemas.microsoft.com/office/drawing/2014/main" id="{14842F41-DE27-3397-05EB-81DCA4DF63A8}"/>
+                <a16:creationId xmlns:a16="http://schemas.microsoft.com/office/drawing/2014/main" id="{1F80B5F8-E4FB-9CDB-0C7C-EEDCB4B8AF1D}"/>
               </a:ext>
             </a:extLst>
           </p:cNvPr>
@@ -19104,30 +19381,10 @@
         </p:nvSpPr>
         <p:spPr/>
         <p:txBody>
-          <a:bodyPr>
-            <a:normAutofit/>
-          </a:bodyPr>
-          <a:lstStyle/>
-          <a:p>
-            <a:pPr marR="0" lvl="0" rtl="0"/>
-            <a:r>
-              <a:rPr lang="en-US" b="0" i="0" u="none" strike="noStrike" baseline="0" dirty="0">
-                <a:latin typeface="Arial" panose="020B0604020202020204" pitchFamily="34" charset="0"/>
-              </a:rPr>
-              <a:t>Text goes here</a:t>
-            </a:r>
-          </a:p>
-          <a:p>
-            <a:pPr lvl="1"/>
-            <a:r>
-              <a:rPr lang="en-US" dirty="0">
-                <a:latin typeface="Arial" panose="020B0604020202020204" pitchFamily="34" charset="0"/>
-              </a:rPr>
-              <a:t>Or here</a:t>
-            </a:r>
-            <a:endParaRPr lang="en-GB" b="0" i="0" u="none" strike="noStrike" baseline="0" dirty="0">
-              <a:latin typeface="Arial" panose="020B0604020202020204" pitchFamily="34" charset="0"/>
-            </a:endParaRPr>
+          <a:bodyPr/>
+          <a:lstStyle/>
+          <a:p>
+            <a:endParaRPr lang="en-SE"/>
           </a:p>
         </p:txBody>
       </p:sp>
@@ -19136,7 +19393,7 @@
           <p:cNvPr id="4" name="Footer Placeholder 3">
             <a:extLst>
               <a:ext uri="{FF2B5EF4-FFF2-40B4-BE49-F238E27FC236}">
-                <a16:creationId xmlns:a16="http://schemas.microsoft.com/office/drawing/2014/main" id="{DFC4B1A9-C5E5-6767-5A67-3AFFF61F8AE3}"/>
+                <a16:creationId xmlns:a16="http://schemas.microsoft.com/office/drawing/2014/main" id="{AFF17C74-066C-F6D3-8B07-3A4273A5590B}"/>
               </a:ext>
             </a:extLst>
           </p:cNvPr>
@@ -19165,7 +19422,7 @@
           <p:cNvPr id="5" name="Slide Number Placeholder 4">
             <a:extLst>
               <a:ext uri="{FF2B5EF4-FFF2-40B4-BE49-F238E27FC236}">
-                <a16:creationId xmlns:a16="http://schemas.microsoft.com/office/drawing/2014/main" id="{BAD258B7-9534-6ABE-261E-70D2894B8FD8}"/>
+                <a16:creationId xmlns:a16="http://schemas.microsoft.com/office/drawing/2014/main" id="{20FE1399-C7F6-1C33-DF5B-DE42A78C5F7F}"/>
               </a:ext>
             </a:extLst>
           </p:cNvPr>
@@ -19181,7 +19438,7 @@
           <a:bodyPr/>
           <a:lstStyle/>
           <a:p>
-            <a:fld id="{9993A830-6DA6-4394-A358-10250CDB3A67}" type="slidenum">
+            <a:fld id="{BFEA1545-8540-491B-83AB-51C306516EA6}" type="slidenum">
               <a:rPr lang="en-SE" smtClean="0"/>
               <a:t>72</a:t>
             </a:fld>
@@ -19192,7 +19449,7 @@
     </p:spTree>
     <p:extLst>
       <p:ext uri="{BB962C8B-B14F-4D97-AF65-F5344CB8AC3E}">
-        <p14:creationId xmlns:p14="http://schemas.microsoft.com/office/powerpoint/2010/main" val="240548692"/>
+        <p14:creationId xmlns:p14="http://schemas.microsoft.com/office/powerpoint/2010/main" val="2146787524"/>
       </p:ext>
     </p:extLst>
   </p:cSld>
@@ -19224,6 +19481,178 @@
           <p:cNvPr id="2" name="Title 1">
             <a:extLst>
               <a:ext uri="{FF2B5EF4-FFF2-40B4-BE49-F238E27FC236}">
+                <a16:creationId xmlns:a16="http://schemas.microsoft.com/office/drawing/2014/main" id="{020D5667-3F2E-0371-B2AF-410D252A6CEA}"/>
+              </a:ext>
+            </a:extLst>
+          </p:cNvPr>
+          <p:cNvSpPr>
+            <a:spLocks noGrp="1"/>
+          </p:cNvSpPr>
+          <p:nvPr>
+            <p:ph type="title"/>
+          </p:nvPr>
+        </p:nvSpPr>
+        <p:spPr>
+          <a:xfrm>
+            <a:off x="838200" y="365125"/>
+            <a:ext cx="10515600" cy="1325563"/>
+          </a:xfrm>
+        </p:spPr>
+        <p:txBody>
+          <a:bodyPr/>
+          <a:lstStyle/>
+          <a:p>
+            <a:pPr marR="0" rtl="0"/>
+            <a:r>
+              <a:rPr lang="en-GB" b="1" i="0" u="none" strike="noStrike" baseline="0" dirty="0">
+                <a:latin typeface="Arial" panose="020B0604020202020204" pitchFamily="34" charset="0"/>
+              </a:rPr>
+              <a:t>Chapter name</a:t>
+            </a:r>
+            <a:endParaRPr lang="en-GB" b="0" i="0" u="none" strike="noStrike" baseline="0" dirty="0">
+              <a:latin typeface="Arial" panose="020B0604020202020204" pitchFamily="34" charset="0"/>
+            </a:endParaRPr>
+          </a:p>
+        </p:txBody>
+      </p:sp>
+      <p:sp>
+        <p:nvSpPr>
+          <p:cNvPr id="3" name="Text Placeholder 2">
+            <a:extLst>
+              <a:ext uri="{FF2B5EF4-FFF2-40B4-BE49-F238E27FC236}">
+                <a16:creationId xmlns:a16="http://schemas.microsoft.com/office/drawing/2014/main" id="{14842F41-DE27-3397-05EB-81DCA4DF63A8}"/>
+              </a:ext>
+            </a:extLst>
+          </p:cNvPr>
+          <p:cNvSpPr>
+            <a:spLocks noGrp="1"/>
+          </p:cNvSpPr>
+          <p:nvPr>
+            <p:ph type="body" idx="1"/>
+          </p:nvPr>
+        </p:nvSpPr>
+        <p:spPr/>
+        <p:txBody>
+          <a:bodyPr>
+            <a:normAutofit/>
+          </a:bodyPr>
+          <a:lstStyle/>
+          <a:p>
+            <a:pPr marR="0" lvl="0" rtl="0"/>
+            <a:r>
+              <a:rPr lang="en-US" b="0" i="0" u="none" strike="noStrike" baseline="0" dirty="0">
+                <a:latin typeface="Arial" panose="020B0604020202020204" pitchFamily="34" charset="0"/>
+              </a:rPr>
+              <a:t>Text goes here</a:t>
+            </a:r>
+          </a:p>
+          <a:p>
+            <a:pPr lvl="1"/>
+            <a:r>
+              <a:rPr lang="en-US" dirty="0">
+                <a:latin typeface="Arial" panose="020B0604020202020204" pitchFamily="34" charset="0"/>
+              </a:rPr>
+              <a:t>Or here</a:t>
+            </a:r>
+            <a:endParaRPr lang="en-GB" b="0" i="0" u="none" strike="noStrike" baseline="0" dirty="0">
+              <a:latin typeface="Arial" panose="020B0604020202020204" pitchFamily="34" charset="0"/>
+            </a:endParaRPr>
+          </a:p>
+        </p:txBody>
+      </p:sp>
+      <p:sp>
+        <p:nvSpPr>
+          <p:cNvPr id="4" name="Footer Placeholder 3">
+            <a:extLst>
+              <a:ext uri="{FF2B5EF4-FFF2-40B4-BE49-F238E27FC236}">
+                <a16:creationId xmlns:a16="http://schemas.microsoft.com/office/drawing/2014/main" id="{DFC4B1A9-C5E5-6767-5A67-3AFFF61F8AE3}"/>
+              </a:ext>
+            </a:extLst>
+          </p:cNvPr>
+          <p:cNvSpPr>
+            <a:spLocks noGrp="1"/>
+          </p:cNvSpPr>
+          <p:nvPr>
+            <p:ph type="ftr" sz="quarter" idx="11"/>
+          </p:nvPr>
+        </p:nvSpPr>
+        <p:spPr/>
+        <p:txBody>
+          <a:bodyPr/>
+          <a:lstStyle/>
+          <a:p>
+            <a:r>
+              <a:rPr lang="sv-SE"/>
+              <a:t>Björn Sundling  bjorn.sundling@advania.com</a:t>
+            </a:r>
+            <a:endParaRPr lang="en-SE"/>
+          </a:p>
+        </p:txBody>
+      </p:sp>
+      <p:sp>
+        <p:nvSpPr>
+          <p:cNvPr id="5" name="Slide Number Placeholder 4">
+            <a:extLst>
+              <a:ext uri="{FF2B5EF4-FFF2-40B4-BE49-F238E27FC236}">
+                <a16:creationId xmlns:a16="http://schemas.microsoft.com/office/drawing/2014/main" id="{BAD258B7-9534-6ABE-261E-70D2894B8FD8}"/>
+              </a:ext>
+            </a:extLst>
+          </p:cNvPr>
+          <p:cNvSpPr>
+            <a:spLocks noGrp="1"/>
+          </p:cNvSpPr>
+          <p:nvPr>
+            <p:ph type="sldNum" sz="quarter" idx="12"/>
+          </p:nvPr>
+        </p:nvSpPr>
+        <p:spPr/>
+        <p:txBody>
+          <a:bodyPr/>
+          <a:lstStyle/>
+          <a:p>
+            <a:fld id="{9993A830-6DA6-4394-A358-10250CDB3A67}" type="slidenum">
+              <a:rPr lang="en-SE" smtClean="0"/>
+              <a:t>73</a:t>
+            </a:fld>
+            <a:endParaRPr lang="en-SE"/>
+          </a:p>
+        </p:txBody>
+      </p:sp>
+    </p:spTree>
+    <p:extLst>
+      <p:ext uri="{BB962C8B-B14F-4D97-AF65-F5344CB8AC3E}">
+        <p14:creationId xmlns:p14="http://schemas.microsoft.com/office/powerpoint/2010/main" val="240548692"/>
+      </p:ext>
+    </p:extLst>
+  </p:cSld>
+  <p:clrMapOvr>
+    <a:masterClrMapping/>
+  </p:clrMapOvr>
+</p:sld>
+</file>
+
+<file path=ppt/slides/slide74.xml><?xml version="1.0" encoding="utf-8"?>
+<p:sld xmlns:a="http://schemas.openxmlformats.org/drawingml/2006/main" xmlns:r="http://schemas.openxmlformats.org/officeDocument/2006/relationships" xmlns:p="http://schemas.openxmlformats.org/presentationml/2006/main" show="0">
+  <p:cSld>
+    <p:spTree>
+      <p:nvGrpSpPr>
+        <p:cNvPr id="1" name=""/>
+        <p:cNvGrpSpPr/>
+        <p:nvPr/>
+      </p:nvGrpSpPr>
+      <p:grpSpPr>
+        <a:xfrm>
+          <a:off x="0" y="0"/>
+          <a:ext cx="0" cy="0"/>
+          <a:chOff x="0" y="0"/>
+          <a:chExt cx="0" cy="0"/>
+        </a:xfrm>
+      </p:grpSpPr>
+      <p:sp>
+        <p:nvSpPr>
+          <p:cNvPr id="2" name="Title 1">
+            <a:extLst>
+              <a:ext uri="{FF2B5EF4-FFF2-40B4-BE49-F238E27FC236}">
                 <a16:creationId xmlns:a16="http://schemas.microsoft.com/office/drawing/2014/main" id="{69BCD6E1-D5BF-EF3E-F0CC-EDE7BAE35861}"/>
               </a:ext>
             </a:extLst>
@@ -19383,7 +19812,7 @@
           <a:p>
             <a:fld id="{BFEA1545-8540-491B-83AB-51C306516EA6}" type="slidenum">
               <a:rPr lang="en-SE" smtClean="0"/>
-              <a:t>73</a:t>
+              <a:t>74</a:t>
             </a:fld>
             <a:endParaRPr lang="en-SE"/>
           </a:p>
@@ -19402,7 +19831,7 @@
 </p:sld>
 </file>
 
-<file path=ppt/slides/slide74.xml><?xml version="1.0" encoding="utf-8"?>
+<file path=ppt/slides/slide75.xml><?xml version="1.0" encoding="utf-8"?>
 <p:sld xmlns:a="http://schemas.openxmlformats.org/drawingml/2006/main" xmlns:r="http://schemas.openxmlformats.org/officeDocument/2006/relationships" xmlns:p="http://schemas.openxmlformats.org/presentationml/2006/main">
   <p:cSld>
     <p:spTree>

--- a/PowerShell Fundamentals.pptx
+++ b/PowerShell Fundamentals.pptx
@@ -8959,14 +8959,7 @@
                 <a:latin typeface="Arial" panose="020B0604020202020204" pitchFamily="34" charset="0"/>
                 <a:hlinkClick r:id="rId3"/>
               </a:rPr>
-              <a:t>https://bsky.app/profile/bjompen</a:t>
-            </a:r>
-            <a:r>
-              <a:rPr lang="en-GB" b="0" i="0" u="none" strike="noStrike" baseline="0">
-                <a:latin typeface="Arial" panose="020B0604020202020204" pitchFamily="34" charset="0"/>
-                <a:hlinkClick r:id="rId3"/>
-              </a:rPr>
-              <a:t>.com</a:t>
+              <a:t>https://bsky.app/profile/bjompen.com</a:t>
             </a:r>
             <a:endParaRPr lang="en-GB" b="0" i="0" u="none" strike="noStrike" baseline="0" dirty="0">
               <a:latin typeface="Arial" panose="020B0604020202020204" pitchFamily="34" charset="0"/>
@@ -8974,10 +8967,16 @@
           </a:p>
           <a:p>
             <a:r>
+              <a:rPr lang="en-GB">
+                <a:latin typeface="Arial" panose="020B0604020202020204" pitchFamily="34" charset="0"/>
+              </a:rPr>
+              <a:t>You</a:t>
+            </a:r>
+            <a:r>
               <a:rPr lang="en-GB" dirty="0">
                 <a:latin typeface="Arial" panose="020B0604020202020204" pitchFamily="34" charset="0"/>
               </a:rPr>
-              <a:t>You?</a:t>
+              <a:t>?</a:t>
             </a:r>
           </a:p>
           <a:p>

--- a/PowerShell Fundamentals.pptx
+++ b/PowerShell Fundamentals.pptx
@@ -5,7 +5,7 @@
     <p:sldMasterId id="2147483648" r:id="rId1"/>
   </p:sldMasterIdLst>
   <p:notesMasterIdLst>
-    <p:notesMasterId r:id="rId77"/>
+    <p:notesMasterId r:id="rId78"/>
   </p:notesMasterIdLst>
   <p:sldIdLst>
     <p:sldId id="256" r:id="rId2"/>
@@ -65,24 +65,25 @@
     <p:sldId id="384" r:id="rId56"/>
     <p:sldId id="385" r:id="rId57"/>
     <p:sldId id="393" r:id="rId58"/>
-    <p:sldId id="395" r:id="rId59"/>
-    <p:sldId id="396" r:id="rId60"/>
-    <p:sldId id="397" r:id="rId61"/>
-    <p:sldId id="394" r:id="rId62"/>
-    <p:sldId id="386" r:id="rId63"/>
-    <p:sldId id="387" r:id="rId64"/>
-    <p:sldId id="388" r:id="rId65"/>
-    <p:sldId id="398" r:id="rId66"/>
-    <p:sldId id="399" r:id="rId67"/>
-    <p:sldId id="353" r:id="rId68"/>
-    <p:sldId id="354" r:id="rId69"/>
-    <p:sldId id="356" r:id="rId70"/>
-    <p:sldId id="357" r:id="rId71"/>
-    <p:sldId id="400" r:id="rId72"/>
-    <p:sldId id="362" r:id="rId73"/>
-    <p:sldId id="363" r:id="rId74"/>
-    <p:sldId id="364" r:id="rId75"/>
-    <p:sldId id="333" r:id="rId76"/>
+    <p:sldId id="406" r:id="rId59"/>
+    <p:sldId id="395" r:id="rId60"/>
+    <p:sldId id="396" r:id="rId61"/>
+    <p:sldId id="397" r:id="rId62"/>
+    <p:sldId id="394" r:id="rId63"/>
+    <p:sldId id="386" r:id="rId64"/>
+    <p:sldId id="387" r:id="rId65"/>
+    <p:sldId id="388" r:id="rId66"/>
+    <p:sldId id="398" r:id="rId67"/>
+    <p:sldId id="399" r:id="rId68"/>
+    <p:sldId id="353" r:id="rId69"/>
+    <p:sldId id="354" r:id="rId70"/>
+    <p:sldId id="356" r:id="rId71"/>
+    <p:sldId id="357" r:id="rId72"/>
+    <p:sldId id="400" r:id="rId73"/>
+    <p:sldId id="362" r:id="rId74"/>
+    <p:sldId id="363" r:id="rId75"/>
+    <p:sldId id="364" r:id="rId76"/>
+    <p:sldId id="333" r:id="rId77"/>
   </p:sldIdLst>
   <p:sldSz cx="12192000" cy="6858000"/>
   <p:notesSz cx="6858000" cy="9144000"/>
@@ -283,6 +284,7 @@
             <p14:sldId id="384"/>
             <p14:sldId id="385"/>
             <p14:sldId id="393"/>
+            <p14:sldId id="406"/>
             <p14:sldId id="395"/>
             <p14:sldId id="396"/>
             <p14:sldId id="397"/>
@@ -414,7 +416,7 @@
           <a:p>
             <a:fld id="{11BE664F-9A4E-421C-8905-E251DED2D814}" type="datetimeFigureOut">
               <a:rPr lang="en-SE" smtClean="0"/>
-              <a:t>2025-02-03</a:t>
+              <a:t>2025-02-14</a:t>
             </a:fld>
             <a:endParaRPr lang="en-SE"/>
           </a:p>
@@ -771,7 +773,7 @@
           <a:p>
             <a:fld id="{19592BCA-B8D7-4059-A661-C132E0F5E2FC}" type="slidenum">
               <a:rPr lang="en-SE" smtClean="0"/>
-              <a:t>71</a:t>
+              <a:t>72</a:t>
             </a:fld>
             <a:endParaRPr lang="en-SE"/>
           </a:p>
@@ -15702,7 +15704,13 @@
   <p:cSld>
     <p:spTree>
       <p:nvGrpSpPr>
-        <p:cNvPr id="1" name=""/>
+        <p:cNvPr id="1" name="">
+          <a:extLst>
+            <a:ext uri="{FF2B5EF4-FFF2-40B4-BE49-F238E27FC236}">
+              <a16:creationId xmlns:a16="http://schemas.microsoft.com/office/drawing/2014/main" id="{E0BA1FC2-23BE-057B-AAEE-420B12C61407}"/>
+            </a:ext>
+          </a:extLst>
+        </p:cNvPr>
         <p:cNvGrpSpPr/>
         <p:nvPr/>
       </p:nvGrpSpPr>
@@ -15719,7 +15727,7 @@
           <p:cNvPr id="2" name="Title 1">
             <a:extLst>
               <a:ext uri="{FF2B5EF4-FFF2-40B4-BE49-F238E27FC236}">
-                <a16:creationId xmlns:a16="http://schemas.microsoft.com/office/drawing/2014/main" id="{020D5667-3F2E-0371-B2AF-410D252A6CEA}"/>
+                <a16:creationId xmlns:a16="http://schemas.microsoft.com/office/drawing/2014/main" id="{D4634EA4-4B24-DC45-5A06-57715A048280}"/>
               </a:ext>
             </a:extLst>
           </p:cNvPr>
@@ -15758,7 +15766,7 @@
           <p:cNvPr id="3" name="Text Placeholder 2">
             <a:extLst>
               <a:ext uri="{FF2B5EF4-FFF2-40B4-BE49-F238E27FC236}">
-                <a16:creationId xmlns:a16="http://schemas.microsoft.com/office/drawing/2014/main" id="{14842F41-DE27-3397-05EB-81DCA4DF63A8}"/>
+                <a16:creationId xmlns:a16="http://schemas.microsoft.com/office/drawing/2014/main" id="{CF927741-F1EA-AF27-7551-6B5C63218065}"/>
               </a:ext>
             </a:extLst>
           </p:cNvPr>
@@ -15776,92 +15784,79 @@
           </a:bodyPr>
           <a:lstStyle/>
           <a:p>
-            <a:pPr marR="0" lvl="0" rtl="0"/>
             <a:r>
               <a:rPr lang="en-US" b="0" i="0" u="none" strike="noStrike" baseline="0" dirty="0">
                 <a:latin typeface="Arial" panose="020B0604020202020204" pitchFamily="34" charset="0"/>
               </a:rPr>
-              <a:t>Conditions</a:t>
+              <a:t>Comparisons</a:t>
+            </a:r>
+            <a:r>
+              <a:rPr lang="en-US" dirty="0">
+                <a:latin typeface="Arial" panose="020B0604020202020204" pitchFamily="34" charset="0"/>
+              </a:rPr>
+              <a:t> with empty values</a:t>
             </a:r>
           </a:p>
           <a:p>
             <a:pPr lvl="1"/>
             <a:r>
-              <a:rPr lang="en-US" b="0" i="0" u="none" strike="noStrike" baseline="0" dirty="0">
-                <a:latin typeface="Arial" panose="020B0604020202020204" pitchFamily="34" charset="0"/>
-              </a:rPr>
-              <a:t>Operators</a:t>
+              <a:rPr lang="en-US" dirty="0">
+                <a:latin typeface="Arial" panose="020B0604020202020204" pitchFamily="34" charset="0"/>
+              </a:rPr>
+              <a:t>[string]::</a:t>
+            </a:r>
+            <a:r>
+              <a:rPr lang="en-US" dirty="0" err="1">
+                <a:latin typeface="Arial" panose="020B0604020202020204" pitchFamily="34" charset="0"/>
+              </a:rPr>
+              <a:t>IsNullOrEmpty</a:t>
+            </a:r>
+            <a:r>
+              <a:rPr lang="en-US" dirty="0">
+                <a:latin typeface="Arial" panose="020B0604020202020204" pitchFamily="34" charset="0"/>
+              </a:rPr>
+              <a:t>()</a:t>
+            </a:r>
+          </a:p>
+          <a:p>
+            <a:pPr lvl="1"/>
+            <a:r>
+              <a:rPr lang="en-US" dirty="0">
+                <a:latin typeface="Arial" panose="020B0604020202020204" pitchFamily="34" charset="0"/>
+              </a:rPr>
+              <a:t>[string]::</a:t>
+            </a:r>
+            <a:r>
+              <a:rPr lang="en-US" dirty="0" err="1">
+                <a:latin typeface="Arial" panose="020B0604020202020204" pitchFamily="34" charset="0"/>
+              </a:rPr>
+              <a:t>IsNullOrWhiteSpace</a:t>
+            </a:r>
+            <a:r>
+              <a:rPr lang="en-US" dirty="0">
+                <a:latin typeface="Arial" panose="020B0604020202020204" pitchFamily="34" charset="0"/>
+              </a:rPr>
+              <a:t>()</a:t>
             </a:r>
           </a:p>
           <a:p>
             <a:pPr lvl="2"/>
             <a:r>
-              <a:rPr lang="en-US" b="0" i="0" u="none" strike="noStrike" baseline="0" dirty="0">
-                <a:latin typeface="Arial" panose="020B0604020202020204" pitchFamily="34" charset="0"/>
-              </a:rPr>
-              <a:t>Logical</a:t>
-            </a:r>
-          </a:p>
-          <a:p>
-            <a:pPr lvl="3"/>
-            <a:r>
-              <a:rPr lang="en-US" b="0" i="0" u="none" strike="noStrike" baseline="0" dirty="0">
-                <a:latin typeface="Arial" panose="020B0604020202020204" pitchFamily="34" charset="0"/>
-              </a:rPr>
-              <a:t>-and / -or</a:t>
-            </a:r>
-          </a:p>
-          <a:p>
-            <a:pPr lvl="3"/>
-            <a:r>
-              <a:rPr lang="en-US" b="0" i="0" u="none" strike="noStrike" baseline="0" dirty="0">
-                <a:latin typeface="Arial" panose="020B0604020202020204" pitchFamily="34" charset="0"/>
-              </a:rPr>
-              <a:t>-not</a:t>
-            </a:r>
-          </a:p>
-          <a:p>
-            <a:pPr lvl="2"/>
-            <a:r>
-              <a:rPr lang="en-US" b="0" i="0" u="none" strike="noStrike" baseline="0" dirty="0">
-                <a:latin typeface="Arial" panose="020B0604020202020204" pitchFamily="34" charset="0"/>
-              </a:rPr>
-              <a:t>Range</a:t>
-            </a:r>
-          </a:p>
-          <a:p>
-            <a:pPr lvl="3"/>
-            <a:r>
               <a:rPr lang="en-US" dirty="0">
                 <a:latin typeface="Arial" panose="020B0604020202020204" pitchFamily="34" charset="0"/>
               </a:rPr>
-              <a:t>[0..10]</a:t>
-            </a:r>
-          </a:p>
-          <a:p>
-            <a:pPr lvl="3"/>
-            <a:r>
-              <a:rPr lang="en-US" b="0" i="0" u="none" strike="noStrike" baseline="0" dirty="0">
-                <a:latin typeface="Arial" panose="020B0604020202020204" pitchFamily="34" charset="0"/>
-              </a:rPr>
-              <a:t>1..10 </a:t>
-            </a:r>
-            <a:r>
-              <a:rPr lang="en-US" b="0" i="0" u="none" strike="noStrike" baseline="0">
-                <a:latin typeface="Arial" panose="020B0604020202020204" pitchFamily="34" charset="0"/>
-              </a:rPr>
-              <a:t>| Foreach-Object</a:t>
-            </a:r>
-            <a:endParaRPr lang="en-US" b="0" i="0" u="none" strike="noStrike" baseline="0" dirty="0">
+              <a:t>Both better than $null –eq ‘’ or ‘’ –eq </a:t>
+            </a:r>
+            <a:r>
+              <a:rPr lang="en-US">
+                <a:latin typeface="Arial" panose="020B0604020202020204" pitchFamily="34" charset="0"/>
+              </a:rPr>
+              <a:t>$variable</a:t>
+            </a:r>
+            <a:endParaRPr lang="en-US" dirty="0">
               <a:latin typeface="Arial" panose="020B0604020202020204" pitchFamily="34" charset="0"/>
             </a:endParaRPr>
           </a:p>
-          <a:p>
-            <a:pPr marR="0" lvl="0" rtl="0"/>
-            <a:endParaRPr lang="en-US" b="0" i="0" u="none" strike="noStrike" baseline="0" dirty="0">
-              <a:latin typeface="Arial" panose="020B0604020202020204" pitchFamily="34" charset="0"/>
-            </a:endParaRPr>
-          </a:p>
         </p:txBody>
       </p:sp>
       <p:sp>
@@ -15869,7 +15864,7 @@
           <p:cNvPr id="4" name="Footer Placeholder 3">
             <a:extLst>
               <a:ext uri="{FF2B5EF4-FFF2-40B4-BE49-F238E27FC236}">
-                <a16:creationId xmlns:a16="http://schemas.microsoft.com/office/drawing/2014/main" id="{DFC4B1A9-C5E5-6767-5A67-3AFFF61F8AE3}"/>
+                <a16:creationId xmlns:a16="http://schemas.microsoft.com/office/drawing/2014/main" id="{CB98A46B-EF73-1315-810D-DDEE5436AAA9}"/>
               </a:ext>
             </a:extLst>
           </p:cNvPr>
@@ -15898,7 +15893,7 @@
           <p:cNvPr id="5" name="Slide Number Placeholder 4">
             <a:extLst>
               <a:ext uri="{FF2B5EF4-FFF2-40B4-BE49-F238E27FC236}">
-                <a16:creationId xmlns:a16="http://schemas.microsoft.com/office/drawing/2014/main" id="{BAD258B7-9534-6ABE-261E-70D2894B8FD8}"/>
+                <a16:creationId xmlns:a16="http://schemas.microsoft.com/office/drawing/2014/main" id="{A45F80C0-2D8F-561F-5564-9DD4973868B2}"/>
               </a:ext>
             </a:extLst>
           </p:cNvPr>
@@ -15925,7 +15920,7 @@
     </p:spTree>
     <p:extLst>
       <p:ext uri="{BB962C8B-B14F-4D97-AF65-F5344CB8AC3E}">
-        <p14:creationId xmlns:p14="http://schemas.microsoft.com/office/powerpoint/2010/main" val="1039817472"/>
+        <p14:creationId xmlns:p14="http://schemas.microsoft.com/office/powerpoint/2010/main" val="3954842743"/>
       </p:ext>
     </p:extLst>
   </p:cSld>
@@ -16037,7 +16032,25 @@
               <a:rPr lang="en-US" b="0" i="0" u="none" strike="noStrike" baseline="0" dirty="0">
                 <a:latin typeface="Arial" panose="020B0604020202020204" pitchFamily="34" charset="0"/>
               </a:rPr>
-              <a:t>Explicit / Implicit type casting</a:t>
+              <a:t>Logical</a:t>
+            </a:r>
+          </a:p>
+          <a:p>
+            <a:pPr lvl="3"/>
+            <a:r>
+              <a:rPr lang="en-US" b="0" i="0" u="none" strike="noStrike" baseline="0" dirty="0">
+                <a:latin typeface="Arial" panose="020B0604020202020204" pitchFamily="34" charset="0"/>
+              </a:rPr>
+              <a:t>-and / -or</a:t>
+            </a:r>
+          </a:p>
+          <a:p>
+            <a:pPr lvl="3"/>
+            <a:r>
+              <a:rPr lang="en-US" b="0" i="0" u="none" strike="noStrike" baseline="0" dirty="0">
+                <a:latin typeface="Arial" panose="020B0604020202020204" pitchFamily="34" charset="0"/>
+              </a:rPr>
+              <a:t>-not</a:t>
             </a:r>
           </a:p>
           <a:p>
@@ -16046,8 +16059,41 @@
               <a:rPr lang="en-US" b="0" i="0" u="none" strike="noStrike" baseline="0" dirty="0">
                 <a:latin typeface="Arial" panose="020B0604020202020204" pitchFamily="34" charset="0"/>
               </a:rPr>
-              <a:t>$null on left side, always!</a:t>
-            </a:r>
+              <a:t>Range</a:t>
+            </a:r>
+          </a:p>
+          <a:p>
+            <a:pPr lvl="3"/>
+            <a:r>
+              <a:rPr lang="en-US" dirty="0">
+                <a:latin typeface="Arial" panose="020B0604020202020204" pitchFamily="34" charset="0"/>
+              </a:rPr>
+              <a:t>[0..10]</a:t>
+            </a:r>
+          </a:p>
+          <a:p>
+            <a:pPr lvl="3"/>
+            <a:r>
+              <a:rPr lang="en-US" b="0" i="0" u="none" strike="noStrike" baseline="0" dirty="0">
+                <a:latin typeface="Arial" panose="020B0604020202020204" pitchFamily="34" charset="0"/>
+              </a:rPr>
+              <a:t>1..10 </a:t>
+            </a:r>
+            <a:r>
+              <a:rPr lang="en-US" b="0" i="0" u="none" strike="noStrike" baseline="0">
+                <a:latin typeface="Arial" panose="020B0604020202020204" pitchFamily="34" charset="0"/>
+              </a:rPr>
+              <a:t>| Foreach-Object</a:t>
+            </a:r>
+            <a:endParaRPr lang="en-US" b="0" i="0" u="none" strike="noStrike" baseline="0" dirty="0">
+              <a:latin typeface="Arial" panose="020B0604020202020204" pitchFamily="34" charset="0"/>
+            </a:endParaRPr>
+          </a:p>
+          <a:p>
+            <a:pPr marR="0" lvl="0" rtl="0"/>
+            <a:endParaRPr lang="en-US" b="0" i="0" u="none" strike="noStrike" baseline="0" dirty="0">
+              <a:latin typeface="Arial" panose="020B0604020202020204" pitchFamily="34" charset="0"/>
+            </a:endParaRPr>
           </a:p>
         </p:txBody>
       </p:sp>
@@ -16112,7 +16158,7 @@
     </p:spTree>
     <p:extLst>
       <p:ext uri="{BB962C8B-B14F-4D97-AF65-F5344CB8AC3E}">
-        <p14:creationId xmlns:p14="http://schemas.microsoft.com/office/powerpoint/2010/main" val="1378003133"/>
+        <p14:creationId xmlns:p14="http://schemas.microsoft.com/office/powerpoint/2010/main" val="1039817472"/>
       </p:ext>
     </p:extLst>
   </p:cSld>
@@ -16441,35 +16487,26 @@
               <a:rPr lang="en-US" b="0" i="0" u="none" strike="noStrike" baseline="0" dirty="0">
                 <a:latin typeface="Arial" panose="020B0604020202020204" pitchFamily="34" charset="0"/>
               </a:rPr>
-              <a:t>if</a:t>
-            </a:r>
-          </a:p>
-          <a:p>
-            <a:pPr lvl="1"/>
+              <a:t>Operators</a:t>
+            </a:r>
+          </a:p>
+          <a:p>
+            <a:pPr lvl="2"/>
             <a:r>
               <a:rPr lang="en-US" b="0" i="0" u="none" strike="noStrike" baseline="0" dirty="0">
                 <a:latin typeface="Arial" panose="020B0604020202020204" pitchFamily="34" charset="0"/>
               </a:rPr>
-              <a:t>Switch</a:t>
+              <a:t>Explicit / Implicit type casting</a:t>
             </a:r>
           </a:p>
           <a:p>
             <a:pPr lvl="2"/>
             <a:r>
-              <a:rPr lang="en-US" dirty="0">
-                <a:latin typeface="Arial" panose="020B0604020202020204" pitchFamily="34" charset="0"/>
-              </a:rPr>
-              <a:t>-Regex</a:t>
-            </a:r>
-            <a:endParaRPr lang="en-US" b="0" i="0" u="none" strike="noStrike" baseline="0" dirty="0">
-              <a:latin typeface="Arial" panose="020B0604020202020204" pitchFamily="34" charset="0"/>
-            </a:endParaRPr>
-          </a:p>
-          <a:p>
-            <a:pPr marR="0" lvl="0" rtl="0"/>
-            <a:endParaRPr lang="en-US" b="0" i="0" u="none" strike="noStrike" baseline="0" dirty="0">
-              <a:latin typeface="Arial" panose="020B0604020202020204" pitchFamily="34" charset="0"/>
-            </a:endParaRPr>
+              <a:rPr lang="en-US" b="0" i="0" u="none" strike="noStrike" baseline="0" dirty="0">
+                <a:latin typeface="Arial" panose="020B0604020202020204" pitchFamily="34" charset="0"/>
+              </a:rPr>
+              <a:t>$null on left side, always!</a:t>
+            </a:r>
           </a:p>
         </p:txBody>
       </p:sp>
@@ -16534,7 +16571,7 @@
     </p:spTree>
     <p:extLst>
       <p:ext uri="{BB962C8B-B14F-4D97-AF65-F5344CB8AC3E}">
-        <p14:creationId xmlns:p14="http://schemas.microsoft.com/office/powerpoint/2010/main" val="145947229"/>
+        <p14:creationId xmlns:p14="http://schemas.microsoft.com/office/powerpoint/2010/main" val="1378003133"/>
       </p:ext>
     </p:extLst>
   </p:cSld>
@@ -16628,7 +16665,7 @@
               <a:rPr lang="en-US" b="0" i="0" u="none" strike="noStrike" baseline="0" dirty="0">
                 <a:latin typeface="Arial" panose="020B0604020202020204" pitchFamily="34" charset="0"/>
               </a:rPr>
-              <a:t>Loops with Conditions</a:t>
+              <a:t>Conditions</a:t>
             </a:r>
           </a:p>
           <a:p>
@@ -16637,7 +16674,7 @@
               <a:rPr lang="en-US" b="0" i="0" u="none" strike="noStrike" baseline="0" dirty="0">
                 <a:latin typeface="Arial" panose="020B0604020202020204" pitchFamily="34" charset="0"/>
               </a:rPr>
-              <a:t>while</a:t>
+              <a:t>if</a:t>
             </a:r>
           </a:p>
           <a:p>
@@ -16646,17 +16683,26 @@
               <a:rPr lang="en-US" b="0" i="0" u="none" strike="noStrike" baseline="0" dirty="0">
                 <a:latin typeface="Arial" panose="020B0604020202020204" pitchFamily="34" charset="0"/>
               </a:rPr>
-              <a:t>do while</a:t>
-            </a:r>
-          </a:p>
-          <a:p>
-            <a:pPr lvl="1"/>
-            <a:r>
-              <a:rPr lang="en-US" b="0" i="0" u="none" strike="noStrike" baseline="0" dirty="0">
-                <a:latin typeface="Arial" panose="020B0604020202020204" pitchFamily="34" charset="0"/>
-              </a:rPr>
-              <a:t>do until</a:t>
-            </a:r>
+              <a:t>Switch</a:t>
+            </a:r>
+          </a:p>
+          <a:p>
+            <a:pPr lvl="2"/>
+            <a:r>
+              <a:rPr lang="en-US" dirty="0">
+                <a:latin typeface="Arial" panose="020B0604020202020204" pitchFamily="34" charset="0"/>
+              </a:rPr>
+              <a:t>-Regex</a:t>
+            </a:r>
+            <a:endParaRPr lang="en-US" b="0" i="0" u="none" strike="noStrike" baseline="0" dirty="0">
+              <a:latin typeface="Arial" panose="020B0604020202020204" pitchFamily="34" charset="0"/>
+            </a:endParaRPr>
+          </a:p>
+          <a:p>
+            <a:pPr marR="0" lvl="0" rtl="0"/>
+            <a:endParaRPr lang="en-US" b="0" i="0" u="none" strike="noStrike" baseline="0" dirty="0">
+              <a:latin typeface="Arial" panose="020B0604020202020204" pitchFamily="34" charset="0"/>
+            </a:endParaRPr>
           </a:p>
         </p:txBody>
       </p:sp>
@@ -16721,7 +16767,7 @@
     </p:spTree>
     <p:extLst>
       <p:ext uri="{BB962C8B-B14F-4D97-AF65-F5344CB8AC3E}">
-        <p14:creationId xmlns:p14="http://schemas.microsoft.com/office/powerpoint/2010/main" val="1504814919"/>
+        <p14:creationId xmlns:p14="http://schemas.microsoft.com/office/powerpoint/2010/main" val="145947229"/>
       </p:ext>
     </p:extLst>
   </p:cSld>
@@ -16753,7 +16799,7 @@
           <p:cNvPr id="2" name="Title 1">
             <a:extLst>
               <a:ext uri="{FF2B5EF4-FFF2-40B4-BE49-F238E27FC236}">
-                <a16:creationId xmlns:a16="http://schemas.microsoft.com/office/drawing/2014/main" id="{69BCD6E1-D5BF-EF3E-F0CC-EDE7BAE35861}"/>
+                <a16:creationId xmlns:a16="http://schemas.microsoft.com/office/drawing/2014/main" id="{020D5667-3F2E-0371-B2AF-410D252A6CEA}"/>
               </a:ext>
             </a:extLst>
           </p:cNvPr>
@@ -16762,110 +16808,97 @@
           </p:cNvSpPr>
           <p:nvPr>
             <p:ph type="title"/>
-          </p:nvPr>
-        </p:nvSpPr>
-        <p:spPr/>
-        <p:txBody>
-          <a:bodyPr/>
-          <a:lstStyle/>
-          <a:p>
-            <a:r>
-              <a:rPr lang="en-GB" b="1" i="0" u="none" strike="noStrike" baseline="0" dirty="0">
-                <a:latin typeface="Arial" panose="020B0604020202020204" pitchFamily="34" charset="0"/>
-              </a:rPr>
-              <a:t>Script Flow</a:t>
-            </a:r>
-            <a:endParaRPr lang="en-SE" dirty="0"/>
-          </a:p>
-        </p:txBody>
-      </p:sp>
-      <p:sp>
-        <p:nvSpPr>
-          <p:cNvPr id="4" name="Text Placeholder 3">
-            <a:extLst>
-              <a:ext uri="{FF2B5EF4-FFF2-40B4-BE49-F238E27FC236}">
-                <a16:creationId xmlns:a16="http://schemas.microsoft.com/office/drawing/2014/main" id="{D7ABE405-4C8C-4761-DB98-41C6649D1B66}"/>
-              </a:ext>
-            </a:extLst>
-          </p:cNvPr>
-          <p:cNvSpPr>
-            <a:spLocks noGrp="1"/>
-          </p:cNvSpPr>
-          <p:nvPr>
-            <p:ph type="body" sz="half" idx="2"/>
           </p:nvPr>
         </p:nvSpPr>
         <p:spPr>
           <a:xfrm>
-            <a:off x="839788" y="2057400"/>
-            <a:ext cx="10877001" cy="3811588"/>
+            <a:off x="838200" y="365125"/>
+            <a:ext cx="10515600" cy="1325563"/>
           </a:xfrm>
         </p:spPr>
+        <p:txBody>
+          <a:bodyPr/>
+          <a:lstStyle/>
+          <a:p>
+            <a:pPr marR="0" rtl="0"/>
+            <a:r>
+              <a:rPr lang="en-GB" b="1" i="0" u="none" strike="noStrike" baseline="0" dirty="0">
+                <a:latin typeface="Arial" panose="020B0604020202020204" pitchFamily="34" charset="0"/>
+              </a:rPr>
+              <a:t>Script Flow</a:t>
+            </a:r>
+            <a:endParaRPr lang="en-GB" b="0" i="0" u="none" strike="noStrike" baseline="0" dirty="0">
+              <a:latin typeface="Arial" panose="020B0604020202020204" pitchFamily="34" charset="0"/>
+            </a:endParaRPr>
+          </a:p>
+        </p:txBody>
+      </p:sp>
+      <p:sp>
+        <p:nvSpPr>
+          <p:cNvPr id="3" name="Text Placeholder 2">
+            <a:extLst>
+              <a:ext uri="{FF2B5EF4-FFF2-40B4-BE49-F238E27FC236}">
+                <a16:creationId xmlns:a16="http://schemas.microsoft.com/office/drawing/2014/main" id="{14842F41-DE27-3397-05EB-81DCA4DF63A8}"/>
+              </a:ext>
+            </a:extLst>
+          </p:cNvPr>
+          <p:cNvSpPr>
+            <a:spLocks noGrp="1"/>
+          </p:cNvSpPr>
+          <p:nvPr>
+            <p:ph type="body" idx="1"/>
+          </p:nvPr>
+        </p:nvSpPr>
+        <p:spPr/>
         <p:txBody>
           <a:bodyPr>
             <a:normAutofit/>
           </a:bodyPr>
           <a:lstStyle/>
           <a:p>
-            <a:pPr marL="285750" indent="-285750">
-              <a:buFont typeface="Arial" panose="020B0604020202020204" pitchFamily="34" charset="0"/>
-              <a:buChar char="•"/>
-            </a:pPr>
-            <a:r>
-              <a:rPr lang="en-GB" sz="4400" b="0" i="0" u="none" strike="noStrike" baseline="0" dirty="0">
-                <a:latin typeface="Arial" panose="020B0604020202020204" pitchFamily="34" charset="0"/>
-              </a:rPr>
-              <a:t>Lab 8</a:t>
-            </a:r>
-          </a:p>
-          <a:p>
-            <a:pPr marL="285750" indent="-285750">
-              <a:buFont typeface="Arial" panose="020B0604020202020204" pitchFamily="34" charset="0"/>
-              <a:buChar char="•"/>
-            </a:pPr>
-            <a:endParaRPr lang="en-GB" sz="4400" b="0" i="0" u="none" strike="noStrike" baseline="0" dirty="0">
-              <a:latin typeface="Arial" panose="020B0604020202020204" pitchFamily="34" charset="0"/>
-            </a:endParaRPr>
-          </a:p>
-          <a:p>
-            <a:pPr marL="285750" indent="-285750">
-              <a:buFont typeface="Arial" panose="020B0604020202020204" pitchFamily="34" charset="0"/>
-              <a:buChar char="•"/>
-            </a:pPr>
-            <a:r>
-              <a:rPr lang="en-US" sz="1800" dirty="0">
-                <a:hlinkClick r:id="rId2"/>
-              </a:rPr>
-              <a:t>https://github.com/AdvaniaSE/PowerShellFundamentals</a:t>
-            </a:r>
-            <a:endParaRPr lang="en-US" sz="1800" dirty="0"/>
-          </a:p>
-          <a:p>
-            <a:pPr marL="742950" lvl="1" indent="-285750">
-              <a:buFont typeface="Arial" panose="020B0604020202020204" pitchFamily="34" charset="0"/>
-              <a:buChar char="•"/>
-            </a:pPr>
-            <a:r>
-              <a:rPr lang="en-US" dirty="0"/>
-              <a:t>08. Conditions &amp; Loops</a:t>
-            </a:r>
-            <a:endParaRPr lang="en-SE" dirty="0"/>
-          </a:p>
-          <a:p>
-            <a:pPr marL="285750" indent="-285750">
-              <a:buFont typeface="Arial" panose="020B0604020202020204" pitchFamily="34" charset="0"/>
-              <a:buChar char="•"/>
-            </a:pPr>
-            <a:endParaRPr lang="en-US" sz="1800" dirty="0"/>
-          </a:p>
-        </p:txBody>
-      </p:sp>
-      <p:sp>
-        <p:nvSpPr>
-          <p:cNvPr id="3" name="Footer Placeholder 2">
-            <a:extLst>
-              <a:ext uri="{FF2B5EF4-FFF2-40B4-BE49-F238E27FC236}">
-                <a16:creationId xmlns:a16="http://schemas.microsoft.com/office/drawing/2014/main" id="{1FAF7DB9-64B0-07FB-79A4-DC2D599FF636}"/>
+            <a:pPr marR="0" lvl="0" rtl="0"/>
+            <a:r>
+              <a:rPr lang="en-US" b="0" i="0" u="none" strike="noStrike" baseline="0" dirty="0">
+                <a:latin typeface="Arial" panose="020B0604020202020204" pitchFamily="34" charset="0"/>
+              </a:rPr>
+              <a:t>Loops with Conditions</a:t>
+            </a:r>
+          </a:p>
+          <a:p>
+            <a:pPr lvl="1"/>
+            <a:r>
+              <a:rPr lang="en-US" b="0" i="0" u="none" strike="noStrike" baseline="0" dirty="0">
+                <a:latin typeface="Arial" panose="020B0604020202020204" pitchFamily="34" charset="0"/>
+              </a:rPr>
+              <a:t>while</a:t>
+            </a:r>
+          </a:p>
+          <a:p>
+            <a:pPr lvl="1"/>
+            <a:r>
+              <a:rPr lang="en-US" b="0" i="0" u="none" strike="noStrike" baseline="0" dirty="0">
+                <a:latin typeface="Arial" panose="020B0604020202020204" pitchFamily="34" charset="0"/>
+              </a:rPr>
+              <a:t>do while</a:t>
+            </a:r>
+          </a:p>
+          <a:p>
+            <a:pPr lvl="1"/>
+            <a:r>
+              <a:rPr lang="en-US" b="0" i="0" u="none" strike="noStrike" baseline="0" dirty="0">
+                <a:latin typeface="Arial" panose="020B0604020202020204" pitchFamily="34" charset="0"/>
+              </a:rPr>
+              <a:t>do until</a:t>
+            </a:r>
+          </a:p>
+        </p:txBody>
+      </p:sp>
+      <p:sp>
+        <p:nvSpPr>
+          <p:cNvPr id="4" name="Footer Placeholder 3">
+            <a:extLst>
+              <a:ext uri="{FF2B5EF4-FFF2-40B4-BE49-F238E27FC236}">
+                <a16:creationId xmlns:a16="http://schemas.microsoft.com/office/drawing/2014/main" id="{DFC4B1A9-C5E5-6767-5A67-3AFFF61F8AE3}"/>
               </a:ext>
             </a:extLst>
           </p:cNvPr>
@@ -16894,7 +16927,7 @@
           <p:cNvPr id="5" name="Slide Number Placeholder 4">
             <a:extLst>
               <a:ext uri="{FF2B5EF4-FFF2-40B4-BE49-F238E27FC236}">
-                <a16:creationId xmlns:a16="http://schemas.microsoft.com/office/drawing/2014/main" id="{2C2623BC-FCDC-B4EF-82B9-EC9076C892AE}"/>
+                <a16:creationId xmlns:a16="http://schemas.microsoft.com/office/drawing/2014/main" id="{BAD258B7-9534-6ABE-261E-70D2894B8FD8}"/>
               </a:ext>
             </a:extLst>
           </p:cNvPr>
@@ -16910,7 +16943,7 @@
           <a:bodyPr/>
           <a:lstStyle/>
           <a:p>
-            <a:fld id="{BFEA1545-8540-491B-83AB-51C306516EA6}" type="slidenum">
+            <a:fld id="{9993A830-6DA6-4394-A358-10250CDB3A67}" type="slidenum">
               <a:rPr lang="en-SE" smtClean="0"/>
               <a:t>62</a:t>
             </a:fld>
@@ -16921,7 +16954,7 @@
     </p:spTree>
     <p:extLst>
       <p:ext uri="{BB962C8B-B14F-4D97-AF65-F5344CB8AC3E}">
-        <p14:creationId xmlns:p14="http://schemas.microsoft.com/office/powerpoint/2010/main" val="291026785"/>
+        <p14:creationId xmlns:p14="http://schemas.microsoft.com/office/powerpoint/2010/main" val="1504814919"/>
       </p:ext>
     </p:extLst>
   </p:cSld>
@@ -16953,7 +16986,7 @@
           <p:cNvPr id="2" name="Title 1">
             <a:extLst>
               <a:ext uri="{FF2B5EF4-FFF2-40B4-BE49-F238E27FC236}">
-                <a16:creationId xmlns:a16="http://schemas.microsoft.com/office/drawing/2014/main" id="{55D23047-3833-EFE0-8A01-090ACFE1D9FC}"/>
+                <a16:creationId xmlns:a16="http://schemas.microsoft.com/office/drawing/2014/main" id="{69BCD6E1-D5BF-EF3E-F0CC-EDE7BAE35861}"/>
               </a:ext>
             </a:extLst>
           </p:cNvPr>
@@ -16973,42 +17006,99 @@
               <a:rPr lang="en-GB" b="1" i="0" u="none" strike="noStrike" baseline="0" dirty="0">
                 <a:latin typeface="Arial" panose="020B0604020202020204" pitchFamily="34" charset="0"/>
               </a:rPr>
-              <a:t>Tools</a:t>
-            </a:r>
-          </a:p>
-        </p:txBody>
-      </p:sp>
-      <p:sp>
-        <p:nvSpPr>
-          <p:cNvPr id="3" name="Text Placeholder 2">
-            <a:extLst>
-              <a:ext uri="{FF2B5EF4-FFF2-40B4-BE49-F238E27FC236}">
-                <a16:creationId xmlns:a16="http://schemas.microsoft.com/office/drawing/2014/main" id="{1F80B5F8-E4FB-9CDB-0C7C-EEDCB4B8AF1D}"/>
-              </a:ext>
-            </a:extLst>
-          </p:cNvPr>
-          <p:cNvSpPr>
-            <a:spLocks noGrp="1"/>
-          </p:cNvSpPr>
-          <p:nvPr>
-            <p:ph type="body" idx="1"/>
-          </p:nvPr>
-        </p:nvSpPr>
-        <p:spPr/>
-        <p:txBody>
-          <a:bodyPr/>
-          <a:lstStyle/>
-          <a:p>
-            <a:endParaRPr lang="en-SE"/>
-          </a:p>
-        </p:txBody>
-      </p:sp>
-      <p:sp>
-        <p:nvSpPr>
-          <p:cNvPr id="4" name="Footer Placeholder 3">
-            <a:extLst>
-              <a:ext uri="{FF2B5EF4-FFF2-40B4-BE49-F238E27FC236}">
-                <a16:creationId xmlns:a16="http://schemas.microsoft.com/office/drawing/2014/main" id="{AFF17C74-066C-F6D3-8B07-3A4273A5590B}"/>
+              <a:t>Script Flow</a:t>
+            </a:r>
+            <a:endParaRPr lang="en-SE" dirty="0"/>
+          </a:p>
+        </p:txBody>
+      </p:sp>
+      <p:sp>
+        <p:nvSpPr>
+          <p:cNvPr id="4" name="Text Placeholder 3">
+            <a:extLst>
+              <a:ext uri="{FF2B5EF4-FFF2-40B4-BE49-F238E27FC236}">
+                <a16:creationId xmlns:a16="http://schemas.microsoft.com/office/drawing/2014/main" id="{D7ABE405-4C8C-4761-DB98-41C6649D1B66}"/>
+              </a:ext>
+            </a:extLst>
+          </p:cNvPr>
+          <p:cNvSpPr>
+            <a:spLocks noGrp="1"/>
+          </p:cNvSpPr>
+          <p:nvPr>
+            <p:ph type="body" sz="half" idx="2"/>
+          </p:nvPr>
+        </p:nvSpPr>
+        <p:spPr>
+          <a:xfrm>
+            <a:off x="839788" y="2057400"/>
+            <a:ext cx="10877001" cy="3811588"/>
+          </a:xfrm>
+        </p:spPr>
+        <p:txBody>
+          <a:bodyPr>
+            <a:normAutofit/>
+          </a:bodyPr>
+          <a:lstStyle/>
+          <a:p>
+            <a:pPr marL="285750" indent="-285750">
+              <a:buFont typeface="Arial" panose="020B0604020202020204" pitchFamily="34" charset="0"/>
+              <a:buChar char="•"/>
+            </a:pPr>
+            <a:r>
+              <a:rPr lang="en-GB" sz="4400" b="0" i="0" u="none" strike="noStrike" baseline="0" dirty="0">
+                <a:latin typeface="Arial" panose="020B0604020202020204" pitchFamily="34" charset="0"/>
+              </a:rPr>
+              <a:t>Lab 8</a:t>
+            </a:r>
+          </a:p>
+          <a:p>
+            <a:pPr marL="285750" indent="-285750">
+              <a:buFont typeface="Arial" panose="020B0604020202020204" pitchFamily="34" charset="0"/>
+              <a:buChar char="•"/>
+            </a:pPr>
+            <a:endParaRPr lang="en-GB" sz="4400" b="0" i="0" u="none" strike="noStrike" baseline="0" dirty="0">
+              <a:latin typeface="Arial" panose="020B0604020202020204" pitchFamily="34" charset="0"/>
+            </a:endParaRPr>
+          </a:p>
+          <a:p>
+            <a:pPr marL="285750" indent="-285750">
+              <a:buFont typeface="Arial" panose="020B0604020202020204" pitchFamily="34" charset="0"/>
+              <a:buChar char="•"/>
+            </a:pPr>
+            <a:r>
+              <a:rPr lang="en-US" sz="1800" dirty="0">
+                <a:hlinkClick r:id="rId2"/>
+              </a:rPr>
+              <a:t>https://github.com/AdvaniaSE/PowerShellFundamentals</a:t>
+            </a:r>
+            <a:endParaRPr lang="en-US" sz="1800" dirty="0"/>
+          </a:p>
+          <a:p>
+            <a:pPr marL="742950" lvl="1" indent="-285750">
+              <a:buFont typeface="Arial" panose="020B0604020202020204" pitchFamily="34" charset="0"/>
+              <a:buChar char="•"/>
+            </a:pPr>
+            <a:r>
+              <a:rPr lang="en-US" dirty="0"/>
+              <a:t>08. Conditions &amp; Loops</a:t>
+            </a:r>
+            <a:endParaRPr lang="en-SE" dirty="0"/>
+          </a:p>
+          <a:p>
+            <a:pPr marL="285750" indent="-285750">
+              <a:buFont typeface="Arial" panose="020B0604020202020204" pitchFamily="34" charset="0"/>
+              <a:buChar char="•"/>
+            </a:pPr>
+            <a:endParaRPr lang="en-US" sz="1800" dirty="0"/>
+          </a:p>
+        </p:txBody>
+      </p:sp>
+      <p:sp>
+        <p:nvSpPr>
+          <p:cNvPr id="3" name="Footer Placeholder 2">
+            <a:extLst>
+              <a:ext uri="{FF2B5EF4-FFF2-40B4-BE49-F238E27FC236}">
+                <a16:creationId xmlns:a16="http://schemas.microsoft.com/office/drawing/2014/main" id="{1FAF7DB9-64B0-07FB-79A4-DC2D599FF636}"/>
               </a:ext>
             </a:extLst>
           </p:cNvPr>
@@ -17037,7 +17127,7 @@
           <p:cNvPr id="5" name="Slide Number Placeholder 4">
             <a:extLst>
               <a:ext uri="{FF2B5EF4-FFF2-40B4-BE49-F238E27FC236}">
-                <a16:creationId xmlns:a16="http://schemas.microsoft.com/office/drawing/2014/main" id="{20FE1399-C7F6-1C33-DF5B-DE42A78C5F7F}"/>
+                <a16:creationId xmlns:a16="http://schemas.microsoft.com/office/drawing/2014/main" id="{2C2623BC-FCDC-B4EF-82B9-EC9076C892AE}"/>
               </a:ext>
             </a:extLst>
           </p:cNvPr>
@@ -17064,7 +17154,7 @@
     </p:spTree>
     <p:extLst>
       <p:ext uri="{BB962C8B-B14F-4D97-AF65-F5344CB8AC3E}">
-        <p14:creationId xmlns:p14="http://schemas.microsoft.com/office/powerpoint/2010/main" val="3433697804"/>
+        <p14:creationId xmlns:p14="http://schemas.microsoft.com/office/powerpoint/2010/main" val="291026785"/>
       </p:ext>
     </p:extLst>
   </p:cSld>
@@ -17096,7 +17186,7 @@
           <p:cNvPr id="2" name="Title 1">
             <a:extLst>
               <a:ext uri="{FF2B5EF4-FFF2-40B4-BE49-F238E27FC236}">
-                <a16:creationId xmlns:a16="http://schemas.microsoft.com/office/drawing/2014/main" id="{020D5667-3F2E-0371-B2AF-410D252A6CEA}"/>
+                <a16:creationId xmlns:a16="http://schemas.microsoft.com/office/drawing/2014/main" id="{55D23047-3833-EFE0-8A01-090ACFE1D9FC}"/>
               </a:ext>
             </a:extLst>
           </p:cNvPr>
@@ -17107,26 +17197,17 @@
             <p:ph type="title"/>
           </p:nvPr>
         </p:nvSpPr>
-        <p:spPr>
-          <a:xfrm>
-            <a:off x="838200" y="365125"/>
-            <a:ext cx="10515600" cy="1325563"/>
-          </a:xfrm>
-        </p:spPr>
-        <p:txBody>
-          <a:bodyPr/>
-          <a:lstStyle/>
-          <a:p>
-            <a:pPr marR="0" rtl="0"/>
+        <p:spPr/>
+        <p:txBody>
+          <a:bodyPr/>
+          <a:lstStyle/>
+          <a:p>
             <a:r>
               <a:rPr lang="en-GB" b="1" i="0" u="none" strike="noStrike" baseline="0" dirty="0">
                 <a:latin typeface="Arial" panose="020B0604020202020204" pitchFamily="34" charset="0"/>
               </a:rPr>
               <a:t>Tools</a:t>
             </a:r>
-            <a:endParaRPr lang="en-GB" b="0" i="0" u="none" strike="noStrike" baseline="0" dirty="0">
-              <a:latin typeface="Arial" panose="020B0604020202020204" pitchFamily="34" charset="0"/>
-            </a:endParaRPr>
           </a:p>
         </p:txBody>
       </p:sp>
@@ -17135,7 +17216,7 @@
           <p:cNvPr id="3" name="Text Placeholder 2">
             <a:extLst>
               <a:ext uri="{FF2B5EF4-FFF2-40B4-BE49-F238E27FC236}">
-                <a16:creationId xmlns:a16="http://schemas.microsoft.com/office/drawing/2014/main" id="{14842F41-DE27-3397-05EB-81DCA4DF63A8}"/>
+                <a16:creationId xmlns:a16="http://schemas.microsoft.com/office/drawing/2014/main" id="{1F80B5F8-E4FB-9CDB-0C7C-EEDCB4B8AF1D}"/>
               </a:ext>
             </a:extLst>
           </p:cNvPr>
@@ -17148,209 +17229,10 @@
         </p:nvSpPr>
         <p:spPr/>
         <p:txBody>
-          <a:bodyPr>
-            <a:normAutofit/>
-          </a:bodyPr>
-          <a:lstStyle/>
-          <a:p>
-            <a:pPr marL="254000">
-              <a:lnSpc>
-                <a:spcPts val="1200"/>
-              </a:lnSpc>
-              <a:spcAft>
-                <a:spcPts val="800"/>
-              </a:spcAft>
-            </a:pPr>
-            <a:r>
-              <a:rPr lang="en-GB" sz="1800" kern="0" dirty="0">
-                <a:effectLst/>
-                <a:latin typeface="Arial" panose="020B0604020202020204" pitchFamily="34" charset="0"/>
-                <a:ea typeface="Times New Roman" panose="02020603050405020304" pitchFamily="18" charset="0"/>
-                <a:cs typeface="Times New Roman" panose="02020603050405020304" pitchFamily="18" charset="0"/>
-              </a:rPr>
-              <a:t>Editor</a:t>
-            </a:r>
-            <a:endParaRPr lang="en-SE" sz="1800" kern="100" dirty="0">
-              <a:effectLst/>
-              <a:latin typeface="Aptos" panose="020B0004020202020204" pitchFamily="34" charset="0"/>
-              <a:ea typeface="Times New Roman" panose="02020603050405020304" pitchFamily="18" charset="0"/>
-              <a:cs typeface="Times New Roman" panose="02020603050405020304" pitchFamily="18" charset="0"/>
-            </a:endParaRPr>
-          </a:p>
-          <a:p>
-            <a:pPr marL="381000">
-              <a:lnSpc>
-                <a:spcPts val="1200"/>
-              </a:lnSpc>
-              <a:spcAft>
-                <a:spcPts val="800"/>
-              </a:spcAft>
-            </a:pPr>
-            <a:r>
-              <a:rPr lang="en-GB" sz="1800" kern="0" dirty="0">
-                <a:effectLst/>
-                <a:latin typeface="Arial" panose="020B0604020202020204" pitchFamily="34" charset="0"/>
-                <a:ea typeface="Times New Roman" panose="02020603050405020304" pitchFamily="18" charset="0"/>
-                <a:cs typeface="Times New Roman" panose="02020603050405020304" pitchFamily="18" charset="0"/>
-              </a:rPr>
-              <a:t>ISE (Deprecated)</a:t>
-            </a:r>
-            <a:endParaRPr lang="en-SE" sz="1800" kern="100" dirty="0">
-              <a:effectLst/>
-              <a:latin typeface="Aptos" panose="020B0004020202020204" pitchFamily="34" charset="0"/>
-              <a:ea typeface="Times New Roman" panose="02020603050405020304" pitchFamily="18" charset="0"/>
-              <a:cs typeface="Times New Roman" panose="02020603050405020304" pitchFamily="18" charset="0"/>
-            </a:endParaRPr>
-          </a:p>
-          <a:p>
-            <a:pPr marL="381000">
-              <a:lnSpc>
-                <a:spcPts val="1200"/>
-              </a:lnSpc>
-              <a:spcAft>
-                <a:spcPts val="800"/>
-              </a:spcAft>
-            </a:pPr>
-            <a:r>
-              <a:rPr lang="en-GB" sz="1800" kern="0" dirty="0">
-                <a:effectLst/>
-                <a:latin typeface="Arial" panose="020B0604020202020204" pitchFamily="34" charset="0"/>
-                <a:ea typeface="Times New Roman" panose="02020603050405020304" pitchFamily="18" charset="0"/>
-                <a:cs typeface="Times New Roman" panose="02020603050405020304" pitchFamily="18" charset="0"/>
-              </a:rPr>
-              <a:t>VS Code</a:t>
-            </a:r>
-            <a:endParaRPr lang="en-SE" sz="1800" kern="100" dirty="0">
-              <a:effectLst/>
-              <a:latin typeface="Aptos" panose="020B0004020202020204" pitchFamily="34" charset="0"/>
-              <a:ea typeface="Times New Roman" panose="02020603050405020304" pitchFamily="18" charset="0"/>
-              <a:cs typeface="Times New Roman" panose="02020603050405020304" pitchFamily="18" charset="0"/>
-            </a:endParaRPr>
-          </a:p>
-          <a:p>
-            <a:pPr marL="508000">
-              <a:lnSpc>
-                <a:spcPts val="1200"/>
-              </a:lnSpc>
-              <a:spcAft>
-                <a:spcPts val="800"/>
-              </a:spcAft>
-            </a:pPr>
-            <a:r>
-              <a:rPr lang="en-GB" sz="1800" kern="0" dirty="0">
-                <a:effectLst/>
-                <a:latin typeface="Arial" panose="020B0604020202020204" pitchFamily="34" charset="0"/>
-                <a:ea typeface="Times New Roman" panose="02020603050405020304" pitchFamily="18" charset="0"/>
-                <a:cs typeface="Times New Roman" panose="02020603050405020304" pitchFamily="18" charset="0"/>
-              </a:rPr>
-              <a:t>Workspace</a:t>
-            </a:r>
-            <a:endParaRPr lang="en-SE" sz="1800" kern="100" dirty="0">
-              <a:effectLst/>
-              <a:latin typeface="Aptos" panose="020B0004020202020204" pitchFamily="34" charset="0"/>
-              <a:ea typeface="Times New Roman" panose="02020603050405020304" pitchFamily="18" charset="0"/>
-              <a:cs typeface="Times New Roman" panose="02020603050405020304" pitchFamily="18" charset="0"/>
-            </a:endParaRPr>
-          </a:p>
-          <a:p>
-            <a:pPr marL="508000">
-              <a:lnSpc>
-                <a:spcPts val="1200"/>
-              </a:lnSpc>
-              <a:spcAft>
-                <a:spcPts val="800"/>
-              </a:spcAft>
-            </a:pPr>
-            <a:r>
-              <a:rPr lang="en-GB" sz="1800" kern="0" dirty="0">
-                <a:effectLst/>
-                <a:latin typeface="Arial" panose="020B0604020202020204" pitchFamily="34" charset="0"/>
-                <a:ea typeface="Times New Roman" panose="02020603050405020304" pitchFamily="18" charset="0"/>
-                <a:cs typeface="Times New Roman" panose="02020603050405020304" pitchFamily="18" charset="0"/>
-              </a:rPr>
-              <a:t>Create Scripts</a:t>
-            </a:r>
-            <a:endParaRPr lang="en-SE" sz="1800" kern="100" dirty="0">
-              <a:effectLst/>
-              <a:latin typeface="Aptos" panose="020B0004020202020204" pitchFamily="34" charset="0"/>
-              <a:ea typeface="Times New Roman" panose="02020603050405020304" pitchFamily="18" charset="0"/>
-              <a:cs typeface="Times New Roman" panose="02020603050405020304" pitchFamily="18" charset="0"/>
-            </a:endParaRPr>
-          </a:p>
-          <a:p>
-            <a:pPr marL="508000">
-              <a:lnSpc>
-                <a:spcPts val="1200"/>
-              </a:lnSpc>
-              <a:spcAft>
-                <a:spcPts val="800"/>
-              </a:spcAft>
-            </a:pPr>
-            <a:r>
-              <a:rPr lang="en-GB" sz="1800" kern="0" dirty="0">
-                <a:effectLst/>
-                <a:latin typeface="Arial" panose="020B0604020202020204" pitchFamily="34" charset="0"/>
-                <a:ea typeface="Times New Roman" panose="02020603050405020304" pitchFamily="18" charset="0"/>
-                <a:cs typeface="Times New Roman" panose="02020603050405020304" pitchFamily="18" charset="0"/>
-              </a:rPr>
-              <a:t>Move Line</a:t>
-            </a:r>
-            <a:endParaRPr lang="en-SE" sz="1800" kern="100" dirty="0">
-              <a:effectLst/>
-              <a:latin typeface="Aptos" panose="020B0004020202020204" pitchFamily="34" charset="0"/>
-              <a:ea typeface="Times New Roman" panose="02020603050405020304" pitchFamily="18" charset="0"/>
-              <a:cs typeface="Times New Roman" panose="02020603050405020304" pitchFamily="18" charset="0"/>
-            </a:endParaRPr>
-          </a:p>
-          <a:p>
-            <a:pPr marL="508000">
-              <a:lnSpc>
-                <a:spcPts val="1200"/>
-              </a:lnSpc>
-              <a:spcAft>
-                <a:spcPts val="800"/>
-              </a:spcAft>
-            </a:pPr>
-            <a:r>
-              <a:rPr lang="en-GB" sz="1800" kern="0" dirty="0">
-                <a:effectLst/>
-                <a:latin typeface="Arial" panose="020B0604020202020204" pitchFamily="34" charset="0"/>
-                <a:ea typeface="Times New Roman" panose="02020603050405020304" pitchFamily="18" charset="0"/>
-                <a:cs typeface="Times New Roman" panose="02020603050405020304" pitchFamily="18" charset="0"/>
-              </a:rPr>
-              <a:t>Change All Occurrences</a:t>
-            </a:r>
-            <a:endParaRPr lang="en-SE" sz="1800" kern="100" dirty="0">
-              <a:effectLst/>
-              <a:latin typeface="Aptos" panose="020B0004020202020204" pitchFamily="34" charset="0"/>
-              <a:ea typeface="Times New Roman" panose="02020603050405020304" pitchFamily="18" charset="0"/>
-              <a:cs typeface="Times New Roman" panose="02020603050405020304" pitchFamily="18" charset="0"/>
-            </a:endParaRPr>
-          </a:p>
-          <a:p>
-            <a:pPr marL="508000">
-              <a:lnSpc>
-                <a:spcPts val="1200"/>
-              </a:lnSpc>
-              <a:spcAft>
-                <a:spcPts val="800"/>
-              </a:spcAft>
-            </a:pPr>
-            <a:r>
-              <a:rPr lang="en-GB" sz="1800" kern="0" dirty="0">
-                <a:effectLst/>
-                <a:latin typeface="Arial" panose="020B0604020202020204" pitchFamily="34" charset="0"/>
-                <a:ea typeface="Times New Roman" panose="02020603050405020304" pitchFamily="18" charset="0"/>
-                <a:cs typeface="Times New Roman" panose="02020603050405020304" pitchFamily="18" charset="0"/>
-              </a:rPr>
-              <a:t>Format Document</a:t>
-            </a:r>
-            <a:endParaRPr lang="en-SE" sz="1800" kern="100" dirty="0">
-              <a:effectLst/>
-              <a:latin typeface="Aptos" panose="020B0004020202020204" pitchFamily="34" charset="0"/>
-              <a:ea typeface="Times New Roman" panose="02020603050405020304" pitchFamily="18" charset="0"/>
-              <a:cs typeface="Times New Roman" panose="02020603050405020304" pitchFamily="18" charset="0"/>
-            </a:endParaRPr>
+          <a:bodyPr/>
+          <a:lstStyle/>
+          <a:p>
+            <a:endParaRPr lang="en-SE"/>
           </a:p>
         </p:txBody>
       </p:sp>
@@ -17359,7 +17241,7 @@
           <p:cNvPr id="4" name="Footer Placeholder 3">
             <a:extLst>
               <a:ext uri="{FF2B5EF4-FFF2-40B4-BE49-F238E27FC236}">
-                <a16:creationId xmlns:a16="http://schemas.microsoft.com/office/drawing/2014/main" id="{DFC4B1A9-C5E5-6767-5A67-3AFFF61F8AE3}"/>
+                <a16:creationId xmlns:a16="http://schemas.microsoft.com/office/drawing/2014/main" id="{AFF17C74-066C-F6D3-8B07-3A4273A5590B}"/>
               </a:ext>
             </a:extLst>
           </p:cNvPr>
@@ -17388,7 +17270,7 @@
           <p:cNvPr id="5" name="Slide Number Placeholder 4">
             <a:extLst>
               <a:ext uri="{FF2B5EF4-FFF2-40B4-BE49-F238E27FC236}">
-                <a16:creationId xmlns:a16="http://schemas.microsoft.com/office/drawing/2014/main" id="{BAD258B7-9534-6ABE-261E-70D2894B8FD8}"/>
+                <a16:creationId xmlns:a16="http://schemas.microsoft.com/office/drawing/2014/main" id="{20FE1399-C7F6-1C33-DF5B-DE42A78C5F7F}"/>
               </a:ext>
             </a:extLst>
           </p:cNvPr>
@@ -17404,7 +17286,7 @@
           <a:bodyPr/>
           <a:lstStyle/>
           <a:p>
-            <a:fld id="{9993A830-6DA6-4394-A358-10250CDB3A67}" type="slidenum">
+            <a:fld id="{BFEA1545-8540-491B-83AB-51C306516EA6}" type="slidenum">
               <a:rPr lang="en-SE" smtClean="0"/>
               <a:t>64</a:t>
             </a:fld>
@@ -17415,7 +17297,7 @@
     </p:spTree>
     <p:extLst>
       <p:ext uri="{BB962C8B-B14F-4D97-AF65-F5344CB8AC3E}">
-        <p14:creationId xmlns:p14="http://schemas.microsoft.com/office/powerpoint/2010/main" val="1470052913"/>
+        <p14:creationId xmlns:p14="http://schemas.microsoft.com/office/powerpoint/2010/main" val="3433697804"/>
       </p:ext>
     </p:extLst>
   </p:cSld>
@@ -17513,13 +17395,13 @@
               </a:spcAft>
             </a:pPr>
             <a:r>
-              <a:rPr lang="en-GB" sz="1800" kern="0" dirty="0" err="1">
+              <a:rPr lang="en-GB" sz="1800" kern="0" dirty="0">
                 <a:effectLst/>
                 <a:latin typeface="Arial" panose="020B0604020202020204" pitchFamily="34" charset="0"/>
                 <a:ea typeface="Times New Roman" panose="02020603050405020304" pitchFamily="18" charset="0"/>
                 <a:cs typeface="Times New Roman" panose="02020603050405020304" pitchFamily="18" charset="0"/>
               </a:rPr>
-              <a:t>PSGallery</a:t>
+              <a:t>Editor</a:t>
             </a:r>
             <a:endParaRPr lang="en-SE" sz="1800" kern="100" dirty="0">
               <a:effectLst/>
@@ -17529,7 +17411,7 @@
             </a:endParaRPr>
           </a:p>
           <a:p>
-            <a:pPr marL="254000">
+            <a:pPr marL="381000">
               <a:lnSpc>
                 <a:spcPts val="1200"/>
               </a:lnSpc>
@@ -17544,7 +17426,7 @@
                 <a:ea typeface="Times New Roman" panose="02020603050405020304" pitchFamily="18" charset="0"/>
                 <a:cs typeface="Times New Roman" panose="02020603050405020304" pitchFamily="18" charset="0"/>
               </a:rPr>
-              <a:t>Windows Terminal</a:t>
+              <a:t>ISE (Deprecated)</a:t>
             </a:r>
             <a:endParaRPr lang="en-SE" sz="1800" kern="100" dirty="0">
               <a:effectLst/>
@@ -17553,6 +17435,156 @@
               <a:cs typeface="Times New Roman" panose="02020603050405020304" pitchFamily="18" charset="0"/>
             </a:endParaRPr>
           </a:p>
+          <a:p>
+            <a:pPr marL="381000">
+              <a:lnSpc>
+                <a:spcPts val="1200"/>
+              </a:lnSpc>
+              <a:spcAft>
+                <a:spcPts val="800"/>
+              </a:spcAft>
+            </a:pPr>
+            <a:r>
+              <a:rPr lang="en-GB" sz="1800" kern="0" dirty="0">
+                <a:effectLst/>
+                <a:latin typeface="Arial" panose="020B0604020202020204" pitchFamily="34" charset="0"/>
+                <a:ea typeface="Times New Roman" panose="02020603050405020304" pitchFamily="18" charset="0"/>
+                <a:cs typeface="Times New Roman" panose="02020603050405020304" pitchFamily="18" charset="0"/>
+              </a:rPr>
+              <a:t>VS Code</a:t>
+            </a:r>
+            <a:endParaRPr lang="en-SE" sz="1800" kern="100" dirty="0">
+              <a:effectLst/>
+              <a:latin typeface="Aptos" panose="020B0004020202020204" pitchFamily="34" charset="0"/>
+              <a:ea typeface="Times New Roman" panose="02020603050405020304" pitchFamily="18" charset="0"/>
+              <a:cs typeface="Times New Roman" panose="02020603050405020304" pitchFamily="18" charset="0"/>
+            </a:endParaRPr>
+          </a:p>
+          <a:p>
+            <a:pPr marL="508000">
+              <a:lnSpc>
+                <a:spcPts val="1200"/>
+              </a:lnSpc>
+              <a:spcAft>
+                <a:spcPts val="800"/>
+              </a:spcAft>
+            </a:pPr>
+            <a:r>
+              <a:rPr lang="en-GB" sz="1800" kern="0" dirty="0">
+                <a:effectLst/>
+                <a:latin typeface="Arial" panose="020B0604020202020204" pitchFamily="34" charset="0"/>
+                <a:ea typeface="Times New Roman" panose="02020603050405020304" pitchFamily="18" charset="0"/>
+                <a:cs typeface="Times New Roman" panose="02020603050405020304" pitchFamily="18" charset="0"/>
+              </a:rPr>
+              <a:t>Workspace</a:t>
+            </a:r>
+            <a:endParaRPr lang="en-SE" sz="1800" kern="100" dirty="0">
+              <a:effectLst/>
+              <a:latin typeface="Aptos" panose="020B0004020202020204" pitchFamily="34" charset="0"/>
+              <a:ea typeface="Times New Roman" panose="02020603050405020304" pitchFamily="18" charset="0"/>
+              <a:cs typeface="Times New Roman" panose="02020603050405020304" pitchFamily="18" charset="0"/>
+            </a:endParaRPr>
+          </a:p>
+          <a:p>
+            <a:pPr marL="508000">
+              <a:lnSpc>
+                <a:spcPts val="1200"/>
+              </a:lnSpc>
+              <a:spcAft>
+                <a:spcPts val="800"/>
+              </a:spcAft>
+            </a:pPr>
+            <a:r>
+              <a:rPr lang="en-GB" sz="1800" kern="0" dirty="0">
+                <a:effectLst/>
+                <a:latin typeface="Arial" panose="020B0604020202020204" pitchFamily="34" charset="0"/>
+                <a:ea typeface="Times New Roman" panose="02020603050405020304" pitchFamily="18" charset="0"/>
+                <a:cs typeface="Times New Roman" panose="02020603050405020304" pitchFamily="18" charset="0"/>
+              </a:rPr>
+              <a:t>Create Scripts</a:t>
+            </a:r>
+            <a:endParaRPr lang="en-SE" sz="1800" kern="100" dirty="0">
+              <a:effectLst/>
+              <a:latin typeface="Aptos" panose="020B0004020202020204" pitchFamily="34" charset="0"/>
+              <a:ea typeface="Times New Roman" panose="02020603050405020304" pitchFamily="18" charset="0"/>
+              <a:cs typeface="Times New Roman" panose="02020603050405020304" pitchFamily="18" charset="0"/>
+            </a:endParaRPr>
+          </a:p>
+          <a:p>
+            <a:pPr marL="508000">
+              <a:lnSpc>
+                <a:spcPts val="1200"/>
+              </a:lnSpc>
+              <a:spcAft>
+                <a:spcPts val="800"/>
+              </a:spcAft>
+            </a:pPr>
+            <a:r>
+              <a:rPr lang="en-GB" sz="1800" kern="0" dirty="0">
+                <a:effectLst/>
+                <a:latin typeface="Arial" panose="020B0604020202020204" pitchFamily="34" charset="0"/>
+                <a:ea typeface="Times New Roman" panose="02020603050405020304" pitchFamily="18" charset="0"/>
+                <a:cs typeface="Times New Roman" panose="02020603050405020304" pitchFamily="18" charset="0"/>
+              </a:rPr>
+              <a:t>Move Line</a:t>
+            </a:r>
+            <a:endParaRPr lang="en-SE" sz="1800" kern="100" dirty="0">
+              <a:effectLst/>
+              <a:latin typeface="Aptos" panose="020B0004020202020204" pitchFamily="34" charset="0"/>
+              <a:ea typeface="Times New Roman" panose="02020603050405020304" pitchFamily="18" charset="0"/>
+              <a:cs typeface="Times New Roman" panose="02020603050405020304" pitchFamily="18" charset="0"/>
+            </a:endParaRPr>
+          </a:p>
+          <a:p>
+            <a:pPr marL="508000">
+              <a:lnSpc>
+                <a:spcPts val="1200"/>
+              </a:lnSpc>
+              <a:spcAft>
+                <a:spcPts val="800"/>
+              </a:spcAft>
+            </a:pPr>
+            <a:r>
+              <a:rPr lang="en-GB" sz="1800" kern="0" dirty="0">
+                <a:effectLst/>
+                <a:latin typeface="Arial" panose="020B0604020202020204" pitchFamily="34" charset="0"/>
+                <a:ea typeface="Times New Roman" panose="02020603050405020304" pitchFamily="18" charset="0"/>
+                <a:cs typeface="Times New Roman" panose="02020603050405020304" pitchFamily="18" charset="0"/>
+              </a:rPr>
+              <a:t>Change All Occurrences</a:t>
+            </a:r>
+            <a:endParaRPr lang="en-SE" sz="1800" kern="100" dirty="0">
+              <a:effectLst/>
+              <a:latin typeface="Aptos" panose="020B0004020202020204" pitchFamily="34" charset="0"/>
+              <a:ea typeface="Times New Roman" panose="02020603050405020304" pitchFamily="18" charset="0"/>
+              <a:cs typeface="Times New Roman" panose="02020603050405020304" pitchFamily="18" charset="0"/>
+            </a:endParaRPr>
+          </a:p>
+          <a:p>
+            <a:pPr marL="508000">
+              <a:lnSpc>
+                <a:spcPts val="1200"/>
+              </a:lnSpc>
+              <a:spcAft>
+                <a:spcPts val="800"/>
+              </a:spcAft>
+            </a:pPr>
+            <a:r>
+              <a:rPr lang="en-GB" sz="1800" kern="0" dirty="0">
+                <a:effectLst/>
+                <a:latin typeface="Arial" panose="020B0604020202020204" pitchFamily="34" charset="0"/>
+                <a:ea typeface="Times New Roman" panose="02020603050405020304" pitchFamily="18" charset="0"/>
+                <a:cs typeface="Times New Roman" panose="02020603050405020304" pitchFamily="18" charset="0"/>
+              </a:rPr>
+              <a:t>Format Document</a:t>
+            </a:r>
+            <a:endParaRPr lang="en-SE" sz="1800" kern="100" dirty="0">
+              <a:effectLst/>
+              <a:latin typeface="Aptos" panose="020B0004020202020204" pitchFamily="34" charset="0"/>
+              <a:ea typeface="Times New Roman" panose="02020603050405020304" pitchFamily="18" charset="0"/>
+              <a:cs typeface="Times New Roman" panose="02020603050405020304" pitchFamily="18" charset="0"/>
+            </a:endParaRPr>
+          </a:p>
         </p:txBody>
       </p:sp>
       <p:sp>
@@ -17616,7 +17648,7 @@
     </p:spTree>
     <p:extLst>
       <p:ext uri="{BB962C8B-B14F-4D97-AF65-F5344CB8AC3E}">
-        <p14:creationId xmlns:p14="http://schemas.microsoft.com/office/powerpoint/2010/main" val="4283221755"/>
+        <p14:creationId xmlns:p14="http://schemas.microsoft.com/office/powerpoint/2010/main" val="1470052913"/>
       </p:ext>
     </p:extLst>
   </p:cSld>
@@ -17714,40 +17746,20 @@
               </a:spcAft>
             </a:pPr>
             <a:r>
-              <a:rPr lang="en-US" sz="1800" kern="100" dirty="0">
+              <a:rPr lang="en-GB" sz="1800" kern="0" dirty="0" err="1">
                 <a:effectLst/>
-                <a:latin typeface="Aptos" panose="020B0004020202020204" pitchFamily="34" charset="0"/>
+                <a:latin typeface="Arial" panose="020B0604020202020204" pitchFamily="34" charset="0"/>
                 <a:ea typeface="Times New Roman" panose="02020603050405020304" pitchFamily="18" charset="0"/>
                 <a:cs typeface="Times New Roman" panose="02020603050405020304" pitchFamily="18" charset="0"/>
-                <a:hlinkClick r:id="rId2"/>
-              </a:rPr>
-              <a:t>PowerShell Documentation</a:t>
-            </a:r>
-            <a:endParaRPr lang="en-US" sz="1800" kern="100" dirty="0">
+              </a:rPr>
+              <a:t>PSGallery</a:t>
+            </a:r>
+            <a:endParaRPr lang="en-SE" sz="1800" kern="100" dirty="0">
               <a:effectLst/>
               <a:latin typeface="Aptos" panose="020B0004020202020204" pitchFamily="34" charset="0"/>
               <a:ea typeface="Times New Roman" panose="02020603050405020304" pitchFamily="18" charset="0"/>
               <a:cs typeface="Times New Roman" panose="02020603050405020304" pitchFamily="18" charset="0"/>
             </a:endParaRPr>
-          </a:p>
-          <a:p>
-            <a:pPr marL="711200" lvl="1">
-              <a:lnSpc>
-                <a:spcPts val="1200"/>
-              </a:lnSpc>
-              <a:spcAft>
-                <a:spcPts val="800"/>
-              </a:spcAft>
-            </a:pPr>
-            <a:r>
-              <a:rPr lang="en-US" sz="1400" kern="100" dirty="0">
-                <a:effectLst/>
-                <a:latin typeface="Aptos" panose="020B0004020202020204" pitchFamily="34" charset="0"/>
-                <a:ea typeface="Times New Roman" panose="02020603050405020304" pitchFamily="18" charset="0"/>
-                <a:cs typeface="Times New Roman" panose="02020603050405020304" pitchFamily="18" charset="0"/>
-              </a:rPr>
-              <a:t>https://learn.microsoft.com/en-us/powershell/</a:t>
-            </a:r>
           </a:p>
           <a:p>
             <a:pPr marL="254000">
@@ -17759,182 +17771,21 @@
               </a:spcAft>
             </a:pPr>
             <a:r>
-              <a:rPr lang="en-US" sz="1800" kern="100" dirty="0">
+              <a:rPr lang="en-GB" sz="1800" kern="0" dirty="0">
                 <a:effectLst/>
-                <a:latin typeface="Aptos" panose="020B0004020202020204" pitchFamily="34" charset="0"/>
+                <a:latin typeface="Arial" panose="020B0604020202020204" pitchFamily="34" charset="0"/>
                 <a:ea typeface="Times New Roman" panose="02020603050405020304" pitchFamily="18" charset="0"/>
                 <a:cs typeface="Times New Roman" panose="02020603050405020304" pitchFamily="18" charset="0"/>
-                <a:hlinkClick r:id="rId3"/>
-              </a:rPr>
-              <a:t>PSKoans</a:t>
-            </a:r>
-            <a:endParaRPr lang="en-US" sz="1800" kern="100" dirty="0">
+              </a:rPr>
+              <a:t>Windows Terminal</a:t>
+            </a:r>
+            <a:endParaRPr lang="en-SE" sz="1800" kern="100" dirty="0">
               <a:effectLst/>
               <a:latin typeface="Aptos" panose="020B0004020202020204" pitchFamily="34" charset="0"/>
               <a:ea typeface="Times New Roman" panose="02020603050405020304" pitchFamily="18" charset="0"/>
               <a:cs typeface="Times New Roman" panose="02020603050405020304" pitchFamily="18" charset="0"/>
             </a:endParaRPr>
           </a:p>
-          <a:p>
-            <a:pPr marL="711200" lvl="1">
-              <a:lnSpc>
-                <a:spcPts val="1200"/>
-              </a:lnSpc>
-              <a:spcAft>
-                <a:spcPts val="800"/>
-              </a:spcAft>
-            </a:pPr>
-            <a:r>
-              <a:rPr lang="en-US" sz="1400" kern="100" dirty="0">
-                <a:effectLst/>
-                <a:latin typeface="Aptos" panose="020B0004020202020204" pitchFamily="34" charset="0"/>
-                <a:ea typeface="Times New Roman" panose="02020603050405020304" pitchFamily="18" charset="0"/>
-                <a:cs typeface="Times New Roman" panose="02020603050405020304" pitchFamily="18" charset="0"/>
-              </a:rPr>
-              <a:t>https://github.com/vexx32/PSKoans</a:t>
-            </a:r>
-          </a:p>
-          <a:p>
-            <a:pPr marL="254000">
-              <a:lnSpc>
-                <a:spcPts val="1200"/>
-              </a:lnSpc>
-              <a:spcAft>
-                <a:spcPts val="800"/>
-              </a:spcAft>
-            </a:pPr>
-            <a:r>
-              <a:rPr lang="en-US" sz="1800" kern="100" dirty="0">
-                <a:effectLst/>
-                <a:latin typeface="Aptos" panose="020B0004020202020204" pitchFamily="34" charset="0"/>
-                <a:ea typeface="Times New Roman" panose="02020603050405020304" pitchFamily="18" charset="0"/>
-                <a:cs typeface="Times New Roman" panose="02020603050405020304" pitchFamily="18" charset="0"/>
-                <a:hlinkClick r:id="rId4"/>
-              </a:rPr>
-              <a:t>Community Best Practices</a:t>
-            </a:r>
-            <a:endParaRPr lang="en-US" sz="1800" kern="100" dirty="0">
-              <a:effectLst/>
-              <a:latin typeface="Aptos" panose="020B0004020202020204" pitchFamily="34" charset="0"/>
-              <a:ea typeface="Times New Roman" panose="02020603050405020304" pitchFamily="18" charset="0"/>
-              <a:cs typeface="Times New Roman" panose="02020603050405020304" pitchFamily="18" charset="0"/>
-            </a:endParaRPr>
-          </a:p>
-          <a:p>
-            <a:pPr marL="711200" lvl="1">
-              <a:lnSpc>
-                <a:spcPts val="1200"/>
-              </a:lnSpc>
-              <a:spcAft>
-                <a:spcPts val="800"/>
-              </a:spcAft>
-            </a:pPr>
-            <a:r>
-              <a:rPr lang="en-US" sz="1400" kern="100" dirty="0">
-                <a:effectLst/>
-                <a:latin typeface="Aptos" panose="020B0004020202020204" pitchFamily="34" charset="0"/>
-                <a:ea typeface="Times New Roman" panose="02020603050405020304" pitchFamily="18" charset="0"/>
-                <a:cs typeface="Times New Roman" panose="02020603050405020304" pitchFamily="18" charset="0"/>
-              </a:rPr>
-              <a:t>https://github.com/PoshCode/PowerShellPracticeAndStyle</a:t>
-            </a:r>
-          </a:p>
-          <a:p>
-            <a:pPr marL="254000">
-              <a:lnSpc>
-                <a:spcPts val="1200"/>
-              </a:lnSpc>
-              <a:spcAft>
-                <a:spcPts val="800"/>
-              </a:spcAft>
-            </a:pPr>
-            <a:r>
-              <a:rPr lang="en-US" sz="1800" kern="100" dirty="0">
-                <a:effectLst/>
-                <a:latin typeface="Aptos" panose="020B0004020202020204" pitchFamily="34" charset="0"/>
-                <a:ea typeface="Times New Roman" panose="02020603050405020304" pitchFamily="18" charset="0"/>
-                <a:cs typeface="Times New Roman" panose="02020603050405020304" pitchFamily="18" charset="0"/>
-                <a:hlinkClick r:id="rId5"/>
-              </a:rPr>
-              <a:t>Learn PowerShell in a Month of Lunches,  4:th Edition</a:t>
-            </a:r>
-            <a:endParaRPr lang="en-US" sz="1800" kern="100" dirty="0">
-              <a:effectLst/>
-              <a:latin typeface="Aptos" panose="020B0004020202020204" pitchFamily="34" charset="0"/>
-              <a:ea typeface="Times New Roman" panose="02020603050405020304" pitchFamily="18" charset="0"/>
-              <a:cs typeface="Times New Roman" panose="02020603050405020304" pitchFamily="18" charset="0"/>
-            </a:endParaRPr>
-          </a:p>
-          <a:p>
-            <a:pPr marL="711200" lvl="1">
-              <a:lnSpc>
-                <a:spcPts val="1200"/>
-              </a:lnSpc>
-              <a:spcAft>
-                <a:spcPts val="800"/>
-              </a:spcAft>
-            </a:pPr>
-            <a:r>
-              <a:rPr lang="en-US" sz="1400" kern="100" dirty="0">
-                <a:effectLst/>
-                <a:latin typeface="Aptos" panose="020B0004020202020204" pitchFamily="34" charset="0"/>
-                <a:ea typeface="Times New Roman" panose="02020603050405020304" pitchFamily="18" charset="0"/>
-                <a:cs typeface="Times New Roman" panose="02020603050405020304" pitchFamily="18" charset="0"/>
-              </a:rPr>
-              <a:t>https://www.manning.com/books/learn-powershell-in-a-month-of-lunches</a:t>
-            </a:r>
-            <a:endParaRPr lang="en-US" sz="1800" kern="100" dirty="0">
-              <a:effectLst/>
-              <a:latin typeface="Aptos" panose="020B0004020202020204" pitchFamily="34" charset="0"/>
-              <a:ea typeface="Times New Roman" panose="02020603050405020304" pitchFamily="18" charset="0"/>
-              <a:cs typeface="Times New Roman" panose="02020603050405020304" pitchFamily="18" charset="0"/>
-            </a:endParaRPr>
-          </a:p>
-          <a:p>
-            <a:pPr marL="254000">
-              <a:lnSpc>
-                <a:spcPts val="1200"/>
-              </a:lnSpc>
-              <a:spcAft>
-                <a:spcPts val="800"/>
-              </a:spcAft>
-            </a:pPr>
-            <a:r>
-              <a:rPr lang="en-US" sz="1800" kern="100" dirty="0">
-                <a:effectLst/>
-                <a:latin typeface="Aptos" panose="020B0004020202020204" pitchFamily="34" charset="0"/>
-                <a:ea typeface="Times New Roman" panose="02020603050405020304" pitchFamily="18" charset="0"/>
-                <a:cs typeface="Times New Roman" panose="02020603050405020304" pitchFamily="18" charset="0"/>
-                <a:hlinkClick r:id="rId6"/>
-              </a:rPr>
-              <a:t>Automate administrative tasks by using PowerShell – Learn</a:t>
-            </a:r>
-            <a:endParaRPr lang="en-US" sz="1800" kern="100" dirty="0">
-              <a:effectLst/>
-              <a:latin typeface="Aptos" panose="020B0004020202020204" pitchFamily="34" charset="0"/>
-              <a:ea typeface="Times New Roman" panose="02020603050405020304" pitchFamily="18" charset="0"/>
-              <a:cs typeface="Times New Roman" panose="02020603050405020304" pitchFamily="18" charset="0"/>
-            </a:endParaRPr>
-          </a:p>
-          <a:p>
-            <a:pPr marL="711200" lvl="1">
-              <a:lnSpc>
-                <a:spcPts val="1200"/>
-              </a:lnSpc>
-              <a:spcAft>
-                <a:spcPts val="800"/>
-              </a:spcAft>
-            </a:pPr>
-            <a:r>
-              <a:rPr lang="en-US" sz="1400" kern="100" dirty="0">
-                <a:effectLst/>
-                <a:latin typeface="Aptos" panose="020B0004020202020204" pitchFamily="34" charset="0"/>
-                <a:ea typeface="Times New Roman" panose="02020603050405020304" pitchFamily="18" charset="0"/>
-                <a:cs typeface="Times New Roman" panose="02020603050405020304" pitchFamily="18" charset="0"/>
-              </a:rPr>
-              <a:t>https://learn.microsoft.com/en-us/training/paths/powershell/</a:t>
-            </a:r>
-          </a:p>
         </p:txBody>
       </p:sp>
       <p:sp>
@@ -17998,7 +17849,7 @@
     </p:spTree>
     <p:extLst>
       <p:ext uri="{BB962C8B-B14F-4D97-AF65-F5344CB8AC3E}">
-        <p14:creationId xmlns:p14="http://schemas.microsoft.com/office/powerpoint/2010/main" val="2832576292"/>
+        <p14:creationId xmlns:p14="http://schemas.microsoft.com/office/powerpoint/2010/main" val="4283221755"/>
       </p:ext>
     </p:extLst>
   </p:cSld>
@@ -18030,7 +17881,7 @@
           <p:cNvPr id="2" name="Title 1">
             <a:extLst>
               <a:ext uri="{FF2B5EF4-FFF2-40B4-BE49-F238E27FC236}">
-                <a16:creationId xmlns:a16="http://schemas.microsoft.com/office/drawing/2014/main" id="{55D23047-3833-EFE0-8A01-090ACFE1D9FC}"/>
+                <a16:creationId xmlns:a16="http://schemas.microsoft.com/office/drawing/2014/main" id="{020D5667-3F2E-0371-B2AF-410D252A6CEA}"/>
               </a:ext>
             </a:extLst>
           </p:cNvPr>
@@ -18041,18 +17892,26 @@
             <p:ph type="title"/>
           </p:nvPr>
         </p:nvSpPr>
-        <p:spPr/>
-        <p:txBody>
-          <a:bodyPr/>
-          <a:lstStyle/>
-          <a:p>
+        <p:spPr>
+          <a:xfrm>
+            <a:off x="838200" y="365125"/>
+            <a:ext cx="10515600" cy="1325563"/>
+          </a:xfrm>
+        </p:spPr>
+        <p:txBody>
+          <a:bodyPr/>
+          <a:lstStyle/>
+          <a:p>
+            <a:pPr marR="0" rtl="0"/>
             <a:r>
               <a:rPr lang="en-GB" b="1" i="0" u="none" strike="noStrike" baseline="0" dirty="0">
                 <a:latin typeface="Arial" panose="020B0604020202020204" pitchFamily="34" charset="0"/>
               </a:rPr>
-              <a:t>Version Control</a:t>
-            </a:r>
-            <a:endParaRPr lang="en-SE" dirty="0"/>
+              <a:t>Tools</a:t>
+            </a:r>
+            <a:endParaRPr lang="en-GB" b="0" i="0" u="none" strike="noStrike" baseline="0" dirty="0">
+              <a:latin typeface="Arial" panose="020B0604020202020204" pitchFamily="34" charset="0"/>
+            </a:endParaRPr>
           </a:p>
         </p:txBody>
       </p:sp>
@@ -18061,7 +17920,7 @@
           <p:cNvPr id="3" name="Text Placeholder 2">
             <a:extLst>
               <a:ext uri="{FF2B5EF4-FFF2-40B4-BE49-F238E27FC236}">
-                <a16:creationId xmlns:a16="http://schemas.microsoft.com/office/drawing/2014/main" id="{1F80B5F8-E4FB-9CDB-0C7C-EEDCB4B8AF1D}"/>
+                <a16:creationId xmlns:a16="http://schemas.microsoft.com/office/drawing/2014/main" id="{14842F41-DE27-3397-05EB-81DCA4DF63A8}"/>
               </a:ext>
             </a:extLst>
           </p:cNvPr>
@@ -18074,10 +17933,240 @@
         </p:nvSpPr>
         <p:spPr/>
         <p:txBody>
-          <a:bodyPr/>
-          <a:lstStyle/>
-          <a:p>
-            <a:endParaRPr lang="en-SE"/>
+          <a:bodyPr>
+            <a:normAutofit/>
+          </a:bodyPr>
+          <a:lstStyle/>
+          <a:p>
+            <a:pPr marL="254000">
+              <a:lnSpc>
+                <a:spcPts val="1200"/>
+              </a:lnSpc>
+              <a:spcAft>
+                <a:spcPts val="800"/>
+              </a:spcAft>
+            </a:pPr>
+            <a:r>
+              <a:rPr lang="en-US" sz="1800" kern="100" dirty="0">
+                <a:effectLst/>
+                <a:latin typeface="Aptos" panose="020B0004020202020204" pitchFamily="34" charset="0"/>
+                <a:ea typeface="Times New Roman" panose="02020603050405020304" pitchFamily="18" charset="0"/>
+                <a:cs typeface="Times New Roman" panose="02020603050405020304" pitchFamily="18" charset="0"/>
+                <a:hlinkClick r:id="rId2"/>
+              </a:rPr>
+              <a:t>PowerShell Documentation</a:t>
+            </a:r>
+            <a:endParaRPr lang="en-US" sz="1800" kern="100" dirty="0">
+              <a:effectLst/>
+              <a:latin typeface="Aptos" panose="020B0004020202020204" pitchFamily="34" charset="0"/>
+              <a:ea typeface="Times New Roman" panose="02020603050405020304" pitchFamily="18" charset="0"/>
+              <a:cs typeface="Times New Roman" panose="02020603050405020304" pitchFamily="18" charset="0"/>
+            </a:endParaRPr>
+          </a:p>
+          <a:p>
+            <a:pPr marL="711200" lvl="1">
+              <a:lnSpc>
+                <a:spcPts val="1200"/>
+              </a:lnSpc>
+              <a:spcAft>
+                <a:spcPts val="800"/>
+              </a:spcAft>
+            </a:pPr>
+            <a:r>
+              <a:rPr lang="en-US" sz="1400" kern="100" dirty="0">
+                <a:effectLst/>
+                <a:latin typeface="Aptos" panose="020B0004020202020204" pitchFamily="34" charset="0"/>
+                <a:ea typeface="Times New Roman" panose="02020603050405020304" pitchFamily="18" charset="0"/>
+                <a:cs typeface="Times New Roman" panose="02020603050405020304" pitchFamily="18" charset="0"/>
+              </a:rPr>
+              <a:t>https://learn.microsoft.com/en-us/powershell/</a:t>
+            </a:r>
+          </a:p>
+          <a:p>
+            <a:pPr marL="254000">
+              <a:lnSpc>
+                <a:spcPts val="1200"/>
+              </a:lnSpc>
+              <a:spcAft>
+                <a:spcPts val="800"/>
+              </a:spcAft>
+            </a:pPr>
+            <a:r>
+              <a:rPr lang="en-US" sz="1800" kern="100" dirty="0">
+                <a:effectLst/>
+                <a:latin typeface="Aptos" panose="020B0004020202020204" pitchFamily="34" charset="0"/>
+                <a:ea typeface="Times New Roman" panose="02020603050405020304" pitchFamily="18" charset="0"/>
+                <a:cs typeface="Times New Roman" panose="02020603050405020304" pitchFamily="18" charset="0"/>
+                <a:hlinkClick r:id="rId3"/>
+              </a:rPr>
+              <a:t>PSKoans</a:t>
+            </a:r>
+            <a:endParaRPr lang="en-US" sz="1800" kern="100" dirty="0">
+              <a:effectLst/>
+              <a:latin typeface="Aptos" panose="020B0004020202020204" pitchFamily="34" charset="0"/>
+              <a:ea typeface="Times New Roman" panose="02020603050405020304" pitchFamily="18" charset="0"/>
+              <a:cs typeface="Times New Roman" panose="02020603050405020304" pitchFamily="18" charset="0"/>
+            </a:endParaRPr>
+          </a:p>
+          <a:p>
+            <a:pPr marL="711200" lvl="1">
+              <a:lnSpc>
+                <a:spcPts val="1200"/>
+              </a:lnSpc>
+              <a:spcAft>
+                <a:spcPts val="800"/>
+              </a:spcAft>
+            </a:pPr>
+            <a:r>
+              <a:rPr lang="en-US" sz="1400" kern="100" dirty="0">
+                <a:effectLst/>
+                <a:latin typeface="Aptos" panose="020B0004020202020204" pitchFamily="34" charset="0"/>
+                <a:ea typeface="Times New Roman" panose="02020603050405020304" pitchFamily="18" charset="0"/>
+                <a:cs typeface="Times New Roman" panose="02020603050405020304" pitchFamily="18" charset="0"/>
+              </a:rPr>
+              <a:t>https://github.com/vexx32/PSKoans</a:t>
+            </a:r>
+          </a:p>
+          <a:p>
+            <a:pPr marL="254000">
+              <a:lnSpc>
+                <a:spcPts val="1200"/>
+              </a:lnSpc>
+              <a:spcAft>
+                <a:spcPts val="800"/>
+              </a:spcAft>
+            </a:pPr>
+            <a:r>
+              <a:rPr lang="en-US" sz="1800" kern="100" dirty="0">
+                <a:effectLst/>
+                <a:latin typeface="Aptos" panose="020B0004020202020204" pitchFamily="34" charset="0"/>
+                <a:ea typeface="Times New Roman" panose="02020603050405020304" pitchFamily="18" charset="0"/>
+                <a:cs typeface="Times New Roman" panose="02020603050405020304" pitchFamily="18" charset="0"/>
+                <a:hlinkClick r:id="rId4"/>
+              </a:rPr>
+              <a:t>Community Best Practices</a:t>
+            </a:r>
+            <a:endParaRPr lang="en-US" sz="1800" kern="100" dirty="0">
+              <a:effectLst/>
+              <a:latin typeface="Aptos" panose="020B0004020202020204" pitchFamily="34" charset="0"/>
+              <a:ea typeface="Times New Roman" panose="02020603050405020304" pitchFamily="18" charset="0"/>
+              <a:cs typeface="Times New Roman" panose="02020603050405020304" pitchFamily="18" charset="0"/>
+            </a:endParaRPr>
+          </a:p>
+          <a:p>
+            <a:pPr marL="711200" lvl="1">
+              <a:lnSpc>
+                <a:spcPts val="1200"/>
+              </a:lnSpc>
+              <a:spcAft>
+                <a:spcPts val="800"/>
+              </a:spcAft>
+            </a:pPr>
+            <a:r>
+              <a:rPr lang="en-US" sz="1400" kern="100" dirty="0">
+                <a:effectLst/>
+                <a:latin typeface="Aptos" panose="020B0004020202020204" pitchFamily="34" charset="0"/>
+                <a:ea typeface="Times New Roman" panose="02020603050405020304" pitchFamily="18" charset="0"/>
+                <a:cs typeface="Times New Roman" panose="02020603050405020304" pitchFamily="18" charset="0"/>
+              </a:rPr>
+              <a:t>https://github.com/PoshCode/PowerShellPracticeAndStyle</a:t>
+            </a:r>
+          </a:p>
+          <a:p>
+            <a:pPr marL="254000">
+              <a:lnSpc>
+                <a:spcPts val="1200"/>
+              </a:lnSpc>
+              <a:spcAft>
+                <a:spcPts val="800"/>
+              </a:spcAft>
+            </a:pPr>
+            <a:r>
+              <a:rPr lang="en-US" sz="1800" kern="100" dirty="0">
+                <a:effectLst/>
+                <a:latin typeface="Aptos" panose="020B0004020202020204" pitchFamily="34" charset="0"/>
+                <a:ea typeface="Times New Roman" panose="02020603050405020304" pitchFamily="18" charset="0"/>
+                <a:cs typeface="Times New Roman" panose="02020603050405020304" pitchFamily="18" charset="0"/>
+                <a:hlinkClick r:id="rId5"/>
+              </a:rPr>
+              <a:t>Learn PowerShell in a Month of Lunches,  4:th Edition</a:t>
+            </a:r>
+            <a:endParaRPr lang="en-US" sz="1800" kern="100" dirty="0">
+              <a:effectLst/>
+              <a:latin typeface="Aptos" panose="020B0004020202020204" pitchFamily="34" charset="0"/>
+              <a:ea typeface="Times New Roman" panose="02020603050405020304" pitchFamily="18" charset="0"/>
+              <a:cs typeface="Times New Roman" panose="02020603050405020304" pitchFamily="18" charset="0"/>
+            </a:endParaRPr>
+          </a:p>
+          <a:p>
+            <a:pPr marL="711200" lvl="1">
+              <a:lnSpc>
+                <a:spcPts val="1200"/>
+              </a:lnSpc>
+              <a:spcAft>
+                <a:spcPts val="800"/>
+              </a:spcAft>
+            </a:pPr>
+            <a:r>
+              <a:rPr lang="en-US" sz="1400" kern="100" dirty="0">
+                <a:effectLst/>
+                <a:latin typeface="Aptos" panose="020B0004020202020204" pitchFamily="34" charset="0"/>
+                <a:ea typeface="Times New Roman" panose="02020603050405020304" pitchFamily="18" charset="0"/>
+                <a:cs typeface="Times New Roman" panose="02020603050405020304" pitchFamily="18" charset="0"/>
+              </a:rPr>
+              <a:t>https://www.manning.com/books/learn-powershell-in-a-month-of-lunches</a:t>
+            </a:r>
+            <a:endParaRPr lang="en-US" sz="1800" kern="100" dirty="0">
+              <a:effectLst/>
+              <a:latin typeface="Aptos" panose="020B0004020202020204" pitchFamily="34" charset="0"/>
+              <a:ea typeface="Times New Roman" panose="02020603050405020304" pitchFamily="18" charset="0"/>
+              <a:cs typeface="Times New Roman" panose="02020603050405020304" pitchFamily="18" charset="0"/>
+            </a:endParaRPr>
+          </a:p>
+          <a:p>
+            <a:pPr marL="254000">
+              <a:lnSpc>
+                <a:spcPts val="1200"/>
+              </a:lnSpc>
+              <a:spcAft>
+                <a:spcPts val="800"/>
+              </a:spcAft>
+            </a:pPr>
+            <a:r>
+              <a:rPr lang="en-US" sz="1800" kern="100" dirty="0">
+                <a:effectLst/>
+                <a:latin typeface="Aptos" panose="020B0004020202020204" pitchFamily="34" charset="0"/>
+                <a:ea typeface="Times New Roman" panose="02020603050405020304" pitchFamily="18" charset="0"/>
+                <a:cs typeface="Times New Roman" panose="02020603050405020304" pitchFamily="18" charset="0"/>
+                <a:hlinkClick r:id="rId6"/>
+              </a:rPr>
+              <a:t>Automate administrative tasks by using PowerShell – Learn</a:t>
+            </a:r>
+            <a:endParaRPr lang="en-US" sz="1800" kern="100" dirty="0">
+              <a:effectLst/>
+              <a:latin typeface="Aptos" panose="020B0004020202020204" pitchFamily="34" charset="0"/>
+              <a:ea typeface="Times New Roman" panose="02020603050405020304" pitchFamily="18" charset="0"/>
+              <a:cs typeface="Times New Roman" panose="02020603050405020304" pitchFamily="18" charset="0"/>
+            </a:endParaRPr>
+          </a:p>
+          <a:p>
+            <a:pPr marL="711200" lvl="1">
+              <a:lnSpc>
+                <a:spcPts val="1200"/>
+              </a:lnSpc>
+              <a:spcAft>
+                <a:spcPts val="800"/>
+              </a:spcAft>
+            </a:pPr>
+            <a:r>
+              <a:rPr lang="en-US" sz="1400" kern="100" dirty="0">
+                <a:effectLst/>
+                <a:latin typeface="Aptos" panose="020B0004020202020204" pitchFamily="34" charset="0"/>
+                <a:ea typeface="Times New Roman" panose="02020603050405020304" pitchFamily="18" charset="0"/>
+                <a:cs typeface="Times New Roman" panose="02020603050405020304" pitchFamily="18" charset="0"/>
+              </a:rPr>
+              <a:t>https://learn.microsoft.com/en-us/training/paths/powershell/</a:t>
+            </a:r>
           </a:p>
         </p:txBody>
       </p:sp>
@@ -18086,7 +18175,7 @@
           <p:cNvPr id="4" name="Footer Placeholder 3">
             <a:extLst>
               <a:ext uri="{FF2B5EF4-FFF2-40B4-BE49-F238E27FC236}">
-                <a16:creationId xmlns:a16="http://schemas.microsoft.com/office/drawing/2014/main" id="{AFF17C74-066C-F6D3-8B07-3A4273A5590B}"/>
+                <a16:creationId xmlns:a16="http://schemas.microsoft.com/office/drawing/2014/main" id="{DFC4B1A9-C5E5-6767-5A67-3AFFF61F8AE3}"/>
               </a:ext>
             </a:extLst>
           </p:cNvPr>
@@ -18115,7 +18204,7 @@
           <p:cNvPr id="5" name="Slide Number Placeholder 4">
             <a:extLst>
               <a:ext uri="{FF2B5EF4-FFF2-40B4-BE49-F238E27FC236}">
-                <a16:creationId xmlns:a16="http://schemas.microsoft.com/office/drawing/2014/main" id="{20FE1399-C7F6-1C33-DF5B-DE42A78C5F7F}"/>
+                <a16:creationId xmlns:a16="http://schemas.microsoft.com/office/drawing/2014/main" id="{BAD258B7-9534-6ABE-261E-70D2894B8FD8}"/>
               </a:ext>
             </a:extLst>
           </p:cNvPr>
@@ -18131,7 +18220,7 @@
           <a:bodyPr/>
           <a:lstStyle/>
           <a:p>
-            <a:fld id="{BFEA1545-8540-491B-83AB-51C306516EA6}" type="slidenum">
+            <a:fld id="{9993A830-6DA6-4394-A358-10250CDB3A67}" type="slidenum">
               <a:rPr lang="en-SE" smtClean="0"/>
               <a:t>67</a:t>
             </a:fld>
@@ -18142,7 +18231,7 @@
     </p:spTree>
     <p:extLst>
       <p:ext uri="{BB962C8B-B14F-4D97-AF65-F5344CB8AC3E}">
-        <p14:creationId xmlns:p14="http://schemas.microsoft.com/office/powerpoint/2010/main" val="946311230"/>
+        <p14:creationId xmlns:p14="http://schemas.microsoft.com/office/powerpoint/2010/main" val="2832576292"/>
       </p:ext>
     </p:extLst>
   </p:cSld>
@@ -18174,7 +18263,7 @@
           <p:cNvPr id="2" name="Title 1">
             <a:extLst>
               <a:ext uri="{FF2B5EF4-FFF2-40B4-BE49-F238E27FC236}">
-                <a16:creationId xmlns:a16="http://schemas.microsoft.com/office/drawing/2014/main" id="{020D5667-3F2E-0371-B2AF-410D252A6CEA}"/>
+                <a16:creationId xmlns:a16="http://schemas.microsoft.com/office/drawing/2014/main" id="{55D23047-3833-EFE0-8A01-090ACFE1D9FC}"/>
               </a:ext>
             </a:extLst>
           </p:cNvPr>
@@ -18185,23 +18274,18 @@
             <p:ph type="title"/>
           </p:nvPr>
         </p:nvSpPr>
-        <p:spPr>
-          <a:xfrm>
-            <a:off x="838200" y="365125"/>
-            <a:ext cx="10515600" cy="1325563"/>
-          </a:xfrm>
-        </p:spPr>
-        <p:txBody>
-          <a:bodyPr/>
-          <a:lstStyle/>
-          <a:p>
-            <a:pPr marR="0" rtl="0"/>
-            <a:r>
-              <a:rPr lang="en-GB" b="0" i="0" u="none" strike="noStrike" baseline="0" dirty="0">
+        <p:spPr/>
+        <p:txBody>
+          <a:bodyPr/>
+          <a:lstStyle/>
+          <a:p>
+            <a:r>
+              <a:rPr lang="en-GB" b="1" i="0" u="none" strike="noStrike" baseline="0" dirty="0">
                 <a:latin typeface="Arial" panose="020B0604020202020204" pitchFamily="34" charset="0"/>
               </a:rPr>
               <a:t>Version Control</a:t>
             </a:r>
+            <a:endParaRPr lang="en-SE" dirty="0"/>
           </a:p>
         </p:txBody>
       </p:sp>
@@ -18210,7 +18294,7 @@
           <p:cNvPr id="3" name="Text Placeholder 2">
             <a:extLst>
               <a:ext uri="{FF2B5EF4-FFF2-40B4-BE49-F238E27FC236}">
-                <a16:creationId xmlns:a16="http://schemas.microsoft.com/office/drawing/2014/main" id="{14842F41-DE27-3397-05EB-81DCA4DF63A8}"/>
+                <a16:creationId xmlns:a16="http://schemas.microsoft.com/office/drawing/2014/main" id="{1F80B5F8-E4FB-9CDB-0C7C-EEDCB4B8AF1D}"/>
               </a:ext>
             </a:extLst>
           </p:cNvPr>
@@ -18223,135 +18307,10 @@
         </p:nvSpPr>
         <p:spPr/>
         <p:txBody>
-          <a:bodyPr>
-            <a:normAutofit lnSpcReduction="10000"/>
-          </a:bodyPr>
-          <a:lstStyle/>
-          <a:p>
-            <a:pPr marR="0" lvl="0" rtl="0"/>
-            <a:r>
-              <a:rPr lang="en-US" b="0" i="0" u="none" strike="noStrike" baseline="0" dirty="0">
-                <a:latin typeface="Arial" panose="020B0604020202020204" pitchFamily="34" charset="0"/>
-              </a:rPr>
-              <a:t>git</a:t>
-            </a:r>
-          </a:p>
-          <a:p>
-            <a:pPr lvl="1"/>
-            <a:r>
-              <a:rPr lang="en-US" b="0" i="0" u="none" strike="noStrike" baseline="0" dirty="0">
-                <a:latin typeface="Arial" panose="020B0604020202020204" pitchFamily="34" charset="0"/>
-              </a:rPr>
-              <a:t>hosts</a:t>
-            </a:r>
-          </a:p>
-          <a:p>
-            <a:pPr lvl="2"/>
-            <a:r>
-              <a:rPr lang="en-US" b="0" i="0" u="none" strike="noStrike" baseline="0" dirty="0">
-                <a:latin typeface="Arial" panose="020B0604020202020204" pitchFamily="34" charset="0"/>
-              </a:rPr>
-              <a:t>GitHub</a:t>
-            </a:r>
-          </a:p>
-          <a:p>
-            <a:pPr lvl="2"/>
-            <a:r>
-              <a:rPr lang="en-US" b="0" i="0" u="none" strike="noStrike" baseline="0" dirty="0">
-                <a:latin typeface="Arial" panose="020B0604020202020204" pitchFamily="34" charset="0"/>
-              </a:rPr>
-              <a:t>Azure DevOps</a:t>
-            </a:r>
-          </a:p>
-          <a:p>
-            <a:pPr lvl="2"/>
-            <a:r>
-              <a:rPr lang="en-US" b="0" i="0" u="none" strike="noStrike" baseline="0" dirty="0">
-                <a:latin typeface="Arial" panose="020B0604020202020204" pitchFamily="34" charset="0"/>
-              </a:rPr>
-              <a:t>Bitbucket</a:t>
-            </a:r>
-          </a:p>
-          <a:p>
-            <a:pPr lvl="2"/>
-            <a:r>
-              <a:rPr lang="en-US" b="0" i="0" u="none" strike="noStrike" baseline="0" dirty="0">
-                <a:latin typeface="Arial" panose="020B0604020202020204" pitchFamily="34" charset="0"/>
-              </a:rPr>
-              <a:t>GitLab</a:t>
-            </a:r>
-          </a:p>
-          <a:p>
-            <a:pPr lvl="1"/>
-            <a:r>
-              <a:rPr lang="en-US" b="0" i="0" u="none" strike="noStrike" baseline="0" dirty="0">
-                <a:latin typeface="Arial" panose="020B0604020202020204" pitchFamily="34" charset="0"/>
-              </a:rPr>
-              <a:t>Quick start</a:t>
-            </a:r>
-          </a:p>
-          <a:p>
-            <a:pPr lvl="2"/>
-            <a:r>
-              <a:rPr lang="en-US" b="0" i="0" u="none" strike="noStrike" baseline="0" dirty="0">
-                <a:latin typeface="Arial" panose="020B0604020202020204" pitchFamily="34" charset="0"/>
-              </a:rPr>
-              <a:t>git clone</a:t>
-            </a:r>
-          </a:p>
-          <a:p>
-            <a:pPr lvl="2"/>
-            <a:r>
-              <a:rPr lang="en-US" b="0" i="0" u="none" strike="noStrike" baseline="0" dirty="0">
-                <a:latin typeface="Arial" panose="020B0604020202020204" pitchFamily="34" charset="0"/>
-              </a:rPr>
-              <a:t>git add</a:t>
-            </a:r>
-          </a:p>
-          <a:p>
-            <a:pPr lvl="2"/>
-            <a:r>
-              <a:rPr lang="en-US" b="0" i="0" u="none" strike="noStrike" baseline="0" dirty="0">
-                <a:latin typeface="Arial" panose="020B0604020202020204" pitchFamily="34" charset="0"/>
-              </a:rPr>
-              <a:t>git commit -m 'message'</a:t>
-            </a:r>
-          </a:p>
-          <a:p>
-            <a:pPr lvl="2"/>
-            <a:r>
-              <a:rPr lang="en-US" b="0" i="0" u="none" strike="noStrike" baseline="0" dirty="0">
-                <a:latin typeface="Arial" panose="020B0604020202020204" pitchFamily="34" charset="0"/>
-              </a:rPr>
-              <a:t>git push</a:t>
-            </a:r>
-          </a:p>
-          <a:p>
-            <a:pPr marR="0" lvl="0" rtl="0"/>
-            <a:r>
-              <a:rPr lang="en-US" b="0" i="0" u="none" strike="noStrike" baseline="0" dirty="0" err="1">
-                <a:latin typeface="Arial" panose="020B0604020202020204" pitchFamily="34" charset="0"/>
-              </a:rPr>
-              <a:t>svn</a:t>
-            </a:r>
-            <a:r>
-              <a:rPr lang="en-US" b="0" i="0" u="none" strike="noStrike" baseline="0" dirty="0">
-                <a:latin typeface="Arial" panose="020B0604020202020204" pitchFamily="34" charset="0"/>
-              </a:rPr>
-              <a:t> / </a:t>
-            </a:r>
-            <a:r>
-              <a:rPr lang="en-US" b="0" i="0" u="none" strike="noStrike" baseline="0" dirty="0" err="1">
-                <a:latin typeface="Arial" panose="020B0604020202020204" pitchFamily="34" charset="0"/>
-              </a:rPr>
-              <a:t>tfvc</a:t>
-            </a:r>
-            <a:r>
-              <a:rPr lang="en-US" b="0" i="0" u="none" strike="noStrike" baseline="0" dirty="0">
-                <a:latin typeface="Arial" panose="020B0604020202020204" pitchFamily="34" charset="0"/>
-              </a:rPr>
-              <a:t> / others</a:t>
-            </a:r>
+          <a:bodyPr/>
+          <a:lstStyle/>
+          <a:p>
+            <a:endParaRPr lang="en-SE"/>
           </a:p>
         </p:txBody>
       </p:sp>
@@ -18360,7 +18319,7 @@
           <p:cNvPr id="4" name="Footer Placeholder 3">
             <a:extLst>
               <a:ext uri="{FF2B5EF4-FFF2-40B4-BE49-F238E27FC236}">
-                <a16:creationId xmlns:a16="http://schemas.microsoft.com/office/drawing/2014/main" id="{DFC4B1A9-C5E5-6767-5A67-3AFFF61F8AE3}"/>
+                <a16:creationId xmlns:a16="http://schemas.microsoft.com/office/drawing/2014/main" id="{AFF17C74-066C-F6D3-8B07-3A4273A5590B}"/>
               </a:ext>
             </a:extLst>
           </p:cNvPr>
@@ -18389,7 +18348,7 @@
           <p:cNvPr id="5" name="Slide Number Placeholder 4">
             <a:extLst>
               <a:ext uri="{FF2B5EF4-FFF2-40B4-BE49-F238E27FC236}">
-                <a16:creationId xmlns:a16="http://schemas.microsoft.com/office/drawing/2014/main" id="{BAD258B7-9534-6ABE-261E-70D2894B8FD8}"/>
+                <a16:creationId xmlns:a16="http://schemas.microsoft.com/office/drawing/2014/main" id="{20FE1399-C7F6-1C33-DF5B-DE42A78C5F7F}"/>
               </a:ext>
             </a:extLst>
           </p:cNvPr>
@@ -18405,7 +18364,7 @@
           <a:bodyPr/>
           <a:lstStyle/>
           <a:p>
-            <a:fld id="{9993A830-6DA6-4394-A358-10250CDB3A67}" type="slidenum">
+            <a:fld id="{BFEA1545-8540-491B-83AB-51C306516EA6}" type="slidenum">
               <a:rPr lang="en-SE" smtClean="0"/>
               <a:t>68</a:t>
             </a:fld>
@@ -18416,7 +18375,7 @@
     </p:spTree>
     <p:extLst>
       <p:ext uri="{BB962C8B-B14F-4D97-AF65-F5344CB8AC3E}">
-        <p14:creationId xmlns:p14="http://schemas.microsoft.com/office/powerpoint/2010/main" val="1063679628"/>
+        <p14:creationId xmlns:p14="http://schemas.microsoft.com/office/powerpoint/2010/main" val="946311230"/>
       </p:ext>
     </p:extLst>
   </p:cSld>
@@ -18448,7 +18407,7 @@
           <p:cNvPr id="2" name="Title 1">
             <a:extLst>
               <a:ext uri="{FF2B5EF4-FFF2-40B4-BE49-F238E27FC236}">
-                <a16:creationId xmlns:a16="http://schemas.microsoft.com/office/drawing/2014/main" id="{55D23047-3833-EFE0-8A01-090ACFE1D9FC}"/>
+                <a16:creationId xmlns:a16="http://schemas.microsoft.com/office/drawing/2014/main" id="{020D5667-3F2E-0371-B2AF-410D252A6CEA}"/>
               </a:ext>
             </a:extLst>
           </p:cNvPr>
@@ -18459,18 +18418,23 @@
             <p:ph type="title"/>
           </p:nvPr>
         </p:nvSpPr>
-        <p:spPr/>
-        <p:txBody>
-          <a:bodyPr/>
-          <a:lstStyle/>
-          <a:p>
-            <a:r>
-              <a:rPr lang="en-GB" b="1" i="0" u="none" strike="noStrike" baseline="0" dirty="0">
-                <a:latin typeface="Arial" panose="020B0604020202020204" pitchFamily="34" charset="0"/>
-              </a:rPr>
-              <a:t>Best Practices</a:t>
-            </a:r>
-            <a:endParaRPr lang="en-SE" dirty="0"/>
+        <p:spPr>
+          <a:xfrm>
+            <a:off x="838200" y="365125"/>
+            <a:ext cx="10515600" cy="1325563"/>
+          </a:xfrm>
+        </p:spPr>
+        <p:txBody>
+          <a:bodyPr/>
+          <a:lstStyle/>
+          <a:p>
+            <a:pPr marR="0" rtl="0"/>
+            <a:r>
+              <a:rPr lang="en-GB" b="0" i="0" u="none" strike="noStrike" baseline="0" dirty="0">
+                <a:latin typeface="Arial" panose="020B0604020202020204" pitchFamily="34" charset="0"/>
+              </a:rPr>
+              <a:t>Version Control</a:t>
+            </a:r>
           </a:p>
         </p:txBody>
       </p:sp>
@@ -18479,7 +18443,7 @@
           <p:cNvPr id="3" name="Text Placeholder 2">
             <a:extLst>
               <a:ext uri="{FF2B5EF4-FFF2-40B4-BE49-F238E27FC236}">
-                <a16:creationId xmlns:a16="http://schemas.microsoft.com/office/drawing/2014/main" id="{1F80B5F8-E4FB-9CDB-0C7C-EEDCB4B8AF1D}"/>
+                <a16:creationId xmlns:a16="http://schemas.microsoft.com/office/drawing/2014/main" id="{14842F41-DE27-3397-05EB-81DCA4DF63A8}"/>
               </a:ext>
             </a:extLst>
           </p:cNvPr>
@@ -18492,10 +18456,135 @@
         </p:nvSpPr>
         <p:spPr/>
         <p:txBody>
-          <a:bodyPr/>
-          <a:lstStyle/>
-          <a:p>
-            <a:endParaRPr lang="en-SE"/>
+          <a:bodyPr>
+            <a:normAutofit lnSpcReduction="10000"/>
+          </a:bodyPr>
+          <a:lstStyle/>
+          <a:p>
+            <a:pPr marR="0" lvl="0" rtl="0"/>
+            <a:r>
+              <a:rPr lang="en-US" b="0" i="0" u="none" strike="noStrike" baseline="0" dirty="0">
+                <a:latin typeface="Arial" panose="020B0604020202020204" pitchFamily="34" charset="0"/>
+              </a:rPr>
+              <a:t>git</a:t>
+            </a:r>
+          </a:p>
+          <a:p>
+            <a:pPr lvl="1"/>
+            <a:r>
+              <a:rPr lang="en-US" b="0" i="0" u="none" strike="noStrike" baseline="0" dirty="0">
+                <a:latin typeface="Arial" panose="020B0604020202020204" pitchFamily="34" charset="0"/>
+              </a:rPr>
+              <a:t>hosts</a:t>
+            </a:r>
+          </a:p>
+          <a:p>
+            <a:pPr lvl="2"/>
+            <a:r>
+              <a:rPr lang="en-US" b="0" i="0" u="none" strike="noStrike" baseline="0" dirty="0">
+                <a:latin typeface="Arial" panose="020B0604020202020204" pitchFamily="34" charset="0"/>
+              </a:rPr>
+              <a:t>GitHub</a:t>
+            </a:r>
+          </a:p>
+          <a:p>
+            <a:pPr lvl="2"/>
+            <a:r>
+              <a:rPr lang="en-US" b="0" i="0" u="none" strike="noStrike" baseline="0" dirty="0">
+                <a:latin typeface="Arial" panose="020B0604020202020204" pitchFamily="34" charset="0"/>
+              </a:rPr>
+              <a:t>Azure DevOps</a:t>
+            </a:r>
+          </a:p>
+          <a:p>
+            <a:pPr lvl="2"/>
+            <a:r>
+              <a:rPr lang="en-US" b="0" i="0" u="none" strike="noStrike" baseline="0" dirty="0">
+                <a:latin typeface="Arial" panose="020B0604020202020204" pitchFamily="34" charset="0"/>
+              </a:rPr>
+              <a:t>Bitbucket</a:t>
+            </a:r>
+          </a:p>
+          <a:p>
+            <a:pPr lvl="2"/>
+            <a:r>
+              <a:rPr lang="en-US" b="0" i="0" u="none" strike="noStrike" baseline="0" dirty="0">
+                <a:latin typeface="Arial" panose="020B0604020202020204" pitchFamily="34" charset="0"/>
+              </a:rPr>
+              <a:t>GitLab</a:t>
+            </a:r>
+          </a:p>
+          <a:p>
+            <a:pPr lvl="1"/>
+            <a:r>
+              <a:rPr lang="en-US" b="0" i="0" u="none" strike="noStrike" baseline="0" dirty="0">
+                <a:latin typeface="Arial" panose="020B0604020202020204" pitchFamily="34" charset="0"/>
+              </a:rPr>
+              <a:t>Quick start</a:t>
+            </a:r>
+          </a:p>
+          <a:p>
+            <a:pPr lvl="2"/>
+            <a:r>
+              <a:rPr lang="en-US" b="0" i="0" u="none" strike="noStrike" baseline="0" dirty="0">
+                <a:latin typeface="Arial" panose="020B0604020202020204" pitchFamily="34" charset="0"/>
+              </a:rPr>
+              <a:t>git clone</a:t>
+            </a:r>
+          </a:p>
+          <a:p>
+            <a:pPr lvl="2"/>
+            <a:r>
+              <a:rPr lang="en-US" b="0" i="0" u="none" strike="noStrike" baseline="0" dirty="0">
+                <a:latin typeface="Arial" panose="020B0604020202020204" pitchFamily="34" charset="0"/>
+              </a:rPr>
+              <a:t>git add</a:t>
+            </a:r>
+          </a:p>
+          <a:p>
+            <a:pPr lvl="2"/>
+            <a:r>
+              <a:rPr lang="en-US" b="0" i="0" u="none" strike="noStrike" baseline="0" dirty="0">
+                <a:latin typeface="Arial" panose="020B0604020202020204" pitchFamily="34" charset="0"/>
+              </a:rPr>
+              <a:t>git commit -m 'message'</a:t>
+            </a:r>
+          </a:p>
+          <a:p>
+            <a:pPr lvl="2"/>
+            <a:r>
+              <a:rPr lang="en-US" b="0" i="0" u="none" strike="noStrike" baseline="0" dirty="0">
+                <a:latin typeface="Arial" panose="020B0604020202020204" pitchFamily="34" charset="0"/>
+              </a:rPr>
+              <a:t>git push</a:t>
+            </a:r>
+          </a:p>
+          <a:p>
+            <a:pPr marR="0" lvl="0" rtl="0"/>
+            <a:r>
+              <a:rPr lang="en-US" b="0" i="0" u="none" strike="noStrike" baseline="0" dirty="0" err="1">
+                <a:latin typeface="Arial" panose="020B0604020202020204" pitchFamily="34" charset="0"/>
+              </a:rPr>
+              <a:t>svn</a:t>
+            </a:r>
+            <a:r>
+              <a:rPr lang="en-US" b="0" i="0" u="none" strike="noStrike" baseline="0" dirty="0">
+                <a:latin typeface="Arial" panose="020B0604020202020204" pitchFamily="34" charset="0"/>
+              </a:rPr>
+              <a:t> / </a:t>
+            </a:r>
+            <a:r>
+              <a:rPr lang="en-US" b="0" i="0" u="none" strike="noStrike" baseline="0" dirty="0" err="1">
+                <a:latin typeface="Arial" panose="020B0604020202020204" pitchFamily="34" charset="0"/>
+              </a:rPr>
+              <a:t>tfvc</a:t>
+            </a:r>
+            <a:r>
+              <a:rPr lang="en-US" b="0" i="0" u="none" strike="noStrike" baseline="0" dirty="0">
+                <a:latin typeface="Arial" panose="020B0604020202020204" pitchFamily="34" charset="0"/>
+              </a:rPr>
+              <a:t> / others</a:t>
+            </a:r>
           </a:p>
         </p:txBody>
       </p:sp>
@@ -18504,7 +18593,7 @@
           <p:cNvPr id="4" name="Footer Placeholder 3">
             <a:extLst>
               <a:ext uri="{FF2B5EF4-FFF2-40B4-BE49-F238E27FC236}">
-                <a16:creationId xmlns:a16="http://schemas.microsoft.com/office/drawing/2014/main" id="{AFF17C74-066C-F6D3-8B07-3A4273A5590B}"/>
+                <a16:creationId xmlns:a16="http://schemas.microsoft.com/office/drawing/2014/main" id="{DFC4B1A9-C5E5-6767-5A67-3AFFF61F8AE3}"/>
               </a:ext>
             </a:extLst>
           </p:cNvPr>
@@ -18533,7 +18622,7 @@
           <p:cNvPr id="5" name="Slide Number Placeholder 4">
             <a:extLst>
               <a:ext uri="{FF2B5EF4-FFF2-40B4-BE49-F238E27FC236}">
-                <a16:creationId xmlns:a16="http://schemas.microsoft.com/office/drawing/2014/main" id="{20FE1399-C7F6-1C33-DF5B-DE42A78C5F7F}"/>
+                <a16:creationId xmlns:a16="http://schemas.microsoft.com/office/drawing/2014/main" id="{BAD258B7-9534-6ABE-261E-70D2894B8FD8}"/>
               </a:ext>
             </a:extLst>
           </p:cNvPr>
@@ -18549,7 +18638,7 @@
           <a:bodyPr/>
           <a:lstStyle/>
           <a:p>
-            <a:fld id="{BFEA1545-8540-491B-83AB-51C306516EA6}" type="slidenum">
+            <a:fld id="{9993A830-6DA6-4394-A358-10250CDB3A67}" type="slidenum">
               <a:rPr lang="en-SE" smtClean="0"/>
               <a:t>69</a:t>
             </a:fld>
@@ -18560,7 +18649,7 @@
     </p:spTree>
     <p:extLst>
       <p:ext uri="{BB962C8B-B14F-4D97-AF65-F5344CB8AC3E}">
-        <p14:creationId xmlns:p14="http://schemas.microsoft.com/office/powerpoint/2010/main" val="111630529"/>
+        <p14:creationId xmlns:p14="http://schemas.microsoft.com/office/powerpoint/2010/main" val="1063679628"/>
       </p:ext>
     </p:extLst>
   </p:cSld>
@@ -18832,7 +18921,7 @@
           <p:cNvPr id="2" name="Title 1">
             <a:extLst>
               <a:ext uri="{FF2B5EF4-FFF2-40B4-BE49-F238E27FC236}">
-                <a16:creationId xmlns:a16="http://schemas.microsoft.com/office/drawing/2014/main" id="{020D5667-3F2E-0371-B2AF-410D252A6CEA}"/>
+                <a16:creationId xmlns:a16="http://schemas.microsoft.com/office/drawing/2014/main" id="{55D23047-3833-EFE0-8A01-090ACFE1D9FC}"/>
               </a:ext>
             </a:extLst>
           </p:cNvPr>
@@ -18843,26 +18932,18 @@
             <p:ph type="title"/>
           </p:nvPr>
         </p:nvSpPr>
-        <p:spPr>
-          <a:xfrm>
-            <a:off x="838200" y="365125"/>
-            <a:ext cx="10515600" cy="1325563"/>
-          </a:xfrm>
-        </p:spPr>
-        <p:txBody>
-          <a:bodyPr/>
-          <a:lstStyle/>
-          <a:p>
-            <a:pPr marR="0" rtl="0"/>
+        <p:spPr/>
+        <p:txBody>
+          <a:bodyPr/>
+          <a:lstStyle/>
+          <a:p>
             <a:r>
               <a:rPr lang="en-GB" b="1" i="0" u="none" strike="noStrike" baseline="0" dirty="0">
                 <a:latin typeface="Arial" panose="020B0604020202020204" pitchFamily="34" charset="0"/>
               </a:rPr>
               <a:t>Best Practices</a:t>
             </a:r>
-            <a:endParaRPr lang="en-GB" b="0" i="0" u="none" strike="noStrike" baseline="0" dirty="0">
-              <a:latin typeface="Arial" panose="020B0604020202020204" pitchFamily="34" charset="0"/>
-            </a:endParaRPr>
+            <a:endParaRPr lang="en-SE" dirty="0"/>
           </a:p>
         </p:txBody>
       </p:sp>
@@ -18871,7 +18952,7 @@
           <p:cNvPr id="3" name="Text Placeholder 2">
             <a:extLst>
               <a:ext uri="{FF2B5EF4-FFF2-40B4-BE49-F238E27FC236}">
-                <a16:creationId xmlns:a16="http://schemas.microsoft.com/office/drawing/2014/main" id="{14842F41-DE27-3397-05EB-81DCA4DF63A8}"/>
+                <a16:creationId xmlns:a16="http://schemas.microsoft.com/office/drawing/2014/main" id="{1F80B5F8-E4FB-9CDB-0C7C-EEDCB4B8AF1D}"/>
               </a:ext>
             </a:extLst>
           </p:cNvPr>
@@ -18884,114 +18965,10 @@
         </p:nvSpPr>
         <p:spPr/>
         <p:txBody>
-          <a:bodyPr>
-            <a:normAutofit fontScale="92500" lnSpcReduction="10000"/>
-          </a:bodyPr>
-          <a:lstStyle/>
-          <a:p>
-            <a:pPr marR="0" lvl="0" rtl="0"/>
-            <a:r>
-              <a:rPr lang="en-US" b="0" i="0" u="none" strike="noStrike" baseline="0" dirty="0">
-                <a:latin typeface="Arial" panose="020B0604020202020204" pitchFamily="34" charset="0"/>
-              </a:rPr>
-              <a:t>Performance</a:t>
-            </a:r>
-          </a:p>
-          <a:p>
-            <a:pPr lvl="1"/>
-            <a:r>
-              <a:rPr lang="en-US" b="0" i="0" u="none" strike="noStrike" baseline="0" dirty="0">
-                <a:latin typeface="Arial" panose="020B0604020202020204" pitchFamily="34" charset="0"/>
-              </a:rPr>
-              <a:t>Filter left - Format right</a:t>
-            </a:r>
-          </a:p>
-          <a:p>
-            <a:pPr lvl="1"/>
-            <a:r>
-              <a:rPr lang="en-US" b="0" i="0" u="none" strike="noStrike" baseline="0" dirty="0">
-                <a:latin typeface="Arial" panose="020B0604020202020204" pitchFamily="34" charset="0"/>
-              </a:rPr>
-              <a:t>Measure-Command</a:t>
-            </a:r>
-          </a:p>
-          <a:p>
-            <a:pPr lvl="1"/>
-            <a:r>
-              <a:rPr lang="en-US" b="0" i="0" u="none" strike="noStrike" baseline="0" dirty="0">
-                <a:latin typeface="Arial" panose="020B0604020202020204" pitchFamily="34" charset="0"/>
-              </a:rPr>
-              <a:t>Pipelines</a:t>
-            </a:r>
-          </a:p>
-          <a:p>
-            <a:pPr lvl="1"/>
-            <a:r>
-              <a:rPr lang="en-US" b="0" i="0" u="none" strike="noStrike" baseline="0" dirty="0">
-                <a:latin typeface="Arial" panose="020B0604020202020204" pitchFamily="34" charset="0"/>
-              </a:rPr>
-              <a:t>Avoid Console Output</a:t>
-            </a:r>
-          </a:p>
-          <a:p>
-            <a:pPr lvl="1"/>
-            <a:r>
-              <a:rPr lang="en-US" b="0" i="0" u="none" strike="noStrike" baseline="0" dirty="0">
-                <a:latin typeface="Arial" panose="020B0604020202020204" pitchFamily="34" charset="0"/>
-              </a:rPr>
-              <a:t>Arrays</a:t>
-            </a:r>
-          </a:p>
-          <a:p>
-            <a:pPr marR="0" lvl="0" rtl="0"/>
-            <a:r>
-              <a:rPr lang="en-US" b="0" i="0" u="none" strike="noStrike" baseline="0" dirty="0">
-                <a:latin typeface="Arial" panose="020B0604020202020204" pitchFamily="34" charset="0"/>
-              </a:rPr>
-              <a:t>Readability</a:t>
-            </a:r>
-          </a:p>
-          <a:p>
-            <a:pPr lvl="1"/>
-            <a:r>
-              <a:rPr lang="en-US" b="0" i="0" u="none" strike="noStrike" baseline="0" dirty="0">
-                <a:latin typeface="Arial" panose="020B0604020202020204" pitchFamily="34" charset="0"/>
-              </a:rPr>
-              <a:t>Don't Use Aliases</a:t>
-            </a:r>
-          </a:p>
-          <a:p>
-            <a:pPr marR="0" lvl="0" rtl="0"/>
-            <a:r>
-              <a:rPr lang="en-US" b="0" i="0" u="none" strike="noStrike" baseline="0" dirty="0">
-                <a:latin typeface="Arial" panose="020B0604020202020204" pitchFamily="34" charset="0"/>
-              </a:rPr>
-              <a:t>Verb-Noun</a:t>
-            </a:r>
-          </a:p>
-          <a:p>
-            <a:pPr marR="0" lvl="0" rtl="0"/>
-            <a:r>
-              <a:rPr lang="en-US" b="0" i="0" u="none" strike="noStrike" baseline="0" dirty="0">
-                <a:latin typeface="Arial" panose="020B0604020202020204" pitchFamily="34" charset="0"/>
-              </a:rPr>
-              <a:t>$null on left side comparison</a:t>
-            </a:r>
-          </a:p>
-          <a:p>
-            <a:pPr marR="0" lvl="0" rtl="0"/>
-            <a:r>
-              <a:rPr lang="en-US" b="0" i="0" u="none" strike="noStrike" baseline="0" dirty="0" err="1">
-                <a:latin typeface="Arial" panose="020B0604020202020204" pitchFamily="34" charset="0"/>
-              </a:rPr>
-              <a:t>VSCode</a:t>
-            </a:r>
-            <a:r>
-              <a:rPr lang="en-US" b="0" i="0" u="none" strike="noStrike" baseline="0" dirty="0">
-                <a:latin typeface="Arial" panose="020B0604020202020204" pitchFamily="34" charset="0"/>
-              </a:rPr>
-              <a:t> Extensions</a:t>
-            </a:r>
+          <a:bodyPr/>
+          <a:lstStyle/>
+          <a:p>
+            <a:endParaRPr lang="en-SE"/>
           </a:p>
         </p:txBody>
       </p:sp>
@@ -19000,7 +18977,7 @@
           <p:cNvPr id="4" name="Footer Placeholder 3">
             <a:extLst>
               <a:ext uri="{FF2B5EF4-FFF2-40B4-BE49-F238E27FC236}">
-                <a16:creationId xmlns:a16="http://schemas.microsoft.com/office/drawing/2014/main" id="{DFC4B1A9-C5E5-6767-5A67-3AFFF61F8AE3}"/>
+                <a16:creationId xmlns:a16="http://schemas.microsoft.com/office/drawing/2014/main" id="{AFF17C74-066C-F6D3-8B07-3A4273A5590B}"/>
               </a:ext>
             </a:extLst>
           </p:cNvPr>
@@ -19029,7 +19006,7 @@
           <p:cNvPr id="5" name="Slide Number Placeholder 4">
             <a:extLst>
               <a:ext uri="{FF2B5EF4-FFF2-40B4-BE49-F238E27FC236}">
-                <a16:creationId xmlns:a16="http://schemas.microsoft.com/office/drawing/2014/main" id="{BAD258B7-9534-6ABE-261E-70D2894B8FD8}"/>
+                <a16:creationId xmlns:a16="http://schemas.microsoft.com/office/drawing/2014/main" id="{20FE1399-C7F6-1C33-DF5B-DE42A78C5F7F}"/>
               </a:ext>
             </a:extLst>
           </p:cNvPr>
@@ -19045,7 +19022,7 @@
           <a:bodyPr/>
           <a:lstStyle/>
           <a:p>
-            <a:fld id="{9993A830-6DA6-4394-A358-10250CDB3A67}" type="slidenum">
+            <a:fld id="{BFEA1545-8540-491B-83AB-51C306516EA6}" type="slidenum">
               <a:rPr lang="en-SE" smtClean="0"/>
               <a:t>70</a:t>
             </a:fld>
@@ -19056,7 +19033,7 @@
     </p:spTree>
     <p:extLst>
       <p:ext uri="{BB962C8B-B14F-4D97-AF65-F5344CB8AC3E}">
-        <p14:creationId xmlns:p14="http://schemas.microsoft.com/office/powerpoint/2010/main" val="3802939393"/>
+        <p14:creationId xmlns:p14="http://schemas.microsoft.com/office/powerpoint/2010/main" val="111630529"/>
       </p:ext>
     </p:extLst>
   </p:cSld>
@@ -19141,6 +19118,262 @@
         <p:spPr/>
         <p:txBody>
           <a:bodyPr>
+            <a:normAutofit fontScale="92500" lnSpcReduction="10000"/>
+          </a:bodyPr>
+          <a:lstStyle/>
+          <a:p>
+            <a:pPr marR="0" lvl="0" rtl="0"/>
+            <a:r>
+              <a:rPr lang="en-US" b="0" i="0" u="none" strike="noStrike" baseline="0" dirty="0">
+                <a:latin typeface="Arial" panose="020B0604020202020204" pitchFamily="34" charset="0"/>
+              </a:rPr>
+              <a:t>Performance</a:t>
+            </a:r>
+          </a:p>
+          <a:p>
+            <a:pPr lvl="1"/>
+            <a:r>
+              <a:rPr lang="en-US" b="0" i="0" u="none" strike="noStrike" baseline="0" dirty="0">
+                <a:latin typeface="Arial" panose="020B0604020202020204" pitchFamily="34" charset="0"/>
+              </a:rPr>
+              <a:t>Filter left - Format right</a:t>
+            </a:r>
+          </a:p>
+          <a:p>
+            <a:pPr lvl="1"/>
+            <a:r>
+              <a:rPr lang="en-US" b="0" i="0" u="none" strike="noStrike" baseline="0" dirty="0">
+                <a:latin typeface="Arial" panose="020B0604020202020204" pitchFamily="34" charset="0"/>
+              </a:rPr>
+              <a:t>Measure-Command</a:t>
+            </a:r>
+          </a:p>
+          <a:p>
+            <a:pPr lvl="1"/>
+            <a:r>
+              <a:rPr lang="en-US" b="0" i="0" u="none" strike="noStrike" baseline="0" dirty="0">
+                <a:latin typeface="Arial" panose="020B0604020202020204" pitchFamily="34" charset="0"/>
+              </a:rPr>
+              <a:t>Pipelines</a:t>
+            </a:r>
+          </a:p>
+          <a:p>
+            <a:pPr lvl="1"/>
+            <a:r>
+              <a:rPr lang="en-US" b="0" i="0" u="none" strike="noStrike" baseline="0" dirty="0">
+                <a:latin typeface="Arial" panose="020B0604020202020204" pitchFamily="34" charset="0"/>
+              </a:rPr>
+              <a:t>Avoid Console Output</a:t>
+            </a:r>
+          </a:p>
+          <a:p>
+            <a:pPr lvl="1"/>
+            <a:r>
+              <a:rPr lang="en-US" b="0" i="0" u="none" strike="noStrike" baseline="0" dirty="0">
+                <a:latin typeface="Arial" panose="020B0604020202020204" pitchFamily="34" charset="0"/>
+              </a:rPr>
+              <a:t>Arrays</a:t>
+            </a:r>
+          </a:p>
+          <a:p>
+            <a:pPr marR="0" lvl="0" rtl="0"/>
+            <a:r>
+              <a:rPr lang="en-US" b="0" i="0" u="none" strike="noStrike" baseline="0" dirty="0">
+                <a:latin typeface="Arial" panose="020B0604020202020204" pitchFamily="34" charset="0"/>
+              </a:rPr>
+              <a:t>Readability</a:t>
+            </a:r>
+          </a:p>
+          <a:p>
+            <a:pPr lvl="1"/>
+            <a:r>
+              <a:rPr lang="en-US" b="0" i="0" u="none" strike="noStrike" baseline="0" dirty="0">
+                <a:latin typeface="Arial" panose="020B0604020202020204" pitchFamily="34" charset="0"/>
+              </a:rPr>
+              <a:t>Don't Use Aliases</a:t>
+            </a:r>
+          </a:p>
+          <a:p>
+            <a:pPr marR="0" lvl="0" rtl="0"/>
+            <a:r>
+              <a:rPr lang="en-US" b="0" i="0" u="none" strike="noStrike" baseline="0" dirty="0">
+                <a:latin typeface="Arial" panose="020B0604020202020204" pitchFamily="34" charset="0"/>
+              </a:rPr>
+              <a:t>Verb-Noun</a:t>
+            </a:r>
+          </a:p>
+          <a:p>
+            <a:pPr marR="0" lvl="0" rtl="0"/>
+            <a:r>
+              <a:rPr lang="en-US" b="0" i="0" u="none" strike="noStrike" baseline="0" dirty="0">
+                <a:latin typeface="Arial" panose="020B0604020202020204" pitchFamily="34" charset="0"/>
+              </a:rPr>
+              <a:t>$null on left side comparison</a:t>
+            </a:r>
+          </a:p>
+          <a:p>
+            <a:pPr marR="0" lvl="0" rtl="0"/>
+            <a:r>
+              <a:rPr lang="en-US" b="0" i="0" u="none" strike="noStrike" baseline="0" dirty="0" err="1">
+                <a:latin typeface="Arial" panose="020B0604020202020204" pitchFamily="34" charset="0"/>
+              </a:rPr>
+              <a:t>VSCode</a:t>
+            </a:r>
+            <a:r>
+              <a:rPr lang="en-US" b="0" i="0" u="none" strike="noStrike" baseline="0" dirty="0">
+                <a:latin typeface="Arial" panose="020B0604020202020204" pitchFamily="34" charset="0"/>
+              </a:rPr>
+              <a:t> Extensions</a:t>
+            </a:r>
+          </a:p>
+        </p:txBody>
+      </p:sp>
+      <p:sp>
+        <p:nvSpPr>
+          <p:cNvPr id="4" name="Footer Placeholder 3">
+            <a:extLst>
+              <a:ext uri="{FF2B5EF4-FFF2-40B4-BE49-F238E27FC236}">
+                <a16:creationId xmlns:a16="http://schemas.microsoft.com/office/drawing/2014/main" id="{DFC4B1A9-C5E5-6767-5A67-3AFFF61F8AE3}"/>
+              </a:ext>
+            </a:extLst>
+          </p:cNvPr>
+          <p:cNvSpPr>
+            <a:spLocks noGrp="1"/>
+          </p:cNvSpPr>
+          <p:nvPr>
+            <p:ph type="ftr" sz="quarter" idx="11"/>
+          </p:nvPr>
+        </p:nvSpPr>
+        <p:spPr/>
+        <p:txBody>
+          <a:bodyPr/>
+          <a:lstStyle/>
+          <a:p>
+            <a:r>
+              <a:rPr lang="sv-SE"/>
+              <a:t>Björn Sundling  bjorn.sundling@advania.com</a:t>
+            </a:r>
+            <a:endParaRPr lang="en-SE"/>
+          </a:p>
+        </p:txBody>
+      </p:sp>
+      <p:sp>
+        <p:nvSpPr>
+          <p:cNvPr id="5" name="Slide Number Placeholder 4">
+            <a:extLst>
+              <a:ext uri="{FF2B5EF4-FFF2-40B4-BE49-F238E27FC236}">
+                <a16:creationId xmlns:a16="http://schemas.microsoft.com/office/drawing/2014/main" id="{BAD258B7-9534-6ABE-261E-70D2894B8FD8}"/>
+              </a:ext>
+            </a:extLst>
+          </p:cNvPr>
+          <p:cNvSpPr>
+            <a:spLocks noGrp="1"/>
+          </p:cNvSpPr>
+          <p:nvPr>
+            <p:ph type="sldNum" sz="quarter" idx="12"/>
+          </p:nvPr>
+        </p:nvSpPr>
+        <p:spPr/>
+        <p:txBody>
+          <a:bodyPr/>
+          <a:lstStyle/>
+          <a:p>
+            <a:fld id="{9993A830-6DA6-4394-A358-10250CDB3A67}" type="slidenum">
+              <a:rPr lang="en-SE" smtClean="0"/>
+              <a:t>71</a:t>
+            </a:fld>
+            <a:endParaRPr lang="en-SE"/>
+          </a:p>
+        </p:txBody>
+      </p:sp>
+    </p:spTree>
+    <p:extLst>
+      <p:ext uri="{BB962C8B-B14F-4D97-AF65-F5344CB8AC3E}">
+        <p14:creationId xmlns:p14="http://schemas.microsoft.com/office/powerpoint/2010/main" val="3802939393"/>
+      </p:ext>
+    </p:extLst>
+  </p:cSld>
+  <p:clrMapOvr>
+    <a:masterClrMapping/>
+  </p:clrMapOvr>
+</p:sld>
+</file>
+
+<file path=ppt/slides/slide72.xml><?xml version="1.0" encoding="utf-8"?>
+<p:sld xmlns:a="http://schemas.openxmlformats.org/drawingml/2006/main" xmlns:r="http://schemas.openxmlformats.org/officeDocument/2006/relationships" xmlns:p="http://schemas.openxmlformats.org/presentationml/2006/main">
+  <p:cSld>
+    <p:spTree>
+      <p:nvGrpSpPr>
+        <p:cNvPr id="1" name=""/>
+        <p:cNvGrpSpPr/>
+        <p:nvPr/>
+      </p:nvGrpSpPr>
+      <p:grpSpPr>
+        <a:xfrm>
+          <a:off x="0" y="0"/>
+          <a:ext cx="0" cy="0"/>
+          <a:chOff x="0" y="0"/>
+          <a:chExt cx="0" cy="0"/>
+        </a:xfrm>
+      </p:grpSpPr>
+      <p:sp>
+        <p:nvSpPr>
+          <p:cNvPr id="2" name="Title 1">
+            <a:extLst>
+              <a:ext uri="{FF2B5EF4-FFF2-40B4-BE49-F238E27FC236}">
+                <a16:creationId xmlns:a16="http://schemas.microsoft.com/office/drawing/2014/main" id="{020D5667-3F2E-0371-B2AF-410D252A6CEA}"/>
+              </a:ext>
+            </a:extLst>
+          </p:cNvPr>
+          <p:cNvSpPr>
+            <a:spLocks noGrp="1"/>
+          </p:cNvSpPr>
+          <p:nvPr>
+            <p:ph type="title"/>
+          </p:nvPr>
+        </p:nvSpPr>
+        <p:spPr>
+          <a:xfrm>
+            <a:off x="838200" y="365125"/>
+            <a:ext cx="10515600" cy="1325563"/>
+          </a:xfrm>
+        </p:spPr>
+        <p:txBody>
+          <a:bodyPr/>
+          <a:lstStyle/>
+          <a:p>
+            <a:pPr marR="0" rtl="0"/>
+            <a:r>
+              <a:rPr lang="en-GB" b="1" i="0" u="none" strike="noStrike" baseline="0" dirty="0">
+                <a:latin typeface="Arial" panose="020B0604020202020204" pitchFamily="34" charset="0"/>
+              </a:rPr>
+              <a:t>Best Practices</a:t>
+            </a:r>
+            <a:endParaRPr lang="en-GB" b="0" i="0" u="none" strike="noStrike" baseline="0" dirty="0">
+              <a:latin typeface="Arial" panose="020B0604020202020204" pitchFamily="34" charset="0"/>
+            </a:endParaRPr>
+          </a:p>
+        </p:txBody>
+      </p:sp>
+      <p:sp>
+        <p:nvSpPr>
+          <p:cNvPr id="3" name="Text Placeholder 2">
+            <a:extLst>
+              <a:ext uri="{FF2B5EF4-FFF2-40B4-BE49-F238E27FC236}">
+                <a16:creationId xmlns:a16="http://schemas.microsoft.com/office/drawing/2014/main" id="{14842F41-DE27-3397-05EB-81DCA4DF63A8}"/>
+              </a:ext>
+            </a:extLst>
+          </p:cNvPr>
+          <p:cNvSpPr>
+            <a:spLocks noGrp="1"/>
+          </p:cNvSpPr>
+          <p:nvPr>
+            <p:ph type="body" idx="1"/>
+          </p:nvPr>
+        </p:nvSpPr>
+        <p:spPr/>
+        <p:txBody>
+          <a:bodyPr>
             <a:normAutofit/>
           </a:bodyPr>
           <a:lstStyle/>
@@ -19210,7 +19443,7 @@
           <a:p>
             <a:fld id="{9993A830-6DA6-4394-A358-10250CDB3A67}" type="slidenum">
               <a:rPr lang="en-SE" smtClean="0"/>
-              <a:t>71</a:t>
+              <a:t>72</a:t>
             </a:fld>
             <a:endParaRPr lang="en-SE"/>
           </a:p>
@@ -19314,150 +19547,6 @@
 </p:sld>
 </file>
 
-<file path=ppt/slides/slide72.xml><?xml version="1.0" encoding="utf-8"?>
-<p:sld xmlns:a="http://schemas.openxmlformats.org/drawingml/2006/main" xmlns:r="http://schemas.openxmlformats.org/officeDocument/2006/relationships" xmlns:p="http://schemas.openxmlformats.org/presentationml/2006/main" show="0">
-  <p:cSld>
-    <p:spTree>
-      <p:nvGrpSpPr>
-        <p:cNvPr id="1" name=""/>
-        <p:cNvGrpSpPr/>
-        <p:nvPr/>
-      </p:nvGrpSpPr>
-      <p:grpSpPr>
-        <a:xfrm>
-          <a:off x="0" y="0"/>
-          <a:ext cx="0" cy="0"/>
-          <a:chOff x="0" y="0"/>
-          <a:chExt cx="0" cy="0"/>
-        </a:xfrm>
-      </p:grpSpPr>
-      <p:sp>
-        <p:nvSpPr>
-          <p:cNvPr id="2" name="Title 1">
-            <a:extLst>
-              <a:ext uri="{FF2B5EF4-FFF2-40B4-BE49-F238E27FC236}">
-                <a16:creationId xmlns:a16="http://schemas.microsoft.com/office/drawing/2014/main" id="{55D23047-3833-EFE0-8A01-090ACFE1D9FC}"/>
-              </a:ext>
-            </a:extLst>
-          </p:cNvPr>
-          <p:cNvSpPr>
-            <a:spLocks noGrp="1"/>
-          </p:cNvSpPr>
-          <p:nvPr>
-            <p:ph type="title"/>
-          </p:nvPr>
-        </p:nvSpPr>
-        <p:spPr/>
-        <p:txBody>
-          <a:bodyPr/>
-          <a:lstStyle/>
-          <a:p>
-            <a:r>
-              <a:rPr lang="en-GB" b="1" i="0" u="none" strike="noStrike" baseline="0" dirty="0">
-                <a:latin typeface="Arial" panose="020B0604020202020204" pitchFamily="34" charset="0"/>
-              </a:rPr>
-              <a:t>Chapter name</a:t>
-            </a:r>
-            <a:endParaRPr lang="en-SE" dirty="0"/>
-          </a:p>
-        </p:txBody>
-      </p:sp>
-      <p:sp>
-        <p:nvSpPr>
-          <p:cNvPr id="3" name="Text Placeholder 2">
-            <a:extLst>
-              <a:ext uri="{FF2B5EF4-FFF2-40B4-BE49-F238E27FC236}">
-                <a16:creationId xmlns:a16="http://schemas.microsoft.com/office/drawing/2014/main" id="{1F80B5F8-E4FB-9CDB-0C7C-EEDCB4B8AF1D}"/>
-              </a:ext>
-            </a:extLst>
-          </p:cNvPr>
-          <p:cNvSpPr>
-            <a:spLocks noGrp="1"/>
-          </p:cNvSpPr>
-          <p:nvPr>
-            <p:ph type="body" idx="1"/>
-          </p:nvPr>
-        </p:nvSpPr>
-        <p:spPr/>
-        <p:txBody>
-          <a:bodyPr/>
-          <a:lstStyle/>
-          <a:p>
-            <a:endParaRPr lang="en-SE"/>
-          </a:p>
-        </p:txBody>
-      </p:sp>
-      <p:sp>
-        <p:nvSpPr>
-          <p:cNvPr id="4" name="Footer Placeholder 3">
-            <a:extLst>
-              <a:ext uri="{FF2B5EF4-FFF2-40B4-BE49-F238E27FC236}">
-                <a16:creationId xmlns:a16="http://schemas.microsoft.com/office/drawing/2014/main" id="{AFF17C74-066C-F6D3-8B07-3A4273A5590B}"/>
-              </a:ext>
-            </a:extLst>
-          </p:cNvPr>
-          <p:cNvSpPr>
-            <a:spLocks noGrp="1"/>
-          </p:cNvSpPr>
-          <p:nvPr>
-            <p:ph type="ftr" sz="quarter" idx="11"/>
-          </p:nvPr>
-        </p:nvSpPr>
-        <p:spPr/>
-        <p:txBody>
-          <a:bodyPr/>
-          <a:lstStyle/>
-          <a:p>
-            <a:r>
-              <a:rPr lang="sv-SE"/>
-              <a:t>Björn Sundling  bjorn.sundling@advania.com</a:t>
-            </a:r>
-            <a:endParaRPr lang="en-SE"/>
-          </a:p>
-        </p:txBody>
-      </p:sp>
-      <p:sp>
-        <p:nvSpPr>
-          <p:cNvPr id="5" name="Slide Number Placeholder 4">
-            <a:extLst>
-              <a:ext uri="{FF2B5EF4-FFF2-40B4-BE49-F238E27FC236}">
-                <a16:creationId xmlns:a16="http://schemas.microsoft.com/office/drawing/2014/main" id="{20FE1399-C7F6-1C33-DF5B-DE42A78C5F7F}"/>
-              </a:ext>
-            </a:extLst>
-          </p:cNvPr>
-          <p:cNvSpPr>
-            <a:spLocks noGrp="1"/>
-          </p:cNvSpPr>
-          <p:nvPr>
-            <p:ph type="sldNum" sz="quarter" idx="12"/>
-          </p:nvPr>
-        </p:nvSpPr>
-        <p:spPr/>
-        <p:txBody>
-          <a:bodyPr/>
-          <a:lstStyle/>
-          <a:p>
-            <a:fld id="{BFEA1545-8540-491B-83AB-51C306516EA6}" type="slidenum">
-              <a:rPr lang="en-SE" smtClean="0"/>
-              <a:t>72</a:t>
-            </a:fld>
-            <a:endParaRPr lang="en-SE"/>
-          </a:p>
-        </p:txBody>
-      </p:sp>
-    </p:spTree>
-    <p:extLst>
-      <p:ext uri="{BB962C8B-B14F-4D97-AF65-F5344CB8AC3E}">
-        <p14:creationId xmlns:p14="http://schemas.microsoft.com/office/powerpoint/2010/main" val="2146787524"/>
-      </p:ext>
-    </p:extLst>
-  </p:cSld>
-  <p:clrMapOvr>
-    <a:masterClrMapping/>
-  </p:clrMapOvr>
-</p:sld>
-</file>
-
 <file path=ppt/slides/slide73.xml><?xml version="1.0" encoding="utf-8"?>
 <p:sld xmlns:a="http://schemas.openxmlformats.org/drawingml/2006/main" xmlns:r="http://schemas.openxmlformats.org/officeDocument/2006/relationships" xmlns:p="http://schemas.openxmlformats.org/presentationml/2006/main" show="0">
   <p:cSld>
@@ -19480,7 +19569,7 @@
           <p:cNvPr id="2" name="Title 1">
             <a:extLst>
               <a:ext uri="{FF2B5EF4-FFF2-40B4-BE49-F238E27FC236}">
-                <a16:creationId xmlns:a16="http://schemas.microsoft.com/office/drawing/2014/main" id="{020D5667-3F2E-0371-B2AF-410D252A6CEA}"/>
+                <a16:creationId xmlns:a16="http://schemas.microsoft.com/office/drawing/2014/main" id="{55D23047-3833-EFE0-8A01-090ACFE1D9FC}"/>
               </a:ext>
             </a:extLst>
           </p:cNvPr>
@@ -19491,26 +19580,18 @@
             <p:ph type="title"/>
           </p:nvPr>
         </p:nvSpPr>
-        <p:spPr>
-          <a:xfrm>
-            <a:off x="838200" y="365125"/>
-            <a:ext cx="10515600" cy="1325563"/>
-          </a:xfrm>
-        </p:spPr>
-        <p:txBody>
-          <a:bodyPr/>
-          <a:lstStyle/>
-          <a:p>
-            <a:pPr marR="0" rtl="0"/>
+        <p:spPr/>
+        <p:txBody>
+          <a:bodyPr/>
+          <a:lstStyle/>
+          <a:p>
             <a:r>
               <a:rPr lang="en-GB" b="1" i="0" u="none" strike="noStrike" baseline="0" dirty="0">
                 <a:latin typeface="Arial" panose="020B0604020202020204" pitchFamily="34" charset="0"/>
               </a:rPr>
               <a:t>Chapter name</a:t>
             </a:r>
-            <a:endParaRPr lang="en-GB" b="0" i="0" u="none" strike="noStrike" baseline="0" dirty="0">
-              <a:latin typeface="Arial" panose="020B0604020202020204" pitchFamily="34" charset="0"/>
-            </a:endParaRPr>
+            <a:endParaRPr lang="en-SE" dirty="0"/>
           </a:p>
         </p:txBody>
       </p:sp>
@@ -19519,7 +19600,7 @@
           <p:cNvPr id="3" name="Text Placeholder 2">
             <a:extLst>
               <a:ext uri="{FF2B5EF4-FFF2-40B4-BE49-F238E27FC236}">
-                <a16:creationId xmlns:a16="http://schemas.microsoft.com/office/drawing/2014/main" id="{14842F41-DE27-3397-05EB-81DCA4DF63A8}"/>
+                <a16:creationId xmlns:a16="http://schemas.microsoft.com/office/drawing/2014/main" id="{1F80B5F8-E4FB-9CDB-0C7C-EEDCB4B8AF1D}"/>
               </a:ext>
             </a:extLst>
           </p:cNvPr>
@@ -19532,30 +19613,10 @@
         </p:nvSpPr>
         <p:spPr/>
         <p:txBody>
-          <a:bodyPr>
-            <a:normAutofit/>
-          </a:bodyPr>
-          <a:lstStyle/>
-          <a:p>
-            <a:pPr marR="0" lvl="0" rtl="0"/>
-            <a:r>
-              <a:rPr lang="en-US" b="0" i="0" u="none" strike="noStrike" baseline="0" dirty="0">
-                <a:latin typeface="Arial" panose="020B0604020202020204" pitchFamily="34" charset="0"/>
-              </a:rPr>
-              <a:t>Text goes here</a:t>
-            </a:r>
-          </a:p>
-          <a:p>
-            <a:pPr lvl="1"/>
-            <a:r>
-              <a:rPr lang="en-US" dirty="0">
-                <a:latin typeface="Arial" panose="020B0604020202020204" pitchFamily="34" charset="0"/>
-              </a:rPr>
-              <a:t>Or here</a:t>
-            </a:r>
-            <a:endParaRPr lang="en-GB" b="0" i="0" u="none" strike="noStrike" baseline="0" dirty="0">
-              <a:latin typeface="Arial" panose="020B0604020202020204" pitchFamily="34" charset="0"/>
-            </a:endParaRPr>
+          <a:bodyPr/>
+          <a:lstStyle/>
+          <a:p>
+            <a:endParaRPr lang="en-SE"/>
           </a:p>
         </p:txBody>
       </p:sp>
@@ -19564,7 +19625,7 @@
           <p:cNvPr id="4" name="Footer Placeholder 3">
             <a:extLst>
               <a:ext uri="{FF2B5EF4-FFF2-40B4-BE49-F238E27FC236}">
-                <a16:creationId xmlns:a16="http://schemas.microsoft.com/office/drawing/2014/main" id="{DFC4B1A9-C5E5-6767-5A67-3AFFF61F8AE3}"/>
+                <a16:creationId xmlns:a16="http://schemas.microsoft.com/office/drawing/2014/main" id="{AFF17C74-066C-F6D3-8B07-3A4273A5590B}"/>
               </a:ext>
             </a:extLst>
           </p:cNvPr>
@@ -19593,7 +19654,7 @@
           <p:cNvPr id="5" name="Slide Number Placeholder 4">
             <a:extLst>
               <a:ext uri="{FF2B5EF4-FFF2-40B4-BE49-F238E27FC236}">
-                <a16:creationId xmlns:a16="http://schemas.microsoft.com/office/drawing/2014/main" id="{BAD258B7-9534-6ABE-261E-70D2894B8FD8}"/>
+                <a16:creationId xmlns:a16="http://schemas.microsoft.com/office/drawing/2014/main" id="{20FE1399-C7F6-1C33-DF5B-DE42A78C5F7F}"/>
               </a:ext>
             </a:extLst>
           </p:cNvPr>
@@ -19609,7 +19670,7 @@
           <a:bodyPr/>
           <a:lstStyle/>
           <a:p>
-            <a:fld id="{9993A830-6DA6-4394-A358-10250CDB3A67}" type="slidenum">
+            <a:fld id="{BFEA1545-8540-491B-83AB-51C306516EA6}" type="slidenum">
               <a:rPr lang="en-SE" smtClean="0"/>
               <a:t>73</a:t>
             </a:fld>
@@ -19620,7 +19681,7 @@
     </p:spTree>
     <p:extLst>
       <p:ext uri="{BB962C8B-B14F-4D97-AF65-F5344CB8AC3E}">
-        <p14:creationId xmlns:p14="http://schemas.microsoft.com/office/powerpoint/2010/main" val="240548692"/>
+        <p14:creationId xmlns:p14="http://schemas.microsoft.com/office/powerpoint/2010/main" val="2146787524"/>
       </p:ext>
     </p:extLst>
   </p:cSld>
@@ -19652,6 +19713,178 @@
           <p:cNvPr id="2" name="Title 1">
             <a:extLst>
               <a:ext uri="{FF2B5EF4-FFF2-40B4-BE49-F238E27FC236}">
+                <a16:creationId xmlns:a16="http://schemas.microsoft.com/office/drawing/2014/main" id="{020D5667-3F2E-0371-B2AF-410D252A6CEA}"/>
+              </a:ext>
+            </a:extLst>
+          </p:cNvPr>
+          <p:cNvSpPr>
+            <a:spLocks noGrp="1"/>
+          </p:cNvSpPr>
+          <p:nvPr>
+            <p:ph type="title"/>
+          </p:nvPr>
+        </p:nvSpPr>
+        <p:spPr>
+          <a:xfrm>
+            <a:off x="838200" y="365125"/>
+            <a:ext cx="10515600" cy="1325563"/>
+          </a:xfrm>
+        </p:spPr>
+        <p:txBody>
+          <a:bodyPr/>
+          <a:lstStyle/>
+          <a:p>
+            <a:pPr marR="0" rtl="0"/>
+            <a:r>
+              <a:rPr lang="en-GB" b="1" i="0" u="none" strike="noStrike" baseline="0" dirty="0">
+                <a:latin typeface="Arial" panose="020B0604020202020204" pitchFamily="34" charset="0"/>
+              </a:rPr>
+              <a:t>Chapter name</a:t>
+            </a:r>
+            <a:endParaRPr lang="en-GB" b="0" i="0" u="none" strike="noStrike" baseline="0" dirty="0">
+              <a:latin typeface="Arial" panose="020B0604020202020204" pitchFamily="34" charset="0"/>
+            </a:endParaRPr>
+          </a:p>
+        </p:txBody>
+      </p:sp>
+      <p:sp>
+        <p:nvSpPr>
+          <p:cNvPr id="3" name="Text Placeholder 2">
+            <a:extLst>
+              <a:ext uri="{FF2B5EF4-FFF2-40B4-BE49-F238E27FC236}">
+                <a16:creationId xmlns:a16="http://schemas.microsoft.com/office/drawing/2014/main" id="{14842F41-DE27-3397-05EB-81DCA4DF63A8}"/>
+              </a:ext>
+            </a:extLst>
+          </p:cNvPr>
+          <p:cNvSpPr>
+            <a:spLocks noGrp="1"/>
+          </p:cNvSpPr>
+          <p:nvPr>
+            <p:ph type="body" idx="1"/>
+          </p:nvPr>
+        </p:nvSpPr>
+        <p:spPr/>
+        <p:txBody>
+          <a:bodyPr>
+            <a:normAutofit/>
+          </a:bodyPr>
+          <a:lstStyle/>
+          <a:p>
+            <a:pPr marR="0" lvl="0" rtl="0"/>
+            <a:r>
+              <a:rPr lang="en-US" b="0" i="0" u="none" strike="noStrike" baseline="0" dirty="0">
+                <a:latin typeface="Arial" panose="020B0604020202020204" pitchFamily="34" charset="0"/>
+              </a:rPr>
+              <a:t>Text goes here</a:t>
+            </a:r>
+          </a:p>
+          <a:p>
+            <a:pPr lvl="1"/>
+            <a:r>
+              <a:rPr lang="en-US" dirty="0">
+                <a:latin typeface="Arial" panose="020B0604020202020204" pitchFamily="34" charset="0"/>
+              </a:rPr>
+              <a:t>Or here</a:t>
+            </a:r>
+            <a:endParaRPr lang="en-GB" b="0" i="0" u="none" strike="noStrike" baseline="0" dirty="0">
+              <a:latin typeface="Arial" panose="020B0604020202020204" pitchFamily="34" charset="0"/>
+            </a:endParaRPr>
+          </a:p>
+        </p:txBody>
+      </p:sp>
+      <p:sp>
+        <p:nvSpPr>
+          <p:cNvPr id="4" name="Footer Placeholder 3">
+            <a:extLst>
+              <a:ext uri="{FF2B5EF4-FFF2-40B4-BE49-F238E27FC236}">
+                <a16:creationId xmlns:a16="http://schemas.microsoft.com/office/drawing/2014/main" id="{DFC4B1A9-C5E5-6767-5A67-3AFFF61F8AE3}"/>
+              </a:ext>
+            </a:extLst>
+          </p:cNvPr>
+          <p:cNvSpPr>
+            <a:spLocks noGrp="1"/>
+          </p:cNvSpPr>
+          <p:nvPr>
+            <p:ph type="ftr" sz="quarter" idx="11"/>
+          </p:nvPr>
+        </p:nvSpPr>
+        <p:spPr/>
+        <p:txBody>
+          <a:bodyPr/>
+          <a:lstStyle/>
+          <a:p>
+            <a:r>
+              <a:rPr lang="sv-SE"/>
+              <a:t>Björn Sundling  bjorn.sundling@advania.com</a:t>
+            </a:r>
+            <a:endParaRPr lang="en-SE"/>
+          </a:p>
+        </p:txBody>
+      </p:sp>
+      <p:sp>
+        <p:nvSpPr>
+          <p:cNvPr id="5" name="Slide Number Placeholder 4">
+            <a:extLst>
+              <a:ext uri="{FF2B5EF4-FFF2-40B4-BE49-F238E27FC236}">
+                <a16:creationId xmlns:a16="http://schemas.microsoft.com/office/drawing/2014/main" id="{BAD258B7-9534-6ABE-261E-70D2894B8FD8}"/>
+              </a:ext>
+            </a:extLst>
+          </p:cNvPr>
+          <p:cNvSpPr>
+            <a:spLocks noGrp="1"/>
+          </p:cNvSpPr>
+          <p:nvPr>
+            <p:ph type="sldNum" sz="quarter" idx="12"/>
+          </p:nvPr>
+        </p:nvSpPr>
+        <p:spPr/>
+        <p:txBody>
+          <a:bodyPr/>
+          <a:lstStyle/>
+          <a:p>
+            <a:fld id="{9993A830-6DA6-4394-A358-10250CDB3A67}" type="slidenum">
+              <a:rPr lang="en-SE" smtClean="0"/>
+              <a:t>74</a:t>
+            </a:fld>
+            <a:endParaRPr lang="en-SE"/>
+          </a:p>
+        </p:txBody>
+      </p:sp>
+    </p:spTree>
+    <p:extLst>
+      <p:ext uri="{BB962C8B-B14F-4D97-AF65-F5344CB8AC3E}">
+        <p14:creationId xmlns:p14="http://schemas.microsoft.com/office/powerpoint/2010/main" val="240548692"/>
+      </p:ext>
+    </p:extLst>
+  </p:cSld>
+  <p:clrMapOvr>
+    <a:masterClrMapping/>
+  </p:clrMapOvr>
+</p:sld>
+</file>
+
+<file path=ppt/slides/slide75.xml><?xml version="1.0" encoding="utf-8"?>
+<p:sld xmlns:a="http://schemas.openxmlformats.org/drawingml/2006/main" xmlns:r="http://schemas.openxmlformats.org/officeDocument/2006/relationships" xmlns:p="http://schemas.openxmlformats.org/presentationml/2006/main" show="0">
+  <p:cSld>
+    <p:spTree>
+      <p:nvGrpSpPr>
+        <p:cNvPr id="1" name=""/>
+        <p:cNvGrpSpPr/>
+        <p:nvPr/>
+      </p:nvGrpSpPr>
+      <p:grpSpPr>
+        <a:xfrm>
+          <a:off x="0" y="0"/>
+          <a:ext cx="0" cy="0"/>
+          <a:chOff x="0" y="0"/>
+          <a:chExt cx="0" cy="0"/>
+        </a:xfrm>
+      </p:grpSpPr>
+      <p:sp>
+        <p:nvSpPr>
+          <p:cNvPr id="2" name="Title 1">
+            <a:extLst>
+              <a:ext uri="{FF2B5EF4-FFF2-40B4-BE49-F238E27FC236}">
                 <a16:creationId xmlns:a16="http://schemas.microsoft.com/office/drawing/2014/main" id="{69BCD6E1-D5BF-EF3E-F0CC-EDE7BAE35861}"/>
               </a:ext>
             </a:extLst>
@@ -19811,7 +20044,7 @@
           <a:p>
             <a:fld id="{BFEA1545-8540-491B-83AB-51C306516EA6}" type="slidenum">
               <a:rPr lang="en-SE" smtClean="0"/>
-              <a:t>74</a:t>
+              <a:t>75</a:t>
             </a:fld>
             <a:endParaRPr lang="en-SE"/>
           </a:p>
@@ -19830,7 +20063,7 @@
 </p:sld>
 </file>
 
-<file path=ppt/slides/slide75.xml><?xml version="1.0" encoding="utf-8"?>
+<file path=ppt/slides/slide76.xml><?xml version="1.0" encoding="utf-8"?>
 <p:sld xmlns:a="http://schemas.openxmlformats.org/drawingml/2006/main" xmlns:r="http://schemas.openxmlformats.org/officeDocument/2006/relationships" xmlns:p="http://schemas.openxmlformats.org/presentationml/2006/main">
   <p:cSld>
     <p:spTree>
